--- a/EE2 Externalities.pptx
+++ b/EE2 Externalities.pptx
@@ -4440,42 +4440,42 @@
                 <a:gridCol w="1142999">
                   <a:extLst>
                     <a:ext uri="{9D8B030D-6E8A-4147-A177-3AD203B41FA5}">
-                      <a16:colId xmlns:a16="http://schemas.microsoft.com/office/drawing/2014/main" val="20000"/>
+                      <a16:colId xmlns:a16="http://schemas.microsoft.com/office/drawing/2014/main" xmlns="" val="20000"/>
                     </a:ext>
                   </a:extLst>
                 </a:gridCol>
                 <a:gridCol w="1143000">
                   <a:extLst>
                     <a:ext uri="{9D8B030D-6E8A-4147-A177-3AD203B41FA5}">
-                      <a16:colId xmlns:a16="http://schemas.microsoft.com/office/drawing/2014/main" val="20001"/>
+                      <a16:colId xmlns:a16="http://schemas.microsoft.com/office/drawing/2014/main" xmlns="" val="20001"/>
                     </a:ext>
                   </a:extLst>
                 </a:gridCol>
                 <a:gridCol w="2819400">
                   <a:extLst>
                     <a:ext uri="{9D8B030D-6E8A-4147-A177-3AD203B41FA5}">
-                      <a16:colId xmlns:a16="http://schemas.microsoft.com/office/drawing/2014/main" val="20002"/>
+                      <a16:colId xmlns:a16="http://schemas.microsoft.com/office/drawing/2014/main" xmlns="" val="20002"/>
                     </a:ext>
                   </a:extLst>
                 </a:gridCol>
                 <a:gridCol w="1143000">
                   <a:extLst>
                     <a:ext uri="{9D8B030D-6E8A-4147-A177-3AD203B41FA5}">
-                      <a16:colId xmlns:a16="http://schemas.microsoft.com/office/drawing/2014/main" val="20003"/>
+                      <a16:colId xmlns:a16="http://schemas.microsoft.com/office/drawing/2014/main" xmlns="" val="20003"/>
                     </a:ext>
                   </a:extLst>
                 </a:gridCol>
                 <a:gridCol w="1447800">
                   <a:extLst>
                     <a:ext uri="{9D8B030D-6E8A-4147-A177-3AD203B41FA5}">
-                      <a16:colId xmlns:a16="http://schemas.microsoft.com/office/drawing/2014/main" val="20004"/>
+                      <a16:colId xmlns:a16="http://schemas.microsoft.com/office/drawing/2014/main" xmlns="" val="20004"/>
                     </a:ext>
                   </a:extLst>
                 </a:gridCol>
                 <a:gridCol w="990599">
                   <a:extLst>
                     <a:ext uri="{9D8B030D-6E8A-4147-A177-3AD203B41FA5}">
-                      <a16:colId xmlns:a16="http://schemas.microsoft.com/office/drawing/2014/main" val="20005"/>
+                      <a16:colId xmlns:a16="http://schemas.microsoft.com/office/drawing/2014/main" xmlns="" val="20005"/>
                     </a:ext>
                   </a:extLst>
                 </a:gridCol>
@@ -4588,7 +4588,7 @@
                 </a:tc>
                 <a:extLst>
                   <a:ext uri="{0D108BD9-81ED-4DB2-BD59-A6C34878D82A}">
-                    <a16:rowId xmlns:a16="http://schemas.microsoft.com/office/drawing/2014/main" val="10000"/>
+                    <a16:rowId xmlns:a16="http://schemas.microsoft.com/office/drawing/2014/main" xmlns="" val="10000"/>
                   </a:ext>
                 </a:extLst>
               </a:tr>
@@ -4721,7 +4721,7 @@
                 </a:tc>
                 <a:extLst>
                   <a:ext uri="{0D108BD9-81ED-4DB2-BD59-A6C34878D82A}">
-                    <a16:rowId xmlns:a16="http://schemas.microsoft.com/office/drawing/2014/main" val="10001"/>
+                    <a16:rowId xmlns:a16="http://schemas.microsoft.com/office/drawing/2014/main" xmlns="" val="10001"/>
                   </a:ext>
                 </a:extLst>
               </a:tr>
@@ -13874,11 +13874,20 @@
               <a:buNone/>
             </a:pPr>
             <a:r>
-              <a:rPr lang="en-US" sz="2800" dirty="0">
+              <a:rPr lang="en-US" sz="2800">
                 <a:latin typeface="Candara" panose="020E0502030303020204" pitchFamily="34" charset="0"/>
               </a:rPr>
-              <a:t>9 Imperfect information</a:t>
+              <a:t>9 </a:t>
             </a:r>
+            <a:r>
+              <a:rPr lang="en-US" sz="2800">
+                <a:latin typeface="Candara" panose="020E0502030303020204" pitchFamily="34" charset="0"/>
+              </a:rPr>
+              <a:t>Complications with instruments</a:t>
+            </a:r>
+            <a:endParaRPr lang="en-US" sz="2800" dirty="0">
+              <a:latin typeface="Candara" panose="020E0502030303020204" pitchFamily="34" charset="0"/>
+            </a:endParaRPr>
           </a:p>
           <a:p>
             <a:pPr eaLnBrk="1" hangingPunct="1">
@@ -14693,21 +14702,21 @@
                 <a:gridCol w="2568656">
                   <a:extLst>
                     <a:ext uri="{9D8B030D-6E8A-4147-A177-3AD203B41FA5}">
-                      <a16:colId xmlns:a16="http://schemas.microsoft.com/office/drawing/2014/main" val="20000"/>
+                      <a16:colId xmlns:a16="http://schemas.microsoft.com/office/drawing/2014/main" xmlns="" val="20000"/>
                     </a:ext>
                   </a:extLst>
                 </a:gridCol>
                 <a:gridCol w="2993944">
                   <a:extLst>
                     <a:ext uri="{9D8B030D-6E8A-4147-A177-3AD203B41FA5}">
-                      <a16:colId xmlns:a16="http://schemas.microsoft.com/office/drawing/2014/main" val="20001"/>
+                      <a16:colId xmlns:a16="http://schemas.microsoft.com/office/drawing/2014/main" xmlns="" val="20001"/>
                     </a:ext>
                   </a:extLst>
                 </a:gridCol>
                 <a:gridCol w="3276600">
                   <a:extLst>
                     <a:ext uri="{9D8B030D-6E8A-4147-A177-3AD203B41FA5}">
-                      <a16:colId xmlns:a16="http://schemas.microsoft.com/office/drawing/2014/main" val="20002"/>
+                      <a16:colId xmlns:a16="http://schemas.microsoft.com/office/drawing/2014/main" xmlns="" val="20002"/>
                     </a:ext>
                   </a:extLst>
                 </a:gridCol>
@@ -14871,7 +14880,7 @@
                 </a:tc>
                 <a:extLst>
                   <a:ext uri="{0D108BD9-81ED-4DB2-BD59-A6C34878D82A}">
-                    <a16:rowId xmlns:a16="http://schemas.microsoft.com/office/drawing/2014/main" val="10000"/>
+                    <a16:rowId xmlns:a16="http://schemas.microsoft.com/office/drawing/2014/main" xmlns="" val="10000"/>
                   </a:ext>
                 </a:extLst>
               </a:tr>
@@ -15040,7 +15049,7 @@
                 </a:tc>
                 <a:extLst>
                   <a:ext uri="{0D108BD9-81ED-4DB2-BD59-A6C34878D82A}">
-                    <a16:rowId xmlns:a16="http://schemas.microsoft.com/office/drawing/2014/main" val="10001"/>
+                    <a16:rowId xmlns:a16="http://schemas.microsoft.com/office/drawing/2014/main" xmlns="" val="10001"/>
                   </a:ext>
                 </a:extLst>
               </a:tr>
@@ -15236,7 +15245,7 @@
                 </a:tc>
                 <a:extLst>
                   <a:ext uri="{0D108BD9-81ED-4DB2-BD59-A6C34878D82A}">
-                    <a16:rowId xmlns:a16="http://schemas.microsoft.com/office/drawing/2014/main" val="10002"/>
+                    <a16:rowId xmlns:a16="http://schemas.microsoft.com/office/drawing/2014/main" xmlns="" val="10002"/>
                   </a:ext>
                 </a:extLst>
               </a:tr>
@@ -15769,7 +15778,7 @@
           <p:cNvPr id="3" name="Picture 2" descr="A person wearing glasses and smiling at the camera&#10;&#10;Description automatically generated">
             <a:extLst>
               <a:ext uri="{FF2B5EF4-FFF2-40B4-BE49-F238E27FC236}">
-                <a16:creationId xmlns:a16="http://schemas.microsoft.com/office/drawing/2014/main" id="{AB236822-2AF1-4D7F-AF5D-C6E5C22DF8B0}"/>
+                <a16:creationId xmlns:a16="http://schemas.microsoft.com/office/drawing/2014/main" xmlns="" id="{AB236822-2AF1-4D7F-AF5D-C6E5C22DF8B0}"/>
               </a:ext>
             </a:extLst>
           </p:cNvPr>
@@ -15835,7 +15844,7 @@
           <p:cNvPr id="4" name="Picture 4" descr="Ko05F07">
             <a:extLst>
               <a:ext uri="{FF2B5EF4-FFF2-40B4-BE49-F238E27FC236}">
-                <a16:creationId xmlns:a16="http://schemas.microsoft.com/office/drawing/2014/main" id="{24F403E4-6FE1-43E8-903C-36FD46208895}"/>
+                <a16:creationId xmlns:a16="http://schemas.microsoft.com/office/drawing/2014/main" xmlns="" id="{24F403E4-6FE1-43E8-903C-36FD46208895}"/>
               </a:ext>
             </a:extLst>
           </p:cNvPr>
@@ -16249,7 +16258,7 @@
           <p:cNvPr id="4" name="Picture 3" descr="A person wearing a suit and tie looking at the camera&#10;&#10;Description automatically generated">
             <a:extLst>
               <a:ext uri="{FF2B5EF4-FFF2-40B4-BE49-F238E27FC236}">
-                <a16:creationId xmlns:a16="http://schemas.microsoft.com/office/drawing/2014/main" id="{693FA553-F031-4FB4-BCC4-115B34F856A1}"/>
+                <a16:creationId xmlns:a16="http://schemas.microsoft.com/office/drawing/2014/main" xmlns="" id="{693FA553-F031-4FB4-BCC4-115B34F856A1}"/>
               </a:ext>
             </a:extLst>
           </p:cNvPr>
@@ -16661,7 +16670,7 @@
           <p:cNvPr id="10" name="Picture 9" descr="A screenshot of a cell phone&#10;&#10;Description automatically generated">
             <a:extLst>
               <a:ext uri="{FF2B5EF4-FFF2-40B4-BE49-F238E27FC236}">
-                <a16:creationId xmlns:a16="http://schemas.microsoft.com/office/drawing/2014/main" id="{E3032230-C85B-45EC-9A24-D33D25B8127E}"/>
+                <a16:creationId xmlns:a16="http://schemas.microsoft.com/office/drawing/2014/main" xmlns="" id="{E3032230-C85B-45EC-9A24-D33D25B8127E}"/>
               </a:ext>
             </a:extLst>
           </p:cNvPr>
@@ -16809,7 +16818,7 @@
           <p:cNvPr id="4" name="Picture 3" descr="A picture containing sitting, looking, old, face&#10;&#10;Description automatically generated">
             <a:extLst>
               <a:ext uri="{FF2B5EF4-FFF2-40B4-BE49-F238E27FC236}">
-                <a16:creationId xmlns:a16="http://schemas.microsoft.com/office/drawing/2014/main" id="{FFAE2424-7D4D-44C2-97A6-A2E5E86D3183}"/>
+                <a16:creationId xmlns:a16="http://schemas.microsoft.com/office/drawing/2014/main" xmlns="" id="{FFAE2424-7D4D-44C2-97A6-A2E5E86D3183}"/>
               </a:ext>
             </a:extLst>
           </p:cNvPr>
@@ -17216,7 +17225,7 @@
           <p:cNvPr id="3" name="Picture 2" descr="A close up of a logo&#10;&#10;Description automatically generated">
             <a:extLst>
               <a:ext uri="{FF2B5EF4-FFF2-40B4-BE49-F238E27FC236}">
-                <a16:creationId xmlns:a16="http://schemas.microsoft.com/office/drawing/2014/main" id="{C830E2D4-FBD3-472D-BD37-64D8603B3F19}"/>
+                <a16:creationId xmlns:a16="http://schemas.microsoft.com/office/drawing/2014/main" xmlns="" id="{C830E2D4-FBD3-472D-BD37-64D8603B3F19}"/>
               </a:ext>
             </a:extLst>
           </p:cNvPr>
@@ -17628,7 +17637,7 @@
           <p:cNvPr id="4" name="Picture 3" descr="A close up of a logo&#10;&#10;Description automatically generated">
             <a:extLst>
               <a:ext uri="{FF2B5EF4-FFF2-40B4-BE49-F238E27FC236}">
-                <a16:creationId xmlns:a16="http://schemas.microsoft.com/office/drawing/2014/main" id="{1DD0703F-8CF2-419E-8FFB-B04B9B25F48A}"/>
+                <a16:creationId xmlns:a16="http://schemas.microsoft.com/office/drawing/2014/main" xmlns="" id="{1DD0703F-8CF2-419E-8FFB-B04B9B25F48A}"/>
               </a:ext>
             </a:extLst>
           </p:cNvPr>
@@ -18040,7 +18049,7 @@
           <p:cNvPr id="3" name="Picture 2" descr="A close up of a map&#10;&#10;Description automatically generated">
             <a:extLst>
               <a:ext uri="{FF2B5EF4-FFF2-40B4-BE49-F238E27FC236}">
-                <a16:creationId xmlns:a16="http://schemas.microsoft.com/office/drawing/2014/main" id="{26B73B16-D36F-4D83-B915-68E7567BEC95}"/>
+                <a16:creationId xmlns:a16="http://schemas.microsoft.com/office/drawing/2014/main" xmlns="" id="{26B73B16-D36F-4D83-B915-68E7567BEC95}"/>
               </a:ext>
             </a:extLst>
           </p:cNvPr>
@@ -18452,7 +18461,7 @@
           <p:cNvPr id="4" name="Picture 3" descr="Ko05F08">
             <a:extLst>
               <a:ext uri="{FF2B5EF4-FFF2-40B4-BE49-F238E27FC236}">
-                <a16:creationId xmlns:a16="http://schemas.microsoft.com/office/drawing/2014/main" id="{1B17FB53-4E3F-40D9-A880-7C2EDF688F07}"/>
+                <a16:creationId xmlns:a16="http://schemas.microsoft.com/office/drawing/2014/main" xmlns="" id="{1B17FB53-4E3F-40D9-A880-7C2EDF688F07}"/>
               </a:ext>
             </a:extLst>
           </p:cNvPr>
@@ -18499,7 +18508,7 @@
           <p:cNvPr id="2" name="Oval 1">
             <a:extLst>
               <a:ext uri="{FF2B5EF4-FFF2-40B4-BE49-F238E27FC236}">
-                <a16:creationId xmlns:a16="http://schemas.microsoft.com/office/drawing/2014/main" id="{71292083-869C-4647-9C81-90C2D7D4F954}"/>
+                <a16:creationId xmlns:a16="http://schemas.microsoft.com/office/drawing/2014/main" xmlns="" id="{71292083-869C-4647-9C81-90C2D7D4F954}"/>
               </a:ext>
             </a:extLst>
           </p:cNvPr>
@@ -18551,7 +18560,7 @@
           <p:cNvPr id="7" name="Oval 6">
             <a:extLst>
               <a:ext uri="{FF2B5EF4-FFF2-40B4-BE49-F238E27FC236}">
-                <a16:creationId xmlns:a16="http://schemas.microsoft.com/office/drawing/2014/main" id="{C2C1562E-B8F2-414B-AC54-17C25DA373B5}"/>
+                <a16:creationId xmlns:a16="http://schemas.microsoft.com/office/drawing/2014/main" xmlns="" id="{C2C1562E-B8F2-414B-AC54-17C25DA373B5}"/>
               </a:ext>
             </a:extLst>
           </p:cNvPr>
@@ -18603,7 +18612,7 @@
           <p:cNvPr id="8" name="TextBox 7">
             <a:extLst>
               <a:ext uri="{FF2B5EF4-FFF2-40B4-BE49-F238E27FC236}">
-                <a16:creationId xmlns:a16="http://schemas.microsoft.com/office/drawing/2014/main" id="{7C7C58E0-CDE7-42F5-8321-7FE80A7F8653}"/>
+                <a16:creationId xmlns:a16="http://schemas.microsoft.com/office/drawing/2014/main" xmlns="" id="{7C7C58E0-CDE7-42F5-8321-7FE80A7F8653}"/>
               </a:ext>
             </a:extLst>
           </p:cNvPr>
@@ -18643,7 +18652,7 @@
           <p:cNvPr id="11" name="TextBox 10">
             <a:extLst>
               <a:ext uri="{FF2B5EF4-FFF2-40B4-BE49-F238E27FC236}">
-                <a16:creationId xmlns:a16="http://schemas.microsoft.com/office/drawing/2014/main" id="{65321A7A-3558-4E4D-B95E-DC94D3D5B46C}"/>
+                <a16:creationId xmlns:a16="http://schemas.microsoft.com/office/drawing/2014/main" xmlns="" id="{65321A7A-3558-4E4D-B95E-DC94D3D5B46C}"/>
               </a:ext>
             </a:extLst>
           </p:cNvPr>
@@ -18683,7 +18692,7 @@
           <p:cNvPr id="6" name="Straight Arrow Connector 5">
             <a:extLst>
               <a:ext uri="{FF2B5EF4-FFF2-40B4-BE49-F238E27FC236}">
-                <a16:creationId xmlns:a16="http://schemas.microsoft.com/office/drawing/2014/main" id="{AE64E58A-D4FE-4F94-AB7E-E49003E75308}"/>
+                <a16:creationId xmlns:a16="http://schemas.microsoft.com/office/drawing/2014/main" xmlns="" id="{AE64E58A-D4FE-4F94-AB7E-E49003E75308}"/>
               </a:ext>
             </a:extLst>
           </p:cNvPr>
@@ -19179,7 +19188,7 @@
           <p:cNvPr id="3" name="Picture 2" descr="A picture containing text, map&#10;&#10;Description automatically generated">
             <a:extLst>
               <a:ext uri="{FF2B5EF4-FFF2-40B4-BE49-F238E27FC236}">
-                <a16:creationId xmlns:a16="http://schemas.microsoft.com/office/drawing/2014/main" id="{15F43538-30B8-4D15-9194-6ED3BD55F491}"/>
+                <a16:creationId xmlns:a16="http://schemas.microsoft.com/office/drawing/2014/main" xmlns="" id="{15F43538-30B8-4D15-9194-6ED3BD55F491}"/>
               </a:ext>
             </a:extLst>
           </p:cNvPr>
@@ -19215,7 +19224,7 @@
           <p:cNvPr id="5" name="Picture 4" descr="A close up of a map&#10;&#10;Description automatically generated">
             <a:extLst>
               <a:ext uri="{FF2B5EF4-FFF2-40B4-BE49-F238E27FC236}">
-                <a16:creationId xmlns:a16="http://schemas.microsoft.com/office/drawing/2014/main" id="{48170FC0-0518-4EBA-9187-6508FDC07DF8}"/>
+                <a16:creationId xmlns:a16="http://schemas.microsoft.com/office/drawing/2014/main" xmlns="" id="{48170FC0-0518-4EBA-9187-6508FDC07DF8}"/>
               </a:ext>
             </a:extLst>
           </p:cNvPr>
@@ -21406,42 +21415,42 @@
                 <a:gridCol w="457200">
                   <a:extLst>
                     <a:ext uri="{9D8B030D-6E8A-4147-A177-3AD203B41FA5}">
-                      <a16:colId xmlns:a16="http://schemas.microsoft.com/office/drawing/2014/main" val="20000"/>
+                      <a16:colId xmlns:a16="http://schemas.microsoft.com/office/drawing/2014/main" xmlns="" val="20000"/>
                     </a:ext>
                   </a:extLst>
                 </a:gridCol>
                 <a:gridCol w="1143000">
                   <a:extLst>
                     <a:ext uri="{9D8B030D-6E8A-4147-A177-3AD203B41FA5}">
-                      <a16:colId xmlns:a16="http://schemas.microsoft.com/office/drawing/2014/main" val="20001"/>
+                      <a16:colId xmlns:a16="http://schemas.microsoft.com/office/drawing/2014/main" xmlns="" val="20001"/>
                     </a:ext>
                   </a:extLst>
                 </a:gridCol>
                 <a:gridCol w="2133600">
                   <a:extLst>
                     <a:ext uri="{9D8B030D-6E8A-4147-A177-3AD203B41FA5}">
-                      <a16:colId xmlns:a16="http://schemas.microsoft.com/office/drawing/2014/main" val="20002"/>
+                      <a16:colId xmlns:a16="http://schemas.microsoft.com/office/drawing/2014/main" xmlns="" val="20002"/>
                     </a:ext>
                   </a:extLst>
                 </a:gridCol>
                 <a:gridCol w="1244600">
                   <a:extLst>
                     <a:ext uri="{9D8B030D-6E8A-4147-A177-3AD203B41FA5}">
-                      <a16:colId xmlns:a16="http://schemas.microsoft.com/office/drawing/2014/main" val="20003"/>
+                      <a16:colId xmlns:a16="http://schemas.microsoft.com/office/drawing/2014/main" xmlns="" val="20003"/>
                     </a:ext>
                   </a:extLst>
                 </a:gridCol>
                 <a:gridCol w="1244600">
                   <a:extLst>
                     <a:ext uri="{9D8B030D-6E8A-4147-A177-3AD203B41FA5}">
-                      <a16:colId xmlns:a16="http://schemas.microsoft.com/office/drawing/2014/main" val="20004"/>
+                      <a16:colId xmlns:a16="http://schemas.microsoft.com/office/drawing/2014/main" xmlns="" val="20004"/>
                     </a:ext>
                   </a:extLst>
                 </a:gridCol>
                 <a:gridCol w="1244600">
                   <a:extLst>
                     <a:ext uri="{9D8B030D-6E8A-4147-A177-3AD203B41FA5}">
-                      <a16:colId xmlns:a16="http://schemas.microsoft.com/office/drawing/2014/main" val="20005"/>
+                      <a16:colId xmlns:a16="http://schemas.microsoft.com/office/drawing/2014/main" xmlns="" val="20005"/>
                     </a:ext>
                   </a:extLst>
                 </a:gridCol>
@@ -21551,7 +21560,7 @@
                 </a:tc>
                 <a:extLst>
                   <a:ext uri="{0D108BD9-81ED-4DB2-BD59-A6C34878D82A}">
-                    <a16:rowId xmlns:a16="http://schemas.microsoft.com/office/drawing/2014/main" val="10000"/>
+                    <a16:rowId xmlns:a16="http://schemas.microsoft.com/office/drawing/2014/main" xmlns="" val="10000"/>
                   </a:ext>
                 </a:extLst>
               </a:tr>
@@ -21662,7 +21671,7 @@
                 </a:tc>
                 <a:extLst>
                   <a:ext uri="{0D108BD9-81ED-4DB2-BD59-A6C34878D82A}">
-                    <a16:rowId xmlns:a16="http://schemas.microsoft.com/office/drawing/2014/main" val="10001"/>
+                    <a16:rowId xmlns:a16="http://schemas.microsoft.com/office/drawing/2014/main" xmlns="" val="10001"/>
                   </a:ext>
                 </a:extLst>
               </a:tr>
@@ -21789,7 +21798,7 @@
                 </a:tc>
                 <a:extLst>
                   <a:ext uri="{0D108BD9-81ED-4DB2-BD59-A6C34878D82A}">
-                    <a16:rowId xmlns:a16="http://schemas.microsoft.com/office/drawing/2014/main" val="10002"/>
+                    <a16:rowId xmlns:a16="http://schemas.microsoft.com/office/drawing/2014/main" xmlns="" val="10002"/>
                   </a:ext>
                 </a:extLst>
               </a:tr>

--- a/EE2 Externalities.pptx
+++ b/EE2 Externalities.pptx
@@ -7,41 +7,47 @@
   <p:sldIdLst>
     <p:sldId id="269" r:id="rId2"/>
     <p:sldId id="293" r:id="rId3"/>
-    <p:sldId id="270" r:id="rId4"/>
-    <p:sldId id="292" r:id="rId5"/>
-    <p:sldId id="271" r:id="rId6"/>
-    <p:sldId id="272" r:id="rId7"/>
-    <p:sldId id="273" r:id="rId8"/>
-    <p:sldId id="274" r:id="rId9"/>
-    <p:sldId id="275" r:id="rId10"/>
-    <p:sldId id="277" r:id="rId11"/>
-    <p:sldId id="278" r:id="rId12"/>
-    <p:sldId id="279" r:id="rId13"/>
-    <p:sldId id="280" r:id="rId14"/>
-    <p:sldId id="281" r:id="rId15"/>
-    <p:sldId id="282" r:id="rId16"/>
-    <p:sldId id="283" r:id="rId17"/>
-    <p:sldId id="284" r:id="rId18"/>
-    <p:sldId id="289" r:id="rId19"/>
-    <p:sldId id="285" r:id="rId20"/>
-    <p:sldId id="286" r:id="rId21"/>
-    <p:sldId id="301" r:id="rId22"/>
-    <p:sldId id="302" r:id="rId23"/>
-    <p:sldId id="288" r:id="rId24"/>
-    <p:sldId id="287" r:id="rId25"/>
-    <p:sldId id="291" r:id="rId26"/>
-    <p:sldId id="295" r:id="rId27"/>
-    <p:sldId id="294" r:id="rId28"/>
-    <p:sldId id="298" r:id="rId29"/>
-    <p:sldId id="296" r:id="rId30"/>
-    <p:sldId id="304" r:id="rId31"/>
-    <p:sldId id="305" r:id="rId32"/>
-    <p:sldId id="306" r:id="rId33"/>
-    <p:sldId id="303" r:id="rId34"/>
-    <p:sldId id="297" r:id="rId35"/>
-    <p:sldId id="307" r:id="rId36"/>
-    <p:sldId id="300" r:id="rId37"/>
-    <p:sldId id="299" r:id="rId38"/>
+    <p:sldId id="312" r:id="rId4"/>
+    <p:sldId id="270" r:id="rId5"/>
+    <p:sldId id="292" r:id="rId6"/>
+    <p:sldId id="271" r:id="rId7"/>
+    <p:sldId id="272" r:id="rId8"/>
+    <p:sldId id="273" r:id="rId9"/>
+    <p:sldId id="274" r:id="rId10"/>
+    <p:sldId id="275" r:id="rId11"/>
+    <p:sldId id="309" r:id="rId12"/>
+    <p:sldId id="277" r:id="rId13"/>
+    <p:sldId id="278" r:id="rId14"/>
+    <p:sldId id="279" r:id="rId15"/>
+    <p:sldId id="280" r:id="rId16"/>
+    <p:sldId id="308" r:id="rId17"/>
+    <p:sldId id="311" r:id="rId18"/>
+    <p:sldId id="281" r:id="rId19"/>
+    <p:sldId id="282" r:id="rId20"/>
+    <p:sldId id="283" r:id="rId21"/>
+    <p:sldId id="284" r:id="rId22"/>
+    <p:sldId id="289" r:id="rId23"/>
+    <p:sldId id="285" r:id="rId24"/>
+    <p:sldId id="286" r:id="rId25"/>
+    <p:sldId id="301" r:id="rId26"/>
+    <p:sldId id="302" r:id="rId27"/>
+    <p:sldId id="310" r:id="rId28"/>
+    <p:sldId id="288" r:id="rId29"/>
+    <p:sldId id="287" r:id="rId30"/>
+    <p:sldId id="291" r:id="rId31"/>
+    <p:sldId id="295" r:id="rId32"/>
+    <p:sldId id="294" r:id="rId33"/>
+    <p:sldId id="298" r:id="rId34"/>
+    <p:sldId id="313" r:id="rId35"/>
+    <p:sldId id="296" r:id="rId36"/>
+    <p:sldId id="304" r:id="rId37"/>
+    <p:sldId id="305" r:id="rId38"/>
+    <p:sldId id="306" r:id="rId39"/>
+    <p:sldId id="303" r:id="rId40"/>
+    <p:sldId id="297" r:id="rId41"/>
+    <p:sldId id="307" r:id="rId42"/>
+    <p:sldId id="300" r:id="rId43"/>
+    <p:sldId id="299" r:id="rId44"/>
   </p:sldIdLst>
   <p:sldSz cx="9144000" cy="6858000" type="screen4x3"/>
   <p:notesSz cx="6858000" cy="9144000"/>
@@ -3577,16 +3583,10 @@
               </a:lnSpc>
             </a:pPr>
             <a:r>
-              <a:rPr lang="en-GB" sz="2400" dirty="0" err="1">
-                <a:latin typeface="Candara" panose="020E0502030303020204" pitchFamily="34" charset="0"/>
-              </a:rPr>
-              <a:t>Pigou</a:t>
-            </a:r>
-            <a:r>
               <a:rPr lang="en-GB" sz="2400" dirty="0">
                 <a:latin typeface="Candara" panose="020E0502030303020204" pitchFamily="34" charset="0"/>
               </a:rPr>
-              <a:t> taxes</a:t>
+              <a:t>Pigou taxes</a:t>
             </a:r>
           </a:p>
           <a:p>
@@ -3599,7 +3599,7 @@
               <a:rPr lang="en-GB" sz="2400" dirty="0">
                 <a:latin typeface="Candara" panose="020E0502030303020204" pitchFamily="34" charset="0"/>
               </a:rPr>
-              <a:t>Public policy</a:t>
+              <a:t>Property rights</a:t>
             </a:r>
           </a:p>
           <a:p>
@@ -3612,7 +3612,7 @@
               <a:rPr lang="en-GB" sz="2400" dirty="0">
                 <a:latin typeface="Candara" panose="020E0502030303020204" pitchFamily="34" charset="0"/>
               </a:rPr>
-              <a:t>Property rights</a:t>
+              <a:t>Public goods</a:t>
             </a:r>
           </a:p>
           <a:p>
@@ -3625,8 +3625,31 @@
               <a:rPr lang="en-GB" sz="2400" dirty="0">
                 <a:latin typeface="Candara" panose="020E0502030303020204" pitchFamily="34" charset="0"/>
               </a:rPr>
-              <a:t>Public goods</a:t>
-            </a:r>
+              <a:t>Public goods and the market</a:t>
+            </a:r>
+          </a:p>
+          <a:p>
+            <a:pPr lvl="1">
+              <a:lnSpc>
+                <a:spcPct val="90000"/>
+              </a:lnSpc>
+            </a:pPr>
+            <a:r>
+              <a:rPr lang="en-GB" sz="2400" dirty="0">
+                <a:latin typeface="Candara" panose="020E0502030303020204" pitchFamily="34" charset="0"/>
+              </a:rPr>
+              <a:t>Policy interventions</a:t>
+            </a:r>
+          </a:p>
+          <a:p>
+            <a:pPr lvl="1">
+              <a:lnSpc>
+                <a:spcPct val="90000"/>
+              </a:lnSpc>
+            </a:pPr>
+            <a:endParaRPr lang="en-GB" sz="2400" dirty="0">
+              <a:latin typeface="Candara" panose="020E0502030303020204" pitchFamily="34" charset="0"/>
+            </a:endParaRPr>
           </a:p>
         </p:txBody>
       </p:sp>
@@ -3639,6 +3662,1265 @@
 </file>
 
 <file path=ppt/slides/slide10.xml><?xml version="1.0" encoding="utf-8"?>
+<p:sld xmlns:a="http://schemas.openxmlformats.org/drawingml/2006/main" xmlns:r="http://schemas.openxmlformats.org/officeDocument/2006/relationships" xmlns:p="http://schemas.openxmlformats.org/presentationml/2006/main">
+  <p:cSld>
+    <p:spTree>
+      <p:nvGrpSpPr>
+        <p:cNvPr id="1" name=""/>
+        <p:cNvGrpSpPr/>
+        <p:nvPr/>
+      </p:nvGrpSpPr>
+      <p:grpSpPr>
+        <a:xfrm>
+          <a:off x="0" y="0"/>
+          <a:ext cx="0" cy="0"/>
+          <a:chOff x="0" y="0"/>
+          <a:chExt cx="0" cy="0"/>
+        </a:xfrm>
+      </p:grpSpPr>
+      <p:sp>
+        <p:nvSpPr>
+          <p:cNvPr id="5124" name="Rectangle 2"/>
+          <p:cNvSpPr>
+            <a:spLocks noGrp="1" noChangeArrowheads="1"/>
+          </p:cNvSpPr>
+          <p:nvPr>
+            <p:ph type="title"/>
+          </p:nvPr>
+        </p:nvSpPr>
+        <p:spPr>
+          <a:xfrm>
+            <a:off x="685800" y="0"/>
+            <a:ext cx="7772400" cy="1143000"/>
+          </a:xfrm>
+        </p:spPr>
+        <p:txBody>
+          <a:bodyPr/>
+          <a:lstStyle/>
+          <a:p>
+            <a:r>
+              <a:rPr lang="de-DE" sz="3600" dirty="0">
+                <a:latin typeface="Candara" panose="020E0502030303020204" pitchFamily="34" charset="0"/>
+              </a:rPr>
+              <a:t>Optimality v Efficiency</a:t>
+            </a:r>
+            <a:endParaRPr lang="en-GB" sz="3600" dirty="0">
+              <a:latin typeface="Candara" panose="020E0502030303020204" pitchFamily="34" charset="0"/>
+            </a:endParaRPr>
+          </a:p>
+        </p:txBody>
+      </p:sp>
+      <p:sp>
+        <p:nvSpPr>
+          <p:cNvPr id="5125" name="Rectangle 3"/>
+          <p:cNvSpPr>
+            <a:spLocks noGrp="1" noChangeArrowheads="1"/>
+          </p:cNvSpPr>
+          <p:nvPr>
+            <p:ph type="body" idx="1"/>
+          </p:nvPr>
+        </p:nvSpPr>
+        <p:spPr>
+          <a:xfrm>
+            <a:off x="685800" y="1066800"/>
+            <a:ext cx="7772400" cy="4114800"/>
+          </a:xfrm>
+        </p:spPr>
+        <p:txBody>
+          <a:bodyPr/>
+          <a:lstStyle/>
+          <a:p>
+            <a:r>
+              <a:rPr lang="de-DE" sz="2800" dirty="0">
+                <a:latin typeface="Candara" panose="020E0502030303020204" pitchFamily="34" charset="0"/>
+              </a:rPr>
+              <a:t>There are many efficient solutions, depending on the initial distribution</a:t>
+            </a:r>
+          </a:p>
+          <a:p>
+            <a:r>
+              <a:rPr lang="de-DE" sz="2800" dirty="0">
+                <a:latin typeface="Candara" panose="020E0502030303020204" pitchFamily="34" charset="0"/>
+              </a:rPr>
+              <a:t>This is the </a:t>
+            </a:r>
+            <a:r>
+              <a:rPr lang="de-DE" sz="2800" i="1" dirty="0">
+                <a:latin typeface="Candara" panose="020E0502030303020204" pitchFamily="34" charset="0"/>
+              </a:rPr>
+              <a:t>Second Welfare Theorem</a:t>
+            </a:r>
+          </a:p>
+          <a:p>
+            <a:r>
+              <a:rPr lang="de-DE" sz="2800" dirty="0">
+                <a:latin typeface="Candara" panose="020E0502030303020204" pitchFamily="34" charset="0"/>
+              </a:rPr>
+              <a:t>Social welfare function</a:t>
+            </a:r>
+          </a:p>
+          <a:p>
+            <a:r>
+              <a:rPr lang="de-DE" sz="2800" dirty="0">
+                <a:latin typeface="Candara" panose="020E0502030303020204" pitchFamily="34" charset="0"/>
+              </a:rPr>
+              <a:t>Optimality</a:t>
+            </a:r>
+          </a:p>
+          <a:p>
+            <a:endParaRPr lang="de-DE" sz="2800" dirty="0">
+              <a:latin typeface="Candara" panose="020E0502030303020204" pitchFamily="34" charset="0"/>
+            </a:endParaRPr>
+          </a:p>
+          <a:p>
+            <a:endParaRPr lang="de-DE" sz="2800" dirty="0">
+              <a:latin typeface="Candara" panose="020E0502030303020204" pitchFamily="34" charset="0"/>
+            </a:endParaRPr>
+          </a:p>
+          <a:p>
+            <a:r>
+              <a:rPr lang="de-DE" sz="2800" dirty="0">
+                <a:latin typeface="Candara" panose="020E0502030303020204" pitchFamily="34" charset="0"/>
+              </a:rPr>
+              <a:t>Infeasible if income redistribution is not possible!</a:t>
+            </a:r>
+          </a:p>
+          <a:p>
+            <a:endParaRPr lang="en-GB" dirty="0">
+              <a:latin typeface="Comic Sans MS" pitchFamily="66" charset="0"/>
+            </a:endParaRPr>
+          </a:p>
+        </p:txBody>
+      </p:sp>
+      <mc:AlternateContent xmlns:mc="http://schemas.openxmlformats.org/markup-compatibility/2006" xmlns:a14="http://schemas.microsoft.com/office/drawing/2010/main">
+        <mc:Choice Requires="a14">
+          <p:sp>
+            <p:nvSpPr>
+              <p:cNvPr id="5122" name="Object 2"/>
+              <p:cNvSpPr txBox="1"/>
+              <p:nvPr/>
+            </p:nvSpPr>
+            <p:spPr bwMode="auto">
+              <a:xfrm>
+                <a:off x="4572000" y="2536224"/>
+                <a:ext cx="2578100" cy="571500"/>
+              </a:xfrm>
+              <a:prstGeom prst="rect">
+                <a:avLst/>
+              </a:prstGeom>
+              <a:noFill/>
+            </p:spPr>
+            <p:txBody>
+              <a:bodyPr>
+                <a:normAutofit fontScale="92500"/>
+              </a:bodyPr>
+              <a:lstStyle/>
+              <a:p>
+                <a:pPr/>
+                <a14:m>
+                  <m:oMathPara xmlns:m="http://schemas.openxmlformats.org/officeDocument/2006/math">
+                    <m:oMathParaPr>
+                      <m:jc m:val="left"/>
+                    </m:oMathParaPr>
+                    <m:oMath xmlns:m="http://schemas.openxmlformats.org/officeDocument/2006/math">
+                      <m:r>
+                        <a:rPr lang="en-GB" sz="2800" i="1">
+                          <a:solidFill>
+                            <a:srgbClr val="000000"/>
+                          </a:solidFill>
+                          <a:latin typeface="Cambria Math" panose="02040503050406030204" pitchFamily="18" charset="0"/>
+                        </a:rPr>
+                        <m:t>𝑊</m:t>
+                      </m:r>
+                      <m:r>
+                        <a:rPr lang="en-GB" sz="2800" i="1">
+                          <a:solidFill>
+                            <a:srgbClr val="000000"/>
+                          </a:solidFill>
+                          <a:latin typeface="Cambria Math" panose="02040503050406030204" pitchFamily="18" charset="0"/>
+                        </a:rPr>
+                        <m:t>=</m:t>
+                      </m:r>
+                      <m:r>
+                        <a:rPr lang="en-GB" sz="2800" i="1">
+                          <a:solidFill>
+                            <a:srgbClr val="000000"/>
+                          </a:solidFill>
+                          <a:latin typeface="Cambria Math" panose="02040503050406030204" pitchFamily="18" charset="0"/>
+                        </a:rPr>
+                        <m:t>𝑊</m:t>
+                      </m:r>
+                      <m:d>
+                        <m:dPr>
+                          <m:ctrlPr>
+                            <a:rPr lang="en-GB" sz="2800" i="1">
+                              <a:solidFill>
+                                <a:srgbClr val="000000"/>
+                              </a:solidFill>
+                              <a:latin typeface="Cambria Math" panose="02040503050406030204" pitchFamily="18" charset="0"/>
+                            </a:rPr>
+                          </m:ctrlPr>
+                        </m:dPr>
+                        <m:e>
+                          <m:sSup>
+                            <m:sSupPr>
+                              <m:ctrlPr>
+                                <a:rPr lang="en-GB" sz="2800" i="1">
+                                  <a:solidFill>
+                                    <a:srgbClr val="000000"/>
+                                  </a:solidFill>
+                                  <a:latin typeface="Cambria Math" panose="02040503050406030204" pitchFamily="18" charset="0"/>
+                                </a:rPr>
+                              </m:ctrlPr>
+                            </m:sSupPr>
+                            <m:e>
+                              <m:r>
+                                <a:rPr lang="en-GB" sz="2800" i="1">
+                                  <a:solidFill>
+                                    <a:srgbClr val="000000"/>
+                                  </a:solidFill>
+                                  <a:latin typeface="Cambria Math" panose="02040503050406030204" pitchFamily="18" charset="0"/>
+                                </a:rPr>
+                                <m:t>𝑈</m:t>
+                              </m:r>
+                            </m:e>
+                            <m:sup>
+                              <m:r>
+                                <a:rPr lang="en-GB" sz="2800" i="1">
+                                  <a:solidFill>
+                                    <a:srgbClr val="000000"/>
+                                  </a:solidFill>
+                                  <a:latin typeface="Cambria Math" panose="02040503050406030204" pitchFamily="18" charset="0"/>
+                                </a:rPr>
+                                <m:t>𝐴</m:t>
+                              </m:r>
+                            </m:sup>
+                          </m:sSup>
+                          <m:r>
+                            <a:rPr lang="en-GB" sz="2800" i="1">
+                              <a:solidFill>
+                                <a:srgbClr val="000000"/>
+                              </a:solidFill>
+                              <a:latin typeface="Cambria Math" panose="02040503050406030204" pitchFamily="18" charset="0"/>
+                            </a:rPr>
+                            <m:t>,</m:t>
+                          </m:r>
+                          <m:sSup>
+                            <m:sSupPr>
+                              <m:ctrlPr>
+                                <a:rPr lang="en-GB" sz="2800" i="1">
+                                  <a:solidFill>
+                                    <a:srgbClr val="000000"/>
+                                  </a:solidFill>
+                                  <a:latin typeface="Cambria Math" panose="02040503050406030204" pitchFamily="18" charset="0"/>
+                                </a:rPr>
+                              </m:ctrlPr>
+                            </m:sSupPr>
+                            <m:e>
+                              <m:r>
+                                <a:rPr lang="en-GB" sz="2800" i="1">
+                                  <a:solidFill>
+                                    <a:srgbClr val="000000"/>
+                                  </a:solidFill>
+                                  <a:latin typeface="Cambria Math" panose="02040503050406030204" pitchFamily="18" charset="0"/>
+                                </a:rPr>
+                                <m:t>𝑈</m:t>
+                              </m:r>
+                            </m:e>
+                            <m:sup>
+                              <m:r>
+                                <a:rPr lang="en-GB" sz="2800" i="1">
+                                  <a:solidFill>
+                                    <a:srgbClr val="000000"/>
+                                  </a:solidFill>
+                                  <a:latin typeface="Cambria Math" panose="02040503050406030204" pitchFamily="18" charset="0"/>
+                                </a:rPr>
+                                <m:t>𝐵</m:t>
+                              </m:r>
+                            </m:sup>
+                          </m:sSup>
+                        </m:e>
+                      </m:d>
+                    </m:oMath>
+                  </m:oMathPara>
+                </a14:m>
+                <a:endParaRPr lang="en-GB" sz="2800" dirty="0"/>
+              </a:p>
+            </p:txBody>
+          </p:sp>
+        </mc:Choice>
+        <mc:Fallback xmlns="">
+          <p:sp>
+            <p:nvSpPr>
+              <p:cNvPr id="5122" name="Object 2"/>
+              <p:cNvSpPr txBox="1">
+                <a:spLocks noRot="1" noChangeAspect="1" noMove="1" noResize="1" noEditPoints="1" noAdjustHandles="1" noChangeArrowheads="1" noChangeShapeType="1" noTextEdit="1"/>
+              </p:cNvSpPr>
+              <p:nvPr/>
+            </p:nvSpPr>
+            <p:spPr bwMode="auto">
+              <a:xfrm>
+                <a:off x="4572000" y="2536224"/>
+                <a:ext cx="2578100" cy="571500"/>
+              </a:xfrm>
+              <a:prstGeom prst="rect">
+                <a:avLst/>
+              </a:prstGeom>
+              <a:blipFill>
+                <a:blip r:embed="rId2"/>
+                <a:stretch>
+                  <a:fillRect/>
+                </a:stretch>
+              </a:blipFill>
+            </p:spPr>
+            <p:txBody>
+              <a:bodyPr/>
+              <a:lstStyle/>
+              <a:p>
+                <a:r>
+                  <a:rPr lang="en-GB">
+                    <a:noFill/>
+                  </a:rPr>
+                  <a:t> </a:t>
+                </a:r>
+              </a:p>
+            </p:txBody>
+          </p:sp>
+        </mc:Fallback>
+      </mc:AlternateContent>
+      <mc:AlternateContent xmlns:mc="http://schemas.openxmlformats.org/markup-compatibility/2006" xmlns:a14="http://schemas.microsoft.com/office/drawing/2010/main">
+        <mc:Choice Requires="a14">
+          <p:sp>
+            <p:nvSpPr>
+              <p:cNvPr id="5123" name="Object 3"/>
+              <p:cNvSpPr txBox="1"/>
+              <p:nvPr/>
+            </p:nvSpPr>
+            <p:spPr bwMode="auto">
+              <a:xfrm>
+                <a:off x="2895600" y="3124200"/>
+                <a:ext cx="4648200" cy="1079500"/>
+              </a:xfrm>
+              <a:prstGeom prst="rect">
+                <a:avLst/>
+              </a:prstGeom>
+              <a:noFill/>
+            </p:spPr>
+            <p:txBody>
+              <a:bodyPr>
+                <a:normAutofit fontScale="92500"/>
+              </a:bodyPr>
+              <a:lstStyle/>
+              <a:p>
+                <a:pPr/>
+                <a14:m>
+                  <m:oMathPara xmlns:m="http://schemas.openxmlformats.org/officeDocument/2006/math">
+                    <m:oMathParaPr>
+                      <m:jc m:val="left"/>
+                    </m:oMathParaPr>
+                    <m:oMath xmlns:m="http://schemas.openxmlformats.org/officeDocument/2006/math">
+                      <m:d>
+                        <m:dPr>
+                          <m:ctrlPr>
+                            <a:rPr lang="en-GB" sz="2800" i="1">
+                              <a:solidFill>
+                                <a:srgbClr val="000000"/>
+                              </a:solidFill>
+                              <a:latin typeface="Cambria Math" panose="02040503050406030204" pitchFamily="18" charset="0"/>
+                            </a:rPr>
+                          </m:ctrlPr>
+                        </m:dPr>
+                        <m:e>
+                          <m:f>
+                            <m:fPr>
+                              <m:ctrlPr>
+                                <a:rPr lang="en-GB" sz="2800" i="1">
+                                  <a:solidFill>
+                                    <a:srgbClr val="000000"/>
+                                  </a:solidFill>
+                                  <a:latin typeface="Cambria Math" panose="02040503050406030204" pitchFamily="18" charset="0"/>
+                                </a:rPr>
+                              </m:ctrlPr>
+                            </m:fPr>
+                            <m:num>
+                              <m:sSubSup>
+                                <m:sSubSupPr>
+                                  <m:ctrlPr>
+                                    <a:rPr lang="en-GB" sz="2800" i="1">
+                                      <a:solidFill>
+                                        <a:srgbClr val="000000"/>
+                                      </a:solidFill>
+                                      <a:latin typeface="Cambria Math" panose="02040503050406030204" pitchFamily="18" charset="0"/>
+                                    </a:rPr>
+                                  </m:ctrlPr>
+                                </m:sSubSupPr>
+                                <m:e>
+                                  <m:r>
+                                    <a:rPr lang="en-GB" sz="2800" i="1">
+                                      <a:solidFill>
+                                        <a:srgbClr val="000000"/>
+                                      </a:solidFill>
+                                      <a:latin typeface="Cambria Math" panose="02040503050406030204" pitchFamily="18" charset="0"/>
+                                    </a:rPr>
+                                    <m:t>𝑈</m:t>
+                                  </m:r>
+                                </m:e>
+                                <m:sub>
+                                  <m:r>
+                                    <a:rPr lang="en-GB" sz="2800" i="1">
+                                      <a:solidFill>
+                                        <a:srgbClr val="000000"/>
+                                      </a:solidFill>
+                                      <a:latin typeface="Cambria Math" panose="02040503050406030204" pitchFamily="18" charset="0"/>
+                                    </a:rPr>
+                                    <m:t>𝑌</m:t>
+                                  </m:r>
+                                </m:sub>
+                                <m:sup>
+                                  <m:r>
+                                    <a:rPr lang="en-GB" sz="2800" i="1">
+                                      <a:solidFill>
+                                        <a:srgbClr val="000000"/>
+                                      </a:solidFill>
+                                      <a:latin typeface="Cambria Math" panose="02040503050406030204" pitchFamily="18" charset="0"/>
+                                    </a:rPr>
+                                    <m:t>𝐵</m:t>
+                                  </m:r>
+                                </m:sup>
+                              </m:sSubSup>
+                            </m:num>
+                            <m:den>
+                              <m:sSubSup>
+                                <m:sSubSupPr>
+                                  <m:ctrlPr>
+                                    <a:rPr lang="en-GB" sz="2800" i="1">
+                                      <a:solidFill>
+                                        <a:srgbClr val="000000"/>
+                                      </a:solidFill>
+                                      <a:latin typeface="Cambria Math" panose="02040503050406030204" pitchFamily="18" charset="0"/>
+                                    </a:rPr>
+                                  </m:ctrlPr>
+                                </m:sSubSupPr>
+                                <m:e>
+                                  <m:r>
+                                    <a:rPr lang="en-GB" sz="2800" i="1">
+                                      <a:solidFill>
+                                        <a:srgbClr val="000000"/>
+                                      </a:solidFill>
+                                      <a:latin typeface="Cambria Math" panose="02040503050406030204" pitchFamily="18" charset="0"/>
+                                    </a:rPr>
+                                    <m:t>𝑈</m:t>
+                                  </m:r>
+                                </m:e>
+                                <m:sub>
+                                  <m:r>
+                                    <a:rPr lang="en-GB" sz="2800" i="1">
+                                      <a:solidFill>
+                                        <a:srgbClr val="000000"/>
+                                      </a:solidFill>
+                                      <a:latin typeface="Cambria Math" panose="02040503050406030204" pitchFamily="18" charset="0"/>
+                                    </a:rPr>
+                                    <m:t>𝑋</m:t>
+                                  </m:r>
+                                </m:sub>
+                                <m:sup>
+                                  <m:r>
+                                    <a:rPr lang="en-GB" sz="2800" i="1">
+                                      <a:solidFill>
+                                        <a:srgbClr val="000000"/>
+                                      </a:solidFill>
+                                      <a:latin typeface="Cambria Math" panose="02040503050406030204" pitchFamily="18" charset="0"/>
+                                    </a:rPr>
+                                    <m:t>𝐴</m:t>
+                                  </m:r>
+                                </m:sup>
+                              </m:sSubSup>
+                            </m:den>
+                          </m:f>
+                          <m:f>
+                            <m:fPr>
+                              <m:ctrlPr>
+                                <a:rPr lang="en-GB" sz="2800" i="1">
+                                  <a:solidFill>
+                                    <a:srgbClr val="000000"/>
+                                  </a:solidFill>
+                                  <a:latin typeface="Cambria Math" panose="02040503050406030204" pitchFamily="18" charset="0"/>
+                                </a:rPr>
+                              </m:ctrlPr>
+                            </m:fPr>
+                            <m:num>
+                              <m:r>
+                                <a:rPr lang="en-GB" sz="2800" i="1">
+                                  <a:solidFill>
+                                    <a:srgbClr val="000000"/>
+                                  </a:solidFill>
+                                  <a:latin typeface="Cambria Math" panose="02040503050406030204" pitchFamily="18" charset="0"/>
+                                </a:rPr>
+                                <m:t>𝑀</m:t>
+                              </m:r>
+                              <m:sSubSup>
+                                <m:sSubSupPr>
+                                  <m:ctrlPr>
+                                    <a:rPr lang="en-GB" sz="2800" i="1">
+                                      <a:solidFill>
+                                        <a:srgbClr val="000000"/>
+                                      </a:solidFill>
+                                      <a:latin typeface="Cambria Math" panose="02040503050406030204" pitchFamily="18" charset="0"/>
+                                    </a:rPr>
+                                  </m:ctrlPr>
+                                </m:sSubSupPr>
+                                <m:e>
+                                  <m:r>
+                                    <a:rPr lang="en-GB" sz="2800" i="1">
+                                      <a:solidFill>
+                                        <a:srgbClr val="000000"/>
+                                      </a:solidFill>
+                                      <a:latin typeface="Cambria Math" panose="02040503050406030204" pitchFamily="18" charset="0"/>
+                                    </a:rPr>
+                                    <m:t>𝑃</m:t>
+                                  </m:r>
+                                </m:e>
+                                <m:sub>
+                                  <m:r>
+                                    <a:rPr lang="en-GB" sz="2800" i="1">
+                                      <a:solidFill>
+                                        <a:srgbClr val="000000"/>
+                                      </a:solidFill>
+                                      <a:latin typeface="Cambria Math" panose="02040503050406030204" pitchFamily="18" charset="0"/>
+                                    </a:rPr>
+                                    <m:t>𝐿</m:t>
+                                  </m:r>
+                                </m:sub>
+                                <m:sup>
+                                  <m:r>
+                                    <a:rPr lang="en-GB" sz="2800" i="1">
+                                      <a:solidFill>
+                                        <a:srgbClr val="000000"/>
+                                      </a:solidFill>
+                                      <a:latin typeface="Cambria Math" panose="02040503050406030204" pitchFamily="18" charset="0"/>
+                                    </a:rPr>
+                                    <m:t>𝑌</m:t>
+                                  </m:r>
+                                </m:sup>
+                              </m:sSubSup>
+                            </m:num>
+                            <m:den>
+                              <m:r>
+                                <a:rPr lang="en-GB" sz="2800" i="1">
+                                  <a:solidFill>
+                                    <a:srgbClr val="000000"/>
+                                  </a:solidFill>
+                                  <a:latin typeface="Cambria Math" panose="02040503050406030204" pitchFamily="18" charset="0"/>
+                                </a:rPr>
+                                <m:t>𝑀</m:t>
+                              </m:r>
+                              <m:sSubSup>
+                                <m:sSubSupPr>
+                                  <m:ctrlPr>
+                                    <a:rPr lang="en-GB" sz="2800" i="1">
+                                      <a:solidFill>
+                                        <a:srgbClr val="000000"/>
+                                      </a:solidFill>
+                                      <a:latin typeface="Cambria Math" panose="02040503050406030204" pitchFamily="18" charset="0"/>
+                                    </a:rPr>
+                                  </m:ctrlPr>
+                                </m:sSubSupPr>
+                                <m:e>
+                                  <m:r>
+                                    <a:rPr lang="en-GB" sz="2800" i="1">
+                                      <a:solidFill>
+                                        <a:srgbClr val="000000"/>
+                                      </a:solidFill>
+                                      <a:latin typeface="Cambria Math" panose="02040503050406030204" pitchFamily="18" charset="0"/>
+                                    </a:rPr>
+                                    <m:t>𝑃</m:t>
+                                  </m:r>
+                                </m:e>
+                                <m:sub>
+                                  <m:r>
+                                    <a:rPr lang="en-GB" sz="2800" i="1">
+                                      <a:solidFill>
+                                        <a:srgbClr val="000000"/>
+                                      </a:solidFill>
+                                      <a:latin typeface="Cambria Math" panose="02040503050406030204" pitchFamily="18" charset="0"/>
+                                    </a:rPr>
+                                    <m:t>𝐿</m:t>
+                                  </m:r>
+                                </m:sub>
+                                <m:sup>
+                                  <m:r>
+                                    <a:rPr lang="en-GB" sz="2800" i="1">
+                                      <a:solidFill>
+                                        <a:srgbClr val="000000"/>
+                                      </a:solidFill>
+                                      <a:latin typeface="Cambria Math" panose="02040503050406030204" pitchFamily="18" charset="0"/>
+                                    </a:rPr>
+                                    <m:t>𝑋</m:t>
+                                  </m:r>
+                                </m:sup>
+                              </m:sSubSup>
+                            </m:den>
+                          </m:f>
+                          <m:r>
+                            <a:rPr lang="en-GB" sz="2800" i="1">
+                              <a:solidFill>
+                                <a:srgbClr val="000000"/>
+                              </a:solidFill>
+                              <a:latin typeface="Cambria Math" panose="02040503050406030204" pitchFamily="18" charset="0"/>
+                            </a:rPr>
+                            <m:t>=</m:t>
+                          </m:r>
+                          <m:f>
+                            <m:fPr>
+                              <m:ctrlPr>
+                                <a:rPr lang="en-GB" sz="2800" i="1">
+                                  <a:solidFill>
+                                    <a:srgbClr val="000000"/>
+                                  </a:solidFill>
+                                  <a:latin typeface="Cambria Math" panose="02040503050406030204" pitchFamily="18" charset="0"/>
+                                </a:rPr>
+                              </m:ctrlPr>
+                            </m:fPr>
+                            <m:num>
+                              <m:sSubSup>
+                                <m:sSubSupPr>
+                                  <m:ctrlPr>
+                                    <a:rPr lang="en-GB" sz="2800" i="1">
+                                      <a:solidFill>
+                                        <a:srgbClr val="000000"/>
+                                      </a:solidFill>
+                                      <a:latin typeface="Cambria Math" panose="02040503050406030204" pitchFamily="18" charset="0"/>
+                                    </a:rPr>
+                                  </m:ctrlPr>
+                                </m:sSubSupPr>
+                                <m:e>
+                                  <m:r>
+                                    <a:rPr lang="en-GB" sz="2800" i="1">
+                                      <a:solidFill>
+                                        <a:srgbClr val="000000"/>
+                                      </a:solidFill>
+                                      <a:latin typeface="Cambria Math" panose="02040503050406030204" pitchFamily="18" charset="0"/>
+                                    </a:rPr>
+                                    <m:t>𝑈</m:t>
+                                  </m:r>
+                                </m:e>
+                                <m:sub>
+                                  <m:r>
+                                    <a:rPr lang="en-GB" sz="2800" i="1">
+                                      <a:solidFill>
+                                        <a:srgbClr val="000000"/>
+                                      </a:solidFill>
+                                      <a:latin typeface="Cambria Math" panose="02040503050406030204" pitchFamily="18" charset="0"/>
+                                    </a:rPr>
+                                    <m:t>𝑌</m:t>
+                                  </m:r>
+                                </m:sub>
+                                <m:sup>
+                                  <m:r>
+                                    <a:rPr lang="en-GB" sz="2800" i="1">
+                                      <a:solidFill>
+                                        <a:srgbClr val="000000"/>
+                                      </a:solidFill>
+                                      <a:latin typeface="Cambria Math" panose="02040503050406030204" pitchFamily="18" charset="0"/>
+                                    </a:rPr>
+                                    <m:t>𝐵</m:t>
+                                  </m:r>
+                                </m:sup>
+                              </m:sSubSup>
+                            </m:num>
+                            <m:den>
+                              <m:sSubSup>
+                                <m:sSubSupPr>
+                                  <m:ctrlPr>
+                                    <a:rPr lang="en-GB" sz="2800" i="1">
+                                      <a:solidFill>
+                                        <a:srgbClr val="000000"/>
+                                      </a:solidFill>
+                                      <a:latin typeface="Cambria Math" panose="02040503050406030204" pitchFamily="18" charset="0"/>
+                                    </a:rPr>
+                                  </m:ctrlPr>
+                                </m:sSubSupPr>
+                                <m:e>
+                                  <m:r>
+                                    <a:rPr lang="en-GB" sz="2800" i="1">
+                                      <a:solidFill>
+                                        <a:srgbClr val="000000"/>
+                                      </a:solidFill>
+                                      <a:latin typeface="Cambria Math" panose="02040503050406030204" pitchFamily="18" charset="0"/>
+                                    </a:rPr>
+                                    <m:t>𝑈</m:t>
+                                  </m:r>
+                                </m:e>
+                                <m:sub>
+                                  <m:r>
+                                    <a:rPr lang="en-GB" sz="2800" i="1">
+                                      <a:solidFill>
+                                        <a:srgbClr val="000000"/>
+                                      </a:solidFill>
+                                      <a:latin typeface="Cambria Math" panose="02040503050406030204" pitchFamily="18" charset="0"/>
+                                    </a:rPr>
+                                    <m:t>𝑌</m:t>
+                                  </m:r>
+                                </m:sub>
+                                <m:sup>
+                                  <m:r>
+                                    <a:rPr lang="en-GB" sz="2800" i="1">
+                                      <a:solidFill>
+                                        <a:srgbClr val="000000"/>
+                                      </a:solidFill>
+                                      <a:latin typeface="Cambria Math" panose="02040503050406030204" pitchFamily="18" charset="0"/>
+                                    </a:rPr>
+                                    <m:t>𝐴</m:t>
+                                  </m:r>
+                                </m:sup>
+                              </m:sSubSup>
+                            </m:den>
+                          </m:f>
+                          <m:r>
+                            <a:rPr lang="en-GB" sz="2800" i="1">
+                              <a:solidFill>
+                                <a:srgbClr val="000000"/>
+                              </a:solidFill>
+                              <a:latin typeface="Cambria Math" panose="02040503050406030204" pitchFamily="18" charset="0"/>
+                            </a:rPr>
+                            <m:t>=</m:t>
+                          </m:r>
+                        </m:e>
+                      </m:d>
+                      <m:f>
+                        <m:fPr>
+                          <m:ctrlPr>
+                            <a:rPr lang="en-GB" sz="2800" i="1">
+                              <a:solidFill>
+                                <a:srgbClr val="000000"/>
+                              </a:solidFill>
+                              <a:latin typeface="Cambria Math" panose="02040503050406030204" pitchFamily="18" charset="0"/>
+                            </a:rPr>
+                          </m:ctrlPr>
+                        </m:fPr>
+                        <m:num>
+                          <m:sSubSup>
+                            <m:sSubSupPr>
+                              <m:ctrlPr>
+                                <a:rPr lang="en-GB" sz="2800" i="1">
+                                  <a:solidFill>
+                                    <a:srgbClr val="000000"/>
+                                  </a:solidFill>
+                                  <a:latin typeface="Cambria Math" panose="02040503050406030204" pitchFamily="18" charset="0"/>
+                                </a:rPr>
+                              </m:ctrlPr>
+                            </m:sSubSupPr>
+                            <m:e>
+                              <m:r>
+                                <a:rPr lang="en-GB" sz="2800" i="1">
+                                  <a:solidFill>
+                                    <a:srgbClr val="000000"/>
+                                  </a:solidFill>
+                                  <a:latin typeface="Cambria Math" panose="02040503050406030204" pitchFamily="18" charset="0"/>
+                                </a:rPr>
+                                <m:t>𝑈</m:t>
+                              </m:r>
+                            </m:e>
+                            <m:sub>
+                              <m:r>
+                                <a:rPr lang="en-GB" sz="2800" i="1">
+                                  <a:solidFill>
+                                    <a:srgbClr val="000000"/>
+                                  </a:solidFill>
+                                  <a:latin typeface="Cambria Math" panose="02040503050406030204" pitchFamily="18" charset="0"/>
+                                </a:rPr>
+                                <m:t>𝑋</m:t>
+                              </m:r>
+                            </m:sub>
+                            <m:sup>
+                              <m:r>
+                                <a:rPr lang="en-GB" sz="2800" i="1">
+                                  <a:solidFill>
+                                    <a:srgbClr val="000000"/>
+                                  </a:solidFill>
+                                  <a:latin typeface="Cambria Math" panose="02040503050406030204" pitchFamily="18" charset="0"/>
+                                </a:rPr>
+                                <m:t>𝐵</m:t>
+                              </m:r>
+                            </m:sup>
+                          </m:sSubSup>
+                        </m:num>
+                        <m:den>
+                          <m:sSubSup>
+                            <m:sSubSupPr>
+                              <m:ctrlPr>
+                                <a:rPr lang="en-GB" sz="2800" i="1">
+                                  <a:solidFill>
+                                    <a:srgbClr val="000000"/>
+                                  </a:solidFill>
+                                  <a:latin typeface="Cambria Math" panose="02040503050406030204" pitchFamily="18" charset="0"/>
+                                </a:rPr>
+                              </m:ctrlPr>
+                            </m:sSubSupPr>
+                            <m:e>
+                              <m:r>
+                                <a:rPr lang="en-GB" sz="2800" i="1">
+                                  <a:solidFill>
+                                    <a:srgbClr val="000000"/>
+                                  </a:solidFill>
+                                  <a:latin typeface="Cambria Math" panose="02040503050406030204" pitchFamily="18" charset="0"/>
+                                </a:rPr>
+                                <m:t>𝑈</m:t>
+                              </m:r>
+                            </m:e>
+                            <m:sub>
+                              <m:r>
+                                <a:rPr lang="en-GB" sz="2800" i="1">
+                                  <a:solidFill>
+                                    <a:srgbClr val="000000"/>
+                                  </a:solidFill>
+                                  <a:latin typeface="Cambria Math" panose="02040503050406030204" pitchFamily="18" charset="0"/>
+                                </a:rPr>
+                                <m:t>𝑋</m:t>
+                              </m:r>
+                            </m:sub>
+                            <m:sup>
+                              <m:r>
+                                <a:rPr lang="en-GB" sz="2800" i="1">
+                                  <a:solidFill>
+                                    <a:srgbClr val="000000"/>
+                                  </a:solidFill>
+                                  <a:latin typeface="Cambria Math" panose="02040503050406030204" pitchFamily="18" charset="0"/>
+                                </a:rPr>
+                                <m:t>𝐴</m:t>
+                              </m:r>
+                            </m:sup>
+                          </m:sSubSup>
+                        </m:den>
+                      </m:f>
+                      <m:r>
+                        <a:rPr lang="en-GB" sz="2800" i="1">
+                          <a:solidFill>
+                            <a:srgbClr val="000000"/>
+                          </a:solidFill>
+                          <a:latin typeface="Cambria Math" panose="02040503050406030204" pitchFamily="18" charset="0"/>
+                        </a:rPr>
+                        <m:t>=</m:t>
+                      </m:r>
+                      <m:f>
+                        <m:fPr>
+                          <m:ctrlPr>
+                            <a:rPr lang="en-GB" sz="2800" i="1">
+                              <a:solidFill>
+                                <a:srgbClr val="000000"/>
+                              </a:solidFill>
+                              <a:latin typeface="Cambria Math" panose="02040503050406030204" pitchFamily="18" charset="0"/>
+                            </a:rPr>
+                          </m:ctrlPr>
+                        </m:fPr>
+                        <m:num>
+                          <m:sSub>
+                            <m:sSubPr>
+                              <m:ctrlPr>
+                                <a:rPr lang="en-GB" sz="2800" i="1">
+                                  <a:solidFill>
+                                    <a:srgbClr val="000000"/>
+                                  </a:solidFill>
+                                  <a:latin typeface="Cambria Math" panose="02040503050406030204" pitchFamily="18" charset="0"/>
+                                </a:rPr>
+                              </m:ctrlPr>
+                            </m:sSubPr>
+                            <m:e>
+                              <m:r>
+                                <a:rPr lang="en-GB" sz="2800" i="1">
+                                  <a:solidFill>
+                                    <a:srgbClr val="000000"/>
+                                  </a:solidFill>
+                                  <a:latin typeface="Cambria Math" panose="02040503050406030204" pitchFamily="18" charset="0"/>
+                                </a:rPr>
+                                <m:t>𝑊</m:t>
+                              </m:r>
+                            </m:e>
+                            <m:sub>
+                              <m:sSup>
+                                <m:sSupPr>
+                                  <m:ctrlPr>
+                                    <a:rPr lang="en-GB" sz="2800" i="1">
+                                      <a:solidFill>
+                                        <a:srgbClr val="000000"/>
+                                      </a:solidFill>
+                                      <a:latin typeface="Cambria Math" panose="02040503050406030204" pitchFamily="18" charset="0"/>
+                                    </a:rPr>
+                                  </m:ctrlPr>
+                                </m:sSupPr>
+                                <m:e>
+                                  <m:r>
+                                    <a:rPr lang="en-GB" sz="2800" i="1">
+                                      <a:solidFill>
+                                        <a:srgbClr val="000000"/>
+                                      </a:solidFill>
+                                      <a:latin typeface="Cambria Math" panose="02040503050406030204" pitchFamily="18" charset="0"/>
+                                    </a:rPr>
+                                    <m:t>𝑈</m:t>
+                                  </m:r>
+                                </m:e>
+                                <m:sup>
+                                  <m:r>
+                                    <a:rPr lang="en-GB" sz="2800" i="1">
+                                      <a:solidFill>
+                                        <a:srgbClr val="000000"/>
+                                      </a:solidFill>
+                                      <a:latin typeface="Cambria Math" panose="02040503050406030204" pitchFamily="18" charset="0"/>
+                                    </a:rPr>
+                                    <m:t>𝐴</m:t>
+                                  </m:r>
+                                </m:sup>
+                              </m:sSup>
+                            </m:sub>
+                          </m:sSub>
+                        </m:num>
+                        <m:den>
+                          <m:sSub>
+                            <m:sSubPr>
+                              <m:ctrlPr>
+                                <a:rPr lang="en-GB" sz="2800" i="1">
+                                  <a:solidFill>
+                                    <a:srgbClr val="000000"/>
+                                  </a:solidFill>
+                                  <a:latin typeface="Cambria Math" panose="02040503050406030204" pitchFamily="18" charset="0"/>
+                                </a:rPr>
+                              </m:ctrlPr>
+                            </m:sSubPr>
+                            <m:e>
+                              <m:r>
+                                <a:rPr lang="en-GB" sz="2800" i="1">
+                                  <a:solidFill>
+                                    <a:srgbClr val="000000"/>
+                                  </a:solidFill>
+                                  <a:latin typeface="Cambria Math" panose="02040503050406030204" pitchFamily="18" charset="0"/>
+                                </a:rPr>
+                                <m:t>𝑊</m:t>
+                              </m:r>
+                            </m:e>
+                            <m:sub>
+                              <m:sSup>
+                                <m:sSupPr>
+                                  <m:ctrlPr>
+                                    <a:rPr lang="en-GB" sz="2800" i="1">
+                                      <a:solidFill>
+                                        <a:srgbClr val="000000"/>
+                                      </a:solidFill>
+                                      <a:latin typeface="Cambria Math" panose="02040503050406030204" pitchFamily="18" charset="0"/>
+                                    </a:rPr>
+                                  </m:ctrlPr>
+                                </m:sSupPr>
+                                <m:e>
+                                  <m:r>
+                                    <a:rPr lang="en-GB" sz="2800" i="1">
+                                      <a:solidFill>
+                                        <a:srgbClr val="000000"/>
+                                      </a:solidFill>
+                                      <a:latin typeface="Cambria Math" panose="02040503050406030204" pitchFamily="18" charset="0"/>
+                                    </a:rPr>
+                                    <m:t>𝑈</m:t>
+                                  </m:r>
+                                </m:e>
+                                <m:sup>
+                                  <m:r>
+                                    <a:rPr lang="en-GB" sz="2800" i="1">
+                                      <a:solidFill>
+                                        <a:srgbClr val="000000"/>
+                                      </a:solidFill>
+                                      <a:latin typeface="Cambria Math" panose="02040503050406030204" pitchFamily="18" charset="0"/>
+                                    </a:rPr>
+                                    <m:t>𝐵</m:t>
+                                  </m:r>
+                                </m:sup>
+                              </m:sSup>
+                            </m:sub>
+                          </m:sSub>
+                        </m:den>
+                      </m:f>
+                    </m:oMath>
+                  </m:oMathPara>
+                </a14:m>
+                <a:endParaRPr lang="en-GB" sz="2800" dirty="0"/>
+              </a:p>
+            </p:txBody>
+          </p:sp>
+        </mc:Choice>
+        <mc:Fallback xmlns="">
+          <p:sp>
+            <p:nvSpPr>
+              <p:cNvPr id="5123" name="Object 3"/>
+              <p:cNvSpPr txBox="1">
+                <a:spLocks noRot="1" noChangeAspect="1" noMove="1" noResize="1" noEditPoints="1" noAdjustHandles="1" noChangeArrowheads="1" noChangeShapeType="1" noTextEdit="1"/>
+              </p:cNvSpPr>
+              <p:nvPr/>
+            </p:nvSpPr>
+            <p:spPr bwMode="auto">
+              <a:xfrm>
+                <a:off x="2895600" y="3124200"/>
+                <a:ext cx="4648200" cy="1079500"/>
+              </a:xfrm>
+              <a:prstGeom prst="rect">
+                <a:avLst/>
+              </a:prstGeom>
+              <a:blipFill>
+                <a:blip r:embed="rId3"/>
+                <a:stretch>
+                  <a:fillRect/>
+                </a:stretch>
+              </a:blipFill>
+            </p:spPr>
+            <p:txBody>
+              <a:bodyPr/>
+              <a:lstStyle/>
+              <a:p>
+                <a:r>
+                  <a:rPr lang="en-GB">
+                    <a:noFill/>
+                  </a:rPr>
+                  <a:t> </a:t>
+                </a:r>
+              </a:p>
+            </p:txBody>
+          </p:sp>
+        </mc:Fallback>
+      </mc:AlternateContent>
+    </p:spTree>
+  </p:cSld>
+  <p:clrMapOvr>
+    <a:masterClrMapping/>
+  </p:clrMapOvr>
+</p:sld>
+</file>
+
+<file path=ppt/slides/slide11.xml><?xml version="1.0" encoding="utf-8"?>
+<p:sld xmlns:a="http://schemas.openxmlformats.org/drawingml/2006/main" xmlns:r="http://schemas.openxmlformats.org/officeDocument/2006/relationships" xmlns:p="http://schemas.openxmlformats.org/presentationml/2006/main">
+  <p:cSld>
+    <p:spTree>
+      <p:nvGrpSpPr>
+        <p:cNvPr id="1" name=""/>
+        <p:cNvGrpSpPr/>
+        <p:nvPr/>
+      </p:nvGrpSpPr>
+      <p:grpSpPr>
+        <a:xfrm>
+          <a:off x="0" y="0"/>
+          <a:ext cx="0" cy="0"/>
+          <a:chOff x="0" y="0"/>
+          <a:chExt cx="0" cy="0"/>
+        </a:xfrm>
+      </p:grpSpPr>
+      <p:sp>
+        <p:nvSpPr>
+          <p:cNvPr id="14338" name="Rectangle 2"/>
+          <p:cNvSpPr>
+            <a:spLocks noGrp="1" noChangeArrowheads="1"/>
+          </p:cNvSpPr>
+          <p:nvPr>
+            <p:ph type="title"/>
+          </p:nvPr>
+        </p:nvSpPr>
+        <p:spPr>
+          <a:xfrm>
+            <a:off x="685800" y="304800"/>
+            <a:ext cx="7772400" cy="1143000"/>
+          </a:xfrm>
+        </p:spPr>
+        <p:txBody>
+          <a:bodyPr/>
+          <a:lstStyle/>
+          <a:p>
+            <a:r>
+              <a:rPr lang="en-GB" sz="4000" dirty="0">
+                <a:latin typeface="Candara" panose="020E0502030303020204" pitchFamily="34" charset="0"/>
+              </a:rPr>
+              <a:t>Externalities and public goods</a:t>
+            </a:r>
+          </a:p>
+        </p:txBody>
+      </p:sp>
+      <p:sp>
+        <p:nvSpPr>
+          <p:cNvPr id="14339" name="Rectangle 3"/>
+          <p:cNvSpPr>
+            <a:spLocks noGrp="1" noChangeArrowheads="1"/>
+          </p:cNvSpPr>
+          <p:nvPr>
+            <p:ph type="body" idx="1"/>
+          </p:nvPr>
+        </p:nvSpPr>
+        <p:spPr>
+          <a:xfrm>
+            <a:off x="685800" y="1474573"/>
+            <a:ext cx="7772400" cy="4114800"/>
+          </a:xfrm>
+        </p:spPr>
+        <p:txBody>
+          <a:bodyPr/>
+          <a:lstStyle/>
+          <a:p>
+            <a:pPr>
+              <a:lnSpc>
+                <a:spcPct val="90000"/>
+              </a:lnSpc>
+            </a:pPr>
+            <a:r>
+              <a:rPr lang="en-GB" sz="2800" dirty="0">
+                <a:latin typeface="Candara" panose="020E0502030303020204" pitchFamily="34" charset="0"/>
+              </a:rPr>
+              <a:t>Efficiency and optimality</a:t>
+            </a:r>
+          </a:p>
+          <a:p>
+            <a:pPr lvl="1">
+              <a:lnSpc>
+                <a:spcPct val="90000"/>
+              </a:lnSpc>
+            </a:pPr>
+            <a:r>
+              <a:rPr lang="en-GB" sz="2400" dirty="0">
+                <a:latin typeface="Candara" panose="020E0502030303020204" pitchFamily="34" charset="0"/>
+              </a:rPr>
+              <a:t>Static efficiency</a:t>
+            </a:r>
+          </a:p>
+          <a:p>
+            <a:pPr lvl="1">
+              <a:lnSpc>
+                <a:spcPct val="90000"/>
+              </a:lnSpc>
+            </a:pPr>
+            <a:r>
+              <a:rPr lang="en-GB" sz="2400" dirty="0">
+                <a:latin typeface="Candara" panose="020E0502030303020204" pitchFamily="34" charset="0"/>
+              </a:rPr>
+              <a:t>Optimality</a:t>
+            </a:r>
+          </a:p>
+          <a:p>
+            <a:pPr lvl="1">
+              <a:lnSpc>
+                <a:spcPct val="90000"/>
+              </a:lnSpc>
+            </a:pPr>
+            <a:r>
+              <a:rPr lang="en-GB" sz="2400" b="1" dirty="0">
+                <a:latin typeface="Candara" panose="020E0502030303020204" pitchFamily="34" charset="0"/>
+              </a:rPr>
+              <a:t>Market efficiency</a:t>
+            </a:r>
+          </a:p>
+          <a:p>
+            <a:pPr>
+              <a:lnSpc>
+                <a:spcPct val="90000"/>
+              </a:lnSpc>
+            </a:pPr>
+            <a:r>
+              <a:rPr lang="en-GB" sz="2800" dirty="0">
+                <a:latin typeface="Candara" panose="020E0502030303020204" pitchFamily="34" charset="0"/>
+              </a:rPr>
+              <a:t>Market failure &amp; public policy</a:t>
+            </a:r>
+          </a:p>
+          <a:p>
+            <a:pPr lvl="1">
+              <a:lnSpc>
+                <a:spcPct val="90000"/>
+              </a:lnSpc>
+            </a:pPr>
+            <a:r>
+              <a:rPr lang="en-GB" sz="2400" dirty="0">
+                <a:latin typeface="Candara" panose="020E0502030303020204" pitchFamily="34" charset="0"/>
+              </a:rPr>
+              <a:t>Externalities</a:t>
+            </a:r>
+          </a:p>
+          <a:p>
+            <a:pPr lvl="1">
+              <a:lnSpc>
+                <a:spcPct val="90000"/>
+              </a:lnSpc>
+            </a:pPr>
+            <a:r>
+              <a:rPr lang="en-GB" sz="2400" dirty="0" err="1">
+                <a:latin typeface="Candara" panose="020E0502030303020204" pitchFamily="34" charset="0"/>
+              </a:rPr>
+              <a:t>Pigou</a:t>
+            </a:r>
+            <a:r>
+              <a:rPr lang="en-GB" sz="2400" dirty="0">
+                <a:latin typeface="Candara" panose="020E0502030303020204" pitchFamily="34" charset="0"/>
+              </a:rPr>
+              <a:t> taxes</a:t>
+            </a:r>
+          </a:p>
+          <a:p>
+            <a:pPr lvl="1">
+              <a:lnSpc>
+                <a:spcPct val="90000"/>
+              </a:lnSpc>
+            </a:pPr>
+            <a:r>
+              <a:rPr lang="en-GB" sz="2400" dirty="0">
+                <a:latin typeface="Candara" panose="020E0502030303020204" pitchFamily="34" charset="0"/>
+              </a:rPr>
+              <a:t>Property rights</a:t>
+            </a:r>
+          </a:p>
+          <a:p>
+            <a:pPr lvl="1">
+              <a:lnSpc>
+                <a:spcPct val="90000"/>
+              </a:lnSpc>
+            </a:pPr>
+            <a:r>
+              <a:rPr lang="en-GB" sz="2400" dirty="0">
+                <a:latin typeface="Candara" panose="020E0502030303020204" pitchFamily="34" charset="0"/>
+              </a:rPr>
+              <a:t>Public goods</a:t>
+            </a:r>
+          </a:p>
+          <a:p>
+            <a:pPr lvl="1">
+              <a:lnSpc>
+                <a:spcPct val="90000"/>
+              </a:lnSpc>
+            </a:pPr>
+            <a:r>
+              <a:rPr lang="en-GB" sz="2400" dirty="0">
+                <a:latin typeface="Candara" panose="020E0502030303020204" pitchFamily="34" charset="0"/>
+              </a:rPr>
+              <a:t>Public goods and the market</a:t>
+            </a:r>
+          </a:p>
+          <a:p>
+            <a:pPr lvl="1">
+              <a:lnSpc>
+                <a:spcPct val="90000"/>
+              </a:lnSpc>
+            </a:pPr>
+            <a:r>
+              <a:rPr lang="en-GB" sz="2400" dirty="0">
+                <a:latin typeface="Candara" panose="020E0502030303020204" pitchFamily="34" charset="0"/>
+              </a:rPr>
+              <a:t>Policy interventions</a:t>
+            </a:r>
+          </a:p>
+        </p:txBody>
+      </p:sp>
+    </p:spTree>
+    <p:extLst>
+      <p:ext uri="{BB962C8B-B14F-4D97-AF65-F5344CB8AC3E}">
+        <p14:creationId xmlns:p14="http://schemas.microsoft.com/office/powerpoint/2010/main" val="3416706868"/>
+      </p:ext>
+    </p:extLst>
+  </p:cSld>
+  <p:clrMapOvr>
+    <a:masterClrMapping/>
+  </p:clrMapOvr>
+</p:sld>
+</file>
+
+<file path=ppt/slides/slide12.xml><?xml version="1.0" encoding="utf-8"?>
 <p:sld xmlns:a="http://schemas.openxmlformats.org/drawingml/2006/main" xmlns:r="http://schemas.openxmlformats.org/officeDocument/2006/relationships" xmlns:p="http://schemas.openxmlformats.org/presentationml/2006/main">
   <p:cSld>
     <p:spTree>
@@ -3776,7 +5058,7 @@
 </p:sld>
 </file>
 
-<file path=ppt/slides/slide11.xml><?xml version="1.0" encoding="utf-8"?>
+<file path=ppt/slides/slide13.xml><?xml version="1.0" encoding="utf-8"?>
 <p:sld xmlns:a="http://schemas.openxmlformats.org/drawingml/2006/main" xmlns:r="http://schemas.openxmlformats.org/officeDocument/2006/relationships" xmlns:p="http://schemas.openxmlformats.org/presentationml/2006/main">
   <p:cSld>
     <p:spTree>
@@ -3817,7 +5099,7 @@
               <a:rPr lang="de-DE" sz="3600" dirty="0">
                 <a:latin typeface="Candara" panose="020E0502030303020204" pitchFamily="34" charset="0"/>
               </a:rPr>
-              <a:t>Market efficiency -1</a:t>
+              <a:t>Market: Consumption efficiency</a:t>
             </a:r>
             <a:endParaRPr lang="en-GB" sz="3600" dirty="0">
               <a:latin typeface="Candara" panose="020E0502030303020204" pitchFamily="34" charset="0"/>
@@ -4440,42 +5722,42 @@
                 <a:gridCol w="1142999">
                   <a:extLst>
                     <a:ext uri="{9D8B030D-6E8A-4147-A177-3AD203B41FA5}">
-                      <a16:colId xmlns:a16="http://schemas.microsoft.com/office/drawing/2014/main" xmlns="" val="20000"/>
+                      <a16:colId xmlns:a16="http://schemas.microsoft.com/office/drawing/2014/main" val="20000"/>
                     </a:ext>
                   </a:extLst>
                 </a:gridCol>
                 <a:gridCol w="1143000">
                   <a:extLst>
                     <a:ext uri="{9D8B030D-6E8A-4147-A177-3AD203B41FA5}">
-                      <a16:colId xmlns:a16="http://schemas.microsoft.com/office/drawing/2014/main" xmlns="" val="20001"/>
+                      <a16:colId xmlns:a16="http://schemas.microsoft.com/office/drawing/2014/main" val="20001"/>
                     </a:ext>
                   </a:extLst>
                 </a:gridCol>
                 <a:gridCol w="2819400">
                   <a:extLst>
                     <a:ext uri="{9D8B030D-6E8A-4147-A177-3AD203B41FA5}">
-                      <a16:colId xmlns:a16="http://schemas.microsoft.com/office/drawing/2014/main" xmlns="" val="20002"/>
+                      <a16:colId xmlns:a16="http://schemas.microsoft.com/office/drawing/2014/main" val="20002"/>
                     </a:ext>
                   </a:extLst>
                 </a:gridCol>
                 <a:gridCol w="1143000">
                   <a:extLst>
                     <a:ext uri="{9D8B030D-6E8A-4147-A177-3AD203B41FA5}">
-                      <a16:colId xmlns:a16="http://schemas.microsoft.com/office/drawing/2014/main" xmlns="" val="20003"/>
+                      <a16:colId xmlns:a16="http://schemas.microsoft.com/office/drawing/2014/main" val="20003"/>
                     </a:ext>
                   </a:extLst>
                 </a:gridCol>
                 <a:gridCol w="1447800">
                   <a:extLst>
                     <a:ext uri="{9D8B030D-6E8A-4147-A177-3AD203B41FA5}">
-                      <a16:colId xmlns:a16="http://schemas.microsoft.com/office/drawing/2014/main" xmlns="" val="20004"/>
+                      <a16:colId xmlns:a16="http://schemas.microsoft.com/office/drawing/2014/main" val="20004"/>
                     </a:ext>
                   </a:extLst>
                 </a:gridCol>
                 <a:gridCol w="990599">
                   <a:extLst>
                     <a:ext uri="{9D8B030D-6E8A-4147-A177-3AD203B41FA5}">
-                      <a16:colId xmlns:a16="http://schemas.microsoft.com/office/drawing/2014/main" xmlns="" val="20005"/>
+                      <a16:colId xmlns:a16="http://schemas.microsoft.com/office/drawing/2014/main" val="20005"/>
                     </a:ext>
                   </a:extLst>
                 </a:gridCol>
@@ -4588,7 +5870,7 @@
                 </a:tc>
                 <a:extLst>
                   <a:ext uri="{0D108BD9-81ED-4DB2-BD59-A6C34878D82A}">
-                    <a16:rowId xmlns:a16="http://schemas.microsoft.com/office/drawing/2014/main" xmlns="" val="10000"/>
+                    <a16:rowId xmlns:a16="http://schemas.microsoft.com/office/drawing/2014/main" val="10000"/>
                   </a:ext>
                 </a:extLst>
               </a:tr>
@@ -4721,7 +6003,7 @@
                 </a:tc>
                 <a:extLst>
                   <a:ext uri="{0D108BD9-81ED-4DB2-BD59-A6C34878D82A}">
-                    <a16:rowId xmlns:a16="http://schemas.microsoft.com/office/drawing/2014/main" xmlns="" val="10001"/>
+                    <a16:rowId xmlns:a16="http://schemas.microsoft.com/office/drawing/2014/main" val="10001"/>
                   </a:ext>
                 </a:extLst>
               </a:tr>
@@ -4737,7 +6019,7 @@
 </p:sld>
 </file>
 
-<file path=ppt/slides/slide12.xml><?xml version="1.0" encoding="utf-8"?>
+<file path=ppt/slides/slide14.xml><?xml version="1.0" encoding="utf-8"?>
 <p:sld xmlns:a="http://schemas.openxmlformats.org/drawingml/2006/main" xmlns:r="http://schemas.openxmlformats.org/officeDocument/2006/relationships" xmlns:p="http://schemas.openxmlformats.org/presentationml/2006/main">
   <p:cSld>
     <p:spTree>
@@ -4778,7 +6060,7 @@
               <a:rPr lang="de-DE" sz="3600" dirty="0">
                 <a:latin typeface="Candara" panose="020E0502030303020204" pitchFamily="34" charset="0"/>
               </a:rPr>
-              <a:t>Market efficiency -2</a:t>
+              <a:t>Market: Production efficiency</a:t>
             </a:r>
             <a:endParaRPr lang="en-GB" sz="3600" dirty="0">
               <a:latin typeface="Candara" panose="020E0502030303020204" pitchFamily="34" charset="0"/>
@@ -5417,7 +6699,7 @@
 </p:sld>
 </file>
 
-<file path=ppt/slides/slide13.xml><?xml version="1.0" encoding="utf-8"?>
+<file path=ppt/slides/slide15.xml><?xml version="1.0" encoding="utf-8"?>
 <p:sld xmlns:a="http://schemas.openxmlformats.org/drawingml/2006/main" xmlns:r="http://schemas.openxmlformats.org/officeDocument/2006/relationships" xmlns:p="http://schemas.openxmlformats.org/presentationml/2006/main">
   <p:cSld>
     <p:spTree>
@@ -5458,7 +6740,7 @@
               <a:rPr lang="de-DE" sz="3600" dirty="0">
                 <a:latin typeface="Candara" panose="020E0502030303020204" pitchFamily="34" charset="0"/>
               </a:rPr>
-              <a:t>Market efficiency -3</a:t>
+              <a:t>Market: Product-mix efficiency</a:t>
             </a:r>
             <a:endParaRPr lang="en-GB" sz="3600" dirty="0">
               <a:latin typeface="Candara" panose="020E0502030303020204" pitchFamily="34" charset="0"/>
@@ -6317,6 +7599,548 @@
           </p:sp>
         </mc:Fallback>
       </mc:AlternateContent>
+      <mc:AlternateContent xmlns:mc="http://schemas.openxmlformats.org/markup-compatibility/2006" xmlns:a14="http://schemas.microsoft.com/office/drawing/2010/main">
+        <mc:Choice Requires="a14">
+          <p:sp>
+            <p:nvSpPr>
+              <p:cNvPr id="5" name="Object 2">
+                <a:extLst>
+                  <a:ext uri="{FF2B5EF4-FFF2-40B4-BE49-F238E27FC236}">
+                    <a16:creationId xmlns:a16="http://schemas.microsoft.com/office/drawing/2014/main" id="{F22CE9D9-511C-4F20-A242-182AB0D96FC4}"/>
+                  </a:ext>
+                </a:extLst>
+              </p:cNvPr>
+              <p:cNvSpPr txBox="1"/>
+              <p:nvPr/>
+            </p:nvSpPr>
+            <p:spPr bwMode="auto">
+              <a:xfrm>
+                <a:off x="5559287" y="1524000"/>
+                <a:ext cx="3581399" cy="1339850"/>
+              </a:xfrm>
+              <a:prstGeom prst="rect">
+                <a:avLst/>
+              </a:prstGeom>
+              <a:noFill/>
+            </p:spPr>
+            <p:txBody>
+              <a:bodyPr>
+                <a:normAutofit/>
+              </a:bodyPr>
+              <a:lstStyle/>
+              <a:p>
+                <a:pPr/>
+                <a14:m>
+                  <m:oMathPara xmlns:m="http://schemas.openxmlformats.org/officeDocument/2006/math">
+                    <m:oMathParaPr>
+                      <m:jc m:val="left"/>
+                    </m:oMathParaPr>
+                    <m:oMath xmlns:m="http://schemas.openxmlformats.org/officeDocument/2006/math">
+                      <m:d>
+                        <m:dPr>
+                          <m:ctrlPr>
+                            <a:rPr lang="en-GB" sz="2800" i="1" smtClean="0">
+                              <a:solidFill>
+                                <a:srgbClr val="000000"/>
+                              </a:solidFill>
+                              <a:latin typeface="Cambria Math" panose="02040503050406030204" pitchFamily="18" charset="0"/>
+                            </a:rPr>
+                          </m:ctrlPr>
+                        </m:dPr>
+                        <m:e>
+                          <m:f>
+                            <m:fPr>
+                              <m:ctrlPr>
+                                <a:rPr lang="en-GB" sz="2800" i="1">
+                                  <a:solidFill>
+                                    <a:srgbClr val="000000"/>
+                                  </a:solidFill>
+                                  <a:latin typeface="Cambria Math" panose="02040503050406030204" pitchFamily="18" charset="0"/>
+                                </a:rPr>
+                              </m:ctrlPr>
+                            </m:fPr>
+                            <m:num>
+                              <m:sSubSup>
+                                <m:sSubSupPr>
+                                  <m:ctrlPr>
+                                    <a:rPr lang="en-GB" sz="2800" i="1">
+                                      <a:solidFill>
+                                        <a:srgbClr val="000000"/>
+                                      </a:solidFill>
+                                      <a:latin typeface="Cambria Math" panose="02040503050406030204" pitchFamily="18" charset="0"/>
+                                    </a:rPr>
+                                  </m:ctrlPr>
+                                </m:sSubSupPr>
+                                <m:e>
+                                  <m:r>
+                                    <a:rPr lang="en-GB" sz="2800" i="1">
+                                      <a:solidFill>
+                                        <a:srgbClr val="000000"/>
+                                      </a:solidFill>
+                                      <a:latin typeface="Cambria Math" panose="02040503050406030204" pitchFamily="18" charset="0"/>
+                                    </a:rPr>
+                                    <m:t>𝑈</m:t>
+                                  </m:r>
+                                </m:e>
+                                <m:sub>
+                                  <m:r>
+                                    <a:rPr lang="en-GB" sz="2800" i="1">
+                                      <a:solidFill>
+                                        <a:srgbClr val="000000"/>
+                                      </a:solidFill>
+                                      <a:latin typeface="Cambria Math" panose="02040503050406030204" pitchFamily="18" charset="0"/>
+                                    </a:rPr>
+                                    <m:t>𝑋</m:t>
+                                  </m:r>
+                                </m:sub>
+                                <m:sup>
+                                  <m:r>
+                                    <a:rPr lang="en-GB" sz="2800" i="1">
+                                      <a:solidFill>
+                                        <a:srgbClr val="000000"/>
+                                      </a:solidFill>
+                                      <a:latin typeface="Cambria Math" panose="02040503050406030204" pitchFamily="18" charset="0"/>
+                                    </a:rPr>
+                                    <m:t>𝐵</m:t>
+                                  </m:r>
+                                </m:sup>
+                              </m:sSubSup>
+                            </m:num>
+                            <m:den>
+                              <m:sSubSup>
+                                <m:sSubSupPr>
+                                  <m:ctrlPr>
+                                    <a:rPr lang="en-GB" sz="2800" i="1">
+                                      <a:solidFill>
+                                        <a:srgbClr val="000000"/>
+                                      </a:solidFill>
+                                      <a:latin typeface="Cambria Math" panose="02040503050406030204" pitchFamily="18" charset="0"/>
+                                    </a:rPr>
+                                  </m:ctrlPr>
+                                </m:sSubSupPr>
+                                <m:e>
+                                  <m:r>
+                                    <a:rPr lang="en-GB" sz="2800" i="1">
+                                      <a:solidFill>
+                                        <a:srgbClr val="000000"/>
+                                      </a:solidFill>
+                                      <a:latin typeface="Cambria Math" panose="02040503050406030204" pitchFamily="18" charset="0"/>
+                                    </a:rPr>
+                                    <m:t>𝑈</m:t>
+                                  </m:r>
+                                </m:e>
+                                <m:sub>
+                                  <m:r>
+                                    <a:rPr lang="en-GB" sz="2800" i="1">
+                                      <a:solidFill>
+                                        <a:srgbClr val="000000"/>
+                                      </a:solidFill>
+                                      <a:latin typeface="Cambria Math" panose="02040503050406030204" pitchFamily="18" charset="0"/>
+                                    </a:rPr>
+                                    <m:t>𝑌</m:t>
+                                  </m:r>
+                                </m:sub>
+                                <m:sup>
+                                  <m:r>
+                                    <a:rPr lang="en-GB" sz="2800" i="1">
+                                      <a:solidFill>
+                                        <a:srgbClr val="000000"/>
+                                      </a:solidFill>
+                                      <a:latin typeface="Cambria Math" panose="02040503050406030204" pitchFamily="18" charset="0"/>
+                                    </a:rPr>
+                                    <m:t>𝐵</m:t>
+                                  </m:r>
+                                </m:sup>
+                              </m:sSubSup>
+                            </m:den>
+                          </m:f>
+                          <m:r>
+                            <a:rPr lang="en-GB" sz="2800" i="1">
+                              <a:solidFill>
+                                <a:srgbClr val="000000"/>
+                              </a:solidFill>
+                              <a:latin typeface="Cambria Math" panose="02040503050406030204" pitchFamily="18" charset="0"/>
+                            </a:rPr>
+                            <m:t>=</m:t>
+                          </m:r>
+                        </m:e>
+                      </m:d>
+                      <m:f>
+                        <m:fPr>
+                          <m:ctrlPr>
+                            <a:rPr lang="en-GB" sz="2800" i="1" smtClean="0">
+                              <a:solidFill>
+                                <a:srgbClr val="000000"/>
+                              </a:solidFill>
+                              <a:latin typeface="Cambria Math" panose="02040503050406030204" pitchFamily="18" charset="0"/>
+                            </a:rPr>
+                          </m:ctrlPr>
+                        </m:fPr>
+                        <m:num>
+                          <m:sSub>
+                            <m:sSubPr>
+                              <m:ctrlPr>
+                                <a:rPr lang="en-GB" sz="2800" i="1" smtClean="0">
+                                  <a:solidFill>
+                                    <a:srgbClr val="000000"/>
+                                  </a:solidFill>
+                                  <a:latin typeface="Cambria Math" panose="02040503050406030204" pitchFamily="18" charset="0"/>
+                                </a:rPr>
+                              </m:ctrlPr>
+                            </m:sSubPr>
+                            <m:e>
+                              <m:r>
+                                <a:rPr lang="en-GB" sz="2800" b="0" i="1" smtClean="0">
+                                  <a:solidFill>
+                                    <a:srgbClr val="000000"/>
+                                  </a:solidFill>
+                                  <a:latin typeface="Cambria Math" panose="02040503050406030204" pitchFamily="18" charset="0"/>
+                                </a:rPr>
+                                <m:t>𝑃</m:t>
+                              </m:r>
+                            </m:e>
+                            <m:sub>
+                              <m:r>
+                                <a:rPr lang="en-GB" sz="2800" b="0" i="1" smtClean="0">
+                                  <a:solidFill>
+                                    <a:srgbClr val="000000"/>
+                                  </a:solidFill>
+                                  <a:latin typeface="Cambria Math" panose="02040503050406030204" pitchFamily="18" charset="0"/>
+                                </a:rPr>
+                                <m:t>𝑋</m:t>
+                              </m:r>
+                            </m:sub>
+                          </m:sSub>
+                        </m:num>
+                        <m:den>
+                          <m:sSub>
+                            <m:sSubPr>
+                              <m:ctrlPr>
+                                <a:rPr lang="en-GB" sz="2800" b="0" i="1" smtClean="0">
+                                  <a:solidFill>
+                                    <a:srgbClr val="000000"/>
+                                  </a:solidFill>
+                                  <a:latin typeface="Cambria Math" panose="02040503050406030204" pitchFamily="18" charset="0"/>
+                                </a:rPr>
+                              </m:ctrlPr>
+                            </m:sSubPr>
+                            <m:e>
+                              <m:r>
+                                <a:rPr lang="en-GB" sz="2800" b="0" i="1" smtClean="0">
+                                  <a:solidFill>
+                                    <a:srgbClr val="000000"/>
+                                  </a:solidFill>
+                                  <a:latin typeface="Cambria Math" panose="02040503050406030204" pitchFamily="18" charset="0"/>
+                                </a:rPr>
+                                <m:t>𝑃</m:t>
+                              </m:r>
+                            </m:e>
+                            <m:sub>
+                              <m:r>
+                                <a:rPr lang="en-GB" sz="2800" b="0" i="1" smtClean="0">
+                                  <a:solidFill>
+                                    <a:srgbClr val="000000"/>
+                                  </a:solidFill>
+                                  <a:latin typeface="Cambria Math" panose="02040503050406030204" pitchFamily="18" charset="0"/>
+                                </a:rPr>
+                                <m:t>𝑌</m:t>
+                              </m:r>
+                            </m:sub>
+                          </m:sSub>
+                        </m:den>
+                      </m:f>
+                      <m:r>
+                        <a:rPr lang="en-GB" sz="2800" b="0" i="1" smtClean="0">
+                          <a:solidFill>
+                            <a:srgbClr val="000000"/>
+                          </a:solidFill>
+                          <a:latin typeface="Cambria Math" panose="02040503050406030204" pitchFamily="18" charset="0"/>
+                        </a:rPr>
+                        <m:t>=</m:t>
+                      </m:r>
+                      <m:f>
+                        <m:fPr>
+                          <m:ctrlPr>
+                            <a:rPr lang="en-GB" sz="2800" i="1">
+                              <a:solidFill>
+                                <a:srgbClr val="000000"/>
+                              </a:solidFill>
+                              <a:latin typeface="Cambria Math" panose="02040503050406030204" pitchFamily="18" charset="0"/>
+                            </a:rPr>
+                          </m:ctrlPr>
+                        </m:fPr>
+                        <m:num>
+                          <m:r>
+                            <a:rPr lang="en-GB" sz="2800" i="1">
+                              <a:solidFill>
+                                <a:srgbClr val="000000"/>
+                              </a:solidFill>
+                              <a:latin typeface="Cambria Math" panose="02040503050406030204" pitchFamily="18" charset="0"/>
+                            </a:rPr>
+                            <m:t>𝑀</m:t>
+                          </m:r>
+                          <m:sSubSup>
+                            <m:sSubSupPr>
+                              <m:ctrlPr>
+                                <a:rPr lang="en-GB" sz="2800" i="1">
+                                  <a:solidFill>
+                                    <a:srgbClr val="000000"/>
+                                  </a:solidFill>
+                                  <a:latin typeface="Cambria Math" panose="02040503050406030204" pitchFamily="18" charset="0"/>
+                                </a:rPr>
+                              </m:ctrlPr>
+                            </m:sSubSupPr>
+                            <m:e>
+                              <m:r>
+                                <a:rPr lang="en-GB" sz="2800" i="1">
+                                  <a:solidFill>
+                                    <a:srgbClr val="000000"/>
+                                  </a:solidFill>
+                                  <a:latin typeface="Cambria Math" panose="02040503050406030204" pitchFamily="18" charset="0"/>
+                                </a:rPr>
+                                <m:t>𝑃</m:t>
+                              </m:r>
+                            </m:e>
+                            <m:sub>
+                              <m:r>
+                                <a:rPr lang="en-GB" sz="2800" i="1">
+                                  <a:solidFill>
+                                    <a:srgbClr val="000000"/>
+                                  </a:solidFill>
+                                  <a:latin typeface="Cambria Math" panose="02040503050406030204" pitchFamily="18" charset="0"/>
+                                </a:rPr>
+                                <m:t>𝐾</m:t>
+                              </m:r>
+                            </m:sub>
+                            <m:sup>
+                              <m:r>
+                                <a:rPr lang="en-GB" sz="2800" b="0" i="1" smtClean="0">
+                                  <a:solidFill>
+                                    <a:srgbClr val="000000"/>
+                                  </a:solidFill>
+                                  <a:latin typeface="Cambria Math" panose="02040503050406030204" pitchFamily="18" charset="0"/>
+                                </a:rPr>
+                                <m:t>𝑌</m:t>
+                              </m:r>
+                            </m:sup>
+                          </m:sSubSup>
+                        </m:num>
+                        <m:den>
+                          <m:r>
+                            <a:rPr lang="en-GB" sz="2800" i="1">
+                              <a:solidFill>
+                                <a:srgbClr val="000000"/>
+                              </a:solidFill>
+                              <a:latin typeface="Cambria Math" panose="02040503050406030204" pitchFamily="18" charset="0"/>
+                            </a:rPr>
+                            <m:t>𝑀</m:t>
+                          </m:r>
+                          <m:sSubSup>
+                            <m:sSubSupPr>
+                              <m:ctrlPr>
+                                <a:rPr lang="en-GB" sz="2800" i="1">
+                                  <a:solidFill>
+                                    <a:srgbClr val="000000"/>
+                                  </a:solidFill>
+                                  <a:latin typeface="Cambria Math" panose="02040503050406030204" pitchFamily="18" charset="0"/>
+                                </a:rPr>
+                              </m:ctrlPr>
+                            </m:sSubSupPr>
+                            <m:e>
+                              <m:r>
+                                <a:rPr lang="en-GB" sz="2800" i="1">
+                                  <a:solidFill>
+                                    <a:srgbClr val="000000"/>
+                                  </a:solidFill>
+                                  <a:latin typeface="Cambria Math" panose="02040503050406030204" pitchFamily="18" charset="0"/>
+                                </a:rPr>
+                                <m:t>𝑃</m:t>
+                              </m:r>
+                            </m:e>
+                            <m:sub>
+                              <m:r>
+                                <a:rPr lang="en-GB" sz="2800" i="1">
+                                  <a:solidFill>
+                                    <a:srgbClr val="000000"/>
+                                  </a:solidFill>
+                                  <a:latin typeface="Cambria Math" panose="02040503050406030204" pitchFamily="18" charset="0"/>
+                                </a:rPr>
+                                <m:t>𝐾</m:t>
+                              </m:r>
+                            </m:sub>
+                            <m:sup>
+                              <m:r>
+                                <a:rPr lang="en-GB" sz="2800" b="0" i="1" smtClean="0">
+                                  <a:solidFill>
+                                    <a:srgbClr val="000000"/>
+                                  </a:solidFill>
+                                  <a:latin typeface="Cambria Math" panose="02040503050406030204" pitchFamily="18" charset="0"/>
+                                </a:rPr>
+                                <m:t>𝑋</m:t>
+                              </m:r>
+                            </m:sup>
+                          </m:sSubSup>
+                        </m:den>
+                      </m:f>
+                      <m:f>
+                        <m:fPr>
+                          <m:ctrlPr>
+                            <a:rPr lang="en-GB" sz="2800" i="1">
+                              <a:solidFill>
+                                <a:srgbClr val="000000"/>
+                              </a:solidFill>
+                              <a:latin typeface="Cambria Math" panose="02040503050406030204" pitchFamily="18" charset="0"/>
+                            </a:rPr>
+                          </m:ctrlPr>
+                        </m:fPr>
+                        <m:num>
+                          <m:sSubSup>
+                            <m:sSubSupPr>
+                              <m:ctrlPr>
+                                <a:rPr lang="en-GB" sz="2800" i="1">
+                                  <a:solidFill>
+                                    <a:srgbClr val="000000"/>
+                                  </a:solidFill>
+                                  <a:latin typeface="Cambria Math" panose="02040503050406030204" pitchFamily="18" charset="0"/>
+                                </a:rPr>
+                              </m:ctrlPr>
+                            </m:sSubSupPr>
+                            <m:e>
+                              <m:r>
+                                <a:rPr lang="en-GB" sz="2800" i="1">
+                                  <a:solidFill>
+                                    <a:srgbClr val="000000"/>
+                                  </a:solidFill>
+                                  <a:latin typeface="Cambria Math" panose="02040503050406030204" pitchFamily="18" charset="0"/>
+                                </a:rPr>
+                                <m:t>𝑃</m:t>
+                              </m:r>
+                            </m:e>
+                            <m:sub>
+                              <m:r>
+                                <a:rPr lang="en-GB" sz="2800" i="1">
+                                  <a:solidFill>
+                                    <a:srgbClr val="000000"/>
+                                  </a:solidFill>
+                                  <a:latin typeface="Cambria Math" panose="02040503050406030204" pitchFamily="18" charset="0"/>
+                                </a:rPr>
+                                <m:t>𝐾</m:t>
+                              </m:r>
+                            </m:sub>
+                            <m:sup>
+                              <m:r>
+                                <a:rPr lang="en-GB" sz="2800" i="1">
+                                  <a:solidFill>
+                                    <a:srgbClr val="000000"/>
+                                  </a:solidFill>
+                                  <a:latin typeface="Cambria Math" panose="02040503050406030204" pitchFamily="18" charset="0"/>
+                                </a:rPr>
+                                <m:t>𝑋</m:t>
+                              </m:r>
+                            </m:sup>
+                          </m:sSubSup>
+                        </m:num>
+                        <m:den>
+                          <m:sSubSup>
+                            <m:sSubSupPr>
+                              <m:ctrlPr>
+                                <a:rPr lang="en-GB" sz="2800" i="1">
+                                  <a:solidFill>
+                                    <a:srgbClr val="000000"/>
+                                  </a:solidFill>
+                                  <a:latin typeface="Cambria Math" panose="02040503050406030204" pitchFamily="18" charset="0"/>
+                                </a:rPr>
+                              </m:ctrlPr>
+                            </m:sSubSupPr>
+                            <m:e>
+                              <m:r>
+                                <a:rPr lang="en-GB" sz="2800" i="1">
+                                  <a:solidFill>
+                                    <a:srgbClr val="000000"/>
+                                  </a:solidFill>
+                                  <a:latin typeface="Cambria Math" panose="02040503050406030204" pitchFamily="18" charset="0"/>
+                                </a:rPr>
+                                <m:t>𝑃</m:t>
+                              </m:r>
+                            </m:e>
+                            <m:sub>
+                              <m:r>
+                                <a:rPr lang="en-GB" sz="2800" i="1">
+                                  <a:solidFill>
+                                    <a:srgbClr val="000000"/>
+                                  </a:solidFill>
+                                  <a:latin typeface="Cambria Math" panose="02040503050406030204" pitchFamily="18" charset="0"/>
+                                </a:rPr>
+                                <m:t>𝐾</m:t>
+                              </m:r>
+                            </m:sub>
+                            <m:sup>
+                              <m:r>
+                                <a:rPr lang="en-GB" sz="2800" b="0" i="1" smtClean="0">
+                                  <a:solidFill>
+                                    <a:srgbClr val="000000"/>
+                                  </a:solidFill>
+                                  <a:latin typeface="Cambria Math" panose="02040503050406030204" pitchFamily="18" charset="0"/>
+                                </a:rPr>
+                                <m:t>𝑌</m:t>
+                              </m:r>
+                            </m:sup>
+                          </m:sSubSup>
+                        </m:den>
+                      </m:f>
+                    </m:oMath>
+                  </m:oMathPara>
+                </a14:m>
+                <a:endParaRPr lang="en-GB" sz="2800" dirty="0"/>
+              </a:p>
+            </p:txBody>
+          </p:sp>
+        </mc:Choice>
+        <mc:Fallback xmlns="">
+          <p:sp>
+            <p:nvSpPr>
+              <p:cNvPr id="5" name="Object 2">
+                <a:extLst>
+                  <a:ext uri="{FF2B5EF4-FFF2-40B4-BE49-F238E27FC236}">
+                    <a16:creationId xmlns:a16="http://schemas.microsoft.com/office/drawing/2014/main" id="{F22CE9D9-511C-4F20-A242-182AB0D96FC4}"/>
+                  </a:ext>
+                </a:extLst>
+              </p:cNvPr>
+              <p:cNvSpPr txBox="1">
+                <a:spLocks noRot="1" noChangeAspect="1" noMove="1" noResize="1" noEditPoints="1" noAdjustHandles="1" noChangeArrowheads="1" noChangeShapeType="1" noTextEdit="1"/>
+              </p:cNvSpPr>
+              <p:nvPr/>
+            </p:nvSpPr>
+            <p:spPr bwMode="auto">
+              <a:xfrm>
+                <a:off x="5559287" y="1524000"/>
+                <a:ext cx="3581399" cy="1339850"/>
+              </a:xfrm>
+              <a:prstGeom prst="rect">
+                <a:avLst/>
+              </a:prstGeom>
+              <a:blipFill>
+                <a:blip r:embed="rId3"/>
+                <a:stretch>
+                  <a:fillRect/>
+                </a:stretch>
+              </a:blipFill>
+            </p:spPr>
+            <p:txBody>
+              <a:bodyPr/>
+              <a:lstStyle/>
+              <a:p>
+                <a:r>
+                  <a:rPr lang="en-GB">
+                    <a:noFill/>
+                  </a:rPr>
+                  <a:t> </a:t>
+                </a:r>
+              </a:p>
+            </p:txBody>
+          </p:sp>
+        </mc:Fallback>
+      </mc:AlternateContent>
     </p:spTree>
   </p:cSld>
   <p:clrMapOvr>
@@ -6325,7 +8149,379 @@
 </p:sld>
 </file>
 
-<file path=ppt/slides/slide14.xml><?xml version="1.0" encoding="utf-8"?>
+<file path=ppt/slides/slide16.xml><?xml version="1.0" encoding="utf-8"?>
+<p:sld xmlns:a="http://schemas.openxmlformats.org/drawingml/2006/main" xmlns:r="http://schemas.openxmlformats.org/officeDocument/2006/relationships" xmlns:p="http://schemas.openxmlformats.org/presentationml/2006/main">
+  <p:cSld>
+    <p:spTree>
+      <p:nvGrpSpPr>
+        <p:cNvPr id="1" name=""/>
+        <p:cNvGrpSpPr/>
+        <p:nvPr/>
+      </p:nvGrpSpPr>
+      <p:grpSpPr>
+        <a:xfrm>
+          <a:off x="0" y="0"/>
+          <a:ext cx="0" cy="0"/>
+          <a:chOff x="0" y="0"/>
+          <a:chExt cx="0" cy="0"/>
+        </a:xfrm>
+      </p:grpSpPr>
+      <p:sp>
+        <p:nvSpPr>
+          <p:cNvPr id="16386" name="Rectangle 2"/>
+          <p:cNvSpPr>
+            <a:spLocks noGrp="1" noChangeArrowheads="1"/>
+          </p:cNvSpPr>
+          <p:nvPr>
+            <p:ph type="title"/>
+          </p:nvPr>
+        </p:nvSpPr>
+        <p:spPr>
+          <a:xfrm>
+            <a:off x="685800" y="0"/>
+            <a:ext cx="7772400" cy="1143000"/>
+          </a:xfrm>
+        </p:spPr>
+        <p:txBody>
+          <a:bodyPr/>
+          <a:lstStyle/>
+          <a:p>
+            <a:r>
+              <a:rPr lang="de-DE" sz="3600" dirty="0">
+                <a:latin typeface="Candara" panose="020E0502030303020204" pitchFamily="34" charset="0"/>
+              </a:rPr>
+              <a:t>Markets are efficient, iff</a:t>
+            </a:r>
+            <a:endParaRPr lang="en-GB" sz="3600" dirty="0">
+              <a:latin typeface="Candara" panose="020E0502030303020204" pitchFamily="34" charset="0"/>
+            </a:endParaRPr>
+          </a:p>
+        </p:txBody>
+      </p:sp>
+      <p:sp>
+        <p:nvSpPr>
+          <p:cNvPr id="16387" name="Rectangle 3"/>
+          <p:cNvSpPr>
+            <a:spLocks noGrp="1" noChangeArrowheads="1"/>
+          </p:cNvSpPr>
+          <p:nvPr>
+            <p:ph type="body" idx="1"/>
+          </p:nvPr>
+        </p:nvSpPr>
+        <p:spPr>
+          <a:xfrm>
+            <a:off x="685800" y="1219200"/>
+            <a:ext cx="7772400" cy="4114800"/>
+          </a:xfrm>
+        </p:spPr>
+        <p:txBody>
+          <a:bodyPr/>
+          <a:lstStyle/>
+          <a:p>
+            <a:r>
+              <a:rPr lang="de-DE" sz="2800" dirty="0">
+                <a:latin typeface="Candara" panose="020E0502030303020204" pitchFamily="34" charset="0"/>
+              </a:rPr>
+              <a:t>Markets exist for all goods and services</a:t>
+            </a:r>
+          </a:p>
+          <a:p>
+            <a:pPr lvl="1"/>
+            <a:r>
+              <a:rPr lang="de-DE" sz="2400" dirty="0">
+                <a:latin typeface="Candara" panose="020E0502030303020204" pitchFamily="34" charset="0"/>
+              </a:rPr>
+              <a:t>Property rights are fully assigned</a:t>
+            </a:r>
+          </a:p>
+          <a:p>
+            <a:pPr lvl="1"/>
+            <a:r>
+              <a:rPr lang="de-DE" sz="2400" dirty="0">
+                <a:latin typeface="Candara" panose="020E0502030303020204" pitchFamily="34" charset="0"/>
+              </a:rPr>
+              <a:t>All goods and services are private</a:t>
+            </a:r>
+          </a:p>
+          <a:p>
+            <a:pPr lvl="1"/>
+            <a:r>
+              <a:rPr lang="de-DE" sz="2400" dirty="0">
+                <a:latin typeface="Candara" panose="020E0502030303020204" pitchFamily="34" charset="0"/>
+              </a:rPr>
+              <a:t>No externalities exist</a:t>
+            </a:r>
+          </a:p>
+          <a:p>
+            <a:r>
+              <a:rPr lang="de-DE" sz="2800" dirty="0">
+                <a:latin typeface="Candara" panose="020E0502030303020204" pitchFamily="34" charset="0"/>
+              </a:rPr>
+              <a:t>All markets are perfectly competitive</a:t>
+            </a:r>
+          </a:p>
+          <a:p>
+            <a:pPr lvl="1"/>
+            <a:r>
+              <a:rPr lang="de-DE" sz="2400" dirty="0">
+                <a:latin typeface="Candara" panose="020E0502030303020204" pitchFamily="34" charset="0"/>
+              </a:rPr>
+              <a:t>Long run average costs are non-decreasing</a:t>
+            </a:r>
+          </a:p>
+          <a:p>
+            <a:r>
+              <a:rPr lang="de-DE" sz="2800" dirty="0">
+                <a:latin typeface="Candara" panose="020E0502030303020204" pitchFamily="34" charset="0"/>
+              </a:rPr>
+              <a:t>All agents have perfect information</a:t>
+            </a:r>
+          </a:p>
+        </p:txBody>
+      </p:sp>
+    </p:spTree>
+    <p:extLst>
+      <p:ext uri="{BB962C8B-B14F-4D97-AF65-F5344CB8AC3E}">
+        <p14:creationId xmlns:p14="http://schemas.microsoft.com/office/powerpoint/2010/main" val="1471912309"/>
+      </p:ext>
+    </p:extLst>
+  </p:cSld>
+  <p:clrMapOvr>
+    <a:masterClrMapping/>
+  </p:clrMapOvr>
+</p:sld>
+</file>
+
+<file path=ppt/slides/slide17.xml><?xml version="1.0" encoding="utf-8"?>
+<p:sld xmlns:a="http://schemas.openxmlformats.org/drawingml/2006/main" xmlns:r="http://schemas.openxmlformats.org/officeDocument/2006/relationships" xmlns:p="http://schemas.openxmlformats.org/presentationml/2006/main">
+  <p:cSld>
+    <p:spTree>
+      <p:nvGrpSpPr>
+        <p:cNvPr id="1" name=""/>
+        <p:cNvGrpSpPr/>
+        <p:nvPr/>
+      </p:nvGrpSpPr>
+      <p:grpSpPr>
+        <a:xfrm>
+          <a:off x="0" y="0"/>
+          <a:ext cx="0" cy="0"/>
+          <a:chOff x="0" y="0"/>
+          <a:chExt cx="0" cy="0"/>
+        </a:xfrm>
+      </p:grpSpPr>
+      <p:sp>
+        <p:nvSpPr>
+          <p:cNvPr id="14338" name="Rectangle 2"/>
+          <p:cNvSpPr>
+            <a:spLocks noGrp="1" noChangeArrowheads="1"/>
+          </p:cNvSpPr>
+          <p:nvPr>
+            <p:ph type="title"/>
+          </p:nvPr>
+        </p:nvSpPr>
+        <p:spPr>
+          <a:xfrm>
+            <a:off x="685800" y="304800"/>
+            <a:ext cx="7772400" cy="1143000"/>
+          </a:xfrm>
+        </p:spPr>
+        <p:txBody>
+          <a:bodyPr/>
+          <a:lstStyle/>
+          <a:p>
+            <a:r>
+              <a:rPr lang="en-GB" sz="4000" dirty="0">
+                <a:latin typeface="Candara" panose="020E0502030303020204" pitchFamily="34" charset="0"/>
+              </a:rPr>
+              <a:t>Externalities and public goods</a:t>
+            </a:r>
+          </a:p>
+        </p:txBody>
+      </p:sp>
+      <p:sp>
+        <p:nvSpPr>
+          <p:cNvPr id="14339" name="Rectangle 3"/>
+          <p:cNvSpPr>
+            <a:spLocks noGrp="1" noChangeArrowheads="1"/>
+          </p:cNvSpPr>
+          <p:nvPr>
+            <p:ph type="body" idx="1"/>
+          </p:nvPr>
+        </p:nvSpPr>
+        <p:spPr>
+          <a:xfrm>
+            <a:off x="685800" y="1474573"/>
+            <a:ext cx="7772400" cy="4114800"/>
+          </a:xfrm>
+        </p:spPr>
+        <p:txBody>
+          <a:bodyPr/>
+          <a:lstStyle/>
+          <a:p>
+            <a:pPr>
+              <a:lnSpc>
+                <a:spcPct val="90000"/>
+              </a:lnSpc>
+            </a:pPr>
+            <a:r>
+              <a:rPr lang="en-GB" sz="2800" dirty="0">
+                <a:latin typeface="Candara" panose="020E0502030303020204" pitchFamily="34" charset="0"/>
+              </a:rPr>
+              <a:t>Efficiency and optimality</a:t>
+            </a:r>
+          </a:p>
+          <a:p>
+            <a:pPr lvl="1">
+              <a:lnSpc>
+                <a:spcPct val="90000"/>
+              </a:lnSpc>
+            </a:pPr>
+            <a:r>
+              <a:rPr lang="en-GB" sz="2400" dirty="0">
+                <a:latin typeface="Candara" panose="020E0502030303020204" pitchFamily="34" charset="0"/>
+              </a:rPr>
+              <a:t>Static efficiency</a:t>
+            </a:r>
+          </a:p>
+          <a:p>
+            <a:pPr lvl="1">
+              <a:lnSpc>
+                <a:spcPct val="90000"/>
+              </a:lnSpc>
+            </a:pPr>
+            <a:r>
+              <a:rPr lang="en-GB" sz="2400" dirty="0">
+                <a:latin typeface="Candara" panose="020E0502030303020204" pitchFamily="34" charset="0"/>
+              </a:rPr>
+              <a:t>Optimality</a:t>
+            </a:r>
+          </a:p>
+          <a:p>
+            <a:pPr lvl="1">
+              <a:lnSpc>
+                <a:spcPct val="90000"/>
+              </a:lnSpc>
+            </a:pPr>
+            <a:r>
+              <a:rPr lang="en-GB" sz="2400" dirty="0">
+                <a:latin typeface="Candara" panose="020E0502030303020204" pitchFamily="34" charset="0"/>
+              </a:rPr>
+              <a:t>Market efficiency</a:t>
+            </a:r>
+          </a:p>
+          <a:p>
+            <a:pPr>
+              <a:lnSpc>
+                <a:spcPct val="90000"/>
+              </a:lnSpc>
+            </a:pPr>
+            <a:r>
+              <a:rPr lang="en-GB" sz="2800" dirty="0">
+                <a:latin typeface="Candara" panose="020E0502030303020204" pitchFamily="34" charset="0"/>
+              </a:rPr>
+              <a:t>Market failure &amp; public policy</a:t>
+            </a:r>
+          </a:p>
+          <a:p>
+            <a:pPr lvl="1">
+              <a:lnSpc>
+                <a:spcPct val="90000"/>
+              </a:lnSpc>
+            </a:pPr>
+            <a:r>
+              <a:rPr lang="en-GB" sz="2400" b="1" dirty="0">
+                <a:latin typeface="Candara" panose="020E0502030303020204" pitchFamily="34" charset="0"/>
+              </a:rPr>
+              <a:t>Externalities</a:t>
+            </a:r>
+          </a:p>
+          <a:p>
+            <a:pPr lvl="1">
+              <a:lnSpc>
+                <a:spcPct val="90000"/>
+              </a:lnSpc>
+            </a:pPr>
+            <a:r>
+              <a:rPr lang="en-GB" sz="2400" b="1" dirty="0" err="1">
+                <a:latin typeface="Candara" panose="020E0502030303020204" pitchFamily="34" charset="0"/>
+              </a:rPr>
+              <a:t>Pigou</a:t>
+            </a:r>
+            <a:r>
+              <a:rPr lang="en-GB" sz="2400" b="1" dirty="0">
+                <a:latin typeface="Candara" panose="020E0502030303020204" pitchFamily="34" charset="0"/>
+              </a:rPr>
+              <a:t> taxes</a:t>
+            </a:r>
+          </a:p>
+          <a:p>
+            <a:pPr lvl="1">
+              <a:lnSpc>
+                <a:spcPct val="90000"/>
+              </a:lnSpc>
+            </a:pPr>
+            <a:r>
+              <a:rPr lang="en-GB" sz="2400" dirty="0">
+                <a:latin typeface="Candara" panose="020E0502030303020204" pitchFamily="34" charset="0"/>
+              </a:rPr>
+              <a:t>Property rights</a:t>
+            </a:r>
+          </a:p>
+          <a:p>
+            <a:pPr lvl="1">
+              <a:lnSpc>
+                <a:spcPct val="90000"/>
+              </a:lnSpc>
+            </a:pPr>
+            <a:r>
+              <a:rPr lang="en-GB" sz="2400" dirty="0">
+                <a:latin typeface="Candara" panose="020E0502030303020204" pitchFamily="34" charset="0"/>
+              </a:rPr>
+              <a:t>Public goods</a:t>
+            </a:r>
+          </a:p>
+          <a:p>
+            <a:pPr lvl="1">
+              <a:lnSpc>
+                <a:spcPct val="90000"/>
+              </a:lnSpc>
+            </a:pPr>
+            <a:r>
+              <a:rPr lang="en-GB" sz="2400" dirty="0">
+                <a:latin typeface="Candara" panose="020E0502030303020204" pitchFamily="34" charset="0"/>
+              </a:rPr>
+              <a:t>Public goods and the market</a:t>
+            </a:r>
+          </a:p>
+          <a:p>
+            <a:pPr lvl="1">
+              <a:lnSpc>
+                <a:spcPct val="90000"/>
+              </a:lnSpc>
+            </a:pPr>
+            <a:r>
+              <a:rPr lang="en-GB" sz="2400" dirty="0">
+                <a:latin typeface="Candara" panose="020E0502030303020204" pitchFamily="34" charset="0"/>
+              </a:rPr>
+              <a:t>Policy interventions</a:t>
+            </a:r>
+          </a:p>
+        </p:txBody>
+      </p:sp>
+    </p:spTree>
+    <p:extLst>
+      <p:ext uri="{BB962C8B-B14F-4D97-AF65-F5344CB8AC3E}">
+        <p14:creationId xmlns:p14="http://schemas.microsoft.com/office/powerpoint/2010/main" val="1050099749"/>
+      </p:ext>
+    </p:extLst>
+  </p:cSld>
+  <p:clrMapOvr>
+    <a:masterClrMapping/>
+  </p:clrMapOvr>
+</p:sld>
+</file>
+
+<file path=ppt/slides/slide18.xml><?xml version="1.0" encoding="utf-8"?>
 <p:sld xmlns:a="http://schemas.openxmlformats.org/drawingml/2006/main" xmlns:r="http://schemas.openxmlformats.org/officeDocument/2006/relationships" xmlns:p="http://schemas.openxmlformats.org/presentationml/2006/main">
   <p:cSld>
     <p:spTree>
@@ -6526,7 +8722,7 @@
 </p:sld>
 </file>
 
-<file path=ppt/slides/slide15.xml><?xml version="1.0" encoding="utf-8"?>
+<file path=ppt/slides/slide19.xml><?xml version="1.0" encoding="utf-8"?>
 <p:sld xmlns:a="http://schemas.openxmlformats.org/drawingml/2006/main" xmlns:r="http://schemas.openxmlformats.org/officeDocument/2006/relationships" xmlns:p="http://schemas.openxmlformats.org/presentationml/2006/main">
   <p:cSld>
     <p:spTree>
@@ -6689,7 +8885,188 @@
 </p:sld>
 </file>
 
-<file path=ppt/slides/slide16.xml><?xml version="1.0" encoding="utf-8"?>
+<file path=ppt/slides/slide2.xml><?xml version="1.0" encoding="utf-8"?>
+<p:sld xmlns:a="http://schemas.openxmlformats.org/drawingml/2006/main" xmlns:r="http://schemas.openxmlformats.org/officeDocument/2006/relationships" xmlns:p="http://schemas.openxmlformats.org/presentationml/2006/main">
+  <p:cSld>
+    <p:spTree>
+      <p:nvGrpSpPr>
+        <p:cNvPr id="1" name=""/>
+        <p:cNvGrpSpPr/>
+        <p:nvPr/>
+      </p:nvGrpSpPr>
+      <p:grpSpPr>
+        <a:xfrm>
+          <a:off x="0" y="0"/>
+          <a:ext cx="0" cy="0"/>
+          <a:chOff x="0" y="0"/>
+          <a:chExt cx="0" cy="0"/>
+        </a:xfrm>
+      </p:grpSpPr>
+      <p:sp>
+        <p:nvSpPr>
+          <p:cNvPr id="4099" name="Content Placeholder 2"/>
+          <p:cNvSpPr>
+            <a:spLocks noGrp="1"/>
+          </p:cNvSpPr>
+          <p:nvPr>
+            <p:ph idx="1"/>
+          </p:nvPr>
+        </p:nvSpPr>
+        <p:spPr>
+          <a:xfrm>
+            <a:off x="457200" y="304800"/>
+            <a:ext cx="8229600" cy="5211763"/>
+          </a:xfrm>
+        </p:spPr>
+        <p:txBody>
+          <a:bodyPr/>
+          <a:lstStyle/>
+          <a:p>
+            <a:pPr eaLnBrk="1" hangingPunct="1">
+              <a:buNone/>
+            </a:pPr>
+            <a:r>
+              <a:rPr lang="en-US" sz="2800" dirty="0">
+                <a:latin typeface="Candara" panose="020E0502030303020204" pitchFamily="34" charset="0"/>
+              </a:rPr>
+              <a:t>0 Introduction</a:t>
+            </a:r>
+          </a:p>
+          <a:p>
+            <a:pPr eaLnBrk="1" hangingPunct="1">
+              <a:buNone/>
+            </a:pPr>
+            <a:r>
+              <a:rPr lang="en-US" sz="2800" dirty="0">
+                <a:latin typeface="Candara" panose="020E0502030303020204" pitchFamily="34" charset="0"/>
+              </a:rPr>
+              <a:t>1 Social choice</a:t>
+            </a:r>
+          </a:p>
+          <a:p>
+            <a:pPr eaLnBrk="1" hangingPunct="1">
+              <a:buNone/>
+            </a:pPr>
+            <a:r>
+              <a:rPr lang="en-US" sz="3600" b="1" dirty="0">
+                <a:latin typeface="Candara" panose="020E0502030303020204" pitchFamily="34" charset="0"/>
+              </a:rPr>
+              <a:t>2 Externalities and public goods</a:t>
+            </a:r>
+          </a:p>
+          <a:p>
+            <a:pPr eaLnBrk="1" hangingPunct="1">
+              <a:buNone/>
+            </a:pPr>
+            <a:r>
+              <a:rPr lang="en-US" sz="2800" dirty="0">
+                <a:latin typeface="Candara" panose="020E0502030303020204" pitchFamily="34" charset="0"/>
+              </a:rPr>
+              <a:t>3 Decision analysis</a:t>
+            </a:r>
+          </a:p>
+          <a:p>
+            <a:pPr eaLnBrk="1" hangingPunct="1">
+              <a:buNone/>
+            </a:pPr>
+            <a:r>
+              <a:rPr lang="en-US" sz="2800" dirty="0">
+                <a:latin typeface="Candara" panose="020E0502030303020204" pitchFamily="34" charset="0"/>
+              </a:rPr>
+              <a:t>4 Valuation: Aims and purpose</a:t>
+            </a:r>
+          </a:p>
+          <a:p>
+            <a:pPr eaLnBrk="1" hangingPunct="1">
+              <a:buNone/>
+            </a:pPr>
+            <a:r>
+              <a:rPr lang="en-US" sz="2800" dirty="0">
+                <a:latin typeface="Candara" panose="020E0502030303020204" pitchFamily="34" charset="0"/>
+              </a:rPr>
+              <a:t>5 Valuation: Revealed preferences</a:t>
+            </a:r>
+          </a:p>
+          <a:p>
+            <a:pPr eaLnBrk="1" hangingPunct="1">
+              <a:buNone/>
+            </a:pPr>
+            <a:r>
+              <a:rPr lang="en-US" sz="2800" dirty="0">
+                <a:latin typeface="Candara" panose="020E0502030303020204" pitchFamily="34" charset="0"/>
+              </a:rPr>
+              <a:t>6 Valuation: Stated preferences</a:t>
+            </a:r>
+          </a:p>
+          <a:p>
+            <a:pPr eaLnBrk="1" hangingPunct="1">
+              <a:buNone/>
+            </a:pPr>
+            <a:r>
+              <a:rPr lang="en-US" sz="2800" dirty="0">
+                <a:latin typeface="Candara" panose="020E0502030303020204" pitchFamily="34" charset="0"/>
+              </a:rPr>
+              <a:t>7 Direct regulation</a:t>
+            </a:r>
+          </a:p>
+          <a:p>
+            <a:pPr eaLnBrk="1" hangingPunct="1">
+              <a:buNone/>
+            </a:pPr>
+            <a:r>
+              <a:rPr lang="en-US" sz="2800" dirty="0">
+                <a:latin typeface="Candara" panose="020E0502030303020204" pitchFamily="34" charset="0"/>
+              </a:rPr>
+              <a:t>8 Market-based instruments</a:t>
+            </a:r>
+          </a:p>
+          <a:p>
+            <a:pPr eaLnBrk="1" hangingPunct="1">
+              <a:buNone/>
+            </a:pPr>
+            <a:r>
+              <a:rPr lang="en-US" sz="2800">
+                <a:latin typeface="Candara" panose="020E0502030303020204" pitchFamily="34" charset="0"/>
+              </a:rPr>
+              <a:t>9 Complications with instruments</a:t>
+            </a:r>
+            <a:endParaRPr lang="en-US" sz="2800" dirty="0">
+              <a:latin typeface="Candara" panose="020E0502030303020204" pitchFamily="34" charset="0"/>
+            </a:endParaRPr>
+          </a:p>
+          <a:p>
+            <a:pPr eaLnBrk="1" hangingPunct="1">
+              <a:buNone/>
+            </a:pPr>
+            <a:r>
+              <a:rPr lang="en-US" sz="2800" dirty="0">
+                <a:latin typeface="Candara" panose="020E0502030303020204" pitchFamily="34" charset="0"/>
+              </a:rPr>
+              <a:t>10 Growth and the environment</a:t>
+            </a:r>
+          </a:p>
+          <a:p>
+            <a:pPr eaLnBrk="1" hangingPunct="1">
+              <a:buNone/>
+            </a:pPr>
+            <a:r>
+              <a:rPr lang="en-US" sz="2800" dirty="0">
+                <a:latin typeface="Candara" panose="020E0502030303020204" pitchFamily="34" charset="0"/>
+              </a:rPr>
+              <a:t>11 Green accounting</a:t>
+            </a:r>
+          </a:p>
+        </p:txBody>
+      </p:sp>
+    </p:spTree>
+  </p:cSld>
+  <p:clrMapOvr>
+    <a:masterClrMapping/>
+  </p:clrMapOvr>
+</p:sld>
+</file>
+
+<file path=ppt/slides/slide20.xml><?xml version="1.0" encoding="utf-8"?>
 <p:sld xmlns:a="http://schemas.openxmlformats.org/drawingml/2006/main" xmlns:r="http://schemas.openxmlformats.org/officeDocument/2006/relationships" xmlns:p="http://schemas.openxmlformats.org/presentationml/2006/main">
   <p:cSld>
     <p:spTree>
@@ -8337,7 +10714,7 @@
 </p:sld>
 </file>
 
-<file path=ppt/slides/slide17.xml><?xml version="1.0" encoding="utf-8"?>
+<file path=ppt/slides/slide21.xml><?xml version="1.0" encoding="utf-8"?>
 <p:sld xmlns:a="http://schemas.openxmlformats.org/drawingml/2006/main" xmlns:r="http://schemas.openxmlformats.org/officeDocument/2006/relationships" xmlns:p="http://schemas.openxmlformats.org/presentationml/2006/main">
   <p:cSld>
     <p:spTree>
@@ -9819,7 +12196,7 @@
 </p:sld>
 </file>
 
-<file path=ppt/slides/slide18.xml><?xml version="1.0" encoding="utf-8"?>
+<file path=ppt/slides/slide22.xml><?xml version="1.0" encoding="utf-8"?>
 <p:sld xmlns:a="http://schemas.openxmlformats.org/drawingml/2006/main" xmlns:r="http://schemas.openxmlformats.org/officeDocument/2006/relationships" xmlns:p="http://schemas.openxmlformats.org/presentationml/2006/main">
   <p:cSld>
     <p:spTree>
@@ -11504,7 +13881,7 @@
 </p:sld>
 </file>
 
-<file path=ppt/slides/slide19.xml><?xml version="1.0" encoding="utf-8"?>
+<file path=ppt/slides/slide23.xml><?xml version="1.0" encoding="utf-8"?>
 <p:sld xmlns:a="http://schemas.openxmlformats.org/drawingml/2006/main" xmlns:r="http://schemas.openxmlformats.org/officeDocument/2006/relationships" xmlns:p="http://schemas.openxmlformats.org/presentationml/2006/main">
   <p:cSld>
     <p:spTree>
@@ -13734,194 +16111,7 @@
 </p:sld>
 </file>
 
-<file path=ppt/slides/slide2.xml><?xml version="1.0" encoding="utf-8"?>
-<p:sld xmlns:a="http://schemas.openxmlformats.org/drawingml/2006/main" xmlns:r="http://schemas.openxmlformats.org/officeDocument/2006/relationships" xmlns:p="http://schemas.openxmlformats.org/presentationml/2006/main">
-  <p:cSld>
-    <p:spTree>
-      <p:nvGrpSpPr>
-        <p:cNvPr id="1" name=""/>
-        <p:cNvGrpSpPr/>
-        <p:nvPr/>
-      </p:nvGrpSpPr>
-      <p:grpSpPr>
-        <a:xfrm>
-          <a:off x="0" y="0"/>
-          <a:ext cx="0" cy="0"/>
-          <a:chOff x="0" y="0"/>
-          <a:chExt cx="0" cy="0"/>
-        </a:xfrm>
-      </p:grpSpPr>
-      <p:sp>
-        <p:nvSpPr>
-          <p:cNvPr id="4099" name="Content Placeholder 2"/>
-          <p:cNvSpPr>
-            <a:spLocks noGrp="1"/>
-          </p:cNvSpPr>
-          <p:nvPr>
-            <p:ph idx="1"/>
-          </p:nvPr>
-        </p:nvSpPr>
-        <p:spPr>
-          <a:xfrm>
-            <a:off x="457200" y="304800"/>
-            <a:ext cx="8229600" cy="5211763"/>
-          </a:xfrm>
-        </p:spPr>
-        <p:txBody>
-          <a:bodyPr/>
-          <a:lstStyle/>
-          <a:p>
-            <a:pPr eaLnBrk="1" hangingPunct="1">
-              <a:buNone/>
-            </a:pPr>
-            <a:r>
-              <a:rPr lang="en-US" sz="2800" dirty="0">
-                <a:latin typeface="Candara" panose="020E0502030303020204" pitchFamily="34" charset="0"/>
-              </a:rPr>
-              <a:t>0 Introduction</a:t>
-            </a:r>
-          </a:p>
-          <a:p>
-            <a:pPr eaLnBrk="1" hangingPunct="1">
-              <a:buNone/>
-            </a:pPr>
-            <a:r>
-              <a:rPr lang="en-US" sz="2800" dirty="0">
-                <a:latin typeface="Candara" panose="020E0502030303020204" pitchFamily="34" charset="0"/>
-              </a:rPr>
-              <a:t>1 Social choice</a:t>
-            </a:r>
-          </a:p>
-          <a:p>
-            <a:pPr eaLnBrk="1" hangingPunct="1">
-              <a:buNone/>
-            </a:pPr>
-            <a:r>
-              <a:rPr lang="en-US" sz="3600" b="1" dirty="0">
-                <a:latin typeface="Candara" panose="020E0502030303020204" pitchFamily="34" charset="0"/>
-              </a:rPr>
-              <a:t>2 Externalities and public goods</a:t>
-            </a:r>
-          </a:p>
-          <a:p>
-            <a:pPr eaLnBrk="1" hangingPunct="1">
-              <a:buNone/>
-            </a:pPr>
-            <a:r>
-              <a:rPr lang="en-US" sz="2800" dirty="0">
-                <a:latin typeface="Candara" panose="020E0502030303020204" pitchFamily="34" charset="0"/>
-              </a:rPr>
-              <a:t>3 Decision analysis</a:t>
-            </a:r>
-          </a:p>
-          <a:p>
-            <a:pPr eaLnBrk="1" hangingPunct="1">
-              <a:buNone/>
-            </a:pPr>
-            <a:r>
-              <a:rPr lang="en-US" sz="2800" dirty="0">
-                <a:latin typeface="Candara" panose="020E0502030303020204" pitchFamily="34" charset="0"/>
-              </a:rPr>
-              <a:t>4 Valuation: Aims and purpose</a:t>
-            </a:r>
-          </a:p>
-          <a:p>
-            <a:pPr eaLnBrk="1" hangingPunct="1">
-              <a:buNone/>
-            </a:pPr>
-            <a:r>
-              <a:rPr lang="en-US" sz="2800" dirty="0">
-                <a:latin typeface="Candara" panose="020E0502030303020204" pitchFamily="34" charset="0"/>
-              </a:rPr>
-              <a:t>5 Valuation: Revealed preferences</a:t>
-            </a:r>
-          </a:p>
-          <a:p>
-            <a:pPr eaLnBrk="1" hangingPunct="1">
-              <a:buNone/>
-            </a:pPr>
-            <a:r>
-              <a:rPr lang="en-US" sz="2800" dirty="0">
-                <a:latin typeface="Candara" panose="020E0502030303020204" pitchFamily="34" charset="0"/>
-              </a:rPr>
-              <a:t>6 Valuation: Stated preferences</a:t>
-            </a:r>
-          </a:p>
-          <a:p>
-            <a:pPr eaLnBrk="1" hangingPunct="1">
-              <a:buNone/>
-            </a:pPr>
-            <a:r>
-              <a:rPr lang="en-US" sz="2800" dirty="0">
-                <a:latin typeface="Candara" panose="020E0502030303020204" pitchFamily="34" charset="0"/>
-              </a:rPr>
-              <a:t>7 Direct regulation</a:t>
-            </a:r>
-          </a:p>
-          <a:p>
-            <a:pPr eaLnBrk="1" hangingPunct="1">
-              <a:buNone/>
-            </a:pPr>
-            <a:r>
-              <a:rPr lang="en-US" sz="2800" dirty="0">
-                <a:latin typeface="Candara" panose="020E0502030303020204" pitchFamily="34" charset="0"/>
-              </a:rPr>
-              <a:t>8 Market-based instruments</a:t>
-            </a:r>
-          </a:p>
-          <a:p>
-            <a:pPr eaLnBrk="1" hangingPunct="1">
-              <a:buNone/>
-            </a:pPr>
-            <a:r>
-              <a:rPr lang="en-US" sz="2800">
-                <a:latin typeface="Candara" panose="020E0502030303020204" pitchFamily="34" charset="0"/>
-              </a:rPr>
-              <a:t>9 </a:t>
-            </a:r>
-            <a:r>
-              <a:rPr lang="en-US" sz="2800">
-                <a:latin typeface="Candara" panose="020E0502030303020204" pitchFamily="34" charset="0"/>
-              </a:rPr>
-              <a:t>Complications with instruments</a:t>
-            </a:r>
-            <a:endParaRPr lang="en-US" sz="2800" dirty="0">
-              <a:latin typeface="Candara" panose="020E0502030303020204" pitchFamily="34" charset="0"/>
-            </a:endParaRPr>
-          </a:p>
-          <a:p>
-            <a:pPr eaLnBrk="1" hangingPunct="1">
-              <a:buNone/>
-            </a:pPr>
-            <a:r>
-              <a:rPr lang="en-US" sz="2800" dirty="0">
-                <a:latin typeface="Candara" panose="020E0502030303020204" pitchFamily="34" charset="0"/>
-              </a:rPr>
-              <a:t>10 Growth and the environment</a:t>
-            </a:r>
-          </a:p>
-          <a:p>
-            <a:pPr eaLnBrk="1" hangingPunct="1">
-              <a:buNone/>
-            </a:pPr>
-            <a:r>
-              <a:rPr lang="en-US" sz="2800" dirty="0">
-                <a:latin typeface="Candara" panose="020E0502030303020204" pitchFamily="34" charset="0"/>
-              </a:rPr>
-              <a:t>11 Green accounting</a:t>
-            </a:r>
-          </a:p>
-        </p:txBody>
-      </p:sp>
-    </p:spTree>
-  </p:cSld>
-  <p:clrMapOvr>
-    <a:masterClrMapping/>
-  </p:clrMapOvr>
-</p:sld>
-</file>
-
-<file path=ppt/slides/slide20.xml><?xml version="1.0" encoding="utf-8"?>
+<file path=ppt/slides/slide24.xml><?xml version="1.0" encoding="utf-8"?>
 <p:sld xmlns:a="http://schemas.openxmlformats.org/drawingml/2006/main" xmlns:r="http://schemas.openxmlformats.org/officeDocument/2006/relationships" xmlns:p="http://schemas.openxmlformats.org/presentationml/2006/main">
   <p:cSld>
     <p:spTree>
@@ -14097,7 +16287,7 @@
 </p:sld>
 </file>
 
-<file path=ppt/slides/slide21.xml><?xml version="1.0" encoding="utf-8"?>
+<file path=ppt/slides/slide25.xml><?xml version="1.0" encoding="utf-8"?>
 <p:sld xmlns:a="http://schemas.openxmlformats.org/drawingml/2006/main" xmlns:r="http://schemas.openxmlformats.org/officeDocument/2006/relationships" xmlns:p="http://schemas.openxmlformats.org/presentationml/2006/main">
   <p:cSld>
     <p:spTree>
@@ -14192,7 +16382,7 @@
 </p:sld>
 </file>
 
-<file path=ppt/slides/slide22.xml><?xml version="1.0" encoding="utf-8"?>
+<file path=ppt/slides/slide26.xml><?xml version="1.0" encoding="utf-8"?>
 <p:sld xmlns:a="http://schemas.openxmlformats.org/drawingml/2006/main" xmlns:r="http://schemas.openxmlformats.org/officeDocument/2006/relationships" xmlns:p="http://schemas.openxmlformats.org/presentationml/2006/main">
   <p:cSld>
     <p:spTree>
@@ -14392,7 +16582,236 @@
 </p:sld>
 </file>
 
-<file path=ppt/slides/slide23.xml><?xml version="1.0" encoding="utf-8"?>
+<file path=ppt/slides/slide27.xml><?xml version="1.0" encoding="utf-8"?>
+<p:sld xmlns:a="http://schemas.openxmlformats.org/drawingml/2006/main" xmlns:r="http://schemas.openxmlformats.org/officeDocument/2006/relationships" xmlns:p="http://schemas.openxmlformats.org/presentationml/2006/main">
+  <p:cSld>
+    <p:spTree>
+      <p:nvGrpSpPr>
+        <p:cNvPr id="1" name=""/>
+        <p:cNvGrpSpPr/>
+        <p:nvPr/>
+      </p:nvGrpSpPr>
+      <p:grpSpPr>
+        <a:xfrm>
+          <a:off x="0" y="0"/>
+          <a:ext cx="0" cy="0"/>
+          <a:chOff x="0" y="0"/>
+          <a:chExt cx="0" cy="0"/>
+        </a:xfrm>
+      </p:grpSpPr>
+      <p:sp>
+        <p:nvSpPr>
+          <p:cNvPr id="14338" name="Rectangle 2"/>
+          <p:cNvSpPr>
+            <a:spLocks noGrp="1" noChangeArrowheads="1"/>
+          </p:cNvSpPr>
+          <p:nvPr>
+            <p:ph type="title"/>
+          </p:nvPr>
+        </p:nvSpPr>
+        <p:spPr>
+          <a:xfrm>
+            <a:off x="685800" y="304800"/>
+            <a:ext cx="7772400" cy="1143000"/>
+          </a:xfrm>
+        </p:spPr>
+        <p:txBody>
+          <a:bodyPr/>
+          <a:lstStyle/>
+          <a:p>
+            <a:r>
+              <a:rPr lang="en-GB" sz="4000" dirty="0">
+                <a:latin typeface="Candara" panose="020E0502030303020204" pitchFamily="34" charset="0"/>
+              </a:rPr>
+              <a:t>Externalities and public goods</a:t>
+            </a:r>
+          </a:p>
+        </p:txBody>
+      </p:sp>
+      <p:sp>
+        <p:nvSpPr>
+          <p:cNvPr id="14339" name="Rectangle 3"/>
+          <p:cNvSpPr>
+            <a:spLocks noGrp="1" noChangeArrowheads="1"/>
+          </p:cNvSpPr>
+          <p:nvPr>
+            <p:ph type="body" idx="1"/>
+          </p:nvPr>
+        </p:nvSpPr>
+        <p:spPr>
+          <a:xfrm>
+            <a:off x="685800" y="1474573"/>
+            <a:ext cx="7772400" cy="4114800"/>
+          </a:xfrm>
+        </p:spPr>
+        <p:txBody>
+          <a:bodyPr/>
+          <a:lstStyle/>
+          <a:p>
+            <a:pPr>
+              <a:lnSpc>
+                <a:spcPct val="90000"/>
+              </a:lnSpc>
+            </a:pPr>
+            <a:r>
+              <a:rPr lang="en-GB" sz="2800" dirty="0">
+                <a:latin typeface="Candara" panose="020E0502030303020204" pitchFamily="34" charset="0"/>
+              </a:rPr>
+              <a:t>Efficiency and optimality</a:t>
+            </a:r>
+          </a:p>
+          <a:p>
+            <a:pPr lvl="1">
+              <a:lnSpc>
+                <a:spcPct val="90000"/>
+              </a:lnSpc>
+            </a:pPr>
+            <a:r>
+              <a:rPr lang="en-GB" sz="2400" dirty="0">
+                <a:latin typeface="Candara" panose="020E0502030303020204" pitchFamily="34" charset="0"/>
+              </a:rPr>
+              <a:t>Static efficiency</a:t>
+            </a:r>
+          </a:p>
+          <a:p>
+            <a:pPr lvl="1">
+              <a:lnSpc>
+                <a:spcPct val="90000"/>
+              </a:lnSpc>
+            </a:pPr>
+            <a:r>
+              <a:rPr lang="en-GB" sz="2400" dirty="0">
+                <a:latin typeface="Candara" panose="020E0502030303020204" pitchFamily="34" charset="0"/>
+              </a:rPr>
+              <a:t>Optimality</a:t>
+            </a:r>
+          </a:p>
+          <a:p>
+            <a:pPr lvl="1">
+              <a:lnSpc>
+                <a:spcPct val="90000"/>
+              </a:lnSpc>
+            </a:pPr>
+            <a:r>
+              <a:rPr lang="en-GB" sz="2400" dirty="0">
+                <a:latin typeface="Candara" panose="020E0502030303020204" pitchFamily="34" charset="0"/>
+              </a:rPr>
+              <a:t>Market efficiency</a:t>
+            </a:r>
+          </a:p>
+          <a:p>
+            <a:pPr>
+              <a:lnSpc>
+                <a:spcPct val="90000"/>
+              </a:lnSpc>
+            </a:pPr>
+            <a:r>
+              <a:rPr lang="en-GB" sz="2800" dirty="0">
+                <a:latin typeface="Candara" panose="020E0502030303020204" pitchFamily="34" charset="0"/>
+              </a:rPr>
+              <a:t>Market failure &amp; public policy</a:t>
+            </a:r>
+          </a:p>
+          <a:p>
+            <a:pPr lvl="1">
+              <a:lnSpc>
+                <a:spcPct val="90000"/>
+              </a:lnSpc>
+            </a:pPr>
+            <a:r>
+              <a:rPr lang="en-GB" sz="2400" dirty="0">
+                <a:latin typeface="Candara" panose="020E0502030303020204" pitchFamily="34" charset="0"/>
+              </a:rPr>
+              <a:t>Externalities</a:t>
+            </a:r>
+          </a:p>
+          <a:p>
+            <a:pPr lvl="1">
+              <a:lnSpc>
+                <a:spcPct val="90000"/>
+              </a:lnSpc>
+            </a:pPr>
+            <a:r>
+              <a:rPr lang="en-GB" sz="2400" dirty="0" err="1">
+                <a:latin typeface="Candara" panose="020E0502030303020204" pitchFamily="34" charset="0"/>
+              </a:rPr>
+              <a:t>Pigou</a:t>
+            </a:r>
+            <a:r>
+              <a:rPr lang="en-GB" sz="2400" dirty="0">
+                <a:latin typeface="Candara" panose="020E0502030303020204" pitchFamily="34" charset="0"/>
+              </a:rPr>
+              <a:t> taxes</a:t>
+            </a:r>
+          </a:p>
+          <a:p>
+            <a:pPr lvl="1">
+              <a:lnSpc>
+                <a:spcPct val="90000"/>
+              </a:lnSpc>
+            </a:pPr>
+            <a:r>
+              <a:rPr lang="en-GB" sz="2400" b="1" dirty="0">
+                <a:latin typeface="Candara" panose="020E0502030303020204" pitchFamily="34" charset="0"/>
+              </a:rPr>
+              <a:t>Property rights</a:t>
+            </a:r>
+          </a:p>
+          <a:p>
+            <a:pPr lvl="1">
+              <a:lnSpc>
+                <a:spcPct val="90000"/>
+              </a:lnSpc>
+            </a:pPr>
+            <a:r>
+              <a:rPr lang="en-GB" sz="2400" b="1" dirty="0">
+                <a:latin typeface="Candara" panose="020E0502030303020204" pitchFamily="34" charset="0"/>
+              </a:rPr>
+              <a:t>Public goods</a:t>
+            </a:r>
+          </a:p>
+          <a:p>
+            <a:pPr lvl="1">
+              <a:lnSpc>
+                <a:spcPct val="90000"/>
+              </a:lnSpc>
+            </a:pPr>
+            <a:r>
+              <a:rPr lang="en-GB" sz="2400" dirty="0">
+                <a:latin typeface="Candara" panose="020E0502030303020204" pitchFamily="34" charset="0"/>
+              </a:rPr>
+              <a:t>Public goods and the market</a:t>
+            </a:r>
+          </a:p>
+          <a:p>
+            <a:pPr lvl="1">
+              <a:lnSpc>
+                <a:spcPct val="90000"/>
+              </a:lnSpc>
+            </a:pPr>
+            <a:r>
+              <a:rPr lang="en-GB" sz="2400" dirty="0">
+                <a:latin typeface="Candara" panose="020E0502030303020204" pitchFamily="34" charset="0"/>
+              </a:rPr>
+              <a:t>Policy interventions</a:t>
+            </a:r>
+          </a:p>
+        </p:txBody>
+      </p:sp>
+    </p:spTree>
+    <p:extLst>
+      <p:ext uri="{BB962C8B-B14F-4D97-AF65-F5344CB8AC3E}">
+        <p14:creationId xmlns:p14="http://schemas.microsoft.com/office/powerpoint/2010/main" val="3019587216"/>
+      </p:ext>
+    </p:extLst>
+  </p:cSld>
+  <p:clrMapOvr>
+    <a:masterClrMapping/>
+  </p:clrMapOvr>
+</p:sld>
+</file>
+
+<file path=ppt/slides/slide28.xml><?xml version="1.0" encoding="utf-8"?>
 <p:sld xmlns:a="http://schemas.openxmlformats.org/drawingml/2006/main" xmlns:r="http://schemas.openxmlformats.org/officeDocument/2006/relationships" xmlns:p="http://schemas.openxmlformats.org/presentationml/2006/main">
   <p:cSld>
     <p:spTree>
@@ -14535,7 +16954,7 @@
 </p:sld>
 </file>
 
-<file path=ppt/slides/slide24.xml><?xml version="1.0" encoding="utf-8"?>
+<file path=ppt/slides/slide29.xml><?xml version="1.0" encoding="utf-8"?>
 <p:sld xmlns:a="http://schemas.openxmlformats.org/drawingml/2006/main" xmlns:r="http://schemas.openxmlformats.org/officeDocument/2006/relationships" xmlns:p="http://schemas.openxmlformats.org/presentationml/2006/main">
   <p:cSld>
     <p:spTree>
@@ -14702,21 +17121,21 @@
                 <a:gridCol w="2568656">
                   <a:extLst>
                     <a:ext uri="{9D8B030D-6E8A-4147-A177-3AD203B41FA5}">
-                      <a16:colId xmlns:a16="http://schemas.microsoft.com/office/drawing/2014/main" xmlns="" val="20000"/>
+                      <a16:colId xmlns:a16="http://schemas.microsoft.com/office/drawing/2014/main" val="20000"/>
                     </a:ext>
                   </a:extLst>
                 </a:gridCol>
                 <a:gridCol w="2993944">
                   <a:extLst>
                     <a:ext uri="{9D8B030D-6E8A-4147-A177-3AD203B41FA5}">
-                      <a16:colId xmlns:a16="http://schemas.microsoft.com/office/drawing/2014/main" xmlns="" val="20001"/>
+                      <a16:colId xmlns:a16="http://schemas.microsoft.com/office/drawing/2014/main" val="20001"/>
                     </a:ext>
                   </a:extLst>
                 </a:gridCol>
                 <a:gridCol w="3276600">
                   <a:extLst>
                     <a:ext uri="{9D8B030D-6E8A-4147-A177-3AD203B41FA5}">
-                      <a16:colId xmlns:a16="http://schemas.microsoft.com/office/drawing/2014/main" xmlns="" val="20002"/>
+                      <a16:colId xmlns:a16="http://schemas.microsoft.com/office/drawing/2014/main" val="20002"/>
                     </a:ext>
                   </a:extLst>
                 </a:gridCol>
@@ -14880,7 +17299,7 @@
                 </a:tc>
                 <a:extLst>
                   <a:ext uri="{0D108BD9-81ED-4DB2-BD59-A6C34878D82A}">
-                    <a16:rowId xmlns:a16="http://schemas.microsoft.com/office/drawing/2014/main" xmlns="" val="10000"/>
+                    <a16:rowId xmlns:a16="http://schemas.microsoft.com/office/drawing/2014/main" val="10000"/>
                   </a:ext>
                 </a:extLst>
               </a:tr>
@@ -15049,7 +17468,7 @@
                 </a:tc>
                 <a:extLst>
                   <a:ext uri="{0D108BD9-81ED-4DB2-BD59-A6C34878D82A}">
-                    <a16:rowId xmlns:a16="http://schemas.microsoft.com/office/drawing/2014/main" xmlns="" val="10001"/>
+                    <a16:rowId xmlns:a16="http://schemas.microsoft.com/office/drawing/2014/main" val="10001"/>
                   </a:ext>
                 </a:extLst>
               </a:tr>
@@ -15245,7 +17664,7 @@
                 </a:tc>
                 <a:extLst>
                   <a:ext uri="{0D108BD9-81ED-4DB2-BD59-A6C34878D82A}">
-                    <a16:rowId xmlns:a16="http://schemas.microsoft.com/office/drawing/2014/main" xmlns="" val="10002"/>
+                    <a16:rowId xmlns:a16="http://schemas.microsoft.com/office/drawing/2014/main" val="10002"/>
                   </a:ext>
                 </a:extLst>
               </a:tr>
@@ -15332,7 +17751,236 @@
 </p:sld>
 </file>
 
-<file path=ppt/slides/slide25.xml><?xml version="1.0" encoding="utf-8"?>
+<file path=ppt/slides/slide3.xml><?xml version="1.0" encoding="utf-8"?>
+<p:sld xmlns:a="http://schemas.openxmlformats.org/drawingml/2006/main" xmlns:r="http://schemas.openxmlformats.org/officeDocument/2006/relationships" xmlns:p="http://schemas.openxmlformats.org/presentationml/2006/main">
+  <p:cSld>
+    <p:spTree>
+      <p:nvGrpSpPr>
+        <p:cNvPr id="1" name=""/>
+        <p:cNvGrpSpPr/>
+        <p:nvPr/>
+      </p:nvGrpSpPr>
+      <p:grpSpPr>
+        <a:xfrm>
+          <a:off x="0" y="0"/>
+          <a:ext cx="0" cy="0"/>
+          <a:chOff x="0" y="0"/>
+          <a:chExt cx="0" cy="0"/>
+        </a:xfrm>
+      </p:grpSpPr>
+      <p:sp>
+        <p:nvSpPr>
+          <p:cNvPr id="14338" name="Rectangle 2"/>
+          <p:cNvSpPr>
+            <a:spLocks noGrp="1" noChangeArrowheads="1"/>
+          </p:cNvSpPr>
+          <p:nvPr>
+            <p:ph type="title"/>
+          </p:nvPr>
+        </p:nvSpPr>
+        <p:spPr>
+          <a:xfrm>
+            <a:off x="685800" y="304800"/>
+            <a:ext cx="7772400" cy="1143000"/>
+          </a:xfrm>
+        </p:spPr>
+        <p:txBody>
+          <a:bodyPr/>
+          <a:lstStyle/>
+          <a:p>
+            <a:r>
+              <a:rPr lang="en-GB" sz="4000" dirty="0">
+                <a:latin typeface="Candara" panose="020E0502030303020204" pitchFamily="34" charset="0"/>
+              </a:rPr>
+              <a:t>Externalities and public goods</a:t>
+            </a:r>
+          </a:p>
+        </p:txBody>
+      </p:sp>
+      <p:sp>
+        <p:nvSpPr>
+          <p:cNvPr id="14339" name="Rectangle 3"/>
+          <p:cNvSpPr>
+            <a:spLocks noGrp="1" noChangeArrowheads="1"/>
+          </p:cNvSpPr>
+          <p:nvPr>
+            <p:ph type="body" idx="1"/>
+          </p:nvPr>
+        </p:nvSpPr>
+        <p:spPr>
+          <a:xfrm>
+            <a:off x="685800" y="1474573"/>
+            <a:ext cx="7772400" cy="4114800"/>
+          </a:xfrm>
+        </p:spPr>
+        <p:txBody>
+          <a:bodyPr/>
+          <a:lstStyle/>
+          <a:p>
+            <a:pPr>
+              <a:lnSpc>
+                <a:spcPct val="90000"/>
+              </a:lnSpc>
+            </a:pPr>
+            <a:r>
+              <a:rPr lang="en-GB" sz="2800" dirty="0">
+                <a:latin typeface="Candara" panose="020E0502030303020204" pitchFamily="34" charset="0"/>
+              </a:rPr>
+              <a:t>Efficiency and optimality</a:t>
+            </a:r>
+          </a:p>
+          <a:p>
+            <a:pPr lvl="1">
+              <a:lnSpc>
+                <a:spcPct val="90000"/>
+              </a:lnSpc>
+            </a:pPr>
+            <a:r>
+              <a:rPr lang="en-GB" sz="2400" b="1" dirty="0">
+                <a:latin typeface="Candara" panose="020E0502030303020204" pitchFamily="34" charset="0"/>
+              </a:rPr>
+              <a:t>Static efficiency </a:t>
+            </a:r>
+          </a:p>
+          <a:p>
+            <a:pPr lvl="1">
+              <a:lnSpc>
+                <a:spcPct val="90000"/>
+              </a:lnSpc>
+            </a:pPr>
+            <a:r>
+              <a:rPr lang="en-GB" sz="2400" b="1" dirty="0">
+                <a:latin typeface="Candara" panose="020E0502030303020204" pitchFamily="34" charset="0"/>
+              </a:rPr>
+              <a:t>Optimality</a:t>
+            </a:r>
+          </a:p>
+          <a:p>
+            <a:pPr lvl="1">
+              <a:lnSpc>
+                <a:spcPct val="90000"/>
+              </a:lnSpc>
+            </a:pPr>
+            <a:r>
+              <a:rPr lang="en-GB" sz="2400" dirty="0">
+                <a:latin typeface="Candara" panose="020E0502030303020204" pitchFamily="34" charset="0"/>
+              </a:rPr>
+              <a:t>Market efficiency</a:t>
+            </a:r>
+          </a:p>
+          <a:p>
+            <a:pPr>
+              <a:lnSpc>
+                <a:spcPct val="90000"/>
+              </a:lnSpc>
+            </a:pPr>
+            <a:r>
+              <a:rPr lang="en-GB" sz="2800" dirty="0">
+                <a:latin typeface="Candara" panose="020E0502030303020204" pitchFamily="34" charset="0"/>
+              </a:rPr>
+              <a:t>Market failure &amp; public policy</a:t>
+            </a:r>
+          </a:p>
+          <a:p>
+            <a:pPr lvl="1">
+              <a:lnSpc>
+                <a:spcPct val="90000"/>
+              </a:lnSpc>
+            </a:pPr>
+            <a:r>
+              <a:rPr lang="en-GB" sz="2400" dirty="0">
+                <a:latin typeface="Candara" panose="020E0502030303020204" pitchFamily="34" charset="0"/>
+              </a:rPr>
+              <a:t>Externalities</a:t>
+            </a:r>
+          </a:p>
+          <a:p>
+            <a:pPr lvl="1">
+              <a:lnSpc>
+                <a:spcPct val="90000"/>
+              </a:lnSpc>
+            </a:pPr>
+            <a:r>
+              <a:rPr lang="en-GB" sz="2400" dirty="0" err="1">
+                <a:latin typeface="Candara" panose="020E0502030303020204" pitchFamily="34" charset="0"/>
+              </a:rPr>
+              <a:t>Pigou</a:t>
+            </a:r>
+            <a:r>
+              <a:rPr lang="en-GB" sz="2400" dirty="0">
+                <a:latin typeface="Candara" panose="020E0502030303020204" pitchFamily="34" charset="0"/>
+              </a:rPr>
+              <a:t> taxes</a:t>
+            </a:r>
+          </a:p>
+          <a:p>
+            <a:pPr lvl="1">
+              <a:lnSpc>
+                <a:spcPct val="90000"/>
+              </a:lnSpc>
+            </a:pPr>
+            <a:r>
+              <a:rPr lang="en-GB" sz="2400" dirty="0">
+                <a:latin typeface="Candara" panose="020E0502030303020204" pitchFamily="34" charset="0"/>
+              </a:rPr>
+              <a:t>Property rights</a:t>
+            </a:r>
+          </a:p>
+          <a:p>
+            <a:pPr lvl="1">
+              <a:lnSpc>
+                <a:spcPct val="90000"/>
+              </a:lnSpc>
+            </a:pPr>
+            <a:r>
+              <a:rPr lang="en-GB" sz="2400" dirty="0">
+                <a:latin typeface="Candara" panose="020E0502030303020204" pitchFamily="34" charset="0"/>
+              </a:rPr>
+              <a:t>Public goods</a:t>
+            </a:r>
+          </a:p>
+          <a:p>
+            <a:pPr lvl="1">
+              <a:lnSpc>
+                <a:spcPct val="90000"/>
+              </a:lnSpc>
+            </a:pPr>
+            <a:r>
+              <a:rPr lang="en-GB" sz="2400" dirty="0">
+                <a:latin typeface="Candara" panose="020E0502030303020204" pitchFamily="34" charset="0"/>
+              </a:rPr>
+              <a:t>Public goods and the market</a:t>
+            </a:r>
+          </a:p>
+          <a:p>
+            <a:pPr lvl="1">
+              <a:lnSpc>
+                <a:spcPct val="90000"/>
+              </a:lnSpc>
+            </a:pPr>
+            <a:r>
+              <a:rPr lang="en-GB" sz="2400" dirty="0">
+                <a:latin typeface="Candara" panose="020E0502030303020204" pitchFamily="34" charset="0"/>
+              </a:rPr>
+              <a:t>Policy interventions</a:t>
+            </a:r>
+          </a:p>
+        </p:txBody>
+      </p:sp>
+    </p:spTree>
+    <p:extLst>
+      <p:ext uri="{BB962C8B-B14F-4D97-AF65-F5344CB8AC3E}">
+        <p14:creationId xmlns:p14="http://schemas.microsoft.com/office/powerpoint/2010/main" val="2411802179"/>
+      </p:ext>
+    </p:extLst>
+  </p:cSld>
+  <p:clrMapOvr>
+    <a:masterClrMapping/>
+  </p:clrMapOvr>
+</p:sld>
+</file>
+
+<file path=ppt/slides/slide30.xml><?xml version="1.0" encoding="utf-8"?>
 <p:sld xmlns:a="http://schemas.openxmlformats.org/drawingml/2006/main" xmlns:r="http://schemas.openxmlformats.org/officeDocument/2006/relationships" xmlns:p="http://schemas.openxmlformats.org/presentationml/2006/main">
   <p:cSld>
     <p:spTree>
@@ -15493,7 +18141,7 @@
 </p:sld>
 </file>
 
-<file path=ppt/slides/slide26.xml><?xml version="1.0" encoding="utf-8"?>
+<file path=ppt/slides/slide31.xml><?xml version="1.0" encoding="utf-8"?>
 <p:sld xmlns:a="http://schemas.openxmlformats.org/drawingml/2006/main" xmlns:r="http://schemas.openxmlformats.org/officeDocument/2006/relationships" xmlns:p="http://schemas.openxmlformats.org/presentationml/2006/main">
   <p:cSld>
     <p:spTree>
@@ -15778,7 +18426,7 @@
           <p:cNvPr id="3" name="Picture 2" descr="A person wearing glasses and smiling at the camera&#10;&#10;Description automatically generated">
             <a:extLst>
               <a:ext uri="{FF2B5EF4-FFF2-40B4-BE49-F238E27FC236}">
-                <a16:creationId xmlns:a16="http://schemas.microsoft.com/office/drawing/2014/main" xmlns="" id="{AB236822-2AF1-4D7F-AF5D-C6E5C22DF8B0}"/>
+                <a16:creationId xmlns:a16="http://schemas.microsoft.com/office/drawing/2014/main" id="{AB236822-2AF1-4D7F-AF5D-C6E5C22DF8B0}"/>
               </a:ext>
             </a:extLst>
           </p:cNvPr>
@@ -15822,7 +18470,7 @@
 </p:sld>
 </file>
 
-<file path=ppt/slides/slide27.xml><?xml version="1.0" encoding="utf-8"?>
+<file path=ppt/slides/slide32.xml><?xml version="1.0" encoding="utf-8"?>
 <p:sld xmlns:a="http://schemas.openxmlformats.org/drawingml/2006/main" xmlns:r="http://schemas.openxmlformats.org/officeDocument/2006/relationships" xmlns:p="http://schemas.openxmlformats.org/presentationml/2006/main">
   <p:cSld>
     <p:spTree>
@@ -15844,7 +18492,7 @@
           <p:cNvPr id="4" name="Picture 4" descr="Ko05F07">
             <a:extLst>
               <a:ext uri="{FF2B5EF4-FFF2-40B4-BE49-F238E27FC236}">
-                <a16:creationId xmlns:a16="http://schemas.microsoft.com/office/drawing/2014/main" xmlns="" id="{24F403E4-6FE1-43E8-903C-36FD46208895}"/>
+                <a16:creationId xmlns:a16="http://schemas.microsoft.com/office/drawing/2014/main" id="{24F403E4-6FE1-43E8-903C-36FD46208895}"/>
               </a:ext>
             </a:extLst>
           </p:cNvPr>
@@ -15899,7 +18547,7 @@
 </p:sld>
 </file>
 
-<file path=ppt/slides/slide28.xml><?xml version="1.0" encoding="utf-8"?>
+<file path=ppt/slides/slide33.xml><?xml version="1.0" encoding="utf-8"?>
 <p:sld xmlns:a="http://schemas.openxmlformats.org/drawingml/2006/main" xmlns:r="http://schemas.openxmlformats.org/officeDocument/2006/relationships" xmlns:p="http://schemas.openxmlformats.org/presentationml/2006/main">
   <p:cSld>
     <p:spTree>
@@ -16258,7 +18906,7 @@
           <p:cNvPr id="4" name="Picture 3" descr="A person wearing a suit and tie looking at the camera&#10;&#10;Description automatically generated">
             <a:extLst>
               <a:ext uri="{FF2B5EF4-FFF2-40B4-BE49-F238E27FC236}">
-                <a16:creationId xmlns:a16="http://schemas.microsoft.com/office/drawing/2014/main" xmlns="" id="{693FA553-F031-4FB4-BCC4-115B34F856A1}"/>
+                <a16:creationId xmlns:a16="http://schemas.microsoft.com/office/drawing/2014/main" id="{693FA553-F031-4FB4-BCC4-115B34F856A1}"/>
               </a:ext>
             </a:extLst>
           </p:cNvPr>
@@ -16302,7 +18950,236 @@
 </p:sld>
 </file>
 
-<file path=ppt/slides/slide29.xml><?xml version="1.0" encoding="utf-8"?>
+<file path=ppt/slides/slide34.xml><?xml version="1.0" encoding="utf-8"?>
+<p:sld xmlns:a="http://schemas.openxmlformats.org/drawingml/2006/main" xmlns:r="http://schemas.openxmlformats.org/officeDocument/2006/relationships" xmlns:p="http://schemas.openxmlformats.org/presentationml/2006/main">
+  <p:cSld>
+    <p:spTree>
+      <p:nvGrpSpPr>
+        <p:cNvPr id="1" name=""/>
+        <p:cNvGrpSpPr/>
+        <p:nvPr/>
+      </p:nvGrpSpPr>
+      <p:grpSpPr>
+        <a:xfrm>
+          <a:off x="0" y="0"/>
+          <a:ext cx="0" cy="0"/>
+          <a:chOff x="0" y="0"/>
+          <a:chExt cx="0" cy="0"/>
+        </a:xfrm>
+      </p:grpSpPr>
+      <p:sp>
+        <p:nvSpPr>
+          <p:cNvPr id="14338" name="Rectangle 2"/>
+          <p:cNvSpPr>
+            <a:spLocks noGrp="1" noChangeArrowheads="1"/>
+          </p:cNvSpPr>
+          <p:nvPr>
+            <p:ph type="title"/>
+          </p:nvPr>
+        </p:nvSpPr>
+        <p:spPr>
+          <a:xfrm>
+            <a:off x="685800" y="304800"/>
+            <a:ext cx="7772400" cy="1143000"/>
+          </a:xfrm>
+        </p:spPr>
+        <p:txBody>
+          <a:bodyPr/>
+          <a:lstStyle/>
+          <a:p>
+            <a:r>
+              <a:rPr lang="en-GB" sz="4000" dirty="0">
+                <a:latin typeface="Candara" panose="020E0502030303020204" pitchFamily="34" charset="0"/>
+              </a:rPr>
+              <a:t>Externalities and public goods</a:t>
+            </a:r>
+          </a:p>
+        </p:txBody>
+      </p:sp>
+      <p:sp>
+        <p:nvSpPr>
+          <p:cNvPr id="14339" name="Rectangle 3"/>
+          <p:cNvSpPr>
+            <a:spLocks noGrp="1" noChangeArrowheads="1"/>
+          </p:cNvSpPr>
+          <p:nvPr>
+            <p:ph type="body" idx="1"/>
+          </p:nvPr>
+        </p:nvSpPr>
+        <p:spPr>
+          <a:xfrm>
+            <a:off x="685800" y="1474573"/>
+            <a:ext cx="7772400" cy="4114800"/>
+          </a:xfrm>
+        </p:spPr>
+        <p:txBody>
+          <a:bodyPr/>
+          <a:lstStyle/>
+          <a:p>
+            <a:pPr>
+              <a:lnSpc>
+                <a:spcPct val="90000"/>
+              </a:lnSpc>
+            </a:pPr>
+            <a:r>
+              <a:rPr lang="en-GB" sz="2800" dirty="0">
+                <a:latin typeface="Candara" panose="020E0502030303020204" pitchFamily="34" charset="0"/>
+              </a:rPr>
+              <a:t>Efficiency and optimality</a:t>
+            </a:r>
+          </a:p>
+          <a:p>
+            <a:pPr lvl="1">
+              <a:lnSpc>
+                <a:spcPct val="90000"/>
+              </a:lnSpc>
+            </a:pPr>
+            <a:r>
+              <a:rPr lang="en-GB" sz="2400" dirty="0">
+                <a:latin typeface="Candara" panose="020E0502030303020204" pitchFamily="34" charset="0"/>
+              </a:rPr>
+              <a:t>Static efficiency</a:t>
+            </a:r>
+          </a:p>
+          <a:p>
+            <a:pPr lvl="1">
+              <a:lnSpc>
+                <a:spcPct val="90000"/>
+              </a:lnSpc>
+            </a:pPr>
+            <a:r>
+              <a:rPr lang="en-GB" sz="2400" dirty="0">
+                <a:latin typeface="Candara" panose="020E0502030303020204" pitchFamily="34" charset="0"/>
+              </a:rPr>
+              <a:t>Optimality</a:t>
+            </a:r>
+          </a:p>
+          <a:p>
+            <a:pPr lvl="1">
+              <a:lnSpc>
+                <a:spcPct val="90000"/>
+              </a:lnSpc>
+            </a:pPr>
+            <a:r>
+              <a:rPr lang="en-GB" sz="2400" dirty="0">
+                <a:latin typeface="Candara" panose="020E0502030303020204" pitchFamily="34" charset="0"/>
+              </a:rPr>
+              <a:t>Market efficiency</a:t>
+            </a:r>
+          </a:p>
+          <a:p>
+            <a:pPr>
+              <a:lnSpc>
+                <a:spcPct val="90000"/>
+              </a:lnSpc>
+            </a:pPr>
+            <a:r>
+              <a:rPr lang="en-GB" sz="2800" dirty="0">
+                <a:latin typeface="Candara" panose="020E0502030303020204" pitchFamily="34" charset="0"/>
+              </a:rPr>
+              <a:t>Market failure &amp; public policy</a:t>
+            </a:r>
+          </a:p>
+          <a:p>
+            <a:pPr lvl="1">
+              <a:lnSpc>
+                <a:spcPct val="90000"/>
+              </a:lnSpc>
+            </a:pPr>
+            <a:r>
+              <a:rPr lang="en-GB" sz="2400" dirty="0">
+                <a:latin typeface="Candara" panose="020E0502030303020204" pitchFamily="34" charset="0"/>
+              </a:rPr>
+              <a:t>Externalities</a:t>
+            </a:r>
+          </a:p>
+          <a:p>
+            <a:pPr lvl="1">
+              <a:lnSpc>
+                <a:spcPct val="90000"/>
+              </a:lnSpc>
+            </a:pPr>
+            <a:r>
+              <a:rPr lang="en-GB" sz="2400" dirty="0" err="1">
+                <a:latin typeface="Candara" panose="020E0502030303020204" pitchFamily="34" charset="0"/>
+              </a:rPr>
+              <a:t>Pigou</a:t>
+            </a:r>
+            <a:r>
+              <a:rPr lang="en-GB" sz="2400" dirty="0">
+                <a:latin typeface="Candara" panose="020E0502030303020204" pitchFamily="34" charset="0"/>
+              </a:rPr>
+              <a:t> taxes</a:t>
+            </a:r>
+          </a:p>
+          <a:p>
+            <a:pPr lvl="1">
+              <a:lnSpc>
+                <a:spcPct val="90000"/>
+              </a:lnSpc>
+            </a:pPr>
+            <a:r>
+              <a:rPr lang="en-GB" sz="2400" dirty="0">
+                <a:latin typeface="Candara" panose="020E0502030303020204" pitchFamily="34" charset="0"/>
+              </a:rPr>
+              <a:t>Property rights</a:t>
+            </a:r>
+          </a:p>
+          <a:p>
+            <a:pPr lvl="1">
+              <a:lnSpc>
+                <a:spcPct val="90000"/>
+              </a:lnSpc>
+            </a:pPr>
+            <a:r>
+              <a:rPr lang="en-GB" sz="2400" dirty="0">
+                <a:latin typeface="Candara" panose="020E0502030303020204" pitchFamily="34" charset="0"/>
+              </a:rPr>
+              <a:t>Public goods</a:t>
+            </a:r>
+          </a:p>
+          <a:p>
+            <a:pPr lvl="1">
+              <a:lnSpc>
+                <a:spcPct val="90000"/>
+              </a:lnSpc>
+            </a:pPr>
+            <a:r>
+              <a:rPr lang="en-GB" sz="2400" b="1" dirty="0">
+                <a:latin typeface="Candara" panose="020E0502030303020204" pitchFamily="34" charset="0"/>
+              </a:rPr>
+              <a:t>Public goods and the market</a:t>
+            </a:r>
+          </a:p>
+          <a:p>
+            <a:pPr lvl="1">
+              <a:lnSpc>
+                <a:spcPct val="90000"/>
+              </a:lnSpc>
+            </a:pPr>
+            <a:r>
+              <a:rPr lang="en-GB" sz="2400" b="1" dirty="0">
+                <a:latin typeface="Candara" panose="020E0502030303020204" pitchFamily="34" charset="0"/>
+              </a:rPr>
+              <a:t>Policy interventions</a:t>
+            </a:r>
+          </a:p>
+        </p:txBody>
+      </p:sp>
+    </p:spTree>
+    <p:extLst>
+      <p:ext uri="{BB962C8B-B14F-4D97-AF65-F5344CB8AC3E}">
+        <p14:creationId xmlns:p14="http://schemas.microsoft.com/office/powerpoint/2010/main" val="3019407602"/>
+      </p:ext>
+    </p:extLst>
+  </p:cSld>
+  <p:clrMapOvr>
+    <a:masterClrMapping/>
+  </p:clrMapOvr>
+</p:sld>
+</file>
+
+<file path=ppt/slides/slide35.xml><?xml version="1.0" encoding="utf-8"?>
 <p:sld xmlns:a="http://schemas.openxmlformats.org/drawingml/2006/main" xmlns:r="http://schemas.openxmlformats.org/officeDocument/2006/relationships" xmlns:p="http://schemas.openxmlformats.org/presentationml/2006/main">
   <p:cSld>
     <p:spTree>
@@ -16670,7 +19547,7 @@
           <p:cNvPr id="10" name="Picture 9" descr="A screenshot of a cell phone&#10;&#10;Description automatically generated">
             <a:extLst>
               <a:ext uri="{FF2B5EF4-FFF2-40B4-BE49-F238E27FC236}">
-                <a16:creationId xmlns:a16="http://schemas.microsoft.com/office/drawing/2014/main" xmlns="" id="{E3032230-C85B-45EC-9A24-D33D25B8127E}"/>
+                <a16:creationId xmlns:a16="http://schemas.microsoft.com/office/drawing/2014/main" id="{E3032230-C85B-45EC-9A24-D33D25B8127E}"/>
               </a:ext>
             </a:extLst>
           </p:cNvPr>
@@ -16714,150 +19591,7 @@
 </p:sld>
 </file>
 
-<file path=ppt/slides/slide3.xml><?xml version="1.0" encoding="utf-8"?>
-<p:sld xmlns:a="http://schemas.openxmlformats.org/drawingml/2006/main" xmlns:r="http://schemas.openxmlformats.org/officeDocument/2006/relationships" xmlns:p="http://schemas.openxmlformats.org/presentationml/2006/main">
-  <p:cSld>
-    <p:spTree>
-      <p:nvGrpSpPr>
-        <p:cNvPr id="1" name=""/>
-        <p:cNvGrpSpPr/>
-        <p:nvPr/>
-      </p:nvGrpSpPr>
-      <p:grpSpPr>
-        <a:xfrm>
-          <a:off x="0" y="0"/>
-          <a:ext cx="0" cy="0"/>
-          <a:chOff x="0" y="0"/>
-          <a:chExt cx="0" cy="0"/>
-        </a:xfrm>
-      </p:grpSpPr>
-      <p:sp>
-        <p:nvSpPr>
-          <p:cNvPr id="15362" name="Rectangle 2"/>
-          <p:cNvSpPr>
-            <a:spLocks noGrp="1" noChangeArrowheads="1"/>
-          </p:cNvSpPr>
-          <p:nvPr>
-            <p:ph type="title"/>
-          </p:nvPr>
-        </p:nvSpPr>
-        <p:spPr>
-          <a:xfrm>
-            <a:off x="609600" y="0"/>
-            <a:ext cx="7772400" cy="1143000"/>
-          </a:xfrm>
-        </p:spPr>
-        <p:txBody>
-          <a:bodyPr/>
-          <a:lstStyle/>
-          <a:p>
-            <a:r>
-              <a:rPr lang="de-DE" sz="3600" dirty="0">
-                <a:latin typeface="Candara" panose="020E0502030303020204" pitchFamily="34" charset="0"/>
-              </a:rPr>
-              <a:t>Pareto improvements</a:t>
-            </a:r>
-            <a:endParaRPr lang="en-GB" sz="3600" dirty="0">
-              <a:latin typeface="Candara" panose="020E0502030303020204" pitchFamily="34" charset="0"/>
-            </a:endParaRPr>
-          </a:p>
-        </p:txBody>
-      </p:sp>
-      <p:sp>
-        <p:nvSpPr>
-          <p:cNvPr id="15363" name="Rectangle 3"/>
-          <p:cNvSpPr>
-            <a:spLocks noGrp="1" noChangeArrowheads="1"/>
-          </p:cNvSpPr>
-          <p:nvPr>
-            <p:ph type="body" idx="1"/>
-          </p:nvPr>
-        </p:nvSpPr>
-        <p:spPr>
-          <a:xfrm>
-            <a:off x="685800" y="1219200"/>
-            <a:ext cx="7772400" cy="4114800"/>
-          </a:xfrm>
-        </p:spPr>
-        <p:txBody>
-          <a:bodyPr/>
-          <a:lstStyle/>
-          <a:p>
-            <a:r>
-              <a:rPr lang="de-DE" sz="2800" dirty="0">
-                <a:latin typeface="Candara" panose="020E0502030303020204" pitchFamily="34" charset="0"/>
-              </a:rPr>
-              <a:t>Situation A is Pareto superior to situation B if no one is worse off and at least one person is better off</a:t>
-            </a:r>
-          </a:p>
-          <a:p>
-            <a:r>
-              <a:rPr lang="de-DE" sz="2800" dirty="0">
-                <a:latin typeface="Candara" panose="020E0502030303020204" pitchFamily="34" charset="0"/>
-              </a:rPr>
-              <a:t>Aristotle: A trade in which both parties engage willingly and knowingly, can only be mutually advantageous</a:t>
-            </a:r>
-          </a:p>
-          <a:p>
-            <a:r>
-              <a:rPr lang="de-DE" sz="2800" dirty="0">
-                <a:latin typeface="Candara" panose="020E0502030303020204" pitchFamily="34" charset="0"/>
-              </a:rPr>
-              <a:t>Trade is therefore Pareto improving</a:t>
-            </a:r>
-          </a:p>
-          <a:p>
-            <a:endParaRPr lang="en-GB" dirty="0">
-              <a:latin typeface="Comic Sans MS" pitchFamily="66" charset="0"/>
-            </a:endParaRPr>
-          </a:p>
-        </p:txBody>
-      </p:sp>
-      <p:pic>
-        <p:nvPicPr>
-          <p:cNvPr id="4" name="Picture 3" descr="A picture containing sitting, looking, old, face&#10;&#10;Description automatically generated">
-            <a:extLst>
-              <a:ext uri="{FF2B5EF4-FFF2-40B4-BE49-F238E27FC236}">
-                <a16:creationId xmlns:a16="http://schemas.microsoft.com/office/drawing/2014/main" xmlns="" id="{FFAE2424-7D4D-44C2-97A6-A2E5E86D3183}"/>
-              </a:ext>
-            </a:extLst>
-          </p:cNvPr>
-          <p:cNvPicPr>
-            <a:picLocks noChangeAspect="1"/>
-          </p:cNvPicPr>
-          <p:nvPr/>
-        </p:nvPicPr>
-        <p:blipFill>
-          <a:blip r:embed="rId2" cstate="print">
-            <a:extLst>
-              <a:ext uri="{28A0092B-C50C-407E-A947-70E740481C1C}">
-                <a14:useLocalDpi xmlns:a14="http://schemas.microsoft.com/office/drawing/2010/main" val="0"/>
-              </a:ext>
-            </a:extLst>
-          </a:blip>
-          <a:stretch>
-            <a:fillRect/>
-          </a:stretch>
-        </p:blipFill>
-        <p:spPr>
-          <a:xfrm>
-            <a:off x="7086600" y="4162431"/>
-            <a:ext cx="1977841" cy="2646817"/>
-          </a:xfrm>
-          <a:prstGeom prst="rect">
-            <a:avLst/>
-          </a:prstGeom>
-        </p:spPr>
-      </p:pic>
-    </p:spTree>
-  </p:cSld>
-  <p:clrMapOvr>
-    <a:masterClrMapping/>
-  </p:clrMapOvr>
-</p:sld>
-</file>
-
-<file path=ppt/slides/slide30.xml><?xml version="1.0" encoding="utf-8"?>
+<file path=ppt/slides/slide36.xml><?xml version="1.0" encoding="utf-8"?>
 <p:sld xmlns:a="http://schemas.openxmlformats.org/drawingml/2006/main" xmlns:r="http://schemas.openxmlformats.org/officeDocument/2006/relationships" xmlns:p="http://schemas.openxmlformats.org/presentationml/2006/main">
   <p:cSld>
     <p:spTree>
@@ -17225,7 +19959,7 @@
           <p:cNvPr id="3" name="Picture 2" descr="A close up of a logo&#10;&#10;Description automatically generated">
             <a:extLst>
               <a:ext uri="{FF2B5EF4-FFF2-40B4-BE49-F238E27FC236}">
-                <a16:creationId xmlns:a16="http://schemas.microsoft.com/office/drawing/2014/main" xmlns="" id="{C830E2D4-FBD3-472D-BD37-64D8603B3F19}"/>
+                <a16:creationId xmlns:a16="http://schemas.microsoft.com/office/drawing/2014/main" id="{C830E2D4-FBD3-472D-BD37-64D8603B3F19}"/>
               </a:ext>
             </a:extLst>
           </p:cNvPr>
@@ -17269,7 +20003,7 @@
 </p:sld>
 </file>
 
-<file path=ppt/slides/slide31.xml><?xml version="1.0" encoding="utf-8"?>
+<file path=ppt/slides/slide37.xml><?xml version="1.0" encoding="utf-8"?>
 <p:sld xmlns:a="http://schemas.openxmlformats.org/drawingml/2006/main" xmlns:r="http://schemas.openxmlformats.org/officeDocument/2006/relationships" xmlns:p="http://schemas.openxmlformats.org/presentationml/2006/main">
   <p:cSld>
     <p:spTree>
@@ -17637,7 +20371,7 @@
           <p:cNvPr id="4" name="Picture 3" descr="A close up of a logo&#10;&#10;Description automatically generated">
             <a:extLst>
               <a:ext uri="{FF2B5EF4-FFF2-40B4-BE49-F238E27FC236}">
-                <a16:creationId xmlns:a16="http://schemas.microsoft.com/office/drawing/2014/main" xmlns="" id="{1DD0703F-8CF2-419E-8FFB-B04B9B25F48A}"/>
+                <a16:creationId xmlns:a16="http://schemas.microsoft.com/office/drawing/2014/main" id="{1DD0703F-8CF2-419E-8FFB-B04B9B25F48A}"/>
               </a:ext>
             </a:extLst>
           </p:cNvPr>
@@ -17681,7 +20415,7 @@
 </p:sld>
 </file>
 
-<file path=ppt/slides/slide32.xml><?xml version="1.0" encoding="utf-8"?>
+<file path=ppt/slides/slide38.xml><?xml version="1.0" encoding="utf-8"?>
 <p:sld xmlns:a="http://schemas.openxmlformats.org/drawingml/2006/main" xmlns:r="http://schemas.openxmlformats.org/officeDocument/2006/relationships" xmlns:p="http://schemas.openxmlformats.org/presentationml/2006/main">
   <p:cSld>
     <p:spTree>
@@ -18049,7 +20783,7 @@
           <p:cNvPr id="3" name="Picture 2" descr="A close up of a map&#10;&#10;Description automatically generated">
             <a:extLst>
               <a:ext uri="{FF2B5EF4-FFF2-40B4-BE49-F238E27FC236}">
-                <a16:creationId xmlns:a16="http://schemas.microsoft.com/office/drawing/2014/main" xmlns="" id="{26B73B16-D36F-4D83-B915-68E7567BEC95}"/>
+                <a16:creationId xmlns:a16="http://schemas.microsoft.com/office/drawing/2014/main" id="{26B73B16-D36F-4D83-B915-68E7567BEC95}"/>
               </a:ext>
             </a:extLst>
           </p:cNvPr>
@@ -18093,7 +20827,7 @@
 </p:sld>
 </file>
 
-<file path=ppt/slides/slide33.xml><?xml version="1.0" encoding="utf-8"?>
+<file path=ppt/slides/slide39.xml><?xml version="1.0" encoding="utf-8"?>
 <p:sld xmlns:a="http://schemas.openxmlformats.org/drawingml/2006/main" xmlns:r="http://schemas.openxmlformats.org/officeDocument/2006/relationships" xmlns:p="http://schemas.openxmlformats.org/presentationml/2006/main">
   <p:cSld>
     <p:spTree>
@@ -18461,7 +21195,7 @@
           <p:cNvPr id="4" name="Picture 3" descr="Ko05F08">
             <a:extLst>
               <a:ext uri="{FF2B5EF4-FFF2-40B4-BE49-F238E27FC236}">
-                <a16:creationId xmlns:a16="http://schemas.microsoft.com/office/drawing/2014/main" xmlns="" id="{1B17FB53-4E3F-40D9-A880-7C2EDF688F07}"/>
+                <a16:creationId xmlns:a16="http://schemas.microsoft.com/office/drawing/2014/main" id="{1B17FB53-4E3F-40D9-A880-7C2EDF688F07}"/>
               </a:ext>
             </a:extLst>
           </p:cNvPr>
@@ -18508,7 +21242,7 @@
           <p:cNvPr id="2" name="Oval 1">
             <a:extLst>
               <a:ext uri="{FF2B5EF4-FFF2-40B4-BE49-F238E27FC236}">
-                <a16:creationId xmlns:a16="http://schemas.microsoft.com/office/drawing/2014/main" xmlns="" id="{71292083-869C-4647-9C81-90C2D7D4F954}"/>
+                <a16:creationId xmlns:a16="http://schemas.microsoft.com/office/drawing/2014/main" id="{71292083-869C-4647-9C81-90C2D7D4F954}"/>
               </a:ext>
             </a:extLst>
           </p:cNvPr>
@@ -18560,7 +21294,7 @@
           <p:cNvPr id="7" name="Oval 6">
             <a:extLst>
               <a:ext uri="{FF2B5EF4-FFF2-40B4-BE49-F238E27FC236}">
-                <a16:creationId xmlns:a16="http://schemas.microsoft.com/office/drawing/2014/main" xmlns="" id="{C2C1562E-B8F2-414B-AC54-17C25DA373B5}"/>
+                <a16:creationId xmlns:a16="http://schemas.microsoft.com/office/drawing/2014/main" id="{C2C1562E-B8F2-414B-AC54-17C25DA373B5}"/>
               </a:ext>
             </a:extLst>
           </p:cNvPr>
@@ -18612,7 +21346,7 @@
           <p:cNvPr id="8" name="TextBox 7">
             <a:extLst>
               <a:ext uri="{FF2B5EF4-FFF2-40B4-BE49-F238E27FC236}">
-                <a16:creationId xmlns:a16="http://schemas.microsoft.com/office/drawing/2014/main" xmlns="" id="{7C7C58E0-CDE7-42F5-8321-7FE80A7F8653}"/>
+                <a16:creationId xmlns:a16="http://schemas.microsoft.com/office/drawing/2014/main" id="{7C7C58E0-CDE7-42F5-8321-7FE80A7F8653}"/>
               </a:ext>
             </a:extLst>
           </p:cNvPr>
@@ -18652,7 +21386,7 @@
           <p:cNvPr id="11" name="TextBox 10">
             <a:extLst>
               <a:ext uri="{FF2B5EF4-FFF2-40B4-BE49-F238E27FC236}">
-                <a16:creationId xmlns:a16="http://schemas.microsoft.com/office/drawing/2014/main" xmlns="" id="{65321A7A-3558-4E4D-B95E-DC94D3D5B46C}"/>
+                <a16:creationId xmlns:a16="http://schemas.microsoft.com/office/drawing/2014/main" id="{65321A7A-3558-4E4D-B95E-DC94D3D5B46C}"/>
               </a:ext>
             </a:extLst>
           </p:cNvPr>
@@ -18692,7 +21426,7 @@
           <p:cNvPr id="6" name="Straight Arrow Connector 5">
             <a:extLst>
               <a:ext uri="{FF2B5EF4-FFF2-40B4-BE49-F238E27FC236}">
-                <a16:creationId xmlns:a16="http://schemas.microsoft.com/office/drawing/2014/main" xmlns="" id="{AE64E58A-D4FE-4F94-AB7E-E49003E75308}"/>
+                <a16:creationId xmlns:a16="http://schemas.microsoft.com/office/drawing/2014/main" id="{AE64E58A-D4FE-4F94-AB7E-E49003E75308}"/>
               </a:ext>
             </a:extLst>
           </p:cNvPr>
@@ -19005,7 +21739,150 @@
 </p:sld>
 </file>
 
-<file path=ppt/slides/slide34.xml><?xml version="1.0" encoding="utf-8"?>
+<file path=ppt/slides/slide4.xml><?xml version="1.0" encoding="utf-8"?>
+<p:sld xmlns:a="http://schemas.openxmlformats.org/drawingml/2006/main" xmlns:r="http://schemas.openxmlformats.org/officeDocument/2006/relationships" xmlns:p="http://schemas.openxmlformats.org/presentationml/2006/main">
+  <p:cSld>
+    <p:spTree>
+      <p:nvGrpSpPr>
+        <p:cNvPr id="1" name=""/>
+        <p:cNvGrpSpPr/>
+        <p:nvPr/>
+      </p:nvGrpSpPr>
+      <p:grpSpPr>
+        <a:xfrm>
+          <a:off x="0" y="0"/>
+          <a:ext cx="0" cy="0"/>
+          <a:chOff x="0" y="0"/>
+          <a:chExt cx="0" cy="0"/>
+        </a:xfrm>
+      </p:grpSpPr>
+      <p:sp>
+        <p:nvSpPr>
+          <p:cNvPr id="15362" name="Rectangle 2"/>
+          <p:cNvSpPr>
+            <a:spLocks noGrp="1" noChangeArrowheads="1"/>
+          </p:cNvSpPr>
+          <p:nvPr>
+            <p:ph type="title"/>
+          </p:nvPr>
+        </p:nvSpPr>
+        <p:spPr>
+          <a:xfrm>
+            <a:off x="609600" y="0"/>
+            <a:ext cx="7772400" cy="1143000"/>
+          </a:xfrm>
+        </p:spPr>
+        <p:txBody>
+          <a:bodyPr/>
+          <a:lstStyle/>
+          <a:p>
+            <a:r>
+              <a:rPr lang="de-DE" sz="3600" dirty="0">
+                <a:latin typeface="Candara" panose="020E0502030303020204" pitchFamily="34" charset="0"/>
+              </a:rPr>
+              <a:t>Pareto improvements</a:t>
+            </a:r>
+            <a:endParaRPr lang="en-GB" sz="3600" dirty="0">
+              <a:latin typeface="Candara" panose="020E0502030303020204" pitchFamily="34" charset="0"/>
+            </a:endParaRPr>
+          </a:p>
+        </p:txBody>
+      </p:sp>
+      <p:sp>
+        <p:nvSpPr>
+          <p:cNvPr id="15363" name="Rectangle 3"/>
+          <p:cNvSpPr>
+            <a:spLocks noGrp="1" noChangeArrowheads="1"/>
+          </p:cNvSpPr>
+          <p:nvPr>
+            <p:ph type="body" idx="1"/>
+          </p:nvPr>
+        </p:nvSpPr>
+        <p:spPr>
+          <a:xfrm>
+            <a:off x="685800" y="1219200"/>
+            <a:ext cx="7772400" cy="4114800"/>
+          </a:xfrm>
+        </p:spPr>
+        <p:txBody>
+          <a:bodyPr/>
+          <a:lstStyle/>
+          <a:p>
+            <a:r>
+              <a:rPr lang="de-DE" sz="2800" dirty="0">
+                <a:latin typeface="Candara" panose="020E0502030303020204" pitchFamily="34" charset="0"/>
+              </a:rPr>
+              <a:t>Situation A is Pareto superior to situation B if no one is worse off and at least one person is better off</a:t>
+            </a:r>
+          </a:p>
+          <a:p>
+            <a:r>
+              <a:rPr lang="de-DE" sz="2800" dirty="0">
+                <a:latin typeface="Candara" panose="020E0502030303020204" pitchFamily="34" charset="0"/>
+              </a:rPr>
+              <a:t>Aristotle: A trade in which both parties engage willingly and knowingly, can only be mutually advantageous</a:t>
+            </a:r>
+          </a:p>
+          <a:p>
+            <a:r>
+              <a:rPr lang="de-DE" sz="2800" dirty="0">
+                <a:latin typeface="Candara" panose="020E0502030303020204" pitchFamily="34" charset="0"/>
+              </a:rPr>
+              <a:t>Trade is therefore Pareto improving</a:t>
+            </a:r>
+          </a:p>
+          <a:p>
+            <a:endParaRPr lang="en-GB" dirty="0">
+              <a:latin typeface="Comic Sans MS" pitchFamily="66" charset="0"/>
+            </a:endParaRPr>
+          </a:p>
+        </p:txBody>
+      </p:sp>
+      <p:pic>
+        <p:nvPicPr>
+          <p:cNvPr id="4" name="Picture 3" descr="A picture containing sitting, looking, old, face&#10;&#10;Description automatically generated">
+            <a:extLst>
+              <a:ext uri="{FF2B5EF4-FFF2-40B4-BE49-F238E27FC236}">
+                <a16:creationId xmlns:a16="http://schemas.microsoft.com/office/drawing/2014/main" id="{FFAE2424-7D4D-44C2-97A6-A2E5E86D3183}"/>
+              </a:ext>
+            </a:extLst>
+          </p:cNvPr>
+          <p:cNvPicPr>
+            <a:picLocks noChangeAspect="1"/>
+          </p:cNvPicPr>
+          <p:nvPr/>
+        </p:nvPicPr>
+        <p:blipFill>
+          <a:blip r:embed="rId2" cstate="print">
+            <a:extLst>
+              <a:ext uri="{28A0092B-C50C-407E-A947-70E740481C1C}">
+                <a14:useLocalDpi xmlns:a14="http://schemas.microsoft.com/office/drawing/2010/main" val="0"/>
+              </a:ext>
+            </a:extLst>
+          </a:blip>
+          <a:stretch>
+            <a:fillRect/>
+          </a:stretch>
+        </p:blipFill>
+        <p:spPr>
+          <a:xfrm>
+            <a:off x="7086600" y="4162431"/>
+            <a:ext cx="1977841" cy="2646817"/>
+          </a:xfrm>
+          <a:prstGeom prst="rect">
+            <a:avLst/>
+          </a:prstGeom>
+        </p:spPr>
+      </p:pic>
+    </p:spTree>
+  </p:cSld>
+  <p:clrMapOvr>
+    <a:masterClrMapping/>
+  </p:clrMapOvr>
+</p:sld>
+</file>
+
+<file path=ppt/slides/slide40.xml><?xml version="1.0" encoding="utf-8"?>
 <p:sld xmlns:a="http://schemas.openxmlformats.org/drawingml/2006/main" xmlns:r="http://schemas.openxmlformats.org/officeDocument/2006/relationships" xmlns:p="http://schemas.openxmlformats.org/presentationml/2006/main">
   <p:cSld>
     <p:spTree>
@@ -19166,7 +22043,7 @@
 </p:sld>
 </file>
 
-<file path=ppt/slides/slide35.xml><?xml version="1.0" encoding="utf-8"?>
+<file path=ppt/slides/slide41.xml><?xml version="1.0" encoding="utf-8"?>
 <p:sld xmlns:a="http://schemas.openxmlformats.org/drawingml/2006/main" xmlns:r="http://schemas.openxmlformats.org/officeDocument/2006/relationships" xmlns:p="http://schemas.openxmlformats.org/presentationml/2006/main">
   <p:cSld>
     <p:spTree>
@@ -19188,7 +22065,7 @@
           <p:cNvPr id="3" name="Picture 2" descr="A picture containing text, map&#10;&#10;Description automatically generated">
             <a:extLst>
               <a:ext uri="{FF2B5EF4-FFF2-40B4-BE49-F238E27FC236}">
-                <a16:creationId xmlns:a16="http://schemas.microsoft.com/office/drawing/2014/main" xmlns="" id="{15F43538-30B8-4D15-9194-6ED3BD55F491}"/>
+                <a16:creationId xmlns:a16="http://schemas.microsoft.com/office/drawing/2014/main" id="{15F43538-30B8-4D15-9194-6ED3BD55F491}"/>
               </a:ext>
             </a:extLst>
           </p:cNvPr>
@@ -19224,7 +22101,7 @@
           <p:cNvPr id="5" name="Picture 4" descr="A close up of a map&#10;&#10;Description automatically generated">
             <a:extLst>
               <a:ext uri="{FF2B5EF4-FFF2-40B4-BE49-F238E27FC236}">
-                <a16:creationId xmlns:a16="http://schemas.microsoft.com/office/drawing/2014/main" xmlns="" id="{48170FC0-0518-4EBA-9187-6508FDC07DF8}"/>
+                <a16:creationId xmlns:a16="http://schemas.microsoft.com/office/drawing/2014/main" id="{48170FC0-0518-4EBA-9187-6508FDC07DF8}"/>
               </a:ext>
             </a:extLst>
           </p:cNvPr>
@@ -19268,7 +22145,7 @@
 </p:sld>
 </file>
 
-<file path=ppt/slides/slide36.xml><?xml version="1.0" encoding="utf-8"?>
+<file path=ppt/slides/slide42.xml><?xml version="1.0" encoding="utf-8"?>
 <p:sld xmlns:a="http://schemas.openxmlformats.org/drawingml/2006/main" xmlns:r="http://schemas.openxmlformats.org/officeDocument/2006/relationships" xmlns:p="http://schemas.openxmlformats.org/presentationml/2006/main">
   <p:cSld>
     <p:spTree>
@@ -19429,7 +22306,7 @@
 </p:sld>
 </file>
 
-<file path=ppt/slides/slide37.xml><?xml version="1.0" encoding="utf-8"?>
+<file path=ppt/slides/slide43.xml><?xml version="1.0" encoding="utf-8"?>
 <p:sld xmlns:a="http://schemas.openxmlformats.org/drawingml/2006/main" xmlns:r="http://schemas.openxmlformats.org/officeDocument/2006/relationships" xmlns:p="http://schemas.openxmlformats.org/presentationml/2006/main">
   <p:cSld>
     <p:spTree>
@@ -19616,7 +22493,7 @@
 </p:sld>
 </file>
 
-<file path=ppt/slides/slide4.xml><?xml version="1.0" encoding="utf-8"?>
+<file path=ppt/slides/slide5.xml><?xml version="1.0" encoding="utf-8"?>
 <p:sld xmlns:a="http://schemas.openxmlformats.org/drawingml/2006/main" xmlns:r="http://schemas.openxmlformats.org/officeDocument/2006/relationships" xmlns:p="http://schemas.openxmlformats.org/presentationml/2006/main">
   <p:cSld>
     <p:spTree>
@@ -19748,7 +22625,7 @@
 </p:sld>
 </file>
 
-<file path=ppt/slides/slide5.xml><?xml version="1.0" encoding="utf-8"?>
+<file path=ppt/slides/slide6.xml><?xml version="1.0" encoding="utf-8"?>
 <p:sld xmlns:a="http://schemas.openxmlformats.org/drawingml/2006/main" xmlns:r="http://schemas.openxmlformats.org/officeDocument/2006/relationships" xmlns:p="http://schemas.openxmlformats.org/presentationml/2006/main">
   <p:cSld>
     <p:spTree>
@@ -20972,7 +23849,7 @@
 </p:sld>
 </file>
 
-<file path=ppt/slides/slide6.xml><?xml version="1.0" encoding="utf-8"?>
+<file path=ppt/slides/slide7.xml><?xml version="1.0" encoding="utf-8"?>
 <p:sld xmlns:a="http://schemas.openxmlformats.org/drawingml/2006/main" xmlns:r="http://schemas.openxmlformats.org/officeDocument/2006/relationships" xmlns:p="http://schemas.openxmlformats.org/presentationml/2006/main">
   <p:cSld>
     <p:spTree>
@@ -21415,42 +24292,42 @@
                 <a:gridCol w="457200">
                   <a:extLst>
                     <a:ext uri="{9D8B030D-6E8A-4147-A177-3AD203B41FA5}">
-                      <a16:colId xmlns:a16="http://schemas.microsoft.com/office/drawing/2014/main" xmlns="" val="20000"/>
+                      <a16:colId xmlns:a16="http://schemas.microsoft.com/office/drawing/2014/main" val="20000"/>
                     </a:ext>
                   </a:extLst>
                 </a:gridCol>
                 <a:gridCol w="1143000">
                   <a:extLst>
                     <a:ext uri="{9D8B030D-6E8A-4147-A177-3AD203B41FA5}">
-                      <a16:colId xmlns:a16="http://schemas.microsoft.com/office/drawing/2014/main" xmlns="" val="20001"/>
+                      <a16:colId xmlns:a16="http://schemas.microsoft.com/office/drawing/2014/main" val="20001"/>
                     </a:ext>
                   </a:extLst>
                 </a:gridCol>
                 <a:gridCol w="2133600">
                   <a:extLst>
                     <a:ext uri="{9D8B030D-6E8A-4147-A177-3AD203B41FA5}">
-                      <a16:colId xmlns:a16="http://schemas.microsoft.com/office/drawing/2014/main" xmlns="" val="20002"/>
+                      <a16:colId xmlns:a16="http://schemas.microsoft.com/office/drawing/2014/main" val="20002"/>
                     </a:ext>
                   </a:extLst>
                 </a:gridCol>
                 <a:gridCol w="1244600">
                   <a:extLst>
                     <a:ext uri="{9D8B030D-6E8A-4147-A177-3AD203B41FA5}">
-                      <a16:colId xmlns:a16="http://schemas.microsoft.com/office/drawing/2014/main" xmlns="" val="20003"/>
+                      <a16:colId xmlns:a16="http://schemas.microsoft.com/office/drawing/2014/main" val="20003"/>
                     </a:ext>
                   </a:extLst>
                 </a:gridCol>
                 <a:gridCol w="1244600">
                   <a:extLst>
                     <a:ext uri="{9D8B030D-6E8A-4147-A177-3AD203B41FA5}">
-                      <a16:colId xmlns:a16="http://schemas.microsoft.com/office/drawing/2014/main" xmlns="" val="20004"/>
+                      <a16:colId xmlns:a16="http://schemas.microsoft.com/office/drawing/2014/main" val="20004"/>
                     </a:ext>
                   </a:extLst>
                 </a:gridCol>
                 <a:gridCol w="1244600">
                   <a:extLst>
                     <a:ext uri="{9D8B030D-6E8A-4147-A177-3AD203B41FA5}">
-                      <a16:colId xmlns:a16="http://schemas.microsoft.com/office/drawing/2014/main" xmlns="" val="20005"/>
+                      <a16:colId xmlns:a16="http://schemas.microsoft.com/office/drawing/2014/main" val="20005"/>
                     </a:ext>
                   </a:extLst>
                 </a:gridCol>
@@ -21560,7 +24437,7 @@
                 </a:tc>
                 <a:extLst>
                   <a:ext uri="{0D108BD9-81ED-4DB2-BD59-A6C34878D82A}">
-                    <a16:rowId xmlns:a16="http://schemas.microsoft.com/office/drawing/2014/main" xmlns="" val="10000"/>
+                    <a16:rowId xmlns:a16="http://schemas.microsoft.com/office/drawing/2014/main" val="10000"/>
                   </a:ext>
                 </a:extLst>
               </a:tr>
@@ -21671,7 +24548,7 @@
                 </a:tc>
                 <a:extLst>
                   <a:ext uri="{0D108BD9-81ED-4DB2-BD59-A6C34878D82A}">
-                    <a16:rowId xmlns:a16="http://schemas.microsoft.com/office/drawing/2014/main" xmlns="" val="10001"/>
+                    <a16:rowId xmlns:a16="http://schemas.microsoft.com/office/drawing/2014/main" val="10001"/>
                   </a:ext>
                 </a:extLst>
               </a:tr>
@@ -21798,7 +24675,7 @@
                 </a:tc>
                 <a:extLst>
                   <a:ext uri="{0D108BD9-81ED-4DB2-BD59-A6C34878D82A}">
-                    <a16:rowId xmlns:a16="http://schemas.microsoft.com/office/drawing/2014/main" xmlns="" val="10002"/>
+                    <a16:rowId xmlns:a16="http://schemas.microsoft.com/office/drawing/2014/main" val="10002"/>
                   </a:ext>
                 </a:extLst>
               </a:tr>
@@ -21814,7 +24691,7 @@
 </p:sld>
 </file>
 
-<file path=ppt/slides/slide7.xml><?xml version="1.0" encoding="utf-8"?>
+<file path=ppt/slides/slide8.xml><?xml version="1.0" encoding="utf-8"?>
 <p:sld xmlns:a="http://schemas.openxmlformats.org/drawingml/2006/main" xmlns:r="http://schemas.openxmlformats.org/officeDocument/2006/relationships" xmlns:p="http://schemas.openxmlformats.org/presentationml/2006/main">
   <p:cSld>
     <p:spTree>
@@ -22292,7 +25169,7 @@
 </p:sld>
 </file>
 
-<file path=ppt/slides/slide8.xml><?xml version="1.0" encoding="utf-8"?>
+<file path=ppt/slides/slide9.xml><?xml version="1.0" encoding="utf-8"?>
 <p:sld xmlns:a="http://schemas.openxmlformats.org/drawingml/2006/main" xmlns:r="http://schemas.openxmlformats.org/officeDocument/2006/relationships" xmlns:p="http://schemas.openxmlformats.org/presentationml/2006/main">
   <p:cSld>
     <p:spTree>
@@ -22978,1036 +25855,6 @@
               </a:prstGeom>
               <a:blipFill>
                 <a:blip r:embed="rId2"/>
-                <a:stretch>
-                  <a:fillRect/>
-                </a:stretch>
-              </a:blipFill>
-            </p:spPr>
-            <p:txBody>
-              <a:bodyPr/>
-              <a:lstStyle/>
-              <a:p>
-                <a:r>
-                  <a:rPr lang="en-GB">
-                    <a:noFill/>
-                  </a:rPr>
-                  <a:t> </a:t>
-                </a:r>
-              </a:p>
-            </p:txBody>
-          </p:sp>
-        </mc:Fallback>
-      </mc:AlternateContent>
-    </p:spTree>
-  </p:cSld>
-  <p:clrMapOvr>
-    <a:masterClrMapping/>
-  </p:clrMapOvr>
-</p:sld>
-</file>
-
-<file path=ppt/slides/slide9.xml><?xml version="1.0" encoding="utf-8"?>
-<p:sld xmlns:a="http://schemas.openxmlformats.org/drawingml/2006/main" xmlns:r="http://schemas.openxmlformats.org/officeDocument/2006/relationships" xmlns:p="http://schemas.openxmlformats.org/presentationml/2006/main">
-  <p:cSld>
-    <p:spTree>
-      <p:nvGrpSpPr>
-        <p:cNvPr id="1" name=""/>
-        <p:cNvGrpSpPr/>
-        <p:nvPr/>
-      </p:nvGrpSpPr>
-      <p:grpSpPr>
-        <a:xfrm>
-          <a:off x="0" y="0"/>
-          <a:ext cx="0" cy="0"/>
-          <a:chOff x="0" y="0"/>
-          <a:chExt cx="0" cy="0"/>
-        </a:xfrm>
-      </p:grpSpPr>
-      <p:sp>
-        <p:nvSpPr>
-          <p:cNvPr id="5124" name="Rectangle 2"/>
-          <p:cNvSpPr>
-            <a:spLocks noGrp="1" noChangeArrowheads="1"/>
-          </p:cNvSpPr>
-          <p:nvPr>
-            <p:ph type="title"/>
-          </p:nvPr>
-        </p:nvSpPr>
-        <p:spPr>
-          <a:xfrm>
-            <a:off x="685800" y="0"/>
-            <a:ext cx="7772400" cy="1143000"/>
-          </a:xfrm>
-        </p:spPr>
-        <p:txBody>
-          <a:bodyPr/>
-          <a:lstStyle/>
-          <a:p>
-            <a:r>
-              <a:rPr lang="de-DE" sz="3600" dirty="0">
-                <a:latin typeface="Candara" panose="020E0502030303020204" pitchFamily="34" charset="0"/>
-              </a:rPr>
-              <a:t>Optimality v Efficiency</a:t>
-            </a:r>
-            <a:endParaRPr lang="en-GB" sz="3600" dirty="0">
-              <a:latin typeface="Candara" panose="020E0502030303020204" pitchFamily="34" charset="0"/>
-            </a:endParaRPr>
-          </a:p>
-        </p:txBody>
-      </p:sp>
-      <p:sp>
-        <p:nvSpPr>
-          <p:cNvPr id="5125" name="Rectangle 3"/>
-          <p:cNvSpPr>
-            <a:spLocks noGrp="1" noChangeArrowheads="1"/>
-          </p:cNvSpPr>
-          <p:nvPr>
-            <p:ph type="body" idx="1"/>
-          </p:nvPr>
-        </p:nvSpPr>
-        <p:spPr>
-          <a:xfrm>
-            <a:off x="685800" y="1066800"/>
-            <a:ext cx="7772400" cy="4114800"/>
-          </a:xfrm>
-        </p:spPr>
-        <p:txBody>
-          <a:bodyPr/>
-          <a:lstStyle/>
-          <a:p>
-            <a:r>
-              <a:rPr lang="de-DE" sz="2800" dirty="0">
-                <a:latin typeface="Candara" panose="020E0502030303020204" pitchFamily="34" charset="0"/>
-              </a:rPr>
-              <a:t>There are many efficient solutions, depending on the initial distribution</a:t>
-            </a:r>
-          </a:p>
-          <a:p>
-            <a:r>
-              <a:rPr lang="de-DE" sz="2800" dirty="0">
-                <a:latin typeface="Candara" panose="020E0502030303020204" pitchFamily="34" charset="0"/>
-              </a:rPr>
-              <a:t>This is the </a:t>
-            </a:r>
-            <a:r>
-              <a:rPr lang="de-DE" sz="2800" i="1" dirty="0">
-                <a:latin typeface="Candara" panose="020E0502030303020204" pitchFamily="34" charset="0"/>
-              </a:rPr>
-              <a:t>Second Welfare Theorem</a:t>
-            </a:r>
-          </a:p>
-          <a:p>
-            <a:r>
-              <a:rPr lang="de-DE" sz="2800" dirty="0">
-                <a:latin typeface="Candara" panose="020E0502030303020204" pitchFamily="34" charset="0"/>
-              </a:rPr>
-              <a:t>Social welfare function</a:t>
-            </a:r>
-          </a:p>
-          <a:p>
-            <a:r>
-              <a:rPr lang="de-DE" sz="2800" dirty="0">
-                <a:latin typeface="Candara" panose="020E0502030303020204" pitchFamily="34" charset="0"/>
-              </a:rPr>
-              <a:t>Optimality</a:t>
-            </a:r>
-          </a:p>
-          <a:p>
-            <a:endParaRPr lang="de-DE" sz="2800" dirty="0">
-              <a:latin typeface="Candara" panose="020E0502030303020204" pitchFamily="34" charset="0"/>
-            </a:endParaRPr>
-          </a:p>
-          <a:p>
-            <a:endParaRPr lang="de-DE" sz="2800" dirty="0">
-              <a:latin typeface="Candara" panose="020E0502030303020204" pitchFamily="34" charset="0"/>
-            </a:endParaRPr>
-          </a:p>
-          <a:p>
-            <a:r>
-              <a:rPr lang="de-DE" sz="2800" dirty="0">
-                <a:latin typeface="Candara" panose="020E0502030303020204" pitchFamily="34" charset="0"/>
-              </a:rPr>
-              <a:t>Infeasible if income redistribution is not possible!</a:t>
-            </a:r>
-          </a:p>
-          <a:p>
-            <a:endParaRPr lang="en-GB" dirty="0">
-              <a:latin typeface="Comic Sans MS" pitchFamily="66" charset="0"/>
-            </a:endParaRPr>
-          </a:p>
-        </p:txBody>
-      </p:sp>
-      <mc:AlternateContent xmlns:mc="http://schemas.openxmlformats.org/markup-compatibility/2006" xmlns:a14="http://schemas.microsoft.com/office/drawing/2010/main">
-        <mc:Choice Requires="a14">
-          <p:sp>
-            <p:nvSpPr>
-              <p:cNvPr id="5122" name="Object 2"/>
-              <p:cNvSpPr txBox="1"/>
-              <p:nvPr/>
-            </p:nvSpPr>
-            <p:spPr bwMode="auto">
-              <a:xfrm>
-                <a:off x="4572000" y="2536224"/>
-                <a:ext cx="2578100" cy="571500"/>
-              </a:xfrm>
-              <a:prstGeom prst="rect">
-                <a:avLst/>
-              </a:prstGeom>
-              <a:noFill/>
-            </p:spPr>
-            <p:txBody>
-              <a:bodyPr>
-                <a:normAutofit fontScale="92500"/>
-              </a:bodyPr>
-              <a:lstStyle/>
-              <a:p>
-                <a:pPr/>
-                <a14:m>
-                  <m:oMathPara xmlns:m="http://schemas.openxmlformats.org/officeDocument/2006/math">
-                    <m:oMathParaPr>
-                      <m:jc m:val="left"/>
-                    </m:oMathParaPr>
-                    <m:oMath xmlns:m="http://schemas.openxmlformats.org/officeDocument/2006/math">
-                      <m:r>
-                        <a:rPr lang="en-GB" sz="2800" i="1">
-                          <a:solidFill>
-                            <a:srgbClr val="000000"/>
-                          </a:solidFill>
-                          <a:latin typeface="Cambria Math" panose="02040503050406030204" pitchFamily="18" charset="0"/>
-                        </a:rPr>
-                        <m:t>𝑊</m:t>
-                      </m:r>
-                      <m:r>
-                        <a:rPr lang="en-GB" sz="2800" i="1">
-                          <a:solidFill>
-                            <a:srgbClr val="000000"/>
-                          </a:solidFill>
-                          <a:latin typeface="Cambria Math" panose="02040503050406030204" pitchFamily="18" charset="0"/>
-                        </a:rPr>
-                        <m:t>=</m:t>
-                      </m:r>
-                      <m:r>
-                        <a:rPr lang="en-GB" sz="2800" i="1">
-                          <a:solidFill>
-                            <a:srgbClr val="000000"/>
-                          </a:solidFill>
-                          <a:latin typeface="Cambria Math" panose="02040503050406030204" pitchFamily="18" charset="0"/>
-                        </a:rPr>
-                        <m:t>𝑊</m:t>
-                      </m:r>
-                      <m:d>
-                        <m:dPr>
-                          <m:ctrlPr>
-                            <a:rPr lang="en-GB" sz="2800" i="1">
-                              <a:solidFill>
-                                <a:srgbClr val="000000"/>
-                              </a:solidFill>
-                              <a:latin typeface="Cambria Math" panose="02040503050406030204" pitchFamily="18" charset="0"/>
-                            </a:rPr>
-                          </m:ctrlPr>
-                        </m:dPr>
-                        <m:e>
-                          <m:sSup>
-                            <m:sSupPr>
-                              <m:ctrlPr>
-                                <a:rPr lang="en-GB" sz="2800" i="1">
-                                  <a:solidFill>
-                                    <a:srgbClr val="000000"/>
-                                  </a:solidFill>
-                                  <a:latin typeface="Cambria Math" panose="02040503050406030204" pitchFamily="18" charset="0"/>
-                                </a:rPr>
-                              </m:ctrlPr>
-                            </m:sSupPr>
-                            <m:e>
-                              <m:r>
-                                <a:rPr lang="en-GB" sz="2800" i="1">
-                                  <a:solidFill>
-                                    <a:srgbClr val="000000"/>
-                                  </a:solidFill>
-                                  <a:latin typeface="Cambria Math" panose="02040503050406030204" pitchFamily="18" charset="0"/>
-                                </a:rPr>
-                                <m:t>𝑈</m:t>
-                              </m:r>
-                            </m:e>
-                            <m:sup>
-                              <m:r>
-                                <a:rPr lang="en-GB" sz="2800" i="1">
-                                  <a:solidFill>
-                                    <a:srgbClr val="000000"/>
-                                  </a:solidFill>
-                                  <a:latin typeface="Cambria Math" panose="02040503050406030204" pitchFamily="18" charset="0"/>
-                                </a:rPr>
-                                <m:t>𝐴</m:t>
-                              </m:r>
-                            </m:sup>
-                          </m:sSup>
-                          <m:r>
-                            <a:rPr lang="en-GB" sz="2800" i="1">
-                              <a:solidFill>
-                                <a:srgbClr val="000000"/>
-                              </a:solidFill>
-                              <a:latin typeface="Cambria Math" panose="02040503050406030204" pitchFamily="18" charset="0"/>
-                            </a:rPr>
-                            <m:t>,</m:t>
-                          </m:r>
-                          <m:sSup>
-                            <m:sSupPr>
-                              <m:ctrlPr>
-                                <a:rPr lang="en-GB" sz="2800" i="1">
-                                  <a:solidFill>
-                                    <a:srgbClr val="000000"/>
-                                  </a:solidFill>
-                                  <a:latin typeface="Cambria Math" panose="02040503050406030204" pitchFamily="18" charset="0"/>
-                                </a:rPr>
-                              </m:ctrlPr>
-                            </m:sSupPr>
-                            <m:e>
-                              <m:r>
-                                <a:rPr lang="en-GB" sz="2800" i="1">
-                                  <a:solidFill>
-                                    <a:srgbClr val="000000"/>
-                                  </a:solidFill>
-                                  <a:latin typeface="Cambria Math" panose="02040503050406030204" pitchFamily="18" charset="0"/>
-                                </a:rPr>
-                                <m:t>𝑈</m:t>
-                              </m:r>
-                            </m:e>
-                            <m:sup>
-                              <m:r>
-                                <a:rPr lang="en-GB" sz="2800" i="1">
-                                  <a:solidFill>
-                                    <a:srgbClr val="000000"/>
-                                  </a:solidFill>
-                                  <a:latin typeface="Cambria Math" panose="02040503050406030204" pitchFamily="18" charset="0"/>
-                                </a:rPr>
-                                <m:t>𝐵</m:t>
-                              </m:r>
-                            </m:sup>
-                          </m:sSup>
-                        </m:e>
-                      </m:d>
-                    </m:oMath>
-                  </m:oMathPara>
-                </a14:m>
-                <a:endParaRPr lang="en-GB" sz="2800" dirty="0"/>
-              </a:p>
-            </p:txBody>
-          </p:sp>
-        </mc:Choice>
-        <mc:Fallback xmlns="">
-          <p:sp>
-            <p:nvSpPr>
-              <p:cNvPr id="5122" name="Object 2"/>
-              <p:cNvSpPr txBox="1">
-                <a:spLocks noRot="1" noChangeAspect="1" noMove="1" noResize="1" noEditPoints="1" noAdjustHandles="1" noChangeArrowheads="1" noChangeShapeType="1" noTextEdit="1"/>
-              </p:cNvSpPr>
-              <p:nvPr/>
-            </p:nvSpPr>
-            <p:spPr bwMode="auto">
-              <a:xfrm>
-                <a:off x="4572000" y="2536224"/>
-                <a:ext cx="2578100" cy="571500"/>
-              </a:xfrm>
-              <a:prstGeom prst="rect">
-                <a:avLst/>
-              </a:prstGeom>
-              <a:blipFill>
-                <a:blip r:embed="rId2"/>
-                <a:stretch>
-                  <a:fillRect/>
-                </a:stretch>
-              </a:blipFill>
-            </p:spPr>
-            <p:txBody>
-              <a:bodyPr/>
-              <a:lstStyle/>
-              <a:p>
-                <a:r>
-                  <a:rPr lang="en-GB">
-                    <a:noFill/>
-                  </a:rPr>
-                  <a:t> </a:t>
-                </a:r>
-              </a:p>
-            </p:txBody>
-          </p:sp>
-        </mc:Fallback>
-      </mc:AlternateContent>
-      <mc:AlternateContent xmlns:mc="http://schemas.openxmlformats.org/markup-compatibility/2006" xmlns:a14="http://schemas.microsoft.com/office/drawing/2010/main">
-        <mc:Choice Requires="a14">
-          <p:sp>
-            <p:nvSpPr>
-              <p:cNvPr id="5123" name="Object 3"/>
-              <p:cNvSpPr txBox="1"/>
-              <p:nvPr/>
-            </p:nvSpPr>
-            <p:spPr bwMode="auto">
-              <a:xfrm>
-                <a:off x="2895600" y="3124200"/>
-                <a:ext cx="4648200" cy="1079500"/>
-              </a:xfrm>
-              <a:prstGeom prst="rect">
-                <a:avLst/>
-              </a:prstGeom>
-              <a:noFill/>
-            </p:spPr>
-            <p:txBody>
-              <a:bodyPr>
-                <a:normAutofit fontScale="92500"/>
-              </a:bodyPr>
-              <a:lstStyle/>
-              <a:p>
-                <a:pPr/>
-                <a14:m>
-                  <m:oMathPara xmlns:m="http://schemas.openxmlformats.org/officeDocument/2006/math">
-                    <m:oMathParaPr>
-                      <m:jc m:val="left"/>
-                    </m:oMathParaPr>
-                    <m:oMath xmlns:m="http://schemas.openxmlformats.org/officeDocument/2006/math">
-                      <m:d>
-                        <m:dPr>
-                          <m:ctrlPr>
-                            <a:rPr lang="en-GB" sz="2800" i="1">
-                              <a:solidFill>
-                                <a:srgbClr val="000000"/>
-                              </a:solidFill>
-                              <a:latin typeface="Cambria Math" panose="02040503050406030204" pitchFamily="18" charset="0"/>
-                            </a:rPr>
-                          </m:ctrlPr>
-                        </m:dPr>
-                        <m:e>
-                          <m:f>
-                            <m:fPr>
-                              <m:ctrlPr>
-                                <a:rPr lang="en-GB" sz="2800" i="1">
-                                  <a:solidFill>
-                                    <a:srgbClr val="000000"/>
-                                  </a:solidFill>
-                                  <a:latin typeface="Cambria Math" panose="02040503050406030204" pitchFamily="18" charset="0"/>
-                                </a:rPr>
-                              </m:ctrlPr>
-                            </m:fPr>
-                            <m:num>
-                              <m:sSubSup>
-                                <m:sSubSupPr>
-                                  <m:ctrlPr>
-                                    <a:rPr lang="en-GB" sz="2800" i="1">
-                                      <a:solidFill>
-                                        <a:srgbClr val="000000"/>
-                                      </a:solidFill>
-                                      <a:latin typeface="Cambria Math" panose="02040503050406030204" pitchFamily="18" charset="0"/>
-                                    </a:rPr>
-                                  </m:ctrlPr>
-                                </m:sSubSupPr>
-                                <m:e>
-                                  <m:r>
-                                    <a:rPr lang="en-GB" sz="2800" i="1">
-                                      <a:solidFill>
-                                        <a:srgbClr val="000000"/>
-                                      </a:solidFill>
-                                      <a:latin typeface="Cambria Math" panose="02040503050406030204" pitchFamily="18" charset="0"/>
-                                    </a:rPr>
-                                    <m:t>𝑈</m:t>
-                                  </m:r>
-                                </m:e>
-                                <m:sub>
-                                  <m:r>
-                                    <a:rPr lang="en-GB" sz="2800" i="1">
-                                      <a:solidFill>
-                                        <a:srgbClr val="000000"/>
-                                      </a:solidFill>
-                                      <a:latin typeface="Cambria Math" panose="02040503050406030204" pitchFamily="18" charset="0"/>
-                                    </a:rPr>
-                                    <m:t>𝑌</m:t>
-                                  </m:r>
-                                </m:sub>
-                                <m:sup>
-                                  <m:r>
-                                    <a:rPr lang="en-GB" sz="2800" i="1">
-                                      <a:solidFill>
-                                        <a:srgbClr val="000000"/>
-                                      </a:solidFill>
-                                      <a:latin typeface="Cambria Math" panose="02040503050406030204" pitchFamily="18" charset="0"/>
-                                    </a:rPr>
-                                    <m:t>𝐵</m:t>
-                                  </m:r>
-                                </m:sup>
-                              </m:sSubSup>
-                            </m:num>
-                            <m:den>
-                              <m:sSubSup>
-                                <m:sSubSupPr>
-                                  <m:ctrlPr>
-                                    <a:rPr lang="en-GB" sz="2800" i="1">
-                                      <a:solidFill>
-                                        <a:srgbClr val="000000"/>
-                                      </a:solidFill>
-                                      <a:latin typeface="Cambria Math" panose="02040503050406030204" pitchFamily="18" charset="0"/>
-                                    </a:rPr>
-                                  </m:ctrlPr>
-                                </m:sSubSupPr>
-                                <m:e>
-                                  <m:r>
-                                    <a:rPr lang="en-GB" sz="2800" i="1">
-                                      <a:solidFill>
-                                        <a:srgbClr val="000000"/>
-                                      </a:solidFill>
-                                      <a:latin typeface="Cambria Math" panose="02040503050406030204" pitchFamily="18" charset="0"/>
-                                    </a:rPr>
-                                    <m:t>𝑈</m:t>
-                                  </m:r>
-                                </m:e>
-                                <m:sub>
-                                  <m:r>
-                                    <a:rPr lang="en-GB" sz="2800" i="1">
-                                      <a:solidFill>
-                                        <a:srgbClr val="000000"/>
-                                      </a:solidFill>
-                                      <a:latin typeface="Cambria Math" panose="02040503050406030204" pitchFamily="18" charset="0"/>
-                                    </a:rPr>
-                                    <m:t>𝑋</m:t>
-                                  </m:r>
-                                </m:sub>
-                                <m:sup>
-                                  <m:r>
-                                    <a:rPr lang="en-GB" sz="2800" i="1">
-                                      <a:solidFill>
-                                        <a:srgbClr val="000000"/>
-                                      </a:solidFill>
-                                      <a:latin typeface="Cambria Math" panose="02040503050406030204" pitchFamily="18" charset="0"/>
-                                    </a:rPr>
-                                    <m:t>𝐴</m:t>
-                                  </m:r>
-                                </m:sup>
-                              </m:sSubSup>
-                            </m:den>
-                          </m:f>
-                          <m:f>
-                            <m:fPr>
-                              <m:ctrlPr>
-                                <a:rPr lang="en-GB" sz="2800" i="1">
-                                  <a:solidFill>
-                                    <a:srgbClr val="000000"/>
-                                  </a:solidFill>
-                                  <a:latin typeface="Cambria Math" panose="02040503050406030204" pitchFamily="18" charset="0"/>
-                                </a:rPr>
-                              </m:ctrlPr>
-                            </m:fPr>
-                            <m:num>
-                              <m:r>
-                                <a:rPr lang="en-GB" sz="2800" i="1">
-                                  <a:solidFill>
-                                    <a:srgbClr val="000000"/>
-                                  </a:solidFill>
-                                  <a:latin typeface="Cambria Math" panose="02040503050406030204" pitchFamily="18" charset="0"/>
-                                </a:rPr>
-                                <m:t>𝑀</m:t>
-                              </m:r>
-                              <m:sSubSup>
-                                <m:sSubSupPr>
-                                  <m:ctrlPr>
-                                    <a:rPr lang="en-GB" sz="2800" i="1">
-                                      <a:solidFill>
-                                        <a:srgbClr val="000000"/>
-                                      </a:solidFill>
-                                      <a:latin typeface="Cambria Math" panose="02040503050406030204" pitchFamily="18" charset="0"/>
-                                    </a:rPr>
-                                  </m:ctrlPr>
-                                </m:sSubSupPr>
-                                <m:e>
-                                  <m:r>
-                                    <a:rPr lang="en-GB" sz="2800" i="1">
-                                      <a:solidFill>
-                                        <a:srgbClr val="000000"/>
-                                      </a:solidFill>
-                                      <a:latin typeface="Cambria Math" panose="02040503050406030204" pitchFamily="18" charset="0"/>
-                                    </a:rPr>
-                                    <m:t>𝑃</m:t>
-                                  </m:r>
-                                </m:e>
-                                <m:sub>
-                                  <m:r>
-                                    <a:rPr lang="en-GB" sz="2800" i="1">
-                                      <a:solidFill>
-                                        <a:srgbClr val="000000"/>
-                                      </a:solidFill>
-                                      <a:latin typeface="Cambria Math" panose="02040503050406030204" pitchFamily="18" charset="0"/>
-                                    </a:rPr>
-                                    <m:t>𝐿</m:t>
-                                  </m:r>
-                                </m:sub>
-                                <m:sup>
-                                  <m:r>
-                                    <a:rPr lang="en-GB" sz="2800" i="1">
-                                      <a:solidFill>
-                                        <a:srgbClr val="000000"/>
-                                      </a:solidFill>
-                                      <a:latin typeface="Cambria Math" panose="02040503050406030204" pitchFamily="18" charset="0"/>
-                                    </a:rPr>
-                                    <m:t>𝑌</m:t>
-                                  </m:r>
-                                </m:sup>
-                              </m:sSubSup>
-                            </m:num>
-                            <m:den>
-                              <m:r>
-                                <a:rPr lang="en-GB" sz="2800" i="1">
-                                  <a:solidFill>
-                                    <a:srgbClr val="000000"/>
-                                  </a:solidFill>
-                                  <a:latin typeface="Cambria Math" panose="02040503050406030204" pitchFamily="18" charset="0"/>
-                                </a:rPr>
-                                <m:t>𝑀</m:t>
-                              </m:r>
-                              <m:sSubSup>
-                                <m:sSubSupPr>
-                                  <m:ctrlPr>
-                                    <a:rPr lang="en-GB" sz="2800" i="1">
-                                      <a:solidFill>
-                                        <a:srgbClr val="000000"/>
-                                      </a:solidFill>
-                                      <a:latin typeface="Cambria Math" panose="02040503050406030204" pitchFamily="18" charset="0"/>
-                                    </a:rPr>
-                                  </m:ctrlPr>
-                                </m:sSubSupPr>
-                                <m:e>
-                                  <m:r>
-                                    <a:rPr lang="en-GB" sz="2800" i="1">
-                                      <a:solidFill>
-                                        <a:srgbClr val="000000"/>
-                                      </a:solidFill>
-                                      <a:latin typeface="Cambria Math" panose="02040503050406030204" pitchFamily="18" charset="0"/>
-                                    </a:rPr>
-                                    <m:t>𝑃</m:t>
-                                  </m:r>
-                                </m:e>
-                                <m:sub>
-                                  <m:r>
-                                    <a:rPr lang="en-GB" sz="2800" i="1">
-                                      <a:solidFill>
-                                        <a:srgbClr val="000000"/>
-                                      </a:solidFill>
-                                      <a:latin typeface="Cambria Math" panose="02040503050406030204" pitchFamily="18" charset="0"/>
-                                    </a:rPr>
-                                    <m:t>𝐿</m:t>
-                                  </m:r>
-                                </m:sub>
-                                <m:sup>
-                                  <m:r>
-                                    <a:rPr lang="en-GB" sz="2800" i="1">
-                                      <a:solidFill>
-                                        <a:srgbClr val="000000"/>
-                                      </a:solidFill>
-                                      <a:latin typeface="Cambria Math" panose="02040503050406030204" pitchFamily="18" charset="0"/>
-                                    </a:rPr>
-                                    <m:t>𝑋</m:t>
-                                  </m:r>
-                                </m:sup>
-                              </m:sSubSup>
-                            </m:den>
-                          </m:f>
-                          <m:r>
-                            <a:rPr lang="en-GB" sz="2800" i="1">
-                              <a:solidFill>
-                                <a:srgbClr val="000000"/>
-                              </a:solidFill>
-                              <a:latin typeface="Cambria Math" panose="02040503050406030204" pitchFamily="18" charset="0"/>
-                            </a:rPr>
-                            <m:t>=</m:t>
-                          </m:r>
-                          <m:f>
-                            <m:fPr>
-                              <m:ctrlPr>
-                                <a:rPr lang="en-GB" sz="2800" i="1">
-                                  <a:solidFill>
-                                    <a:srgbClr val="000000"/>
-                                  </a:solidFill>
-                                  <a:latin typeface="Cambria Math" panose="02040503050406030204" pitchFamily="18" charset="0"/>
-                                </a:rPr>
-                              </m:ctrlPr>
-                            </m:fPr>
-                            <m:num>
-                              <m:sSubSup>
-                                <m:sSubSupPr>
-                                  <m:ctrlPr>
-                                    <a:rPr lang="en-GB" sz="2800" i="1">
-                                      <a:solidFill>
-                                        <a:srgbClr val="000000"/>
-                                      </a:solidFill>
-                                      <a:latin typeface="Cambria Math" panose="02040503050406030204" pitchFamily="18" charset="0"/>
-                                    </a:rPr>
-                                  </m:ctrlPr>
-                                </m:sSubSupPr>
-                                <m:e>
-                                  <m:r>
-                                    <a:rPr lang="en-GB" sz="2800" i="1">
-                                      <a:solidFill>
-                                        <a:srgbClr val="000000"/>
-                                      </a:solidFill>
-                                      <a:latin typeface="Cambria Math" panose="02040503050406030204" pitchFamily="18" charset="0"/>
-                                    </a:rPr>
-                                    <m:t>𝑈</m:t>
-                                  </m:r>
-                                </m:e>
-                                <m:sub>
-                                  <m:r>
-                                    <a:rPr lang="en-GB" sz="2800" i="1">
-                                      <a:solidFill>
-                                        <a:srgbClr val="000000"/>
-                                      </a:solidFill>
-                                      <a:latin typeface="Cambria Math" panose="02040503050406030204" pitchFamily="18" charset="0"/>
-                                    </a:rPr>
-                                    <m:t>𝑌</m:t>
-                                  </m:r>
-                                </m:sub>
-                                <m:sup>
-                                  <m:r>
-                                    <a:rPr lang="en-GB" sz="2800" i="1">
-                                      <a:solidFill>
-                                        <a:srgbClr val="000000"/>
-                                      </a:solidFill>
-                                      <a:latin typeface="Cambria Math" panose="02040503050406030204" pitchFamily="18" charset="0"/>
-                                    </a:rPr>
-                                    <m:t>𝐵</m:t>
-                                  </m:r>
-                                </m:sup>
-                              </m:sSubSup>
-                            </m:num>
-                            <m:den>
-                              <m:sSubSup>
-                                <m:sSubSupPr>
-                                  <m:ctrlPr>
-                                    <a:rPr lang="en-GB" sz="2800" i="1">
-                                      <a:solidFill>
-                                        <a:srgbClr val="000000"/>
-                                      </a:solidFill>
-                                      <a:latin typeface="Cambria Math" panose="02040503050406030204" pitchFamily="18" charset="0"/>
-                                    </a:rPr>
-                                  </m:ctrlPr>
-                                </m:sSubSupPr>
-                                <m:e>
-                                  <m:r>
-                                    <a:rPr lang="en-GB" sz="2800" i="1">
-                                      <a:solidFill>
-                                        <a:srgbClr val="000000"/>
-                                      </a:solidFill>
-                                      <a:latin typeface="Cambria Math" panose="02040503050406030204" pitchFamily="18" charset="0"/>
-                                    </a:rPr>
-                                    <m:t>𝑈</m:t>
-                                  </m:r>
-                                </m:e>
-                                <m:sub>
-                                  <m:r>
-                                    <a:rPr lang="en-GB" sz="2800" i="1">
-                                      <a:solidFill>
-                                        <a:srgbClr val="000000"/>
-                                      </a:solidFill>
-                                      <a:latin typeface="Cambria Math" panose="02040503050406030204" pitchFamily="18" charset="0"/>
-                                    </a:rPr>
-                                    <m:t>𝑌</m:t>
-                                  </m:r>
-                                </m:sub>
-                                <m:sup>
-                                  <m:r>
-                                    <a:rPr lang="en-GB" sz="2800" i="1">
-                                      <a:solidFill>
-                                        <a:srgbClr val="000000"/>
-                                      </a:solidFill>
-                                      <a:latin typeface="Cambria Math" panose="02040503050406030204" pitchFamily="18" charset="0"/>
-                                    </a:rPr>
-                                    <m:t>𝐴</m:t>
-                                  </m:r>
-                                </m:sup>
-                              </m:sSubSup>
-                            </m:den>
-                          </m:f>
-                          <m:r>
-                            <a:rPr lang="en-GB" sz="2800" i="1">
-                              <a:solidFill>
-                                <a:srgbClr val="000000"/>
-                              </a:solidFill>
-                              <a:latin typeface="Cambria Math" panose="02040503050406030204" pitchFamily="18" charset="0"/>
-                            </a:rPr>
-                            <m:t>=</m:t>
-                          </m:r>
-                        </m:e>
-                      </m:d>
-                      <m:f>
-                        <m:fPr>
-                          <m:ctrlPr>
-                            <a:rPr lang="en-GB" sz="2800" i="1">
-                              <a:solidFill>
-                                <a:srgbClr val="000000"/>
-                              </a:solidFill>
-                              <a:latin typeface="Cambria Math" panose="02040503050406030204" pitchFamily="18" charset="0"/>
-                            </a:rPr>
-                          </m:ctrlPr>
-                        </m:fPr>
-                        <m:num>
-                          <m:sSubSup>
-                            <m:sSubSupPr>
-                              <m:ctrlPr>
-                                <a:rPr lang="en-GB" sz="2800" i="1">
-                                  <a:solidFill>
-                                    <a:srgbClr val="000000"/>
-                                  </a:solidFill>
-                                  <a:latin typeface="Cambria Math" panose="02040503050406030204" pitchFamily="18" charset="0"/>
-                                </a:rPr>
-                              </m:ctrlPr>
-                            </m:sSubSupPr>
-                            <m:e>
-                              <m:r>
-                                <a:rPr lang="en-GB" sz="2800" i="1">
-                                  <a:solidFill>
-                                    <a:srgbClr val="000000"/>
-                                  </a:solidFill>
-                                  <a:latin typeface="Cambria Math" panose="02040503050406030204" pitchFamily="18" charset="0"/>
-                                </a:rPr>
-                                <m:t>𝑈</m:t>
-                              </m:r>
-                            </m:e>
-                            <m:sub>
-                              <m:r>
-                                <a:rPr lang="en-GB" sz="2800" i="1">
-                                  <a:solidFill>
-                                    <a:srgbClr val="000000"/>
-                                  </a:solidFill>
-                                  <a:latin typeface="Cambria Math" panose="02040503050406030204" pitchFamily="18" charset="0"/>
-                                </a:rPr>
-                                <m:t>𝑋</m:t>
-                              </m:r>
-                            </m:sub>
-                            <m:sup>
-                              <m:r>
-                                <a:rPr lang="en-GB" sz="2800" i="1">
-                                  <a:solidFill>
-                                    <a:srgbClr val="000000"/>
-                                  </a:solidFill>
-                                  <a:latin typeface="Cambria Math" panose="02040503050406030204" pitchFamily="18" charset="0"/>
-                                </a:rPr>
-                                <m:t>𝐵</m:t>
-                              </m:r>
-                            </m:sup>
-                          </m:sSubSup>
-                        </m:num>
-                        <m:den>
-                          <m:sSubSup>
-                            <m:sSubSupPr>
-                              <m:ctrlPr>
-                                <a:rPr lang="en-GB" sz="2800" i="1">
-                                  <a:solidFill>
-                                    <a:srgbClr val="000000"/>
-                                  </a:solidFill>
-                                  <a:latin typeface="Cambria Math" panose="02040503050406030204" pitchFamily="18" charset="0"/>
-                                </a:rPr>
-                              </m:ctrlPr>
-                            </m:sSubSupPr>
-                            <m:e>
-                              <m:r>
-                                <a:rPr lang="en-GB" sz="2800" i="1">
-                                  <a:solidFill>
-                                    <a:srgbClr val="000000"/>
-                                  </a:solidFill>
-                                  <a:latin typeface="Cambria Math" panose="02040503050406030204" pitchFamily="18" charset="0"/>
-                                </a:rPr>
-                                <m:t>𝑈</m:t>
-                              </m:r>
-                            </m:e>
-                            <m:sub>
-                              <m:r>
-                                <a:rPr lang="en-GB" sz="2800" i="1">
-                                  <a:solidFill>
-                                    <a:srgbClr val="000000"/>
-                                  </a:solidFill>
-                                  <a:latin typeface="Cambria Math" panose="02040503050406030204" pitchFamily="18" charset="0"/>
-                                </a:rPr>
-                                <m:t>𝑋</m:t>
-                              </m:r>
-                            </m:sub>
-                            <m:sup>
-                              <m:r>
-                                <a:rPr lang="en-GB" sz="2800" i="1">
-                                  <a:solidFill>
-                                    <a:srgbClr val="000000"/>
-                                  </a:solidFill>
-                                  <a:latin typeface="Cambria Math" panose="02040503050406030204" pitchFamily="18" charset="0"/>
-                                </a:rPr>
-                                <m:t>𝐴</m:t>
-                              </m:r>
-                            </m:sup>
-                          </m:sSubSup>
-                        </m:den>
-                      </m:f>
-                      <m:r>
-                        <a:rPr lang="en-GB" sz="2800" i="1">
-                          <a:solidFill>
-                            <a:srgbClr val="000000"/>
-                          </a:solidFill>
-                          <a:latin typeface="Cambria Math" panose="02040503050406030204" pitchFamily="18" charset="0"/>
-                        </a:rPr>
-                        <m:t>=</m:t>
-                      </m:r>
-                      <m:f>
-                        <m:fPr>
-                          <m:ctrlPr>
-                            <a:rPr lang="en-GB" sz="2800" i="1">
-                              <a:solidFill>
-                                <a:srgbClr val="000000"/>
-                              </a:solidFill>
-                              <a:latin typeface="Cambria Math" panose="02040503050406030204" pitchFamily="18" charset="0"/>
-                            </a:rPr>
-                          </m:ctrlPr>
-                        </m:fPr>
-                        <m:num>
-                          <m:sSub>
-                            <m:sSubPr>
-                              <m:ctrlPr>
-                                <a:rPr lang="en-GB" sz="2800" i="1">
-                                  <a:solidFill>
-                                    <a:srgbClr val="000000"/>
-                                  </a:solidFill>
-                                  <a:latin typeface="Cambria Math" panose="02040503050406030204" pitchFamily="18" charset="0"/>
-                                </a:rPr>
-                              </m:ctrlPr>
-                            </m:sSubPr>
-                            <m:e>
-                              <m:r>
-                                <a:rPr lang="en-GB" sz="2800" i="1">
-                                  <a:solidFill>
-                                    <a:srgbClr val="000000"/>
-                                  </a:solidFill>
-                                  <a:latin typeface="Cambria Math" panose="02040503050406030204" pitchFamily="18" charset="0"/>
-                                </a:rPr>
-                                <m:t>𝑊</m:t>
-                              </m:r>
-                            </m:e>
-                            <m:sub>
-                              <m:sSup>
-                                <m:sSupPr>
-                                  <m:ctrlPr>
-                                    <a:rPr lang="en-GB" sz="2800" i="1">
-                                      <a:solidFill>
-                                        <a:srgbClr val="000000"/>
-                                      </a:solidFill>
-                                      <a:latin typeface="Cambria Math" panose="02040503050406030204" pitchFamily="18" charset="0"/>
-                                    </a:rPr>
-                                  </m:ctrlPr>
-                                </m:sSupPr>
-                                <m:e>
-                                  <m:r>
-                                    <a:rPr lang="en-GB" sz="2800" i="1">
-                                      <a:solidFill>
-                                        <a:srgbClr val="000000"/>
-                                      </a:solidFill>
-                                      <a:latin typeface="Cambria Math" panose="02040503050406030204" pitchFamily="18" charset="0"/>
-                                    </a:rPr>
-                                    <m:t>𝑈</m:t>
-                                  </m:r>
-                                </m:e>
-                                <m:sup>
-                                  <m:r>
-                                    <a:rPr lang="en-GB" sz="2800" i="1">
-                                      <a:solidFill>
-                                        <a:srgbClr val="000000"/>
-                                      </a:solidFill>
-                                      <a:latin typeface="Cambria Math" panose="02040503050406030204" pitchFamily="18" charset="0"/>
-                                    </a:rPr>
-                                    <m:t>𝐴</m:t>
-                                  </m:r>
-                                </m:sup>
-                              </m:sSup>
-                            </m:sub>
-                          </m:sSub>
-                        </m:num>
-                        <m:den>
-                          <m:sSub>
-                            <m:sSubPr>
-                              <m:ctrlPr>
-                                <a:rPr lang="en-GB" sz="2800" i="1">
-                                  <a:solidFill>
-                                    <a:srgbClr val="000000"/>
-                                  </a:solidFill>
-                                  <a:latin typeface="Cambria Math" panose="02040503050406030204" pitchFamily="18" charset="0"/>
-                                </a:rPr>
-                              </m:ctrlPr>
-                            </m:sSubPr>
-                            <m:e>
-                              <m:r>
-                                <a:rPr lang="en-GB" sz="2800" i="1">
-                                  <a:solidFill>
-                                    <a:srgbClr val="000000"/>
-                                  </a:solidFill>
-                                  <a:latin typeface="Cambria Math" panose="02040503050406030204" pitchFamily="18" charset="0"/>
-                                </a:rPr>
-                                <m:t>𝑊</m:t>
-                              </m:r>
-                            </m:e>
-                            <m:sub>
-                              <m:sSup>
-                                <m:sSupPr>
-                                  <m:ctrlPr>
-                                    <a:rPr lang="en-GB" sz="2800" i="1">
-                                      <a:solidFill>
-                                        <a:srgbClr val="000000"/>
-                                      </a:solidFill>
-                                      <a:latin typeface="Cambria Math" panose="02040503050406030204" pitchFamily="18" charset="0"/>
-                                    </a:rPr>
-                                  </m:ctrlPr>
-                                </m:sSupPr>
-                                <m:e>
-                                  <m:r>
-                                    <a:rPr lang="en-GB" sz="2800" i="1">
-                                      <a:solidFill>
-                                        <a:srgbClr val="000000"/>
-                                      </a:solidFill>
-                                      <a:latin typeface="Cambria Math" panose="02040503050406030204" pitchFamily="18" charset="0"/>
-                                    </a:rPr>
-                                    <m:t>𝑈</m:t>
-                                  </m:r>
-                                </m:e>
-                                <m:sup>
-                                  <m:r>
-                                    <a:rPr lang="en-GB" sz="2800" i="1">
-                                      <a:solidFill>
-                                        <a:srgbClr val="000000"/>
-                                      </a:solidFill>
-                                      <a:latin typeface="Cambria Math" panose="02040503050406030204" pitchFamily="18" charset="0"/>
-                                    </a:rPr>
-                                    <m:t>𝐵</m:t>
-                                  </m:r>
-                                </m:sup>
-                              </m:sSup>
-                            </m:sub>
-                          </m:sSub>
-                        </m:den>
-                      </m:f>
-                    </m:oMath>
-                  </m:oMathPara>
-                </a14:m>
-                <a:endParaRPr lang="en-GB" sz="2800" dirty="0"/>
-              </a:p>
-            </p:txBody>
-          </p:sp>
-        </mc:Choice>
-        <mc:Fallback xmlns="">
-          <p:sp>
-            <p:nvSpPr>
-              <p:cNvPr id="5123" name="Object 3"/>
-              <p:cNvSpPr txBox="1">
-                <a:spLocks noRot="1" noChangeAspect="1" noMove="1" noResize="1" noEditPoints="1" noAdjustHandles="1" noChangeArrowheads="1" noChangeShapeType="1" noTextEdit="1"/>
-              </p:cNvSpPr>
-              <p:nvPr/>
-            </p:nvSpPr>
-            <p:spPr bwMode="auto">
-              <a:xfrm>
-                <a:off x="2895600" y="3124200"/>
-                <a:ext cx="4648200" cy="1079500"/>
-              </a:xfrm>
-              <a:prstGeom prst="rect">
-                <a:avLst/>
-              </a:prstGeom>
-              <a:blipFill>
-                <a:blip r:embed="rId3"/>
                 <a:stretch>
                   <a:fillRect/>
                 </a:stretch>

--- a/EE2 Externalities.pptx
+++ b/EE2 Externalities.pptx
@@ -16,38 +16,37 @@
     <p:sldId id="274" r:id="rId10"/>
     <p:sldId id="275" r:id="rId11"/>
     <p:sldId id="309" r:id="rId12"/>
-    <p:sldId id="277" r:id="rId13"/>
-    <p:sldId id="278" r:id="rId14"/>
-    <p:sldId id="279" r:id="rId15"/>
-    <p:sldId id="280" r:id="rId16"/>
-    <p:sldId id="308" r:id="rId17"/>
+    <p:sldId id="278" r:id="rId13"/>
+    <p:sldId id="279" r:id="rId14"/>
+    <p:sldId id="280" r:id="rId15"/>
+    <p:sldId id="308" r:id="rId16"/>
+    <p:sldId id="281" r:id="rId17"/>
     <p:sldId id="311" r:id="rId18"/>
-    <p:sldId id="281" r:id="rId19"/>
-    <p:sldId id="282" r:id="rId20"/>
-    <p:sldId id="283" r:id="rId21"/>
-    <p:sldId id="284" r:id="rId22"/>
-    <p:sldId id="289" r:id="rId23"/>
-    <p:sldId id="285" r:id="rId24"/>
-    <p:sldId id="286" r:id="rId25"/>
-    <p:sldId id="301" r:id="rId26"/>
-    <p:sldId id="302" r:id="rId27"/>
-    <p:sldId id="310" r:id="rId28"/>
-    <p:sldId id="288" r:id="rId29"/>
-    <p:sldId id="287" r:id="rId30"/>
-    <p:sldId id="291" r:id="rId31"/>
-    <p:sldId id="295" r:id="rId32"/>
-    <p:sldId id="294" r:id="rId33"/>
-    <p:sldId id="298" r:id="rId34"/>
-    <p:sldId id="313" r:id="rId35"/>
-    <p:sldId id="296" r:id="rId36"/>
-    <p:sldId id="304" r:id="rId37"/>
-    <p:sldId id="305" r:id="rId38"/>
-    <p:sldId id="306" r:id="rId39"/>
-    <p:sldId id="303" r:id="rId40"/>
-    <p:sldId id="297" r:id="rId41"/>
-    <p:sldId id="307" r:id="rId42"/>
-    <p:sldId id="300" r:id="rId43"/>
-    <p:sldId id="299" r:id="rId44"/>
+    <p:sldId id="282" r:id="rId19"/>
+    <p:sldId id="283" r:id="rId20"/>
+    <p:sldId id="284" r:id="rId21"/>
+    <p:sldId id="289" r:id="rId22"/>
+    <p:sldId id="285" r:id="rId23"/>
+    <p:sldId id="286" r:id="rId24"/>
+    <p:sldId id="301" r:id="rId25"/>
+    <p:sldId id="302" r:id="rId26"/>
+    <p:sldId id="310" r:id="rId27"/>
+    <p:sldId id="288" r:id="rId28"/>
+    <p:sldId id="287" r:id="rId29"/>
+    <p:sldId id="291" r:id="rId30"/>
+    <p:sldId id="295" r:id="rId31"/>
+    <p:sldId id="294" r:id="rId32"/>
+    <p:sldId id="298" r:id="rId33"/>
+    <p:sldId id="313" r:id="rId34"/>
+    <p:sldId id="296" r:id="rId35"/>
+    <p:sldId id="304" r:id="rId36"/>
+    <p:sldId id="305" r:id="rId37"/>
+    <p:sldId id="306" r:id="rId38"/>
+    <p:sldId id="303" r:id="rId39"/>
+    <p:sldId id="297" r:id="rId40"/>
+    <p:sldId id="307" r:id="rId41"/>
+    <p:sldId id="300" r:id="rId42"/>
+    <p:sldId id="299" r:id="rId43"/>
   </p:sldIdLst>
   <p:sldSz cx="9144000" cy="6858000" type="screen4x3"/>
   <p:notesSz cx="6858000" cy="9144000"/>
@@ -4939,144 +4938,6 @@
       </p:grpSpPr>
       <p:sp>
         <p:nvSpPr>
-          <p:cNvPr id="16386" name="Rectangle 2"/>
-          <p:cNvSpPr>
-            <a:spLocks noGrp="1" noChangeArrowheads="1"/>
-          </p:cNvSpPr>
-          <p:nvPr>
-            <p:ph type="title"/>
-          </p:nvPr>
-        </p:nvSpPr>
-        <p:spPr>
-          <a:xfrm>
-            <a:off x="685800" y="0"/>
-            <a:ext cx="7772400" cy="1143000"/>
-          </a:xfrm>
-        </p:spPr>
-        <p:txBody>
-          <a:bodyPr/>
-          <a:lstStyle/>
-          <a:p>
-            <a:r>
-              <a:rPr lang="de-DE" sz="3600" dirty="0">
-                <a:latin typeface="Candara" panose="020E0502030303020204" pitchFamily="34" charset="0"/>
-              </a:rPr>
-              <a:t>Markets are efficient, iff</a:t>
-            </a:r>
-            <a:endParaRPr lang="en-GB" sz="3600" dirty="0">
-              <a:latin typeface="Candara" panose="020E0502030303020204" pitchFamily="34" charset="0"/>
-            </a:endParaRPr>
-          </a:p>
-        </p:txBody>
-      </p:sp>
-      <p:sp>
-        <p:nvSpPr>
-          <p:cNvPr id="16387" name="Rectangle 3"/>
-          <p:cNvSpPr>
-            <a:spLocks noGrp="1" noChangeArrowheads="1"/>
-          </p:cNvSpPr>
-          <p:nvPr>
-            <p:ph type="body" idx="1"/>
-          </p:nvPr>
-        </p:nvSpPr>
-        <p:spPr>
-          <a:xfrm>
-            <a:off x="685800" y="1219200"/>
-            <a:ext cx="7772400" cy="4114800"/>
-          </a:xfrm>
-        </p:spPr>
-        <p:txBody>
-          <a:bodyPr/>
-          <a:lstStyle/>
-          <a:p>
-            <a:r>
-              <a:rPr lang="de-DE" sz="2800" dirty="0">
-                <a:latin typeface="Candara" panose="020E0502030303020204" pitchFamily="34" charset="0"/>
-              </a:rPr>
-              <a:t>Markets exist for all goods and services</a:t>
-            </a:r>
-          </a:p>
-          <a:p>
-            <a:pPr lvl="1"/>
-            <a:r>
-              <a:rPr lang="de-DE" sz="2400" dirty="0">
-                <a:latin typeface="Candara" panose="020E0502030303020204" pitchFamily="34" charset="0"/>
-              </a:rPr>
-              <a:t>Property rights are fully assigned</a:t>
-            </a:r>
-          </a:p>
-          <a:p>
-            <a:pPr lvl="1"/>
-            <a:r>
-              <a:rPr lang="de-DE" sz="2400" dirty="0">
-                <a:latin typeface="Candara" panose="020E0502030303020204" pitchFamily="34" charset="0"/>
-              </a:rPr>
-              <a:t>All goods and services are private</a:t>
-            </a:r>
-          </a:p>
-          <a:p>
-            <a:pPr lvl="1"/>
-            <a:r>
-              <a:rPr lang="de-DE" sz="2400" dirty="0">
-                <a:latin typeface="Candara" panose="020E0502030303020204" pitchFamily="34" charset="0"/>
-              </a:rPr>
-              <a:t>No externalities exist</a:t>
-            </a:r>
-          </a:p>
-          <a:p>
-            <a:r>
-              <a:rPr lang="de-DE" sz="2800" dirty="0">
-                <a:latin typeface="Candara" panose="020E0502030303020204" pitchFamily="34" charset="0"/>
-              </a:rPr>
-              <a:t>All markets are perfectly competitive</a:t>
-            </a:r>
-          </a:p>
-          <a:p>
-            <a:pPr lvl="1"/>
-            <a:r>
-              <a:rPr lang="de-DE" sz="2400" dirty="0">
-                <a:latin typeface="Candara" panose="020E0502030303020204" pitchFamily="34" charset="0"/>
-              </a:rPr>
-              <a:t>Long run average costs are non-decreasing</a:t>
-            </a:r>
-          </a:p>
-          <a:p>
-            <a:r>
-              <a:rPr lang="de-DE" sz="2800" dirty="0">
-                <a:latin typeface="Candara" panose="020E0502030303020204" pitchFamily="34" charset="0"/>
-              </a:rPr>
-              <a:t>All agents have perfect information</a:t>
-            </a:r>
-          </a:p>
-        </p:txBody>
-      </p:sp>
-    </p:spTree>
-  </p:cSld>
-  <p:clrMapOvr>
-    <a:masterClrMapping/>
-  </p:clrMapOvr>
-</p:sld>
-</file>
-
-<file path=ppt/slides/slide13.xml><?xml version="1.0" encoding="utf-8"?>
-<p:sld xmlns:a="http://schemas.openxmlformats.org/drawingml/2006/main" xmlns:r="http://schemas.openxmlformats.org/officeDocument/2006/relationships" xmlns:p="http://schemas.openxmlformats.org/presentationml/2006/main">
-  <p:cSld>
-    <p:spTree>
-      <p:nvGrpSpPr>
-        <p:cNvPr id="1" name=""/>
-        <p:cNvGrpSpPr/>
-        <p:nvPr/>
-      </p:nvGrpSpPr>
-      <p:grpSpPr>
-        <a:xfrm>
-          <a:off x="0" y="0"/>
-          <a:ext cx="0" cy="0"/>
-          <a:chOff x="0" y="0"/>
-          <a:chExt cx="0" cy="0"/>
-        </a:xfrm>
-      </p:grpSpPr>
-      <p:sp>
-        <p:nvSpPr>
           <p:cNvPr id="6147" name="Rectangle 2"/>
           <p:cNvSpPr>
             <a:spLocks noGrp="1" noChangeArrowheads="1"/>
@@ -6019,7 +5880,7 @@
 </p:sld>
 </file>
 
-<file path=ppt/slides/slide14.xml><?xml version="1.0" encoding="utf-8"?>
+<file path=ppt/slides/slide13.xml><?xml version="1.0" encoding="utf-8"?>
 <p:sld xmlns:a="http://schemas.openxmlformats.org/drawingml/2006/main" xmlns:r="http://schemas.openxmlformats.org/officeDocument/2006/relationships" xmlns:p="http://schemas.openxmlformats.org/presentationml/2006/main">
   <p:cSld>
     <p:spTree>
@@ -6699,7 +6560,7 @@
 </p:sld>
 </file>
 
-<file path=ppt/slides/slide15.xml><?xml version="1.0" encoding="utf-8"?>
+<file path=ppt/slides/slide14.xml><?xml version="1.0" encoding="utf-8"?>
 <p:sld xmlns:a="http://schemas.openxmlformats.org/drawingml/2006/main" xmlns:r="http://schemas.openxmlformats.org/officeDocument/2006/relationships" xmlns:p="http://schemas.openxmlformats.org/presentationml/2006/main">
   <p:cSld>
     <p:spTree>
@@ -8149,7 +8010,7 @@
 </p:sld>
 </file>
 
-<file path=ppt/slides/slide16.xml><?xml version="1.0" encoding="utf-8"?>
+<file path=ppt/slides/slide15.xml><?xml version="1.0" encoding="utf-8"?>
 <p:sld xmlns:a="http://schemas.openxmlformats.org/drawingml/2006/main" xmlns:r="http://schemas.openxmlformats.org/officeDocument/2006/relationships" xmlns:p="http://schemas.openxmlformats.org/presentationml/2006/main">
   <p:cSld>
     <p:spTree>
@@ -8285,6 +8146,207 @@
         <p14:creationId xmlns:p14="http://schemas.microsoft.com/office/powerpoint/2010/main" val="1471912309"/>
       </p:ext>
     </p:extLst>
+  </p:cSld>
+  <p:clrMapOvr>
+    <a:masterClrMapping/>
+  </p:clrMapOvr>
+</p:sld>
+</file>
+
+<file path=ppt/slides/slide16.xml><?xml version="1.0" encoding="utf-8"?>
+<p:sld xmlns:a="http://schemas.openxmlformats.org/drawingml/2006/main" xmlns:r="http://schemas.openxmlformats.org/officeDocument/2006/relationships" xmlns:p="http://schemas.openxmlformats.org/presentationml/2006/main">
+  <p:cSld>
+    <p:spTree>
+      <p:nvGrpSpPr>
+        <p:cNvPr id="1" name=""/>
+        <p:cNvGrpSpPr/>
+        <p:nvPr/>
+      </p:nvGrpSpPr>
+      <p:grpSpPr>
+        <a:xfrm>
+          <a:off x="0" y="0"/>
+          <a:ext cx="0" cy="0"/>
+          <a:chOff x="0" y="0"/>
+          <a:chExt cx="0" cy="0"/>
+        </a:xfrm>
+      </p:grpSpPr>
+      <p:sp>
+        <p:nvSpPr>
+          <p:cNvPr id="17410" name="Rectangle 2"/>
+          <p:cNvSpPr>
+            <a:spLocks noGrp="1" noChangeArrowheads="1"/>
+          </p:cNvSpPr>
+          <p:nvPr>
+            <p:ph type="title"/>
+          </p:nvPr>
+        </p:nvSpPr>
+        <p:spPr>
+          <a:xfrm>
+            <a:off x="685800" y="0"/>
+            <a:ext cx="7772400" cy="1143000"/>
+          </a:xfrm>
+        </p:spPr>
+        <p:txBody>
+          <a:bodyPr/>
+          <a:lstStyle/>
+          <a:p>
+            <a:r>
+              <a:rPr lang="de-DE" sz="3600" dirty="0">
+                <a:latin typeface="Candara" panose="020E0502030303020204" pitchFamily="34" charset="0"/>
+              </a:rPr>
+              <a:t>Resources and Environment</a:t>
+            </a:r>
+            <a:endParaRPr lang="en-GB" sz="3600" dirty="0">
+              <a:latin typeface="Candara" panose="020E0502030303020204" pitchFamily="34" charset="0"/>
+            </a:endParaRPr>
+          </a:p>
+        </p:txBody>
+      </p:sp>
+      <p:sp>
+        <p:nvSpPr>
+          <p:cNvPr id="17411" name="Rectangle 3"/>
+          <p:cNvSpPr>
+            <a:spLocks noGrp="1" noChangeArrowheads="1"/>
+          </p:cNvSpPr>
+          <p:nvPr>
+            <p:ph type="body" idx="1"/>
+          </p:nvPr>
+        </p:nvSpPr>
+        <p:spPr>
+          <a:xfrm>
+            <a:off x="685800" y="1066800"/>
+            <a:ext cx="7772400" cy="4114800"/>
+          </a:xfrm>
+        </p:spPr>
+        <p:txBody>
+          <a:bodyPr/>
+          <a:lstStyle/>
+          <a:p>
+            <a:pPr>
+              <a:lnSpc>
+                <a:spcPct val="90000"/>
+              </a:lnSpc>
+            </a:pPr>
+            <a:r>
+              <a:rPr lang="de-DE" sz="2800" dirty="0">
+                <a:latin typeface="Candara" panose="020E0502030303020204" pitchFamily="34" charset="0"/>
+              </a:rPr>
+              <a:t>Many natural resources are not bought and sold on markets</a:t>
+            </a:r>
+          </a:p>
+          <a:p>
+            <a:pPr lvl="1">
+              <a:lnSpc>
+                <a:spcPct val="90000"/>
+              </a:lnSpc>
+            </a:pPr>
+            <a:r>
+              <a:rPr lang="de-DE" sz="2400" dirty="0">
+                <a:latin typeface="Candara" panose="020E0502030303020204" pitchFamily="34" charset="0"/>
+              </a:rPr>
+              <a:t>Clean air, wilderness</a:t>
+            </a:r>
+          </a:p>
+          <a:p>
+            <a:pPr>
+              <a:lnSpc>
+                <a:spcPct val="90000"/>
+              </a:lnSpc>
+            </a:pPr>
+            <a:r>
+              <a:rPr lang="de-DE" sz="2800" dirty="0">
+                <a:latin typeface="Candara" panose="020E0502030303020204" pitchFamily="34" charset="0"/>
+              </a:rPr>
+              <a:t>Many resources are public goods ...</a:t>
+            </a:r>
+          </a:p>
+          <a:p>
+            <a:pPr lvl="1">
+              <a:lnSpc>
+                <a:spcPct val="90000"/>
+              </a:lnSpc>
+            </a:pPr>
+            <a:r>
+              <a:rPr lang="de-DE" sz="2400" dirty="0">
+                <a:latin typeface="Candara" panose="020E0502030303020204" pitchFamily="34" charset="0"/>
+              </a:rPr>
+              <a:t>Climate</a:t>
+            </a:r>
+          </a:p>
+          <a:p>
+            <a:pPr>
+              <a:lnSpc>
+                <a:spcPct val="90000"/>
+              </a:lnSpc>
+            </a:pPr>
+            <a:r>
+              <a:rPr lang="de-DE" sz="2800" dirty="0">
+                <a:latin typeface="Candara" panose="020E0502030303020204" pitchFamily="34" charset="0"/>
+              </a:rPr>
+              <a:t>... or open access</a:t>
+            </a:r>
+          </a:p>
+          <a:p>
+            <a:pPr lvl="1">
+              <a:lnSpc>
+                <a:spcPct val="90000"/>
+              </a:lnSpc>
+            </a:pPr>
+            <a:r>
+              <a:rPr lang="de-DE" sz="2400" dirty="0">
+                <a:latin typeface="Candara" panose="020E0502030303020204" pitchFamily="34" charset="0"/>
+              </a:rPr>
+              <a:t>Ocean fisheries</a:t>
+            </a:r>
+            <a:endParaRPr lang="en-GB" sz="2400" dirty="0">
+              <a:latin typeface="Candara" panose="020E0502030303020204" pitchFamily="34" charset="0"/>
+            </a:endParaRPr>
+          </a:p>
+          <a:p>
+            <a:pPr>
+              <a:lnSpc>
+                <a:spcPct val="90000"/>
+              </a:lnSpc>
+            </a:pPr>
+            <a:r>
+              <a:rPr lang="de-DE" sz="2800" dirty="0">
+                <a:latin typeface="Candara" panose="020E0502030303020204" pitchFamily="34" charset="0"/>
+              </a:rPr>
+              <a:t>Other resources are traded on imperfect markets</a:t>
+            </a:r>
+          </a:p>
+          <a:p>
+            <a:pPr lvl="1">
+              <a:lnSpc>
+                <a:spcPct val="90000"/>
+              </a:lnSpc>
+            </a:pPr>
+            <a:r>
+              <a:rPr lang="de-DE" sz="2400" dirty="0">
+                <a:latin typeface="Candara" panose="020E0502030303020204" pitchFamily="34" charset="0"/>
+              </a:rPr>
+              <a:t>Land, minerals, energy</a:t>
+            </a:r>
+          </a:p>
+          <a:p>
+            <a:pPr>
+              <a:lnSpc>
+                <a:spcPct val="90000"/>
+              </a:lnSpc>
+            </a:pPr>
+            <a:r>
+              <a:rPr lang="de-DE" sz="2800" dirty="0">
+                <a:latin typeface="Candara" panose="020E0502030303020204" pitchFamily="34" charset="0"/>
+              </a:rPr>
+              <a:t>Other environmental issues are externalities</a:t>
+            </a:r>
+            <a:endParaRPr lang="en-GB" sz="2800" dirty="0">
+              <a:latin typeface="Candara" panose="020E0502030303020204" pitchFamily="34" charset="0"/>
+            </a:endParaRPr>
+          </a:p>
+        </p:txBody>
+      </p:sp>
+    </p:spTree>
   </p:cSld>
   <p:clrMapOvr>
     <a:masterClrMapping/>
@@ -8522,207 +8584,6 @@
 </file>
 
 <file path=ppt/slides/slide18.xml><?xml version="1.0" encoding="utf-8"?>
-<p:sld xmlns:a="http://schemas.openxmlformats.org/drawingml/2006/main" xmlns:r="http://schemas.openxmlformats.org/officeDocument/2006/relationships" xmlns:p="http://schemas.openxmlformats.org/presentationml/2006/main">
-  <p:cSld>
-    <p:spTree>
-      <p:nvGrpSpPr>
-        <p:cNvPr id="1" name=""/>
-        <p:cNvGrpSpPr/>
-        <p:nvPr/>
-      </p:nvGrpSpPr>
-      <p:grpSpPr>
-        <a:xfrm>
-          <a:off x="0" y="0"/>
-          <a:ext cx="0" cy="0"/>
-          <a:chOff x="0" y="0"/>
-          <a:chExt cx="0" cy="0"/>
-        </a:xfrm>
-      </p:grpSpPr>
-      <p:sp>
-        <p:nvSpPr>
-          <p:cNvPr id="17410" name="Rectangle 2"/>
-          <p:cNvSpPr>
-            <a:spLocks noGrp="1" noChangeArrowheads="1"/>
-          </p:cNvSpPr>
-          <p:nvPr>
-            <p:ph type="title"/>
-          </p:nvPr>
-        </p:nvSpPr>
-        <p:spPr>
-          <a:xfrm>
-            <a:off x="685800" y="0"/>
-            <a:ext cx="7772400" cy="1143000"/>
-          </a:xfrm>
-        </p:spPr>
-        <p:txBody>
-          <a:bodyPr/>
-          <a:lstStyle/>
-          <a:p>
-            <a:r>
-              <a:rPr lang="de-DE" sz="3600" dirty="0">
-                <a:latin typeface="Candara" panose="020E0502030303020204" pitchFamily="34" charset="0"/>
-              </a:rPr>
-              <a:t>Resources and Environment</a:t>
-            </a:r>
-            <a:endParaRPr lang="en-GB" sz="3600" dirty="0">
-              <a:latin typeface="Candara" panose="020E0502030303020204" pitchFamily="34" charset="0"/>
-            </a:endParaRPr>
-          </a:p>
-        </p:txBody>
-      </p:sp>
-      <p:sp>
-        <p:nvSpPr>
-          <p:cNvPr id="17411" name="Rectangle 3"/>
-          <p:cNvSpPr>
-            <a:spLocks noGrp="1" noChangeArrowheads="1"/>
-          </p:cNvSpPr>
-          <p:nvPr>
-            <p:ph type="body" idx="1"/>
-          </p:nvPr>
-        </p:nvSpPr>
-        <p:spPr>
-          <a:xfrm>
-            <a:off x="685800" y="1066800"/>
-            <a:ext cx="7772400" cy="4114800"/>
-          </a:xfrm>
-        </p:spPr>
-        <p:txBody>
-          <a:bodyPr/>
-          <a:lstStyle/>
-          <a:p>
-            <a:pPr>
-              <a:lnSpc>
-                <a:spcPct val="90000"/>
-              </a:lnSpc>
-            </a:pPr>
-            <a:r>
-              <a:rPr lang="de-DE" sz="2800" dirty="0">
-                <a:latin typeface="Candara" panose="020E0502030303020204" pitchFamily="34" charset="0"/>
-              </a:rPr>
-              <a:t>Many natural resources are not bought and sold on markets</a:t>
-            </a:r>
-          </a:p>
-          <a:p>
-            <a:pPr lvl="1">
-              <a:lnSpc>
-                <a:spcPct val="90000"/>
-              </a:lnSpc>
-            </a:pPr>
-            <a:r>
-              <a:rPr lang="de-DE" sz="2400" dirty="0">
-                <a:latin typeface="Candara" panose="020E0502030303020204" pitchFamily="34" charset="0"/>
-              </a:rPr>
-              <a:t>Clean air, wilderness</a:t>
-            </a:r>
-          </a:p>
-          <a:p>
-            <a:pPr>
-              <a:lnSpc>
-                <a:spcPct val="90000"/>
-              </a:lnSpc>
-            </a:pPr>
-            <a:r>
-              <a:rPr lang="de-DE" sz="2800" dirty="0">
-                <a:latin typeface="Candara" panose="020E0502030303020204" pitchFamily="34" charset="0"/>
-              </a:rPr>
-              <a:t>Many resources are public goods ...</a:t>
-            </a:r>
-          </a:p>
-          <a:p>
-            <a:pPr lvl="1">
-              <a:lnSpc>
-                <a:spcPct val="90000"/>
-              </a:lnSpc>
-            </a:pPr>
-            <a:r>
-              <a:rPr lang="de-DE" sz="2400" dirty="0">
-                <a:latin typeface="Candara" panose="020E0502030303020204" pitchFamily="34" charset="0"/>
-              </a:rPr>
-              <a:t>Climate</a:t>
-            </a:r>
-          </a:p>
-          <a:p>
-            <a:pPr>
-              <a:lnSpc>
-                <a:spcPct val="90000"/>
-              </a:lnSpc>
-            </a:pPr>
-            <a:r>
-              <a:rPr lang="de-DE" sz="2800" dirty="0">
-                <a:latin typeface="Candara" panose="020E0502030303020204" pitchFamily="34" charset="0"/>
-              </a:rPr>
-              <a:t>... or open access</a:t>
-            </a:r>
-          </a:p>
-          <a:p>
-            <a:pPr lvl="1">
-              <a:lnSpc>
-                <a:spcPct val="90000"/>
-              </a:lnSpc>
-            </a:pPr>
-            <a:r>
-              <a:rPr lang="de-DE" sz="2400" dirty="0">
-                <a:latin typeface="Candara" panose="020E0502030303020204" pitchFamily="34" charset="0"/>
-              </a:rPr>
-              <a:t>Ocean fisheries</a:t>
-            </a:r>
-            <a:endParaRPr lang="en-GB" sz="2400" dirty="0">
-              <a:latin typeface="Candara" panose="020E0502030303020204" pitchFamily="34" charset="0"/>
-            </a:endParaRPr>
-          </a:p>
-          <a:p>
-            <a:pPr>
-              <a:lnSpc>
-                <a:spcPct val="90000"/>
-              </a:lnSpc>
-            </a:pPr>
-            <a:r>
-              <a:rPr lang="de-DE" sz="2800" dirty="0">
-                <a:latin typeface="Candara" panose="020E0502030303020204" pitchFamily="34" charset="0"/>
-              </a:rPr>
-              <a:t>Other resources are traded on imperfect markets</a:t>
-            </a:r>
-          </a:p>
-          <a:p>
-            <a:pPr lvl="1">
-              <a:lnSpc>
-                <a:spcPct val="90000"/>
-              </a:lnSpc>
-            </a:pPr>
-            <a:r>
-              <a:rPr lang="de-DE" sz="2400" dirty="0">
-                <a:latin typeface="Candara" panose="020E0502030303020204" pitchFamily="34" charset="0"/>
-              </a:rPr>
-              <a:t>Land, minerals, energy</a:t>
-            </a:r>
-          </a:p>
-          <a:p>
-            <a:pPr>
-              <a:lnSpc>
-                <a:spcPct val="90000"/>
-              </a:lnSpc>
-            </a:pPr>
-            <a:r>
-              <a:rPr lang="de-DE" sz="2800" dirty="0">
-                <a:latin typeface="Candara" panose="020E0502030303020204" pitchFamily="34" charset="0"/>
-              </a:rPr>
-              <a:t>Other environmental issues are externalities</a:t>
-            </a:r>
-            <a:endParaRPr lang="en-GB" sz="2800" dirty="0">
-              <a:latin typeface="Candara" panose="020E0502030303020204" pitchFamily="34" charset="0"/>
-            </a:endParaRPr>
-          </a:p>
-        </p:txBody>
-      </p:sp>
-    </p:spTree>
-  </p:cSld>
-  <p:clrMapOvr>
-    <a:masterClrMapping/>
-  </p:clrMapOvr>
-</p:sld>
-</file>
-
-<file path=ppt/slides/slide19.xml><?xml version="1.0" encoding="utf-8"?>
 <p:sld xmlns:a="http://schemas.openxmlformats.org/drawingml/2006/main" xmlns:r="http://schemas.openxmlformats.org/officeDocument/2006/relationships" xmlns:p="http://schemas.openxmlformats.org/presentationml/2006/main">
   <p:cSld>
     <p:spTree>
@@ -8885,188 +8746,7 @@
 </p:sld>
 </file>
 
-<file path=ppt/slides/slide2.xml><?xml version="1.0" encoding="utf-8"?>
-<p:sld xmlns:a="http://schemas.openxmlformats.org/drawingml/2006/main" xmlns:r="http://schemas.openxmlformats.org/officeDocument/2006/relationships" xmlns:p="http://schemas.openxmlformats.org/presentationml/2006/main">
-  <p:cSld>
-    <p:spTree>
-      <p:nvGrpSpPr>
-        <p:cNvPr id="1" name=""/>
-        <p:cNvGrpSpPr/>
-        <p:nvPr/>
-      </p:nvGrpSpPr>
-      <p:grpSpPr>
-        <a:xfrm>
-          <a:off x="0" y="0"/>
-          <a:ext cx="0" cy="0"/>
-          <a:chOff x="0" y="0"/>
-          <a:chExt cx="0" cy="0"/>
-        </a:xfrm>
-      </p:grpSpPr>
-      <p:sp>
-        <p:nvSpPr>
-          <p:cNvPr id="4099" name="Content Placeholder 2"/>
-          <p:cNvSpPr>
-            <a:spLocks noGrp="1"/>
-          </p:cNvSpPr>
-          <p:nvPr>
-            <p:ph idx="1"/>
-          </p:nvPr>
-        </p:nvSpPr>
-        <p:spPr>
-          <a:xfrm>
-            <a:off x="457200" y="304800"/>
-            <a:ext cx="8229600" cy="5211763"/>
-          </a:xfrm>
-        </p:spPr>
-        <p:txBody>
-          <a:bodyPr/>
-          <a:lstStyle/>
-          <a:p>
-            <a:pPr eaLnBrk="1" hangingPunct="1">
-              <a:buNone/>
-            </a:pPr>
-            <a:r>
-              <a:rPr lang="en-US" sz="2800" dirty="0">
-                <a:latin typeface="Candara" panose="020E0502030303020204" pitchFamily="34" charset="0"/>
-              </a:rPr>
-              <a:t>0 Introduction</a:t>
-            </a:r>
-          </a:p>
-          <a:p>
-            <a:pPr eaLnBrk="1" hangingPunct="1">
-              <a:buNone/>
-            </a:pPr>
-            <a:r>
-              <a:rPr lang="en-US" sz="2800" dirty="0">
-                <a:latin typeface="Candara" panose="020E0502030303020204" pitchFamily="34" charset="0"/>
-              </a:rPr>
-              <a:t>1 Social choice</a:t>
-            </a:r>
-          </a:p>
-          <a:p>
-            <a:pPr eaLnBrk="1" hangingPunct="1">
-              <a:buNone/>
-            </a:pPr>
-            <a:r>
-              <a:rPr lang="en-US" sz="3600" b="1" dirty="0">
-                <a:latin typeface="Candara" panose="020E0502030303020204" pitchFamily="34" charset="0"/>
-              </a:rPr>
-              <a:t>2 Externalities and public goods</a:t>
-            </a:r>
-          </a:p>
-          <a:p>
-            <a:pPr eaLnBrk="1" hangingPunct="1">
-              <a:buNone/>
-            </a:pPr>
-            <a:r>
-              <a:rPr lang="en-US" sz="2800" dirty="0">
-                <a:latin typeface="Candara" panose="020E0502030303020204" pitchFamily="34" charset="0"/>
-              </a:rPr>
-              <a:t>3 Decision analysis</a:t>
-            </a:r>
-          </a:p>
-          <a:p>
-            <a:pPr eaLnBrk="1" hangingPunct="1">
-              <a:buNone/>
-            </a:pPr>
-            <a:r>
-              <a:rPr lang="en-US" sz="2800" dirty="0">
-                <a:latin typeface="Candara" panose="020E0502030303020204" pitchFamily="34" charset="0"/>
-              </a:rPr>
-              <a:t>4 Valuation: Aims and purpose</a:t>
-            </a:r>
-          </a:p>
-          <a:p>
-            <a:pPr eaLnBrk="1" hangingPunct="1">
-              <a:buNone/>
-            </a:pPr>
-            <a:r>
-              <a:rPr lang="en-US" sz="2800" dirty="0">
-                <a:latin typeface="Candara" panose="020E0502030303020204" pitchFamily="34" charset="0"/>
-              </a:rPr>
-              <a:t>5 Valuation: Revealed preferences</a:t>
-            </a:r>
-          </a:p>
-          <a:p>
-            <a:pPr eaLnBrk="1" hangingPunct="1">
-              <a:buNone/>
-            </a:pPr>
-            <a:r>
-              <a:rPr lang="en-US" sz="2800" dirty="0">
-                <a:latin typeface="Candara" panose="020E0502030303020204" pitchFamily="34" charset="0"/>
-              </a:rPr>
-              <a:t>6 Valuation: Stated preferences</a:t>
-            </a:r>
-          </a:p>
-          <a:p>
-            <a:pPr eaLnBrk="1" hangingPunct="1">
-              <a:buNone/>
-            </a:pPr>
-            <a:r>
-              <a:rPr lang="en-US" sz="2800" dirty="0">
-                <a:latin typeface="Candara" panose="020E0502030303020204" pitchFamily="34" charset="0"/>
-              </a:rPr>
-              <a:t>7 Direct regulation</a:t>
-            </a:r>
-          </a:p>
-          <a:p>
-            <a:pPr eaLnBrk="1" hangingPunct="1">
-              <a:buNone/>
-            </a:pPr>
-            <a:r>
-              <a:rPr lang="en-US" sz="2800" dirty="0">
-                <a:latin typeface="Candara" panose="020E0502030303020204" pitchFamily="34" charset="0"/>
-              </a:rPr>
-              <a:t>8 Market-based instruments</a:t>
-            </a:r>
-          </a:p>
-          <a:p>
-            <a:pPr eaLnBrk="1" hangingPunct="1">
-              <a:buNone/>
-            </a:pPr>
-            <a:r>
-              <a:rPr lang="en-US" sz="2800">
-                <a:latin typeface="Candara" panose="020E0502030303020204" pitchFamily="34" charset="0"/>
-              </a:rPr>
-              <a:t>9 Complications with instruments</a:t>
-            </a:r>
-            <a:endParaRPr lang="en-US" sz="2800" dirty="0">
-              <a:latin typeface="Candara" panose="020E0502030303020204" pitchFamily="34" charset="0"/>
-            </a:endParaRPr>
-          </a:p>
-          <a:p>
-            <a:pPr eaLnBrk="1" hangingPunct="1">
-              <a:buNone/>
-            </a:pPr>
-            <a:r>
-              <a:rPr lang="en-US" sz="2800" dirty="0">
-                <a:latin typeface="Candara" panose="020E0502030303020204" pitchFamily="34" charset="0"/>
-              </a:rPr>
-              <a:t>10 Growth and the environment</a:t>
-            </a:r>
-          </a:p>
-          <a:p>
-            <a:pPr eaLnBrk="1" hangingPunct="1">
-              <a:buNone/>
-            </a:pPr>
-            <a:r>
-              <a:rPr lang="en-US" sz="2800" dirty="0">
-                <a:latin typeface="Candara" panose="020E0502030303020204" pitchFamily="34" charset="0"/>
-              </a:rPr>
-              <a:t>11 Green accounting</a:t>
-            </a:r>
-          </a:p>
-        </p:txBody>
-      </p:sp>
-    </p:spTree>
-  </p:cSld>
-  <p:clrMapOvr>
-    <a:masterClrMapping/>
-  </p:clrMapOvr>
-</p:sld>
-</file>
-
-<file path=ppt/slides/slide20.xml><?xml version="1.0" encoding="utf-8"?>
+<file path=ppt/slides/slide19.xml><?xml version="1.0" encoding="utf-8"?>
 <p:sld xmlns:a="http://schemas.openxmlformats.org/drawingml/2006/main" xmlns:r="http://schemas.openxmlformats.org/officeDocument/2006/relationships" xmlns:p="http://schemas.openxmlformats.org/presentationml/2006/main">
   <p:cSld>
     <p:spTree>
@@ -10714,7 +10394,188 @@
 </p:sld>
 </file>
 
-<file path=ppt/slides/slide21.xml><?xml version="1.0" encoding="utf-8"?>
+<file path=ppt/slides/slide2.xml><?xml version="1.0" encoding="utf-8"?>
+<p:sld xmlns:a="http://schemas.openxmlformats.org/drawingml/2006/main" xmlns:r="http://schemas.openxmlformats.org/officeDocument/2006/relationships" xmlns:p="http://schemas.openxmlformats.org/presentationml/2006/main">
+  <p:cSld>
+    <p:spTree>
+      <p:nvGrpSpPr>
+        <p:cNvPr id="1" name=""/>
+        <p:cNvGrpSpPr/>
+        <p:nvPr/>
+      </p:nvGrpSpPr>
+      <p:grpSpPr>
+        <a:xfrm>
+          <a:off x="0" y="0"/>
+          <a:ext cx="0" cy="0"/>
+          <a:chOff x="0" y="0"/>
+          <a:chExt cx="0" cy="0"/>
+        </a:xfrm>
+      </p:grpSpPr>
+      <p:sp>
+        <p:nvSpPr>
+          <p:cNvPr id="4099" name="Content Placeholder 2"/>
+          <p:cNvSpPr>
+            <a:spLocks noGrp="1"/>
+          </p:cNvSpPr>
+          <p:nvPr>
+            <p:ph idx="1"/>
+          </p:nvPr>
+        </p:nvSpPr>
+        <p:spPr>
+          <a:xfrm>
+            <a:off x="457200" y="304800"/>
+            <a:ext cx="8229600" cy="5211763"/>
+          </a:xfrm>
+        </p:spPr>
+        <p:txBody>
+          <a:bodyPr/>
+          <a:lstStyle/>
+          <a:p>
+            <a:pPr eaLnBrk="1" hangingPunct="1">
+              <a:buNone/>
+            </a:pPr>
+            <a:r>
+              <a:rPr lang="en-US" sz="2800" dirty="0">
+                <a:latin typeface="Candara" panose="020E0502030303020204" pitchFamily="34" charset="0"/>
+              </a:rPr>
+              <a:t>0 Introduction</a:t>
+            </a:r>
+          </a:p>
+          <a:p>
+            <a:pPr eaLnBrk="1" hangingPunct="1">
+              <a:buNone/>
+            </a:pPr>
+            <a:r>
+              <a:rPr lang="en-US" sz="2800" dirty="0">
+                <a:latin typeface="Candara" panose="020E0502030303020204" pitchFamily="34" charset="0"/>
+              </a:rPr>
+              <a:t>1 Social choice</a:t>
+            </a:r>
+          </a:p>
+          <a:p>
+            <a:pPr eaLnBrk="1" hangingPunct="1">
+              <a:buNone/>
+            </a:pPr>
+            <a:r>
+              <a:rPr lang="en-US" sz="3600" b="1" dirty="0">
+                <a:latin typeface="Candara" panose="020E0502030303020204" pitchFamily="34" charset="0"/>
+              </a:rPr>
+              <a:t>2 Externalities and public goods</a:t>
+            </a:r>
+          </a:p>
+          <a:p>
+            <a:pPr eaLnBrk="1" hangingPunct="1">
+              <a:buNone/>
+            </a:pPr>
+            <a:r>
+              <a:rPr lang="en-US" sz="2800" dirty="0">
+                <a:latin typeface="Candara" panose="020E0502030303020204" pitchFamily="34" charset="0"/>
+              </a:rPr>
+              <a:t>3 Decision analysis</a:t>
+            </a:r>
+          </a:p>
+          <a:p>
+            <a:pPr eaLnBrk="1" hangingPunct="1">
+              <a:buNone/>
+            </a:pPr>
+            <a:r>
+              <a:rPr lang="en-US" sz="2800" dirty="0">
+                <a:latin typeface="Candara" panose="020E0502030303020204" pitchFamily="34" charset="0"/>
+              </a:rPr>
+              <a:t>4 Valuation: Aims and purpose</a:t>
+            </a:r>
+          </a:p>
+          <a:p>
+            <a:pPr eaLnBrk="1" hangingPunct="1">
+              <a:buNone/>
+            </a:pPr>
+            <a:r>
+              <a:rPr lang="en-US" sz="2800" dirty="0">
+                <a:latin typeface="Candara" panose="020E0502030303020204" pitchFamily="34" charset="0"/>
+              </a:rPr>
+              <a:t>5 Valuation: Revealed preferences</a:t>
+            </a:r>
+          </a:p>
+          <a:p>
+            <a:pPr eaLnBrk="1" hangingPunct="1">
+              <a:buNone/>
+            </a:pPr>
+            <a:r>
+              <a:rPr lang="en-US" sz="2800" dirty="0">
+                <a:latin typeface="Candara" panose="020E0502030303020204" pitchFamily="34" charset="0"/>
+              </a:rPr>
+              <a:t>6 Valuation: Stated preferences</a:t>
+            </a:r>
+          </a:p>
+          <a:p>
+            <a:pPr eaLnBrk="1" hangingPunct="1">
+              <a:buNone/>
+            </a:pPr>
+            <a:r>
+              <a:rPr lang="en-US" sz="2800" dirty="0">
+                <a:latin typeface="Candara" panose="020E0502030303020204" pitchFamily="34" charset="0"/>
+              </a:rPr>
+              <a:t>7 Direct regulation</a:t>
+            </a:r>
+          </a:p>
+          <a:p>
+            <a:pPr eaLnBrk="1" hangingPunct="1">
+              <a:buNone/>
+            </a:pPr>
+            <a:r>
+              <a:rPr lang="en-US" sz="2800" dirty="0">
+                <a:latin typeface="Candara" panose="020E0502030303020204" pitchFamily="34" charset="0"/>
+              </a:rPr>
+              <a:t>8 Market-based instruments</a:t>
+            </a:r>
+          </a:p>
+          <a:p>
+            <a:pPr eaLnBrk="1" hangingPunct="1">
+              <a:buNone/>
+            </a:pPr>
+            <a:r>
+              <a:rPr lang="en-US" sz="2800">
+                <a:latin typeface="Candara" panose="020E0502030303020204" pitchFamily="34" charset="0"/>
+              </a:rPr>
+              <a:t>9 Complications with instruments</a:t>
+            </a:r>
+            <a:endParaRPr lang="en-US" sz="2800" dirty="0">
+              <a:latin typeface="Candara" panose="020E0502030303020204" pitchFamily="34" charset="0"/>
+            </a:endParaRPr>
+          </a:p>
+          <a:p>
+            <a:pPr eaLnBrk="1" hangingPunct="1">
+              <a:buNone/>
+            </a:pPr>
+            <a:r>
+              <a:rPr lang="en-US" sz="2800" dirty="0">
+                <a:latin typeface="Candara" panose="020E0502030303020204" pitchFamily="34" charset="0"/>
+              </a:rPr>
+              <a:t>10 Growth and the environment</a:t>
+            </a:r>
+          </a:p>
+          <a:p>
+            <a:pPr eaLnBrk="1" hangingPunct="1">
+              <a:buNone/>
+            </a:pPr>
+            <a:r>
+              <a:rPr lang="en-US" sz="2800" dirty="0">
+                <a:latin typeface="Candara" panose="020E0502030303020204" pitchFamily="34" charset="0"/>
+              </a:rPr>
+              <a:t>11 Green accounting</a:t>
+            </a:r>
+          </a:p>
+        </p:txBody>
+      </p:sp>
+    </p:spTree>
+  </p:cSld>
+  <p:clrMapOvr>
+    <a:masterClrMapping/>
+  </p:clrMapOvr>
+</p:sld>
+</file>
+
+<file path=ppt/slides/slide20.xml><?xml version="1.0" encoding="utf-8"?>
 <p:sld xmlns:a="http://schemas.openxmlformats.org/drawingml/2006/main" xmlns:r="http://schemas.openxmlformats.org/officeDocument/2006/relationships" xmlns:p="http://schemas.openxmlformats.org/presentationml/2006/main">
   <p:cSld>
     <p:spTree>
@@ -12196,7 +12057,7 @@
 </p:sld>
 </file>
 
-<file path=ppt/slides/slide22.xml><?xml version="1.0" encoding="utf-8"?>
+<file path=ppt/slides/slide21.xml><?xml version="1.0" encoding="utf-8"?>
 <p:sld xmlns:a="http://schemas.openxmlformats.org/drawingml/2006/main" xmlns:r="http://schemas.openxmlformats.org/officeDocument/2006/relationships" xmlns:p="http://schemas.openxmlformats.org/presentationml/2006/main">
   <p:cSld>
     <p:spTree>
@@ -13881,7 +13742,7 @@
 </p:sld>
 </file>
 
-<file path=ppt/slides/slide23.xml><?xml version="1.0" encoding="utf-8"?>
+<file path=ppt/slides/slide22.xml><?xml version="1.0" encoding="utf-8"?>
 <p:sld xmlns:a="http://schemas.openxmlformats.org/drawingml/2006/main" xmlns:r="http://schemas.openxmlformats.org/officeDocument/2006/relationships" xmlns:p="http://schemas.openxmlformats.org/presentationml/2006/main">
   <p:cSld>
     <p:spTree>
@@ -16111,7 +15972,7 @@
 </p:sld>
 </file>
 
-<file path=ppt/slides/slide24.xml><?xml version="1.0" encoding="utf-8"?>
+<file path=ppt/slides/slide23.xml><?xml version="1.0" encoding="utf-8"?>
 <p:sld xmlns:a="http://schemas.openxmlformats.org/drawingml/2006/main" xmlns:r="http://schemas.openxmlformats.org/officeDocument/2006/relationships" xmlns:p="http://schemas.openxmlformats.org/presentationml/2006/main">
   <p:cSld>
     <p:spTree>
@@ -16287,7 +16148,7 @@
 </p:sld>
 </file>
 
-<file path=ppt/slides/slide25.xml><?xml version="1.0" encoding="utf-8"?>
+<file path=ppt/slides/slide24.xml><?xml version="1.0" encoding="utf-8"?>
 <p:sld xmlns:a="http://schemas.openxmlformats.org/drawingml/2006/main" xmlns:r="http://schemas.openxmlformats.org/officeDocument/2006/relationships" xmlns:p="http://schemas.openxmlformats.org/presentationml/2006/main">
   <p:cSld>
     <p:spTree>
@@ -16382,7 +16243,7 @@
 </p:sld>
 </file>
 
-<file path=ppt/slides/slide26.xml><?xml version="1.0" encoding="utf-8"?>
+<file path=ppt/slides/slide25.xml><?xml version="1.0" encoding="utf-8"?>
 <p:sld xmlns:a="http://schemas.openxmlformats.org/drawingml/2006/main" xmlns:r="http://schemas.openxmlformats.org/officeDocument/2006/relationships" xmlns:p="http://schemas.openxmlformats.org/presentationml/2006/main">
   <p:cSld>
     <p:spTree>
@@ -16582,7 +16443,7 @@
 </p:sld>
 </file>
 
-<file path=ppt/slides/slide27.xml><?xml version="1.0" encoding="utf-8"?>
+<file path=ppt/slides/slide26.xml><?xml version="1.0" encoding="utf-8"?>
 <p:sld xmlns:a="http://schemas.openxmlformats.org/drawingml/2006/main" xmlns:r="http://schemas.openxmlformats.org/officeDocument/2006/relationships" xmlns:p="http://schemas.openxmlformats.org/presentationml/2006/main">
   <p:cSld>
     <p:spTree>
@@ -16811,7 +16672,7 @@
 </p:sld>
 </file>
 
-<file path=ppt/slides/slide28.xml><?xml version="1.0" encoding="utf-8"?>
+<file path=ppt/slides/slide27.xml><?xml version="1.0" encoding="utf-8"?>
 <p:sld xmlns:a="http://schemas.openxmlformats.org/drawingml/2006/main" xmlns:r="http://schemas.openxmlformats.org/officeDocument/2006/relationships" xmlns:p="http://schemas.openxmlformats.org/presentationml/2006/main">
   <p:cSld>
     <p:spTree>
@@ -16954,7 +16815,7 @@
 </p:sld>
 </file>
 
-<file path=ppt/slides/slide29.xml><?xml version="1.0" encoding="utf-8"?>
+<file path=ppt/slides/slide28.xml><?xml version="1.0" encoding="utf-8"?>
 <p:sld xmlns:a="http://schemas.openxmlformats.org/drawingml/2006/main" xmlns:r="http://schemas.openxmlformats.org/officeDocument/2006/relationships" xmlns:p="http://schemas.openxmlformats.org/presentationml/2006/main">
   <p:cSld>
     <p:spTree>
@@ -17751,6 +17612,167 @@
 </p:sld>
 </file>
 
+<file path=ppt/slides/slide29.xml><?xml version="1.0" encoding="utf-8"?>
+<p:sld xmlns:a="http://schemas.openxmlformats.org/drawingml/2006/main" xmlns:r="http://schemas.openxmlformats.org/officeDocument/2006/relationships" xmlns:p="http://schemas.openxmlformats.org/presentationml/2006/main">
+  <p:cSld>
+    <p:spTree>
+      <p:nvGrpSpPr>
+        <p:cNvPr id="1" name=""/>
+        <p:cNvGrpSpPr/>
+        <p:nvPr/>
+      </p:nvGrpSpPr>
+      <p:grpSpPr>
+        <a:xfrm>
+          <a:off x="0" y="0"/>
+          <a:ext cx="0" cy="0"/>
+          <a:chOff x="0" y="0"/>
+          <a:chExt cx="0" cy="0"/>
+        </a:xfrm>
+      </p:grpSpPr>
+      <p:sp>
+        <p:nvSpPr>
+          <p:cNvPr id="20482" name="Rectangle 2"/>
+          <p:cNvSpPr>
+            <a:spLocks noGrp="1" noChangeArrowheads="1"/>
+          </p:cNvSpPr>
+          <p:nvPr>
+            <p:ph type="title"/>
+          </p:nvPr>
+        </p:nvSpPr>
+        <p:spPr>
+          <a:xfrm>
+            <a:off x="685800" y="0"/>
+            <a:ext cx="7772400" cy="1143000"/>
+          </a:xfrm>
+        </p:spPr>
+        <p:txBody>
+          <a:bodyPr/>
+          <a:lstStyle/>
+          <a:p>
+            <a:r>
+              <a:rPr lang="de-DE" sz="3600" dirty="0">
+                <a:latin typeface="Candara" panose="020E0502030303020204" pitchFamily="34" charset="0"/>
+              </a:rPr>
+              <a:t>Public Goods</a:t>
+            </a:r>
+            <a:endParaRPr lang="en-GB" sz="3600" dirty="0">
+              <a:latin typeface="Candara" panose="020E0502030303020204" pitchFamily="34" charset="0"/>
+            </a:endParaRPr>
+          </a:p>
+        </p:txBody>
+      </p:sp>
+      <p:sp>
+        <p:nvSpPr>
+          <p:cNvPr id="20483" name="Rectangle 3"/>
+          <p:cNvSpPr>
+            <a:spLocks noGrp="1" noChangeArrowheads="1"/>
+          </p:cNvSpPr>
+          <p:nvPr>
+            <p:ph type="body" idx="1"/>
+          </p:nvPr>
+        </p:nvSpPr>
+        <p:spPr>
+          <a:xfrm>
+            <a:off x="685800" y="1066800"/>
+            <a:ext cx="7772400" cy="4114800"/>
+          </a:xfrm>
+        </p:spPr>
+        <p:txBody>
+          <a:bodyPr/>
+          <a:lstStyle/>
+          <a:p>
+            <a:pPr>
+              <a:lnSpc>
+                <a:spcPct val="90000"/>
+              </a:lnSpc>
+            </a:pPr>
+            <a:r>
+              <a:rPr lang="de-DE" sz="2800" dirty="0">
+                <a:latin typeface="Candara" panose="020E0502030303020204" pitchFamily="34" charset="0"/>
+              </a:rPr>
+              <a:t>Underprovision</a:t>
+            </a:r>
+          </a:p>
+          <a:p>
+            <a:pPr lvl="1">
+              <a:lnSpc>
+                <a:spcPct val="90000"/>
+              </a:lnSpc>
+            </a:pPr>
+            <a:r>
+              <a:rPr lang="de-DE" sz="2400" dirty="0">
+                <a:latin typeface="Candara" panose="020E0502030303020204" pitchFamily="34" charset="0"/>
+              </a:rPr>
+              <a:t>The provider gets only a fraction of the benefits of her investment, the rest going to others, and therefore invests less</a:t>
+            </a:r>
+          </a:p>
+          <a:p>
+            <a:pPr lvl="1">
+              <a:lnSpc>
+                <a:spcPct val="90000"/>
+              </a:lnSpc>
+            </a:pPr>
+            <a:r>
+              <a:rPr lang="de-DE" sz="2400" dirty="0">
+                <a:latin typeface="Candara" panose="020E0502030303020204" pitchFamily="34" charset="0"/>
+              </a:rPr>
+              <a:t>A social planner counts the total benefit and thus invests more</a:t>
+            </a:r>
+          </a:p>
+          <a:p>
+            <a:pPr>
+              <a:lnSpc>
+                <a:spcPct val="90000"/>
+              </a:lnSpc>
+            </a:pPr>
+            <a:r>
+              <a:rPr lang="de-DE" sz="2800" dirty="0">
+                <a:latin typeface="Candara" panose="020E0502030303020204" pitchFamily="34" charset="0"/>
+              </a:rPr>
+              <a:t>Overconsumption</a:t>
+            </a:r>
+          </a:p>
+          <a:p>
+            <a:pPr lvl="1">
+              <a:lnSpc>
+                <a:spcPct val="90000"/>
+              </a:lnSpc>
+            </a:pPr>
+            <a:r>
+              <a:rPr lang="de-DE" sz="2400" dirty="0">
+                <a:latin typeface="Candara" panose="020E0502030303020204" pitchFamily="34" charset="0"/>
+              </a:rPr>
+              <a:t>The consumer feels only a fraction of the losses imposed by her decisions, the rest being felt by others, and therefore consumes more</a:t>
+            </a:r>
+          </a:p>
+          <a:p>
+            <a:pPr lvl="1">
+              <a:lnSpc>
+                <a:spcPct val="90000"/>
+              </a:lnSpc>
+            </a:pPr>
+            <a:r>
+              <a:rPr lang="de-DE" sz="2400" dirty="0">
+                <a:latin typeface="Candara" panose="020E0502030303020204" pitchFamily="34" charset="0"/>
+              </a:rPr>
+              <a:t>A social planner counts the total cost and thus consume less</a:t>
+            </a:r>
+          </a:p>
+        </p:txBody>
+      </p:sp>
+    </p:spTree>
+    <p:extLst>
+      <p:ext uri="{BB962C8B-B14F-4D97-AF65-F5344CB8AC3E}">
+        <p14:creationId xmlns:p14="http://schemas.microsoft.com/office/powerpoint/2010/main" val="2780503917"/>
+      </p:ext>
+    </p:extLst>
+  </p:cSld>
+  <p:clrMapOvr>
+    <a:masterClrMapping/>
+  </p:clrMapOvr>
+</p:sld>
+</file>
+
 <file path=ppt/slides/slide3.xml><?xml version="1.0" encoding="utf-8"?>
 <p:sld xmlns:a="http://schemas.openxmlformats.org/drawingml/2006/main" xmlns:r="http://schemas.openxmlformats.org/officeDocument/2006/relationships" xmlns:p="http://schemas.openxmlformats.org/presentationml/2006/main">
   <p:cSld>
@@ -17981,167 +18003,6 @@
 </file>
 
 <file path=ppt/slides/slide30.xml><?xml version="1.0" encoding="utf-8"?>
-<p:sld xmlns:a="http://schemas.openxmlformats.org/drawingml/2006/main" xmlns:r="http://schemas.openxmlformats.org/officeDocument/2006/relationships" xmlns:p="http://schemas.openxmlformats.org/presentationml/2006/main">
-  <p:cSld>
-    <p:spTree>
-      <p:nvGrpSpPr>
-        <p:cNvPr id="1" name=""/>
-        <p:cNvGrpSpPr/>
-        <p:nvPr/>
-      </p:nvGrpSpPr>
-      <p:grpSpPr>
-        <a:xfrm>
-          <a:off x="0" y="0"/>
-          <a:ext cx="0" cy="0"/>
-          <a:chOff x="0" y="0"/>
-          <a:chExt cx="0" cy="0"/>
-        </a:xfrm>
-      </p:grpSpPr>
-      <p:sp>
-        <p:nvSpPr>
-          <p:cNvPr id="20482" name="Rectangle 2"/>
-          <p:cNvSpPr>
-            <a:spLocks noGrp="1" noChangeArrowheads="1"/>
-          </p:cNvSpPr>
-          <p:nvPr>
-            <p:ph type="title"/>
-          </p:nvPr>
-        </p:nvSpPr>
-        <p:spPr>
-          <a:xfrm>
-            <a:off x="685800" y="0"/>
-            <a:ext cx="7772400" cy="1143000"/>
-          </a:xfrm>
-        </p:spPr>
-        <p:txBody>
-          <a:bodyPr/>
-          <a:lstStyle/>
-          <a:p>
-            <a:r>
-              <a:rPr lang="de-DE" sz="3600" dirty="0">
-                <a:latin typeface="Candara" panose="020E0502030303020204" pitchFamily="34" charset="0"/>
-              </a:rPr>
-              <a:t>Public Goods</a:t>
-            </a:r>
-            <a:endParaRPr lang="en-GB" sz="3600" dirty="0">
-              <a:latin typeface="Candara" panose="020E0502030303020204" pitchFamily="34" charset="0"/>
-            </a:endParaRPr>
-          </a:p>
-        </p:txBody>
-      </p:sp>
-      <p:sp>
-        <p:nvSpPr>
-          <p:cNvPr id="20483" name="Rectangle 3"/>
-          <p:cNvSpPr>
-            <a:spLocks noGrp="1" noChangeArrowheads="1"/>
-          </p:cNvSpPr>
-          <p:nvPr>
-            <p:ph type="body" idx="1"/>
-          </p:nvPr>
-        </p:nvSpPr>
-        <p:spPr>
-          <a:xfrm>
-            <a:off x="685800" y="1066800"/>
-            <a:ext cx="7772400" cy="4114800"/>
-          </a:xfrm>
-        </p:spPr>
-        <p:txBody>
-          <a:bodyPr/>
-          <a:lstStyle/>
-          <a:p>
-            <a:pPr>
-              <a:lnSpc>
-                <a:spcPct val="90000"/>
-              </a:lnSpc>
-            </a:pPr>
-            <a:r>
-              <a:rPr lang="de-DE" sz="2800" dirty="0">
-                <a:latin typeface="Candara" panose="020E0502030303020204" pitchFamily="34" charset="0"/>
-              </a:rPr>
-              <a:t>Underprovision</a:t>
-            </a:r>
-          </a:p>
-          <a:p>
-            <a:pPr lvl="1">
-              <a:lnSpc>
-                <a:spcPct val="90000"/>
-              </a:lnSpc>
-            </a:pPr>
-            <a:r>
-              <a:rPr lang="de-DE" sz="2400" dirty="0">
-                <a:latin typeface="Candara" panose="020E0502030303020204" pitchFamily="34" charset="0"/>
-              </a:rPr>
-              <a:t>The provider gets only a fraction of the benefits of her investment, the rest going to others, and therefore invests less</a:t>
-            </a:r>
-          </a:p>
-          <a:p>
-            <a:pPr lvl="1">
-              <a:lnSpc>
-                <a:spcPct val="90000"/>
-              </a:lnSpc>
-            </a:pPr>
-            <a:r>
-              <a:rPr lang="de-DE" sz="2400" dirty="0">
-                <a:latin typeface="Candara" panose="020E0502030303020204" pitchFamily="34" charset="0"/>
-              </a:rPr>
-              <a:t>A social planner counts the total benefit and thus invests more</a:t>
-            </a:r>
-          </a:p>
-          <a:p>
-            <a:pPr>
-              <a:lnSpc>
-                <a:spcPct val="90000"/>
-              </a:lnSpc>
-            </a:pPr>
-            <a:r>
-              <a:rPr lang="de-DE" sz="2800" dirty="0">
-                <a:latin typeface="Candara" panose="020E0502030303020204" pitchFamily="34" charset="0"/>
-              </a:rPr>
-              <a:t>Overconsumption</a:t>
-            </a:r>
-          </a:p>
-          <a:p>
-            <a:pPr lvl="1">
-              <a:lnSpc>
-                <a:spcPct val="90000"/>
-              </a:lnSpc>
-            </a:pPr>
-            <a:r>
-              <a:rPr lang="de-DE" sz="2400" dirty="0">
-                <a:latin typeface="Candara" panose="020E0502030303020204" pitchFamily="34" charset="0"/>
-              </a:rPr>
-              <a:t>The consumer feels only a fraction of the losses imposed by her decisions, the rest being felt by others, and therefore consumes more</a:t>
-            </a:r>
-          </a:p>
-          <a:p>
-            <a:pPr lvl="1">
-              <a:lnSpc>
-                <a:spcPct val="90000"/>
-              </a:lnSpc>
-            </a:pPr>
-            <a:r>
-              <a:rPr lang="de-DE" sz="2400" dirty="0">
-                <a:latin typeface="Candara" panose="020E0502030303020204" pitchFamily="34" charset="0"/>
-              </a:rPr>
-              <a:t>A social planner counts the total cost and thus consume less</a:t>
-            </a:r>
-          </a:p>
-        </p:txBody>
-      </p:sp>
-    </p:spTree>
-    <p:extLst>
-      <p:ext uri="{BB962C8B-B14F-4D97-AF65-F5344CB8AC3E}">
-        <p14:creationId xmlns:p14="http://schemas.microsoft.com/office/powerpoint/2010/main" val="2780503917"/>
-      </p:ext>
-    </p:extLst>
-  </p:cSld>
-  <p:clrMapOvr>
-    <a:masterClrMapping/>
-  </p:clrMapOvr>
-</p:sld>
-</file>
-
-<file path=ppt/slides/slide31.xml><?xml version="1.0" encoding="utf-8"?>
 <p:sld xmlns:a="http://schemas.openxmlformats.org/drawingml/2006/main" xmlns:r="http://schemas.openxmlformats.org/officeDocument/2006/relationships" xmlns:p="http://schemas.openxmlformats.org/presentationml/2006/main">
   <p:cSld>
     <p:spTree>
@@ -18470,7 +18331,7 @@
 </p:sld>
 </file>
 
-<file path=ppt/slides/slide32.xml><?xml version="1.0" encoding="utf-8"?>
+<file path=ppt/slides/slide31.xml><?xml version="1.0" encoding="utf-8"?>
 <p:sld xmlns:a="http://schemas.openxmlformats.org/drawingml/2006/main" xmlns:r="http://schemas.openxmlformats.org/officeDocument/2006/relationships" xmlns:p="http://schemas.openxmlformats.org/presentationml/2006/main">
   <p:cSld>
     <p:spTree>
@@ -18547,7 +18408,7 @@
 </p:sld>
 </file>
 
-<file path=ppt/slides/slide33.xml><?xml version="1.0" encoding="utf-8"?>
+<file path=ppt/slides/slide32.xml><?xml version="1.0" encoding="utf-8"?>
 <p:sld xmlns:a="http://schemas.openxmlformats.org/drawingml/2006/main" xmlns:r="http://schemas.openxmlformats.org/officeDocument/2006/relationships" xmlns:p="http://schemas.openxmlformats.org/presentationml/2006/main">
   <p:cSld>
     <p:spTree>
@@ -18903,7 +18764,7 @@
       </mc:AlternateContent>
       <p:pic>
         <p:nvPicPr>
-          <p:cNvPr id="4" name="Picture 3" descr="A person wearing a suit and tie looking at the camera&#10;&#10;Description automatically generated">
+          <p:cNvPr id="4" name="Picture 3" descr="Erik Lindahl">
             <a:extLst>
               <a:ext uri="{FF2B5EF4-FFF2-40B4-BE49-F238E27FC236}">
                 <a16:creationId xmlns:a16="http://schemas.microsoft.com/office/drawing/2014/main" id="{693FA553-F031-4FB4-BCC4-115B34F856A1}"/>
@@ -18950,7 +18811,7 @@
 </p:sld>
 </file>
 
-<file path=ppt/slides/slide34.xml><?xml version="1.0" encoding="utf-8"?>
+<file path=ppt/slides/slide33.xml><?xml version="1.0" encoding="utf-8"?>
 <p:sld xmlns:a="http://schemas.openxmlformats.org/drawingml/2006/main" xmlns:r="http://schemas.openxmlformats.org/officeDocument/2006/relationships" xmlns:p="http://schemas.openxmlformats.org/presentationml/2006/main">
   <p:cSld>
     <p:spTree>
@@ -19179,7 +19040,7 @@
 </p:sld>
 </file>
 
-<file path=ppt/slides/slide35.xml><?xml version="1.0" encoding="utf-8"?>
+<file path=ppt/slides/slide34.xml><?xml version="1.0" encoding="utf-8"?>
 <p:sld xmlns:a="http://schemas.openxmlformats.org/drawingml/2006/main" xmlns:r="http://schemas.openxmlformats.org/officeDocument/2006/relationships" xmlns:p="http://schemas.openxmlformats.org/presentationml/2006/main">
   <p:cSld>
     <p:spTree>
@@ -19591,7 +19452,7 @@
 </p:sld>
 </file>
 
-<file path=ppt/slides/slide36.xml><?xml version="1.0" encoding="utf-8"?>
+<file path=ppt/slides/slide35.xml><?xml version="1.0" encoding="utf-8"?>
 <p:sld xmlns:a="http://schemas.openxmlformats.org/drawingml/2006/main" xmlns:r="http://schemas.openxmlformats.org/officeDocument/2006/relationships" xmlns:p="http://schemas.openxmlformats.org/presentationml/2006/main">
   <p:cSld>
     <p:spTree>
@@ -20003,7 +19864,7 @@
 </p:sld>
 </file>
 
-<file path=ppt/slides/slide37.xml><?xml version="1.0" encoding="utf-8"?>
+<file path=ppt/slides/slide36.xml><?xml version="1.0" encoding="utf-8"?>
 <p:sld xmlns:a="http://schemas.openxmlformats.org/drawingml/2006/main" xmlns:r="http://schemas.openxmlformats.org/officeDocument/2006/relationships" xmlns:p="http://schemas.openxmlformats.org/presentationml/2006/main">
   <p:cSld>
     <p:spTree>
@@ -20415,7 +20276,7 @@
 </p:sld>
 </file>
 
-<file path=ppt/slides/slide38.xml><?xml version="1.0" encoding="utf-8"?>
+<file path=ppt/slides/slide37.xml><?xml version="1.0" encoding="utf-8"?>
 <p:sld xmlns:a="http://schemas.openxmlformats.org/drawingml/2006/main" xmlns:r="http://schemas.openxmlformats.org/officeDocument/2006/relationships" xmlns:p="http://schemas.openxmlformats.org/presentationml/2006/main">
   <p:cSld>
     <p:spTree>
@@ -20827,7 +20688,7 @@
 </p:sld>
 </file>
 
-<file path=ppt/slides/slide39.xml><?xml version="1.0" encoding="utf-8"?>
+<file path=ppt/slides/slide38.xml><?xml version="1.0" encoding="utf-8"?>
 <p:sld xmlns:a="http://schemas.openxmlformats.org/drawingml/2006/main" xmlns:r="http://schemas.openxmlformats.org/officeDocument/2006/relationships" xmlns:p="http://schemas.openxmlformats.org/presentationml/2006/main">
   <p:cSld>
     <p:spTree>
@@ -21739,6 +21600,167 @@
 </p:sld>
 </file>
 
+<file path=ppt/slides/slide39.xml><?xml version="1.0" encoding="utf-8"?>
+<p:sld xmlns:a="http://schemas.openxmlformats.org/drawingml/2006/main" xmlns:r="http://schemas.openxmlformats.org/officeDocument/2006/relationships" xmlns:p="http://schemas.openxmlformats.org/presentationml/2006/main">
+  <p:cSld>
+    <p:spTree>
+      <p:nvGrpSpPr>
+        <p:cNvPr id="1" name=""/>
+        <p:cNvGrpSpPr/>
+        <p:nvPr/>
+      </p:nvGrpSpPr>
+      <p:grpSpPr>
+        <a:xfrm>
+          <a:off x="0" y="0"/>
+          <a:ext cx="0" cy="0"/>
+          <a:chOff x="0" y="0"/>
+          <a:chExt cx="0" cy="0"/>
+        </a:xfrm>
+      </p:grpSpPr>
+      <p:sp>
+        <p:nvSpPr>
+          <p:cNvPr id="20482" name="Rectangle 2"/>
+          <p:cNvSpPr>
+            <a:spLocks noGrp="1" noChangeArrowheads="1"/>
+          </p:cNvSpPr>
+          <p:nvPr>
+            <p:ph type="title"/>
+          </p:nvPr>
+        </p:nvSpPr>
+        <p:spPr>
+          <a:xfrm>
+            <a:off x="685800" y="0"/>
+            <a:ext cx="7772400" cy="1143000"/>
+          </a:xfrm>
+        </p:spPr>
+        <p:txBody>
+          <a:bodyPr/>
+          <a:lstStyle/>
+          <a:p>
+            <a:r>
+              <a:rPr lang="de-DE" sz="3600" dirty="0">
+                <a:latin typeface="Candara" panose="020E0502030303020204" pitchFamily="34" charset="0"/>
+              </a:rPr>
+              <a:t>Public Goods</a:t>
+            </a:r>
+            <a:endParaRPr lang="en-GB" sz="3600" dirty="0">
+              <a:latin typeface="Candara" panose="020E0502030303020204" pitchFamily="34" charset="0"/>
+            </a:endParaRPr>
+          </a:p>
+        </p:txBody>
+      </p:sp>
+      <p:sp>
+        <p:nvSpPr>
+          <p:cNvPr id="20483" name="Rectangle 3"/>
+          <p:cNvSpPr>
+            <a:spLocks noGrp="1" noChangeArrowheads="1"/>
+          </p:cNvSpPr>
+          <p:nvPr>
+            <p:ph type="body" idx="1"/>
+          </p:nvPr>
+        </p:nvSpPr>
+        <p:spPr>
+          <a:xfrm>
+            <a:off x="685800" y="1066800"/>
+            <a:ext cx="7772400" cy="4114800"/>
+          </a:xfrm>
+        </p:spPr>
+        <p:txBody>
+          <a:bodyPr/>
+          <a:lstStyle/>
+          <a:p>
+            <a:pPr>
+              <a:lnSpc>
+                <a:spcPct val="90000"/>
+              </a:lnSpc>
+            </a:pPr>
+            <a:r>
+              <a:rPr lang="de-DE" sz="2800" dirty="0">
+                <a:latin typeface="Candara" panose="020E0502030303020204" pitchFamily="34" charset="0"/>
+              </a:rPr>
+              <a:t>Underprovision</a:t>
+            </a:r>
+          </a:p>
+          <a:p>
+            <a:pPr lvl="1">
+              <a:lnSpc>
+                <a:spcPct val="90000"/>
+              </a:lnSpc>
+            </a:pPr>
+            <a:r>
+              <a:rPr lang="de-DE" sz="2400" dirty="0">
+                <a:latin typeface="Candara" panose="020E0502030303020204" pitchFamily="34" charset="0"/>
+              </a:rPr>
+              <a:t>The provider gets only a fraction of the benefits of her investment, the rest going to others, and therefore invests less</a:t>
+            </a:r>
+          </a:p>
+          <a:p>
+            <a:pPr lvl="1">
+              <a:lnSpc>
+                <a:spcPct val="90000"/>
+              </a:lnSpc>
+            </a:pPr>
+            <a:r>
+              <a:rPr lang="de-DE" sz="2400" dirty="0">
+                <a:latin typeface="Candara" panose="020E0502030303020204" pitchFamily="34" charset="0"/>
+              </a:rPr>
+              <a:t>A social planner counts the total benefit and thus invests more</a:t>
+            </a:r>
+          </a:p>
+          <a:p>
+            <a:pPr>
+              <a:lnSpc>
+                <a:spcPct val="90000"/>
+              </a:lnSpc>
+            </a:pPr>
+            <a:r>
+              <a:rPr lang="de-DE" sz="2800" dirty="0">
+                <a:latin typeface="Candara" panose="020E0502030303020204" pitchFamily="34" charset="0"/>
+              </a:rPr>
+              <a:t>Overconsumption</a:t>
+            </a:r>
+          </a:p>
+          <a:p>
+            <a:pPr lvl="1">
+              <a:lnSpc>
+                <a:spcPct val="90000"/>
+              </a:lnSpc>
+            </a:pPr>
+            <a:r>
+              <a:rPr lang="de-DE" sz="2400" dirty="0">
+                <a:latin typeface="Candara" panose="020E0502030303020204" pitchFamily="34" charset="0"/>
+              </a:rPr>
+              <a:t>The consumer feels only a fraction of the losses imposed by her decisions, the rest being felt by others, and therefore consumes more</a:t>
+            </a:r>
+          </a:p>
+          <a:p>
+            <a:pPr lvl="1">
+              <a:lnSpc>
+                <a:spcPct val="90000"/>
+              </a:lnSpc>
+            </a:pPr>
+            <a:r>
+              <a:rPr lang="de-DE" sz="2400" dirty="0">
+                <a:latin typeface="Candara" panose="020E0502030303020204" pitchFamily="34" charset="0"/>
+              </a:rPr>
+              <a:t>A social planner counts the total cost and thus consume less</a:t>
+            </a:r>
+          </a:p>
+        </p:txBody>
+      </p:sp>
+    </p:spTree>
+    <p:extLst>
+      <p:ext uri="{BB962C8B-B14F-4D97-AF65-F5344CB8AC3E}">
+        <p14:creationId xmlns:p14="http://schemas.microsoft.com/office/powerpoint/2010/main" val="3542461388"/>
+      </p:ext>
+    </p:extLst>
+  </p:cSld>
+  <p:clrMapOvr>
+    <a:masterClrMapping/>
+  </p:clrMapOvr>
+</p:sld>
+</file>
+
 <file path=ppt/slides/slide4.xml><?xml version="1.0" encoding="utf-8"?>
 <p:sld xmlns:a="http://schemas.openxmlformats.org/drawingml/2006/main" xmlns:r="http://schemas.openxmlformats.org/officeDocument/2006/relationships" xmlns:p="http://schemas.openxmlformats.org/presentationml/2006/main">
   <p:cSld>
@@ -21883,167 +21905,6 @@
 </file>
 
 <file path=ppt/slides/slide40.xml><?xml version="1.0" encoding="utf-8"?>
-<p:sld xmlns:a="http://schemas.openxmlformats.org/drawingml/2006/main" xmlns:r="http://schemas.openxmlformats.org/officeDocument/2006/relationships" xmlns:p="http://schemas.openxmlformats.org/presentationml/2006/main">
-  <p:cSld>
-    <p:spTree>
-      <p:nvGrpSpPr>
-        <p:cNvPr id="1" name=""/>
-        <p:cNvGrpSpPr/>
-        <p:nvPr/>
-      </p:nvGrpSpPr>
-      <p:grpSpPr>
-        <a:xfrm>
-          <a:off x="0" y="0"/>
-          <a:ext cx="0" cy="0"/>
-          <a:chOff x="0" y="0"/>
-          <a:chExt cx="0" cy="0"/>
-        </a:xfrm>
-      </p:grpSpPr>
-      <p:sp>
-        <p:nvSpPr>
-          <p:cNvPr id="20482" name="Rectangle 2"/>
-          <p:cNvSpPr>
-            <a:spLocks noGrp="1" noChangeArrowheads="1"/>
-          </p:cNvSpPr>
-          <p:nvPr>
-            <p:ph type="title"/>
-          </p:nvPr>
-        </p:nvSpPr>
-        <p:spPr>
-          <a:xfrm>
-            <a:off x="685800" y="0"/>
-            <a:ext cx="7772400" cy="1143000"/>
-          </a:xfrm>
-        </p:spPr>
-        <p:txBody>
-          <a:bodyPr/>
-          <a:lstStyle/>
-          <a:p>
-            <a:r>
-              <a:rPr lang="de-DE" sz="3600" dirty="0">
-                <a:latin typeface="Candara" panose="020E0502030303020204" pitchFamily="34" charset="0"/>
-              </a:rPr>
-              <a:t>Public Goods</a:t>
-            </a:r>
-            <a:endParaRPr lang="en-GB" sz="3600" dirty="0">
-              <a:latin typeface="Candara" panose="020E0502030303020204" pitchFamily="34" charset="0"/>
-            </a:endParaRPr>
-          </a:p>
-        </p:txBody>
-      </p:sp>
-      <p:sp>
-        <p:nvSpPr>
-          <p:cNvPr id="20483" name="Rectangle 3"/>
-          <p:cNvSpPr>
-            <a:spLocks noGrp="1" noChangeArrowheads="1"/>
-          </p:cNvSpPr>
-          <p:nvPr>
-            <p:ph type="body" idx="1"/>
-          </p:nvPr>
-        </p:nvSpPr>
-        <p:spPr>
-          <a:xfrm>
-            <a:off x="685800" y="1066800"/>
-            <a:ext cx="7772400" cy="4114800"/>
-          </a:xfrm>
-        </p:spPr>
-        <p:txBody>
-          <a:bodyPr/>
-          <a:lstStyle/>
-          <a:p>
-            <a:pPr>
-              <a:lnSpc>
-                <a:spcPct val="90000"/>
-              </a:lnSpc>
-            </a:pPr>
-            <a:r>
-              <a:rPr lang="de-DE" sz="2800" dirty="0">
-                <a:latin typeface="Candara" panose="020E0502030303020204" pitchFamily="34" charset="0"/>
-              </a:rPr>
-              <a:t>Underprovision</a:t>
-            </a:r>
-          </a:p>
-          <a:p>
-            <a:pPr lvl="1">
-              <a:lnSpc>
-                <a:spcPct val="90000"/>
-              </a:lnSpc>
-            </a:pPr>
-            <a:r>
-              <a:rPr lang="de-DE" sz="2400" dirty="0">
-                <a:latin typeface="Candara" panose="020E0502030303020204" pitchFamily="34" charset="0"/>
-              </a:rPr>
-              <a:t>The provider gets only a fraction of the benefits of her investment, the rest going to others, and therefore invests less</a:t>
-            </a:r>
-          </a:p>
-          <a:p>
-            <a:pPr lvl="1">
-              <a:lnSpc>
-                <a:spcPct val="90000"/>
-              </a:lnSpc>
-            </a:pPr>
-            <a:r>
-              <a:rPr lang="de-DE" sz="2400" dirty="0">
-                <a:latin typeface="Candara" panose="020E0502030303020204" pitchFamily="34" charset="0"/>
-              </a:rPr>
-              <a:t>A social planner counts the total benefit and thus invests more</a:t>
-            </a:r>
-          </a:p>
-          <a:p>
-            <a:pPr>
-              <a:lnSpc>
-                <a:spcPct val="90000"/>
-              </a:lnSpc>
-            </a:pPr>
-            <a:r>
-              <a:rPr lang="de-DE" sz="2800" dirty="0">
-                <a:latin typeface="Candara" panose="020E0502030303020204" pitchFamily="34" charset="0"/>
-              </a:rPr>
-              <a:t>Overconsumption</a:t>
-            </a:r>
-          </a:p>
-          <a:p>
-            <a:pPr lvl="1">
-              <a:lnSpc>
-                <a:spcPct val="90000"/>
-              </a:lnSpc>
-            </a:pPr>
-            <a:r>
-              <a:rPr lang="de-DE" sz="2400" dirty="0">
-                <a:latin typeface="Candara" panose="020E0502030303020204" pitchFamily="34" charset="0"/>
-              </a:rPr>
-              <a:t>The consumer feels only a fraction of the losses imposed by her decisions, the rest being felt by others, and therefore consumes more</a:t>
-            </a:r>
-          </a:p>
-          <a:p>
-            <a:pPr lvl="1">
-              <a:lnSpc>
-                <a:spcPct val="90000"/>
-              </a:lnSpc>
-            </a:pPr>
-            <a:r>
-              <a:rPr lang="de-DE" sz="2400" dirty="0">
-                <a:latin typeface="Candara" panose="020E0502030303020204" pitchFamily="34" charset="0"/>
-              </a:rPr>
-              <a:t>A social planner counts the total cost and thus consume less</a:t>
-            </a:r>
-          </a:p>
-        </p:txBody>
-      </p:sp>
-    </p:spTree>
-    <p:extLst>
-      <p:ext uri="{BB962C8B-B14F-4D97-AF65-F5344CB8AC3E}">
-        <p14:creationId xmlns:p14="http://schemas.microsoft.com/office/powerpoint/2010/main" val="3542461388"/>
-      </p:ext>
-    </p:extLst>
-  </p:cSld>
-  <p:clrMapOvr>
-    <a:masterClrMapping/>
-  </p:clrMapOvr>
-</p:sld>
-</file>
-
-<file path=ppt/slides/slide41.xml><?xml version="1.0" encoding="utf-8"?>
 <p:sld xmlns:a="http://schemas.openxmlformats.org/drawingml/2006/main" xmlns:r="http://schemas.openxmlformats.org/officeDocument/2006/relationships" xmlns:p="http://schemas.openxmlformats.org/presentationml/2006/main">
   <p:cSld>
     <p:spTree>
@@ -22145,7 +22006,7 @@
 </p:sld>
 </file>
 
-<file path=ppt/slides/slide42.xml><?xml version="1.0" encoding="utf-8"?>
+<file path=ppt/slides/slide41.xml><?xml version="1.0" encoding="utf-8"?>
 <p:sld xmlns:a="http://schemas.openxmlformats.org/drawingml/2006/main" xmlns:r="http://schemas.openxmlformats.org/officeDocument/2006/relationships" xmlns:p="http://schemas.openxmlformats.org/presentationml/2006/main">
   <p:cSld>
     <p:spTree>
@@ -22306,7 +22167,7 @@
 </p:sld>
 </file>
 
-<file path=ppt/slides/slide43.xml><?xml version="1.0" encoding="utf-8"?>
+<file path=ppt/slides/slide42.xml><?xml version="1.0" encoding="utf-8"?>
 <p:sld xmlns:a="http://schemas.openxmlformats.org/drawingml/2006/main" xmlns:r="http://schemas.openxmlformats.org/officeDocument/2006/relationships" xmlns:p="http://schemas.openxmlformats.org/presentationml/2006/main">
   <p:cSld>
     <p:spTree>

--- a/EE2 Externalities.pptx
+++ b/EE2 Externalities.pptx
@@ -30,23 +30,24 @@
     <p:sldId id="286" r:id="rId24"/>
     <p:sldId id="301" r:id="rId25"/>
     <p:sldId id="302" r:id="rId26"/>
-    <p:sldId id="310" r:id="rId27"/>
-    <p:sldId id="288" r:id="rId28"/>
-    <p:sldId id="287" r:id="rId29"/>
-    <p:sldId id="291" r:id="rId30"/>
-    <p:sldId id="295" r:id="rId31"/>
-    <p:sldId id="294" r:id="rId32"/>
-    <p:sldId id="298" r:id="rId33"/>
-    <p:sldId id="313" r:id="rId34"/>
-    <p:sldId id="296" r:id="rId35"/>
-    <p:sldId id="304" r:id="rId36"/>
-    <p:sldId id="305" r:id="rId37"/>
-    <p:sldId id="306" r:id="rId38"/>
-    <p:sldId id="303" r:id="rId39"/>
-    <p:sldId id="297" r:id="rId40"/>
-    <p:sldId id="307" r:id="rId41"/>
-    <p:sldId id="300" r:id="rId42"/>
-    <p:sldId id="299" r:id="rId43"/>
+    <p:sldId id="314" r:id="rId27"/>
+    <p:sldId id="310" r:id="rId28"/>
+    <p:sldId id="288" r:id="rId29"/>
+    <p:sldId id="287" r:id="rId30"/>
+    <p:sldId id="291" r:id="rId31"/>
+    <p:sldId id="295" r:id="rId32"/>
+    <p:sldId id="294" r:id="rId33"/>
+    <p:sldId id="298" r:id="rId34"/>
+    <p:sldId id="313" r:id="rId35"/>
+    <p:sldId id="296" r:id="rId36"/>
+    <p:sldId id="304" r:id="rId37"/>
+    <p:sldId id="305" r:id="rId38"/>
+    <p:sldId id="306" r:id="rId39"/>
+    <p:sldId id="303" r:id="rId40"/>
+    <p:sldId id="297" r:id="rId41"/>
+    <p:sldId id="307" r:id="rId42"/>
+    <p:sldId id="300" r:id="rId43"/>
+    <p:sldId id="299" r:id="rId44"/>
   </p:sldIdLst>
   <p:sldSz cx="9144000" cy="6858000" type="screen4x3"/>
   <p:notesSz cx="6858000" cy="9144000"/>
@@ -4021,7 +4022,7 @@
                       <m:d>
                         <m:dPr>
                           <m:ctrlPr>
-                            <a:rPr lang="en-GB" sz="2800" i="1">
+                            <a:rPr lang="en-GB" sz="2800" i="1" smtClean="0">
                               <a:solidFill>
                                 <a:srgbClr val="000000"/>
                               </a:solidFill>
@@ -4077,13 +4078,13 @@
                                 </m:sub>
                                 <m:sup>
                                   <m:r>
-                                    <a:rPr lang="en-GB" sz="2800" i="1">
+                                    <a:rPr lang="en-GB" sz="2800" b="0" i="1" smtClean="0">
                                       <a:solidFill>
                                         <a:srgbClr val="000000"/>
                                       </a:solidFill>
                                       <a:latin typeface="Cambria Math" panose="02040503050406030204" pitchFamily="18" charset="0"/>
                                     </a:rPr>
-                                    <m:t>𝐵</m:t>
+                                    <m:t>𝐴</m:t>
                                   </m:r>
                                 </m:sup>
                               </m:sSubSup>
@@ -4124,13 +4125,13 @@
                                 </m:sub>
                                 <m:sup>
                                   <m:r>
-                                    <a:rPr lang="en-GB" sz="2800" i="1">
+                                    <a:rPr lang="en-GB" sz="2800" b="0" i="1" smtClean="0">
                                       <a:solidFill>
                                         <a:srgbClr val="000000"/>
                                       </a:solidFill>
                                       <a:latin typeface="Cambria Math" panose="02040503050406030204" pitchFamily="18" charset="0"/>
                                     </a:rPr>
-                                    <m:t>𝐴</m:t>
+                                    <m:t>𝐵</m:t>
                                   </m:r>
                                 </m:sup>
                               </m:sSubSup>
@@ -4316,13 +4317,13 @@
                                 </m:sub>
                                 <m:sup>
                                   <m:r>
-                                    <a:rPr lang="en-GB" sz="2800" i="1">
+                                    <a:rPr lang="en-GB" sz="2800" b="0" i="1" smtClean="0">
                                       <a:solidFill>
                                         <a:srgbClr val="000000"/>
                                       </a:solidFill>
                                       <a:latin typeface="Cambria Math" panose="02040503050406030204" pitchFamily="18" charset="0"/>
                                     </a:rPr>
-                                    <m:t>𝐵</m:t>
+                                    <m:t>𝐴</m:t>
                                   </m:r>
                                 </m:sup>
                               </m:sSubSup>
@@ -4363,13 +4364,22 @@
                                 </m:sub>
                                 <m:sup>
                                   <m:r>
-                                    <a:rPr lang="en-GB" sz="2800" i="1">
+                                    <a:rPr lang="en-GB" sz="2800" b="0" i="1" smtClean="0">
                                       <a:solidFill>
                                         <a:srgbClr val="000000"/>
                                       </a:solidFill>
                                       <a:latin typeface="Cambria Math" panose="02040503050406030204" pitchFamily="18" charset="0"/>
                                     </a:rPr>
-                                    <m:t>𝐴</m:t>
+                                    <m:t>𝐵</m:t>
+                                  </m:r>
+                                  <m:r>
+                                    <a:rPr lang="en-GB" sz="2800" b="0" i="1" smtClean="0">
+                                      <a:solidFill>
+                                        <a:srgbClr val="000000"/>
+                                      </a:solidFill>
+                                      <a:latin typeface="Cambria Math" panose="02040503050406030204" pitchFamily="18" charset="0"/>
+                                    </a:rPr>
+                                    <m:t> </m:t>
                                   </m:r>
                                 </m:sup>
                               </m:sSubSup>
@@ -4433,13 +4443,13 @@
                             </m:sub>
                             <m:sup>
                               <m:r>
-                                <a:rPr lang="en-GB" sz="2800" i="1">
-                                  <a:solidFill>
-                                    <a:srgbClr val="000000"/>
-                                  </a:solidFill>
-                                  <a:latin typeface="Cambria Math" panose="02040503050406030204" pitchFamily="18" charset="0"/>
-                                </a:rPr>
-                                <m:t>𝐵</m:t>
+                                <a:rPr lang="en-GB" sz="2800" b="0" i="1" smtClean="0">
+                                  <a:solidFill>
+                                    <a:srgbClr val="000000"/>
+                                  </a:solidFill>
+                                  <a:latin typeface="Cambria Math" panose="02040503050406030204" pitchFamily="18" charset="0"/>
+                                </a:rPr>
+                                <m:t>𝐴</m:t>
                               </m:r>
                             </m:sup>
                           </m:sSubSup>
@@ -4480,13 +4490,13 @@
                             </m:sub>
                             <m:sup>
                               <m:r>
-                                <a:rPr lang="en-GB" sz="2800" i="1">
-                                  <a:solidFill>
-                                    <a:srgbClr val="000000"/>
-                                  </a:solidFill>
-                                  <a:latin typeface="Cambria Math" panose="02040503050406030204" pitchFamily="18" charset="0"/>
-                                </a:rPr>
-                                <m:t>𝐴</m:t>
+                                <a:rPr lang="en-GB" sz="2800" b="0" i="1" smtClean="0">
+                                  <a:solidFill>
+                                    <a:srgbClr val="000000"/>
+                                  </a:solidFill>
+                                  <a:latin typeface="Cambria Math" panose="02040503050406030204" pitchFamily="18" charset="0"/>
+                                </a:rPr>
+                                <m:t>𝐵</m:t>
                               </m:r>
                             </m:sup>
                           </m:sSubSup>
@@ -8643,7 +8653,7 @@
         <p:spPr>
           <a:xfrm>
             <a:off x="685800" y="0"/>
-            <a:ext cx="7772400" cy="1143000"/>
+            <a:ext cx="7772400" cy="762000"/>
           </a:xfrm>
         </p:spPr>
         <p:txBody>
@@ -8674,7 +8684,7 @@
         </p:nvSpPr>
         <p:spPr>
           <a:xfrm>
-            <a:off x="685800" y="1066800"/>
+            <a:off x="685800" y="723900"/>
             <a:ext cx="7772400" cy="4114800"/>
           </a:xfrm>
         </p:spPr>
@@ -8691,8 +8701,29 @@
               <a:rPr lang="de-DE" sz="2800" dirty="0">
                 <a:latin typeface="Candara" panose="020E0502030303020204" pitchFamily="34" charset="0"/>
               </a:rPr>
-              <a:t>External effect is said to occur if the production or consumption of one agent affects the utility of another agent in an unintended way, and when no compensation is made</a:t>
-            </a:r>
+              <a:t>External effect is said to occur if the production or consumption of one agent affects the utility of another agent in an unintended way, and when no compensation </a:t>
+            </a:r>
+            <a:r>
+              <a:rPr lang="de-DE" sz="2800" dirty="0" err="1">
+                <a:latin typeface="Candara" panose="020E0502030303020204" pitchFamily="34" charset="0"/>
+              </a:rPr>
+              <a:t>is</a:t>
+            </a:r>
+            <a:r>
+              <a:rPr lang="de-DE" sz="2800" dirty="0">
+                <a:latin typeface="Candara" panose="020E0502030303020204" pitchFamily="34" charset="0"/>
+              </a:rPr>
+              <a:t> </a:t>
+            </a:r>
+            <a:r>
+              <a:rPr lang="de-DE" sz="2800" dirty="0" err="1">
+                <a:latin typeface="Candara" panose="020E0502030303020204" pitchFamily="34" charset="0"/>
+              </a:rPr>
+              <a:t>made</a:t>
+            </a:r>
+            <a:endParaRPr lang="de-DE" sz="2800" dirty="0">
+              <a:latin typeface="Candara" panose="020E0502030303020204" pitchFamily="34" charset="0"/>
+            </a:endParaRPr>
           </a:p>
           <a:p>
             <a:pPr>
@@ -8701,10 +8732,10 @@
               </a:lnSpc>
             </a:pPr>
             <a:r>
-              <a:rPr lang="de-DE" sz="2800" dirty="0">
-                <a:latin typeface="Candara" panose="020E0502030303020204" pitchFamily="34" charset="0"/>
-              </a:rPr>
-              <a:t>External effect = externality = external cost = external diseconomy</a:t>
+              <a:rPr lang="en-GB" sz="2800" dirty="0">
+                <a:latin typeface="Candara" panose="020E0502030303020204" pitchFamily="34" charset="0"/>
+              </a:rPr>
+              <a:t>Externality: unintended, uncompensated impact of an economic activity on a third party</a:t>
             </a:r>
           </a:p>
           <a:p>
@@ -8717,7 +8748,7 @@
               <a:rPr lang="de-DE" sz="2800" dirty="0">
                 <a:latin typeface="Candara" panose="020E0502030303020204" pitchFamily="34" charset="0"/>
               </a:rPr>
-              <a:t>External effect may be beneficial or adverse, consumption or production related</a:t>
+              <a:t>External effect = externality = external cost = external diseconomy</a:t>
             </a:r>
           </a:p>
           <a:p>
@@ -8730,11 +8761,35 @@
               <a:rPr lang="de-DE" sz="2800" dirty="0">
                 <a:latin typeface="Candara" panose="020E0502030303020204" pitchFamily="34" charset="0"/>
               </a:rPr>
-              <a:t>If compensated, the externality is said to be internalised</a:t>
-            </a:r>
-            <a:endParaRPr lang="en-GB" sz="2800" dirty="0">
-              <a:latin typeface="Candara" panose="020E0502030303020204" pitchFamily="34" charset="0"/>
-            </a:endParaRPr>
+              <a:t>External effect may be beneficial or adverse, consumption or production related</a:t>
+            </a:r>
+          </a:p>
+          <a:p>
+            <a:pPr>
+              <a:lnSpc>
+                <a:spcPct val="90000"/>
+              </a:lnSpc>
+            </a:pPr>
+            <a:r>
+              <a:rPr lang="en-GB" sz="2800" dirty="0">
+                <a:latin typeface="Candara" panose="020E0502030303020204" pitchFamily="34" charset="0"/>
+              </a:rPr>
+              <a:t>If taxed, the externality is said</a:t>
+            </a:r>
+          </a:p>
+          <a:p>
+            <a:pPr marL="0" indent="0">
+              <a:lnSpc>
+                <a:spcPct val="90000"/>
+              </a:lnSpc>
+              <a:buNone/>
+            </a:pPr>
+            <a:r>
+              <a:rPr lang="en-GB" sz="2800" dirty="0">
+                <a:latin typeface="Candara" panose="020E0502030303020204" pitchFamily="34" charset="0"/>
+              </a:rPr>
+              <a:t>	to be internalised</a:t>
+            </a:r>
           </a:p>
         </p:txBody>
       </p:sp>
@@ -8832,13 +8887,8 @@
               <a:rPr lang="de-DE" sz="2800" dirty="0">
                 <a:latin typeface="Candara" panose="020E0502030303020204" pitchFamily="34" charset="0"/>
               </a:rPr>
-              <a:t>Split in private + external = social</a:t>
-            </a:r>
-          </a:p>
-          <a:p>
-            <a:endParaRPr lang="de-DE" sz="2800" dirty="0">
-              <a:latin typeface="Candara" panose="020E0502030303020204" pitchFamily="34" charset="0"/>
-            </a:endParaRPr>
+              <a:t>Split price in private + external = social</a:t>
+            </a:r>
           </a:p>
           <a:p>
             <a:endParaRPr lang="de-DE" sz="2800" dirty="0">
@@ -8897,7 +8947,7 @@
                       <m:f>
                         <m:fPr>
                           <m:ctrlPr>
-                            <a:rPr lang="en-GB" sz="2800" i="1">
+                            <a:rPr lang="en-GB" sz="2800" i="1" smtClean="0">
                               <a:solidFill>
                                 <a:srgbClr val="000000"/>
                               </a:solidFill>
@@ -9039,17 +9089,8 @@
                           </m:ctrlPr>
                         </m:fPr>
                         <m:num>
-                          <m:r>
-                            <a:rPr lang="en-GB" sz="2800" i="1">
-                              <a:solidFill>
-                                <a:srgbClr val="000000"/>
-                              </a:solidFill>
-                              <a:latin typeface="Cambria Math" panose="02040503050406030204" pitchFamily="18" charset="0"/>
-                            </a:rPr>
-                            <m:t>𝑀</m:t>
-                          </m:r>
-                          <m:sSubSup>
-                            <m:sSubSupPr>
+                          <m:sSub>
+                            <m:sSubPr>
                               <m:ctrlPr>
                                 <a:rPr lang="en-GB" sz="2800" i="1">
                                   <a:solidFill>
@@ -9058,7 +9099,7 @@
                                   <a:latin typeface="Cambria Math" panose="02040503050406030204" pitchFamily="18" charset="0"/>
                                 </a:rPr>
                               </m:ctrlPr>
-                            </m:sSubSupPr>
+                            </m:sSubPr>
                             <m:e>
                               <m:r>
                                 <a:rPr lang="en-GB" sz="2800" i="1">
@@ -9067,7 +9108,7 @@
                                   </a:solidFill>
                                   <a:latin typeface="Cambria Math" panose="02040503050406030204" pitchFamily="18" charset="0"/>
                                 </a:rPr>
-                                <m:t>𝑃</m:t>
+                                <m:t>𝑆</m:t>
                               </m:r>
                             </m:e>
                             <m:sub>
@@ -9081,31 +9122,11 @@
                                 <m:t>𝐿</m:t>
                               </m:r>
                             </m:sub>
-                            <m:sup>
-                              <m:r>
-                                <a:rPr lang="en-GB" sz="2800" i="1">
-                                  <a:solidFill>
-                                    <a:srgbClr val="000000"/>
-                                  </a:solidFill>
-                                  <a:latin typeface="Cambria Math" panose="02040503050406030204" pitchFamily="18" charset="0"/>
-                                </a:rPr>
-                                <m:t>𝑌</m:t>
-                              </m:r>
-                            </m:sup>
-                          </m:sSubSup>
+                          </m:sSub>
                         </m:num>
                         <m:den>
-                          <m:r>
-                            <a:rPr lang="en-GB" sz="2800" i="1">
-                              <a:solidFill>
-                                <a:srgbClr val="000000"/>
-                              </a:solidFill>
-                              <a:latin typeface="Cambria Math" panose="02040503050406030204" pitchFamily="18" charset="0"/>
-                            </a:rPr>
-                            <m:t>𝑀</m:t>
-                          </m:r>
-                          <m:sSubSup>
-                            <m:sSubSupPr>
+                          <m:sSub>
+                            <m:sSubPr>
                               <m:ctrlPr>
                                 <a:rPr lang="en-GB" sz="2800" i="1">
                                   <a:solidFill>
@@ -9114,7 +9135,7 @@
                                   <a:latin typeface="Cambria Math" panose="02040503050406030204" pitchFamily="18" charset="0"/>
                                 </a:rPr>
                               </m:ctrlPr>
-                            </m:sSubSupPr>
+                            </m:sSubPr>
                             <m:e>
                               <m:r>
                                 <a:rPr lang="en-GB" sz="2800" i="1">
@@ -9123,7 +9144,7 @@
                                   </a:solidFill>
                                   <a:latin typeface="Cambria Math" panose="02040503050406030204" pitchFamily="18" charset="0"/>
                                 </a:rPr>
-                                <m:t>𝑃</m:t>
+                                <m:t>𝑆</m:t>
                               </m:r>
                             </m:e>
                             <m:sub>
@@ -9137,18 +9158,7 @@
                                 <m:t>𝐾</m:t>
                               </m:r>
                             </m:sub>
-                            <m:sup>
-                              <m:r>
-                                <a:rPr lang="en-GB" sz="2800" i="1">
-                                  <a:solidFill>
-                                    <a:srgbClr val="000000"/>
-                                  </a:solidFill>
-                                  <a:latin typeface="Cambria Math" panose="02040503050406030204" pitchFamily="18" charset="0"/>
-                                </a:rPr>
-                                <m:t>𝑌</m:t>
-                              </m:r>
-                            </m:sup>
-                          </m:sSubSup>
+                          </m:sSub>
                         </m:den>
                       </m:f>
                     </m:oMath>
@@ -9208,7 +9218,7 @@
             </p:nvSpPr>
             <p:spPr bwMode="auto">
               <a:xfrm>
-                <a:off x="800100" y="2806700"/>
+                <a:off x="4814556" y="2714660"/>
                 <a:ext cx="8115300" cy="1003300"/>
               </a:xfrm>
               <a:prstGeom prst="rect">
@@ -9218,7 +9228,7 @@
             </p:spPr>
             <p:txBody>
               <a:bodyPr>
-                <a:normAutofit fontScale="92500"/>
+                <a:normAutofit/>
               </a:bodyPr>
               <a:lstStyle/>
               <a:p>
@@ -9232,7 +9242,7 @@
                       <m:f>
                         <m:fPr>
                           <m:ctrlPr>
-                            <a:rPr lang="en-GB" sz="2800" i="1">
+                            <a:rPr lang="en-GB" sz="2800" i="1" smtClean="0">
                               <a:solidFill>
                                 <a:srgbClr val="000000"/>
                               </a:solidFill>
@@ -9241,17 +9251,8 @@
                           </m:ctrlPr>
                         </m:fPr>
                         <m:num>
-                          <m:r>
-                            <a:rPr lang="en-GB" sz="2800" i="1">
-                              <a:solidFill>
-                                <a:srgbClr val="000000"/>
-                              </a:solidFill>
-                              <a:latin typeface="Cambria Math" panose="02040503050406030204" pitchFamily="18" charset="0"/>
-                            </a:rPr>
-                            <m:t>𝑃𝑀</m:t>
-                          </m:r>
-                          <m:sSubSup>
-                            <m:sSubSupPr>
+                          <m:sSub>
+                            <m:sSubPr>
                               <m:ctrlPr>
                                 <a:rPr lang="en-GB" sz="2800" i="1">
                                   <a:solidFill>
@@ -9260,7 +9261,7 @@
                                   <a:latin typeface="Cambria Math" panose="02040503050406030204" pitchFamily="18" charset="0"/>
                                 </a:rPr>
                               </m:ctrlPr>
-                            </m:sSubSupPr>
+                            </m:sSubPr>
                             <m:e>
                               <m:r>
                                 <a:rPr lang="en-GB" sz="2800" i="1">
@@ -9283,18 +9284,7 @@
                                 <m:t>𝐿</m:t>
                               </m:r>
                             </m:sub>
-                            <m:sup>
-                              <m:r>
-                                <a:rPr lang="en-GB" sz="2800" i="1">
-                                  <a:solidFill>
-                                    <a:srgbClr val="000000"/>
-                                  </a:solidFill>
-                                  <a:latin typeface="Cambria Math" panose="02040503050406030204" pitchFamily="18" charset="0"/>
-                                </a:rPr>
-                                <m:t>𝑋</m:t>
-                              </m:r>
-                            </m:sup>
-                          </m:sSubSup>
+                          </m:sSub>
                           <m:r>
                             <a:rPr lang="en-GB" sz="2800" i="1">
                               <a:solidFill>
@@ -9304,17 +9294,8 @@
                             </a:rPr>
                             <m:t>+</m:t>
                           </m:r>
-                          <m:r>
-                            <a:rPr lang="en-GB" sz="2800" i="1">
-                              <a:solidFill>
-                                <a:srgbClr val="000000"/>
-                              </a:solidFill>
-                              <a:latin typeface="Cambria Math" panose="02040503050406030204" pitchFamily="18" charset="0"/>
-                            </a:rPr>
-                            <m:t>𝐸𝑀</m:t>
-                          </m:r>
-                          <m:sSubSup>
-                            <m:sSubSupPr>
+                          <m:sSub>
+                            <m:sSubPr>
                               <m:ctrlPr>
                                 <a:rPr lang="en-GB" sz="2800" i="1">
                                   <a:solidFill>
@@ -9323,16 +9304,16 @@
                                   <a:latin typeface="Cambria Math" panose="02040503050406030204" pitchFamily="18" charset="0"/>
                                 </a:rPr>
                               </m:ctrlPr>
-                            </m:sSubSupPr>
+                            </m:sSubPr>
                             <m:e>
                               <m:r>
-                                <a:rPr lang="en-GB" sz="2800" i="1">
-                                  <a:solidFill>
-                                    <a:srgbClr val="000000"/>
-                                  </a:solidFill>
-                                  <a:latin typeface="Cambria Math" panose="02040503050406030204" pitchFamily="18" charset="0"/>
-                                </a:rPr>
-                                <m:t>𝑃</m:t>
+                                <a:rPr lang="en-GB" sz="2800" b="0" i="1" smtClean="0">
+                                  <a:solidFill>
+                                    <a:srgbClr val="000000"/>
+                                  </a:solidFill>
+                                  <a:latin typeface="Cambria Math" panose="02040503050406030204" pitchFamily="18" charset="0"/>
+                                </a:rPr>
+                                <m:t>𝐸</m:t>
                               </m:r>
                             </m:e>
                             <m:sub>
@@ -9346,31 +9327,11 @@
                                 <m:t>𝐿</m:t>
                               </m:r>
                             </m:sub>
-                            <m:sup>
-                              <m:r>
-                                <a:rPr lang="en-GB" sz="2800" i="1">
-                                  <a:solidFill>
-                                    <a:srgbClr val="000000"/>
-                                  </a:solidFill>
-                                  <a:latin typeface="Cambria Math" panose="02040503050406030204" pitchFamily="18" charset="0"/>
-                                </a:rPr>
-                                <m:t>𝑋</m:t>
-                              </m:r>
-                            </m:sup>
-                          </m:sSubSup>
+                          </m:sSub>
                         </m:num>
                         <m:den>
-                          <m:r>
-                            <a:rPr lang="en-GB" sz="2800" i="1">
-                              <a:solidFill>
-                                <a:srgbClr val="000000"/>
-                              </a:solidFill>
-                              <a:latin typeface="Cambria Math" panose="02040503050406030204" pitchFamily="18" charset="0"/>
-                            </a:rPr>
-                            <m:t>𝑃𝑀</m:t>
-                          </m:r>
-                          <m:sSubSup>
-                            <m:sSubSupPr>
+                          <m:sSub>
+                            <m:sSubPr>
                               <m:ctrlPr>
                                 <a:rPr lang="en-GB" sz="2800" i="1">
                                   <a:solidFill>
@@ -9379,7 +9340,7 @@
                                   <a:latin typeface="Cambria Math" panose="02040503050406030204" pitchFamily="18" charset="0"/>
                                 </a:rPr>
                               </m:ctrlPr>
-                            </m:sSubSupPr>
+                            </m:sSubPr>
                             <m:e>
                               <m:r>
                                 <a:rPr lang="en-GB" sz="2800" i="1">
@@ -9393,7 +9354,7 @@
                             </m:e>
                             <m:sub>
                               <m:r>
-                                <a:rPr lang="en-GB" sz="2800" i="1">
+                                <a:rPr lang="en-GB" sz="2800" b="0" i="1" smtClean="0">
                                   <a:solidFill>
                                     <a:srgbClr val="000000"/>
                                   </a:solidFill>
@@ -9402,18 +9363,7 @@
                                 <m:t>𝐾</m:t>
                               </m:r>
                             </m:sub>
-                            <m:sup>
-                              <m:r>
-                                <a:rPr lang="en-GB" sz="2800" i="1">
-                                  <a:solidFill>
-                                    <a:srgbClr val="000000"/>
-                                  </a:solidFill>
-                                  <a:latin typeface="Cambria Math" panose="02040503050406030204" pitchFamily="18" charset="0"/>
-                                </a:rPr>
-                                <m:t>𝑋</m:t>
-                              </m:r>
-                            </m:sup>
-                          </m:sSubSup>
+                          </m:sSub>
                           <m:r>
                             <a:rPr lang="en-GB" sz="2800" i="1">
                               <a:solidFill>
@@ -9423,17 +9373,8 @@
                             </a:rPr>
                             <m:t>+</m:t>
                           </m:r>
-                          <m:r>
-                            <a:rPr lang="en-GB" sz="2800" i="1">
-                              <a:solidFill>
-                                <a:srgbClr val="000000"/>
-                              </a:solidFill>
-                              <a:latin typeface="Cambria Math" panose="02040503050406030204" pitchFamily="18" charset="0"/>
-                            </a:rPr>
-                            <m:t>𝐸𝑀</m:t>
-                          </m:r>
-                          <m:sSubSup>
-                            <m:sSubSupPr>
+                          <m:sSub>
+                            <m:sSubPr>
                               <m:ctrlPr>
                                 <a:rPr lang="en-GB" sz="2800" i="1">
                                   <a:solidFill>
@@ -9442,21 +9383,21 @@
                                   <a:latin typeface="Cambria Math" panose="02040503050406030204" pitchFamily="18" charset="0"/>
                                 </a:rPr>
                               </m:ctrlPr>
-                            </m:sSubSupPr>
+                            </m:sSubPr>
                             <m:e>
                               <m:r>
-                                <a:rPr lang="en-GB" sz="2800" i="1">
-                                  <a:solidFill>
-                                    <a:srgbClr val="000000"/>
-                                  </a:solidFill>
-                                  <a:latin typeface="Cambria Math" panose="02040503050406030204" pitchFamily="18" charset="0"/>
-                                </a:rPr>
-                                <m:t>𝑃</m:t>
+                                <a:rPr lang="en-GB" sz="2800" b="0" i="1" smtClean="0">
+                                  <a:solidFill>
+                                    <a:srgbClr val="000000"/>
+                                  </a:solidFill>
+                                  <a:latin typeface="Cambria Math" panose="02040503050406030204" pitchFamily="18" charset="0"/>
+                                </a:rPr>
+                                <m:t>𝐸</m:t>
                               </m:r>
                             </m:e>
                             <m:sub>
                               <m:r>
-                                <a:rPr lang="en-GB" sz="2800" i="1">
+                                <a:rPr lang="en-GB" sz="2800" b="0" i="1" smtClean="0">
                                   <a:solidFill>
                                     <a:srgbClr val="000000"/>
                                   </a:solidFill>
@@ -9465,18 +9406,7 @@
                                 <m:t>𝐾</m:t>
                               </m:r>
                             </m:sub>
-                            <m:sup>
-                              <m:r>
-                                <a:rPr lang="en-GB" sz="2800" i="1">
-                                  <a:solidFill>
-                                    <a:srgbClr val="000000"/>
-                                  </a:solidFill>
-                                  <a:latin typeface="Cambria Math" panose="02040503050406030204" pitchFamily="18" charset="0"/>
-                                </a:rPr>
-                                <m:t>𝑋</m:t>
-                              </m:r>
-                            </m:sup>
-                          </m:sSubSup>
+                          </m:sSub>
                         </m:den>
                       </m:f>
                       <m:r>
@@ -9500,17 +9430,8 @@
                           </m:ctrlPr>
                         </m:fPr>
                         <m:num>
-                          <m:r>
-                            <a:rPr lang="en-GB" sz="2800" i="1">
-                              <a:solidFill>
-                                <a:srgbClr val="000000"/>
-                              </a:solidFill>
-                              <a:latin typeface="Cambria Math" panose="02040503050406030204" pitchFamily="18" charset="0"/>
-                            </a:rPr>
-                            <m:t>𝑆𝑀</m:t>
-                          </m:r>
-                          <m:sSubSup>
-                            <m:sSubSupPr>
+                          <m:sSub>
+                            <m:sSubPr>
                               <m:ctrlPr>
                                 <a:rPr lang="en-GB" sz="2800" i="1">
                                   <a:solidFill>
@@ -9519,7 +9440,7 @@
                                   <a:latin typeface="Cambria Math" panose="02040503050406030204" pitchFamily="18" charset="0"/>
                                 </a:rPr>
                               </m:ctrlPr>
-                            </m:sSubSupPr>
+                            </m:sSubPr>
                             <m:e>
                               <m:r>
                                 <a:rPr lang="en-GB" sz="2800" i="1">
@@ -9528,7 +9449,7 @@
                                   </a:solidFill>
                                   <a:latin typeface="Cambria Math" panose="02040503050406030204" pitchFamily="18" charset="0"/>
                                 </a:rPr>
-                                <m:t>𝑃</m:t>
+                                <m:t>𝑆</m:t>
                               </m:r>
                             </m:e>
                             <m:sub>
@@ -9542,31 +9463,11 @@
                                 <m:t>𝐿</m:t>
                               </m:r>
                             </m:sub>
-                            <m:sup>
-                              <m:r>
-                                <a:rPr lang="en-GB" sz="2800" i="1">
-                                  <a:solidFill>
-                                    <a:srgbClr val="000000"/>
-                                  </a:solidFill>
-                                  <a:latin typeface="Cambria Math" panose="02040503050406030204" pitchFamily="18" charset="0"/>
-                                </a:rPr>
-                                <m:t>𝑋</m:t>
-                              </m:r>
-                            </m:sup>
-                          </m:sSubSup>
+                          </m:sSub>
                         </m:num>
                         <m:den>
-                          <m:r>
-                            <a:rPr lang="en-GB" sz="2800" i="1">
-                              <a:solidFill>
-                                <a:srgbClr val="000000"/>
-                              </a:solidFill>
-                              <a:latin typeface="Cambria Math" panose="02040503050406030204" pitchFamily="18" charset="0"/>
-                            </a:rPr>
-                            <m:t>𝑆𝑀</m:t>
-                          </m:r>
-                          <m:sSubSup>
-                            <m:sSubSupPr>
+                          <m:sSub>
+                            <m:sSubPr>
                               <m:ctrlPr>
                                 <a:rPr lang="en-GB" sz="2800" i="1">
                                   <a:solidFill>
@@ -9575,16 +9476,16 @@
                                   <a:latin typeface="Cambria Math" panose="02040503050406030204" pitchFamily="18" charset="0"/>
                                 </a:rPr>
                               </m:ctrlPr>
-                            </m:sSubSupPr>
+                            </m:sSubPr>
                             <m:e>
                               <m:r>
-                                <a:rPr lang="en-GB" sz="2800" i="1">
-                                  <a:solidFill>
-                                    <a:srgbClr val="000000"/>
-                                  </a:solidFill>
-                                  <a:latin typeface="Cambria Math" panose="02040503050406030204" pitchFamily="18" charset="0"/>
-                                </a:rPr>
-                                <m:t>𝑃</m:t>
+                                <a:rPr lang="en-GB" sz="2800" b="0" i="1" smtClean="0">
+                                  <a:solidFill>
+                                    <a:srgbClr val="000000"/>
+                                  </a:solidFill>
+                                  <a:latin typeface="Cambria Math" panose="02040503050406030204" pitchFamily="18" charset="0"/>
+                                </a:rPr>
+                                <m:t>𝑆</m:t>
                               </m:r>
                             </m:e>
                             <m:sub>
@@ -9598,410 +9499,7 @@
                                 <m:t>𝐾</m:t>
                               </m:r>
                             </m:sub>
-                            <m:sup>
-                              <m:r>
-                                <a:rPr lang="en-GB" sz="2800" i="1">
-                                  <a:solidFill>
-                                    <a:srgbClr val="000000"/>
-                                  </a:solidFill>
-                                  <a:latin typeface="Cambria Math" panose="02040503050406030204" pitchFamily="18" charset="0"/>
-                                </a:rPr>
-                                <m:t>𝑋</m:t>
-                              </m:r>
-                            </m:sup>
-                          </m:sSubSup>
-                        </m:den>
-                      </m:f>
-                      <m:r>
-                        <a:rPr lang="en-GB" sz="2800" i="1">
-                          <a:solidFill>
-                            <a:srgbClr val="000000"/>
-                          </a:solidFill>
-                          <a:latin typeface="Cambria Math" panose="02040503050406030204" pitchFamily="18" charset="0"/>
-                        </a:rPr>
-                        <m:t>=</m:t>
-                      </m:r>
-                      <m:f>
-                        <m:fPr>
-                          <m:ctrlPr>
-                            <a:rPr lang="en-GB" sz="2800" i="1">
-                              <a:solidFill>
-                                <a:srgbClr val="000000"/>
-                              </a:solidFill>
-                              <a:latin typeface="Cambria Math" panose="02040503050406030204" pitchFamily="18" charset="0"/>
-                            </a:rPr>
-                          </m:ctrlPr>
-                        </m:fPr>
-                        <m:num>
-                          <m:r>
-                            <a:rPr lang="en-GB" sz="2800" i="1">
-                              <a:solidFill>
-                                <a:srgbClr val="000000"/>
-                              </a:solidFill>
-                              <a:latin typeface="Cambria Math" panose="02040503050406030204" pitchFamily="18" charset="0"/>
-                            </a:rPr>
-                            <m:t>𝑆𝑀</m:t>
-                          </m:r>
-                          <m:sSubSup>
-                            <m:sSubSupPr>
-                              <m:ctrlPr>
-                                <a:rPr lang="en-GB" sz="2800" i="1">
-                                  <a:solidFill>
-                                    <a:srgbClr val="000000"/>
-                                  </a:solidFill>
-                                  <a:latin typeface="Cambria Math" panose="02040503050406030204" pitchFamily="18" charset="0"/>
-                                </a:rPr>
-                              </m:ctrlPr>
-                            </m:sSubSupPr>
-                            <m:e>
-                              <m:r>
-                                <a:rPr lang="en-GB" sz="2800" i="1">
-                                  <a:solidFill>
-                                    <a:srgbClr val="000000"/>
-                                  </a:solidFill>
-                                  <a:latin typeface="Cambria Math" panose="02040503050406030204" pitchFamily="18" charset="0"/>
-                                </a:rPr>
-                                <m:t>𝑃</m:t>
-                              </m:r>
-                            </m:e>
-                            <m:sub>
-                              <m:r>
-                                <a:rPr lang="en-GB" sz="2800" i="1">
-                                  <a:solidFill>
-                                    <a:srgbClr val="000000"/>
-                                  </a:solidFill>
-                                  <a:latin typeface="Cambria Math" panose="02040503050406030204" pitchFamily="18" charset="0"/>
-                                </a:rPr>
-                                <m:t>𝐿</m:t>
-                              </m:r>
-                            </m:sub>
-                            <m:sup>
-                              <m:r>
-                                <a:rPr lang="en-GB" sz="2800" i="1">
-                                  <a:solidFill>
-                                    <a:srgbClr val="000000"/>
-                                  </a:solidFill>
-                                  <a:latin typeface="Cambria Math" panose="02040503050406030204" pitchFamily="18" charset="0"/>
-                                </a:rPr>
-                                <m:t>𝑌</m:t>
-                              </m:r>
-                            </m:sup>
-                          </m:sSubSup>
-                        </m:num>
-                        <m:den>
-                          <m:r>
-                            <a:rPr lang="en-GB" sz="2800" i="1">
-                              <a:solidFill>
-                                <a:srgbClr val="000000"/>
-                              </a:solidFill>
-                              <a:latin typeface="Cambria Math" panose="02040503050406030204" pitchFamily="18" charset="0"/>
-                            </a:rPr>
-                            <m:t>𝑆𝑀</m:t>
-                          </m:r>
-                          <m:sSubSup>
-                            <m:sSubSupPr>
-                              <m:ctrlPr>
-                                <a:rPr lang="en-GB" sz="2800" i="1">
-                                  <a:solidFill>
-                                    <a:srgbClr val="000000"/>
-                                  </a:solidFill>
-                                  <a:latin typeface="Cambria Math" panose="02040503050406030204" pitchFamily="18" charset="0"/>
-                                </a:rPr>
-                              </m:ctrlPr>
-                            </m:sSubSupPr>
-                            <m:e>
-                              <m:r>
-                                <a:rPr lang="en-GB" sz="2800" i="1">
-                                  <a:solidFill>
-                                    <a:srgbClr val="000000"/>
-                                  </a:solidFill>
-                                  <a:latin typeface="Cambria Math" panose="02040503050406030204" pitchFamily="18" charset="0"/>
-                                </a:rPr>
-                                <m:t>𝑃</m:t>
-                              </m:r>
-                            </m:e>
-                            <m:sub>
-                              <m:r>
-                                <a:rPr lang="en-GB" sz="2800" i="1">
-                                  <a:solidFill>
-                                    <a:srgbClr val="000000"/>
-                                  </a:solidFill>
-                                  <a:latin typeface="Cambria Math" panose="02040503050406030204" pitchFamily="18" charset="0"/>
-                                </a:rPr>
-                                <m:t>𝐾</m:t>
-                              </m:r>
-                            </m:sub>
-                            <m:sup>
-                              <m:r>
-                                <a:rPr lang="en-GB" sz="2800" i="1">
-                                  <a:solidFill>
-                                    <a:srgbClr val="000000"/>
-                                  </a:solidFill>
-                                  <a:latin typeface="Cambria Math" panose="02040503050406030204" pitchFamily="18" charset="0"/>
-                                </a:rPr>
-                                <m:t>𝑌</m:t>
-                              </m:r>
-                            </m:sup>
-                          </m:sSubSup>
-                        </m:den>
-                      </m:f>
-                      <m:r>
-                        <a:rPr lang="en-GB" sz="2800" i="1">
-                          <a:solidFill>
-                            <a:srgbClr val="000000"/>
-                          </a:solidFill>
-                          <a:latin typeface="Cambria Math" panose="02040503050406030204" pitchFamily="18" charset="0"/>
-                        </a:rPr>
-                        <m:t>:=</m:t>
-                      </m:r>
-                      <m:f>
-                        <m:fPr>
-                          <m:ctrlPr>
-                            <a:rPr lang="en-GB" sz="2800" i="1">
-                              <a:solidFill>
-                                <a:srgbClr val="000000"/>
-                              </a:solidFill>
-                              <a:latin typeface="Cambria Math" panose="02040503050406030204" pitchFamily="18" charset="0"/>
-                            </a:rPr>
-                          </m:ctrlPr>
-                        </m:fPr>
-                        <m:num>
-                          <m:r>
-                            <a:rPr lang="en-GB" sz="2800" i="1">
-                              <a:solidFill>
-                                <a:srgbClr val="000000"/>
-                              </a:solidFill>
-                              <a:latin typeface="Cambria Math" panose="02040503050406030204" pitchFamily="18" charset="0"/>
-                            </a:rPr>
-                            <m:t>𝑃𝑀</m:t>
-                          </m:r>
-                          <m:sSubSup>
-                            <m:sSubSupPr>
-                              <m:ctrlPr>
-                                <a:rPr lang="en-GB" sz="2800" i="1">
-                                  <a:solidFill>
-                                    <a:srgbClr val="000000"/>
-                                  </a:solidFill>
-                                  <a:latin typeface="Cambria Math" panose="02040503050406030204" pitchFamily="18" charset="0"/>
-                                </a:rPr>
-                              </m:ctrlPr>
-                            </m:sSubSupPr>
-                            <m:e>
-                              <m:r>
-                                <a:rPr lang="en-GB" sz="2800" i="1">
-                                  <a:solidFill>
-                                    <a:srgbClr val="000000"/>
-                                  </a:solidFill>
-                                  <a:latin typeface="Cambria Math" panose="02040503050406030204" pitchFamily="18" charset="0"/>
-                                </a:rPr>
-                                <m:t>𝑃</m:t>
-                              </m:r>
-                            </m:e>
-                            <m:sub>
-                              <m:r>
-                                <a:rPr lang="en-GB" sz="2800" i="1">
-                                  <a:solidFill>
-                                    <a:srgbClr val="000000"/>
-                                  </a:solidFill>
-                                  <a:latin typeface="Cambria Math" panose="02040503050406030204" pitchFamily="18" charset="0"/>
-                                </a:rPr>
-                                <m:t>𝐿</m:t>
-                              </m:r>
-                            </m:sub>
-                            <m:sup>
-                              <m:r>
-                                <a:rPr lang="en-GB" sz="2800" i="1">
-                                  <a:solidFill>
-                                    <a:srgbClr val="000000"/>
-                                  </a:solidFill>
-                                  <a:latin typeface="Cambria Math" panose="02040503050406030204" pitchFamily="18" charset="0"/>
-                                </a:rPr>
-                                <m:t>𝑌</m:t>
-                              </m:r>
-                            </m:sup>
-                          </m:sSubSup>
-                          <m:r>
-                            <a:rPr lang="en-GB" sz="2800" i="1">
-                              <a:solidFill>
-                                <a:srgbClr val="000000"/>
-                              </a:solidFill>
-                              <a:latin typeface="Cambria Math" panose="02040503050406030204" pitchFamily="18" charset="0"/>
-                            </a:rPr>
-                            <m:t>+</m:t>
-                          </m:r>
-                          <m:r>
-                            <a:rPr lang="en-GB" sz="2800" i="1">
-                              <a:solidFill>
-                                <a:srgbClr val="000000"/>
-                              </a:solidFill>
-                              <a:latin typeface="Cambria Math" panose="02040503050406030204" pitchFamily="18" charset="0"/>
-                            </a:rPr>
-                            <m:t>𝐸𝑀</m:t>
-                          </m:r>
-                          <m:sSubSup>
-                            <m:sSubSupPr>
-                              <m:ctrlPr>
-                                <a:rPr lang="en-GB" sz="2800" i="1">
-                                  <a:solidFill>
-                                    <a:srgbClr val="000000"/>
-                                  </a:solidFill>
-                                  <a:latin typeface="Cambria Math" panose="02040503050406030204" pitchFamily="18" charset="0"/>
-                                </a:rPr>
-                              </m:ctrlPr>
-                            </m:sSubSupPr>
-                            <m:e>
-                              <m:r>
-                                <a:rPr lang="en-GB" sz="2800" i="1">
-                                  <a:solidFill>
-                                    <a:srgbClr val="000000"/>
-                                  </a:solidFill>
-                                  <a:latin typeface="Cambria Math" panose="02040503050406030204" pitchFamily="18" charset="0"/>
-                                </a:rPr>
-                                <m:t>𝑃</m:t>
-                              </m:r>
-                            </m:e>
-                            <m:sub>
-                              <m:r>
-                                <a:rPr lang="en-GB" sz="2800" i="1">
-                                  <a:solidFill>
-                                    <a:srgbClr val="000000"/>
-                                  </a:solidFill>
-                                  <a:latin typeface="Cambria Math" panose="02040503050406030204" pitchFamily="18" charset="0"/>
-                                </a:rPr>
-                                <m:t>𝐿</m:t>
-                              </m:r>
-                            </m:sub>
-                            <m:sup>
-                              <m:r>
-                                <a:rPr lang="en-GB" sz="2800" i="1">
-                                  <a:solidFill>
-                                    <a:srgbClr val="000000"/>
-                                  </a:solidFill>
-                                  <a:latin typeface="Cambria Math" panose="02040503050406030204" pitchFamily="18" charset="0"/>
-                                </a:rPr>
-                                <m:t>𝑌</m:t>
-                              </m:r>
-                            </m:sup>
-                          </m:sSubSup>
-                        </m:num>
-                        <m:den>
-                          <m:r>
-                            <a:rPr lang="en-GB" sz="2800" i="1">
-                              <a:solidFill>
-                                <a:srgbClr val="000000"/>
-                              </a:solidFill>
-                              <a:latin typeface="Cambria Math" panose="02040503050406030204" pitchFamily="18" charset="0"/>
-                            </a:rPr>
-                            <m:t>𝑃𝑀</m:t>
-                          </m:r>
-                          <m:sSubSup>
-                            <m:sSubSupPr>
-                              <m:ctrlPr>
-                                <a:rPr lang="en-GB" sz="2800" i="1">
-                                  <a:solidFill>
-                                    <a:srgbClr val="000000"/>
-                                  </a:solidFill>
-                                  <a:latin typeface="Cambria Math" panose="02040503050406030204" pitchFamily="18" charset="0"/>
-                                </a:rPr>
-                              </m:ctrlPr>
-                            </m:sSubSupPr>
-                            <m:e>
-                              <m:r>
-                                <a:rPr lang="en-GB" sz="2800" i="1">
-                                  <a:solidFill>
-                                    <a:srgbClr val="000000"/>
-                                  </a:solidFill>
-                                  <a:latin typeface="Cambria Math" panose="02040503050406030204" pitchFamily="18" charset="0"/>
-                                </a:rPr>
-                                <m:t>𝑃</m:t>
-                              </m:r>
-                            </m:e>
-                            <m:sub>
-                              <m:r>
-                                <a:rPr lang="en-GB" sz="2800" i="1">
-                                  <a:solidFill>
-                                    <a:srgbClr val="000000"/>
-                                  </a:solidFill>
-                                  <a:latin typeface="Cambria Math" panose="02040503050406030204" pitchFamily="18" charset="0"/>
-                                </a:rPr>
-                                <m:t>𝐾</m:t>
-                              </m:r>
-                            </m:sub>
-                            <m:sup>
-                              <m:r>
-                                <a:rPr lang="en-GB" sz="2800" i="1">
-                                  <a:solidFill>
-                                    <a:srgbClr val="000000"/>
-                                  </a:solidFill>
-                                  <a:latin typeface="Cambria Math" panose="02040503050406030204" pitchFamily="18" charset="0"/>
-                                </a:rPr>
-                                <m:t>𝑌</m:t>
-                              </m:r>
-                            </m:sup>
-                          </m:sSubSup>
-                          <m:r>
-                            <a:rPr lang="en-GB" sz="2800" i="1">
-                              <a:solidFill>
-                                <a:srgbClr val="000000"/>
-                              </a:solidFill>
-                              <a:latin typeface="Cambria Math" panose="02040503050406030204" pitchFamily="18" charset="0"/>
-                            </a:rPr>
-                            <m:t>+</m:t>
-                          </m:r>
-                          <m:r>
-                            <a:rPr lang="en-GB" sz="2800" i="1">
-                              <a:solidFill>
-                                <a:srgbClr val="000000"/>
-                              </a:solidFill>
-                              <a:latin typeface="Cambria Math" panose="02040503050406030204" pitchFamily="18" charset="0"/>
-                            </a:rPr>
-                            <m:t>𝐸𝑀</m:t>
-                          </m:r>
-                          <m:sSubSup>
-                            <m:sSubSupPr>
-                              <m:ctrlPr>
-                                <a:rPr lang="en-GB" sz="2800" i="1">
-                                  <a:solidFill>
-                                    <a:srgbClr val="000000"/>
-                                  </a:solidFill>
-                                  <a:latin typeface="Cambria Math" panose="02040503050406030204" pitchFamily="18" charset="0"/>
-                                </a:rPr>
-                              </m:ctrlPr>
-                            </m:sSubSupPr>
-                            <m:e>
-                              <m:r>
-                                <a:rPr lang="en-GB" sz="2800" i="1">
-                                  <a:solidFill>
-                                    <a:srgbClr val="000000"/>
-                                  </a:solidFill>
-                                  <a:latin typeface="Cambria Math" panose="02040503050406030204" pitchFamily="18" charset="0"/>
-                                </a:rPr>
-                                <m:t>𝑃</m:t>
-                              </m:r>
-                            </m:e>
-                            <m:sub>
-                              <m:r>
-                                <a:rPr lang="en-GB" sz="2800" i="1">
-                                  <a:solidFill>
-                                    <a:srgbClr val="000000"/>
-                                  </a:solidFill>
-                                  <a:latin typeface="Cambria Math" panose="02040503050406030204" pitchFamily="18" charset="0"/>
-                                </a:rPr>
-                                <m:t>𝐾</m:t>
-                              </m:r>
-                            </m:sub>
-                            <m:sup>
-                              <m:r>
-                                <a:rPr lang="en-GB" sz="2800" i="1">
-                                  <a:solidFill>
-                                    <a:srgbClr val="000000"/>
-                                  </a:solidFill>
-                                  <a:latin typeface="Cambria Math" panose="02040503050406030204" pitchFamily="18" charset="0"/>
-                                </a:rPr>
-                                <m:t>𝑌</m:t>
-                              </m:r>
-                            </m:sup>
-                          </m:sSubSup>
+                          </m:sSub>
                         </m:den>
                       </m:f>
                     </m:oMath>
@@ -10023,7 +9521,7 @@
             </p:nvSpPr>
             <p:spPr bwMode="auto">
               <a:xfrm>
-                <a:off x="800100" y="2806700"/>
+                <a:off x="4814556" y="2714660"/>
                 <a:ext cx="8115300" cy="1003300"/>
               </a:xfrm>
               <a:prstGeom prst="rect">
@@ -10061,7 +9559,7 @@
             </p:nvSpPr>
             <p:spPr bwMode="auto">
               <a:xfrm>
-                <a:off x="1143000" y="4864100"/>
+                <a:off x="4814556" y="4313953"/>
                 <a:ext cx="2438400" cy="1003300"/>
               </a:xfrm>
               <a:prstGeom prst="rect">
@@ -10227,17 +9725,8 @@
                           </m:ctrlPr>
                         </m:fPr>
                         <m:num>
-                          <m:r>
-                            <a:rPr lang="en-GB" sz="2800" i="1">
-                              <a:solidFill>
-                                <a:srgbClr val="000000"/>
-                              </a:solidFill>
-                              <a:latin typeface="Cambria Math" panose="02040503050406030204" pitchFamily="18" charset="0"/>
-                            </a:rPr>
-                            <m:t>𝑃𝑀</m:t>
-                          </m:r>
-                          <m:sSubSup>
-                            <m:sSubSupPr>
+                          <m:sSub>
+                            <m:sSubPr>
                               <m:ctrlPr>
                                 <a:rPr lang="en-GB" sz="2800" i="1">
                                   <a:solidFill>
@@ -10246,7 +9735,7 @@
                                   <a:latin typeface="Cambria Math" panose="02040503050406030204" pitchFamily="18" charset="0"/>
                                 </a:rPr>
                               </m:ctrlPr>
-                            </m:sSubSupPr>
+                            </m:sSubPr>
                             <m:e>
                               <m:r>
                                 <a:rPr lang="en-GB" sz="2800" i="1">
@@ -10269,31 +9758,11 @@
                                 <m:t>𝐿</m:t>
                               </m:r>
                             </m:sub>
-                            <m:sup>
-                              <m:r>
-                                <a:rPr lang="en-GB" sz="2800" i="1">
-                                  <a:solidFill>
-                                    <a:srgbClr val="000000"/>
-                                  </a:solidFill>
-                                  <a:latin typeface="Cambria Math" panose="02040503050406030204" pitchFamily="18" charset="0"/>
-                                </a:rPr>
-                                <m:t>𝑌</m:t>
-                              </m:r>
-                            </m:sup>
-                          </m:sSubSup>
+                          </m:sSub>
                         </m:num>
                         <m:den>
-                          <m:r>
-                            <a:rPr lang="en-GB" sz="2800" i="1">
-                              <a:solidFill>
-                                <a:srgbClr val="000000"/>
-                              </a:solidFill>
-                              <a:latin typeface="Cambria Math" panose="02040503050406030204" pitchFamily="18" charset="0"/>
-                            </a:rPr>
-                            <m:t>𝑃𝑀</m:t>
-                          </m:r>
-                          <m:sSubSup>
-                            <m:sSubSupPr>
+                          <m:sSub>
+                            <m:sSubPr>
                               <m:ctrlPr>
                                 <a:rPr lang="en-GB" sz="2800" i="1">
                                   <a:solidFill>
@@ -10302,7 +9771,7 @@
                                   <a:latin typeface="Cambria Math" panose="02040503050406030204" pitchFamily="18" charset="0"/>
                                 </a:rPr>
                               </m:ctrlPr>
-                            </m:sSubSupPr>
+                            </m:sSubPr>
                             <m:e>
                               <m:r>
                                 <a:rPr lang="en-GB" sz="2800" i="1">
@@ -10325,18 +9794,7 @@
                                 <m:t>𝐾</m:t>
                               </m:r>
                             </m:sub>
-                            <m:sup>
-                              <m:r>
-                                <a:rPr lang="en-GB" sz="2800" i="1">
-                                  <a:solidFill>
-                                    <a:srgbClr val="000000"/>
-                                  </a:solidFill>
-                                  <a:latin typeface="Cambria Math" panose="02040503050406030204" pitchFamily="18" charset="0"/>
-                                </a:rPr>
-                                <m:t>𝑌</m:t>
-                              </m:r>
-                            </m:sup>
-                          </m:sSubSup>
+                          </m:sSub>
                         </m:den>
                       </m:f>
                     </m:oMath>
@@ -10358,7 +9816,7 @@
             </p:nvSpPr>
             <p:spPr bwMode="auto">
               <a:xfrm>
-                <a:off x="1143000" y="4864100"/>
+                <a:off x="4814556" y="4313953"/>
                 <a:ext cx="2438400" cy="1003300"/>
               </a:xfrm>
               <a:prstGeom prst="rect">
@@ -14580,7 +14038,7 @@
                       <m:sSub>
                         <m:sSubPr>
                           <m:ctrlPr>
-                            <a:rPr lang="en-GB" sz="2800" i="1">
+                            <a:rPr lang="en-GB" sz="2800" i="1" smtClean="0">
                               <a:solidFill>
                                 <a:srgbClr val="000000"/>
                               </a:solidFill>
@@ -14803,13 +14261,13 @@
                             </m:sub>
                           </m:sSub>
                           <m:r>
-                            <a:rPr lang="en-GB" sz="2800" i="1">
-                              <a:solidFill>
-                                <a:srgbClr val="FF0000"/>
-                              </a:solidFill>
-                              <a:latin typeface="Cambria Math" panose="02040503050406030204" pitchFamily="18" charset="0"/>
-                            </a:rPr>
-                            <m:t>−</m:t>
+                            <a:rPr lang="en-GB" sz="2800" b="0" i="1" smtClean="0">
+                              <a:solidFill>
+                                <a:srgbClr val="000000"/>
+                              </a:solidFill>
+                              <a:latin typeface="Cambria Math" panose="02040503050406030204" pitchFamily="18" charset="0"/>
+                            </a:rPr>
+                            <m:t>+</m:t>
                           </m:r>
                           <m:r>
                             <a:rPr lang="en-GB" sz="2800" i="1">
@@ -14939,7 +14397,7 @@
                       <m:sSub>
                         <m:sSubPr>
                           <m:ctrlPr>
-                            <a:rPr lang="en-GB" sz="2800" i="1">
+                            <a:rPr lang="en-GB" sz="2800" i="1" smtClean="0">
                               <a:solidFill>
                                 <a:srgbClr val="000000"/>
                               </a:solidFill>
@@ -15335,7 +14793,7 @@
                           </a:solidFill>
                           <a:latin typeface="Cambria Math" panose="02040503050406030204" pitchFamily="18" charset="0"/>
                         </a:rPr>
-                        <m:t>=</m:t>
+                        <m:t>=−</m:t>
                       </m:r>
                       <m:sSub>
                         <m:sSubPr>
@@ -16011,7 +15469,7 @@
         </p:blipFill>
         <p:spPr>
           <a:xfrm flipH="1">
-            <a:off x="7558988" y="4807390"/>
+            <a:off x="7558988" y="4800600"/>
             <a:ext cx="1585012" cy="2050610"/>
           </a:xfrm>
           <a:prstGeom prst="rect">
@@ -16135,11 +15593,64 @@
               <a:rPr lang="de-DE" sz="2800" dirty="0">
                 <a:latin typeface="Candara" panose="020E0502030303020204" pitchFamily="34" charset="0"/>
               </a:rPr>
-              <a:t>) in case of externalities is known as the Pigou tax</a:t>
+              <a:t>) in case of externalities is known as the Pigou </a:t>
+            </a:r>
+            <a:r>
+              <a:rPr lang="de-DE" sz="2800" dirty="0" err="1">
+                <a:latin typeface="Candara" panose="020E0502030303020204" pitchFamily="34" charset="0"/>
+              </a:rPr>
+              <a:t>tax</a:t>
+            </a:r>
+            <a:endParaRPr lang="de-DE" sz="2800" dirty="0">
+              <a:latin typeface="Candara" panose="020E0502030303020204" pitchFamily="34" charset="0"/>
+            </a:endParaRPr>
+          </a:p>
+          <a:p>
+            <a:r>
+              <a:rPr lang="en-GB" sz="2800" dirty="0">
+                <a:latin typeface="Candara" panose="020E0502030303020204" pitchFamily="34" charset="0"/>
+              </a:rPr>
+              <a:t>Note that Pigou was thinking of agglomeration economies rather than externalities. The Pigou tax above is really due to Francis Bator</a:t>
             </a:r>
           </a:p>
         </p:txBody>
       </p:sp>
+      <p:pic>
+        <p:nvPicPr>
+          <p:cNvPr id="4" name="Picture 3" descr="A person in a suit and tie&#10;&#10;Description automatically generated">
+            <a:extLst>
+              <a:ext uri="{FF2B5EF4-FFF2-40B4-BE49-F238E27FC236}">
+                <a16:creationId xmlns:a16="http://schemas.microsoft.com/office/drawing/2014/main" id="{5D7438CD-03A5-42CE-F61B-8DA8F5467E02}"/>
+              </a:ext>
+            </a:extLst>
+          </p:cNvPr>
+          <p:cNvPicPr>
+            <a:picLocks noChangeAspect="1"/>
+          </p:cNvPicPr>
+          <p:nvPr/>
+        </p:nvPicPr>
+        <p:blipFill>
+          <a:blip r:embed="rId3" cstate="print">
+            <a:extLst>
+              <a:ext uri="{28A0092B-C50C-407E-A947-70E740481C1C}">
+                <a14:useLocalDpi xmlns:a14="http://schemas.microsoft.com/office/drawing/2010/main" val="0"/>
+              </a:ext>
+            </a:extLst>
+          </a:blip>
+          <a:stretch>
+            <a:fillRect/>
+          </a:stretch>
+        </p:blipFill>
+        <p:spPr>
+          <a:xfrm>
+            <a:off x="53009" y="4882927"/>
+            <a:ext cx="2910788" cy="1938630"/>
+          </a:xfrm>
+          <a:prstGeom prst="rect">
+            <a:avLst/>
+          </a:prstGeom>
+        </p:spPr>
+      </p:pic>
     </p:spTree>
   </p:cSld>
   <p:clrMapOvr>
@@ -16414,19 +15925,8 @@
               <a:rPr lang="de-DE" sz="2800" dirty="0">
                 <a:latin typeface="Candara" panose="020E0502030303020204" pitchFamily="34" charset="0"/>
               </a:rPr>
-              <a:t>Note that this is frequently referred to as the polluter pays principle</a:t>
-            </a:r>
-          </a:p>
-          <a:p>
-            <a:r>
-              <a:rPr lang="de-DE" sz="2800" dirty="0">
-                <a:latin typeface="Candara" panose="020E0502030303020204" pitchFamily="34" charset="0"/>
-              </a:rPr>
-              <a:t>Note also that this is not the same as compensation – firstly, the tax is paid to the government, not the victim – secondly, it is compensation at the margin</a:t>
-            </a:r>
-            <a:endParaRPr lang="en-GB" sz="2800" dirty="0">
-              <a:latin typeface="Candara" panose="020E0502030303020204" pitchFamily="34" charset="0"/>
-            </a:endParaRPr>
+              <a:t>Note that this is frequently, but incorrectly, referred to as the polluter pays principle</a:t>
+            </a:r>
           </a:p>
         </p:txBody>
       </p:sp>
@@ -16444,6 +15944,302 @@
 </file>
 
 <file path=ppt/slides/slide26.xml><?xml version="1.0" encoding="utf-8"?>
+<p:sld xmlns:a="http://schemas.openxmlformats.org/drawingml/2006/main" xmlns:r="http://schemas.openxmlformats.org/officeDocument/2006/relationships" xmlns:p="http://schemas.openxmlformats.org/presentationml/2006/main">
+  <p:cSld>
+    <p:spTree>
+      <p:nvGrpSpPr>
+        <p:cNvPr id="1" name=""/>
+        <p:cNvGrpSpPr/>
+        <p:nvPr/>
+      </p:nvGrpSpPr>
+      <p:grpSpPr>
+        <a:xfrm>
+          <a:off x="0" y="0"/>
+          <a:ext cx="0" cy="0"/>
+          <a:chOff x="0" y="0"/>
+          <a:chExt cx="0" cy="0"/>
+        </a:xfrm>
+      </p:grpSpPr>
+      <p:pic>
+        <p:nvPicPr>
+          <p:cNvPr id="2" name="Picture 1"/>
+          <p:cNvPicPr>
+            <a:picLocks noChangeAspect="1"/>
+          </p:cNvPicPr>
+          <p:nvPr/>
+        </p:nvPicPr>
+        <p:blipFill>
+          <a:blip r:embed="rId2" cstate="print">
+            <a:extLst>
+              <a:ext uri="{28A0092B-C50C-407E-A947-70E740481C1C}">
+                <a14:useLocalDpi xmlns:a14="http://schemas.microsoft.com/office/drawing/2010/main" val="0"/>
+              </a:ext>
+            </a:extLst>
+          </a:blip>
+          <a:stretch>
+            <a:fillRect/>
+          </a:stretch>
+        </p:blipFill>
+        <p:spPr>
+          <a:xfrm flipH="1">
+            <a:off x="7558988" y="0"/>
+            <a:ext cx="1585012" cy="2050610"/>
+          </a:xfrm>
+          <a:prstGeom prst="rect">
+            <a:avLst/>
+          </a:prstGeom>
+        </p:spPr>
+      </p:pic>
+      <p:sp>
+        <p:nvSpPr>
+          <p:cNvPr id="19458" name="Rectangle 2"/>
+          <p:cNvSpPr>
+            <a:spLocks noGrp="1" noChangeArrowheads="1"/>
+          </p:cNvSpPr>
+          <p:nvPr>
+            <p:ph type="title"/>
+          </p:nvPr>
+        </p:nvSpPr>
+        <p:spPr>
+          <a:xfrm>
+            <a:off x="685800" y="0"/>
+            <a:ext cx="7772400" cy="1143000"/>
+          </a:xfrm>
+        </p:spPr>
+        <p:txBody>
+          <a:bodyPr/>
+          <a:lstStyle/>
+          <a:p>
+            <a:r>
+              <a:rPr lang="de-DE" sz="3600" dirty="0">
+                <a:latin typeface="Candara" panose="020E0502030303020204" pitchFamily="34" charset="0"/>
+              </a:rPr>
+              <a:t>Pigou Tax</a:t>
+            </a:r>
+            <a:endParaRPr lang="en-GB" sz="3600" dirty="0">
+              <a:latin typeface="Candara" panose="020E0502030303020204" pitchFamily="34" charset="0"/>
+            </a:endParaRPr>
+          </a:p>
+        </p:txBody>
+      </p:sp>
+      <p:sp>
+        <p:nvSpPr>
+          <p:cNvPr id="19459" name="Rectangle 3"/>
+          <p:cNvSpPr>
+            <a:spLocks noGrp="1" noChangeArrowheads="1"/>
+          </p:cNvSpPr>
+          <p:nvPr>
+            <p:ph type="body" idx="1"/>
+          </p:nvPr>
+        </p:nvSpPr>
+        <p:spPr>
+          <a:xfrm>
+            <a:off x="0" y="914400"/>
+            <a:ext cx="7772400" cy="5486400"/>
+          </a:xfrm>
+        </p:spPr>
+        <p:txBody>
+          <a:bodyPr/>
+          <a:lstStyle/>
+          <a:p>
+            <a:r>
+              <a:rPr lang="de-DE" sz="2800" dirty="0">
+                <a:latin typeface="Candara" panose="020E0502030303020204" pitchFamily="34" charset="0"/>
+              </a:rPr>
+              <a:t>That tax that exactly restores the social optimum (</a:t>
+            </a:r>
+            <a:r>
+              <a:rPr lang="de-DE" sz="2800" i="1" dirty="0">
+                <a:solidFill>
+                  <a:srgbClr val="FF0000"/>
+                </a:solidFill>
+                <a:latin typeface="Candara" panose="020E0502030303020204" pitchFamily="34" charset="0"/>
+              </a:rPr>
+              <a:t>τ=P</a:t>
+            </a:r>
+            <a:r>
+              <a:rPr lang="de-DE" sz="2800" i="1" baseline="-25000" dirty="0">
+                <a:solidFill>
+                  <a:srgbClr val="FF0000"/>
+                </a:solidFill>
+                <a:latin typeface="Candara" panose="020E0502030303020204" pitchFamily="34" charset="0"/>
+              </a:rPr>
+              <a:t>X</a:t>
+            </a:r>
+            <a:r>
+              <a:rPr lang="de-DE" sz="2800" i="1" dirty="0">
+                <a:solidFill>
+                  <a:srgbClr val="FF0000"/>
+                </a:solidFill>
+                <a:latin typeface="Candara" panose="020E0502030303020204" pitchFamily="34" charset="0"/>
+              </a:rPr>
+              <a:t>X</a:t>
+            </a:r>
+            <a:r>
+              <a:rPr lang="de-DE" sz="2800" i="1" baseline="-25000" dirty="0">
+                <a:solidFill>
+                  <a:srgbClr val="FF0000"/>
+                </a:solidFill>
+                <a:latin typeface="Candara" panose="020E0502030303020204" pitchFamily="34" charset="0"/>
+              </a:rPr>
+              <a:t>M</a:t>
+            </a:r>
+            <a:r>
+              <a:rPr lang="de-DE" sz="2800" i="1" dirty="0">
+                <a:solidFill>
+                  <a:srgbClr val="FF0000"/>
+                </a:solidFill>
+                <a:latin typeface="Candara" panose="020E0502030303020204" pitchFamily="34" charset="0"/>
+              </a:rPr>
+              <a:t>M</a:t>
+            </a:r>
+            <a:r>
+              <a:rPr lang="de-DE" sz="2800" i="1" baseline="-25000" dirty="0">
+                <a:solidFill>
+                  <a:srgbClr val="FF0000"/>
+                </a:solidFill>
+                <a:latin typeface="Candara" panose="020E0502030303020204" pitchFamily="34" charset="0"/>
+              </a:rPr>
+              <a:t>L</a:t>
+            </a:r>
+            <a:r>
+              <a:rPr lang="de-DE" sz="2800" dirty="0">
+                <a:latin typeface="Candara" panose="020E0502030303020204" pitchFamily="34" charset="0"/>
+              </a:rPr>
+              <a:t>) in case of externalities is known as the Pigou tax</a:t>
+            </a:r>
+          </a:p>
+          <a:p>
+            <a:r>
+              <a:rPr lang="de-DE" sz="2800" dirty="0">
+                <a:latin typeface="Candara" panose="020E0502030303020204" pitchFamily="34" charset="0"/>
+              </a:rPr>
+              <a:t>Buchanan thought that the victims of pollution should be compensated, but Baumol showed that this is not the case</a:t>
+            </a:r>
+          </a:p>
+          <a:p>
+            <a:r>
+              <a:rPr lang="de-DE" sz="2800" dirty="0">
+                <a:latin typeface="Candara" panose="020E0502030303020204" pitchFamily="34" charset="0"/>
+              </a:rPr>
+              <a:t>The Pigou tax restores efficiency</a:t>
+            </a:r>
+          </a:p>
+          <a:p>
+            <a:r>
+              <a:rPr lang="de-DE" sz="2800" dirty="0">
+                <a:latin typeface="Candara" panose="020E0502030303020204" pitchFamily="34" charset="0"/>
+              </a:rPr>
+              <a:t>Compensation is a lump-sum transfer</a:t>
+            </a:r>
+          </a:p>
+          <a:p>
+            <a:r>
+              <a:rPr lang="de-DE" sz="2800" dirty="0">
+                <a:latin typeface="Candara" panose="020E0502030303020204" pitchFamily="34" charset="0"/>
+              </a:rPr>
+              <a:t>This income transfer could go to the victims or to the government</a:t>
+            </a:r>
+          </a:p>
+          <a:p>
+            <a:r>
+              <a:rPr lang="de-DE" sz="2800" dirty="0">
+                <a:latin typeface="Candara" panose="020E0502030303020204" pitchFamily="34" charset="0"/>
+              </a:rPr>
+              <a:t>Second Welfare Theorem: A Pareto optimum in either case</a:t>
+            </a:r>
+            <a:endParaRPr lang="en-GB" sz="2800" dirty="0">
+              <a:latin typeface="Candara" panose="020E0502030303020204" pitchFamily="34" charset="0"/>
+            </a:endParaRPr>
+          </a:p>
+        </p:txBody>
+      </p:sp>
+      <p:pic>
+        <p:nvPicPr>
+          <p:cNvPr id="4" name="Picture 3" descr="A person wearing a suit and tie smiling and looking at the camera&#10;&#10;Description automatically generated">
+            <a:extLst>
+              <a:ext uri="{FF2B5EF4-FFF2-40B4-BE49-F238E27FC236}">
+                <a16:creationId xmlns:a16="http://schemas.microsoft.com/office/drawing/2014/main" id="{1408A207-430B-4ACB-85BC-FDF90F6DBED0}"/>
+              </a:ext>
+            </a:extLst>
+          </p:cNvPr>
+          <p:cNvPicPr>
+            <a:picLocks noChangeAspect="1"/>
+          </p:cNvPicPr>
+          <p:nvPr/>
+        </p:nvPicPr>
+        <p:blipFill>
+          <a:blip r:embed="rId3" cstate="print">
+            <a:extLst>
+              <a:ext uri="{28A0092B-C50C-407E-A947-70E740481C1C}">
+                <a14:useLocalDpi xmlns:a14="http://schemas.microsoft.com/office/drawing/2010/main" val="0"/>
+              </a:ext>
+            </a:extLst>
+          </a:blip>
+          <a:stretch>
+            <a:fillRect/>
+          </a:stretch>
+        </p:blipFill>
+        <p:spPr>
+          <a:xfrm>
+            <a:off x="7696201" y="2062919"/>
+            <a:ext cx="1258794" cy="1888192"/>
+          </a:xfrm>
+          <a:prstGeom prst="rect">
+            <a:avLst/>
+          </a:prstGeom>
+        </p:spPr>
+      </p:pic>
+      <p:pic>
+        <p:nvPicPr>
+          <p:cNvPr id="6" name="Picture 5" descr="A person wearing a suit and tie smiling and looking at the camera&#10;&#10;Description automatically generated">
+            <a:extLst>
+              <a:ext uri="{FF2B5EF4-FFF2-40B4-BE49-F238E27FC236}">
+                <a16:creationId xmlns:a16="http://schemas.microsoft.com/office/drawing/2014/main" id="{9CA23AED-64D2-4E14-BA5C-CEC91E8551DA}"/>
+              </a:ext>
+            </a:extLst>
+          </p:cNvPr>
+          <p:cNvPicPr>
+            <a:picLocks noChangeAspect="1"/>
+          </p:cNvPicPr>
+          <p:nvPr/>
+        </p:nvPicPr>
+        <p:blipFill>
+          <a:blip r:embed="rId4" cstate="print">
+            <a:extLst>
+              <a:ext uri="{28A0092B-C50C-407E-A947-70E740481C1C}">
+                <a14:useLocalDpi xmlns:a14="http://schemas.microsoft.com/office/drawing/2010/main" val="0"/>
+              </a:ext>
+            </a:extLst>
+          </a:blip>
+          <a:stretch>
+            <a:fillRect/>
+          </a:stretch>
+        </p:blipFill>
+        <p:spPr>
+          <a:xfrm>
+            <a:off x="7679147" y="4017823"/>
+            <a:ext cx="1275847" cy="1773377"/>
+          </a:xfrm>
+          <a:prstGeom prst="rect">
+            <a:avLst/>
+          </a:prstGeom>
+        </p:spPr>
+      </p:pic>
+    </p:spTree>
+    <p:extLst>
+      <p:ext uri="{BB962C8B-B14F-4D97-AF65-F5344CB8AC3E}">
+        <p14:creationId xmlns:p14="http://schemas.microsoft.com/office/powerpoint/2010/main" val="211620500"/>
+      </p:ext>
+    </p:extLst>
+  </p:cSld>
+  <p:clrMapOvr>
+    <a:masterClrMapping/>
+  </p:clrMapOvr>
+</p:sld>
+</file>
+
+<file path=ppt/slides/slide27.xml><?xml version="1.0" encoding="utf-8"?>
 <p:sld xmlns:a="http://schemas.openxmlformats.org/drawingml/2006/main" xmlns:r="http://schemas.openxmlformats.org/officeDocument/2006/relationships" xmlns:p="http://schemas.openxmlformats.org/presentationml/2006/main">
   <p:cSld>
     <p:spTree>
@@ -16672,8 +16468,8 @@
 </p:sld>
 </file>
 
-<file path=ppt/slides/slide27.xml><?xml version="1.0" encoding="utf-8"?>
-<p:sld xmlns:a="http://schemas.openxmlformats.org/drawingml/2006/main" xmlns:r="http://schemas.openxmlformats.org/officeDocument/2006/relationships" xmlns:p="http://schemas.openxmlformats.org/presentationml/2006/main">
+<file path=ppt/slides/slide28.xml><?xml version="1.0" encoding="utf-8"?>
+<p:sld xmlns:a="http://schemas.openxmlformats.org/drawingml/2006/main" xmlns:r="http://schemas.openxmlformats.org/officeDocument/2006/relationships" xmlns:p="http://schemas.openxmlformats.org/presentationml/2006/main" show="0">
   <p:cSld>
     <p:spTree>
       <p:nvGrpSpPr>
@@ -16815,7 +16611,7 @@
 </p:sld>
 </file>
 
-<file path=ppt/slides/slide28.xml><?xml version="1.0" encoding="utf-8"?>
+<file path=ppt/slides/slide29.xml><?xml version="1.0" encoding="utf-8"?>
 <p:sld xmlns:a="http://schemas.openxmlformats.org/drawingml/2006/main" xmlns:r="http://schemas.openxmlformats.org/officeDocument/2006/relationships" xmlns:p="http://schemas.openxmlformats.org/presentationml/2006/main">
   <p:cSld>
     <p:spTree>
@@ -16963,7 +16759,7 @@
           <p:nvPr>
             <p:extLst>
               <p:ext uri="{D42A27DB-BD31-4B8C-83A1-F6EECF244321}">
-                <p14:modId xmlns:p14="http://schemas.microsoft.com/office/powerpoint/2010/main" val="2187740972"/>
+                <p14:modId xmlns:p14="http://schemas.microsoft.com/office/powerpoint/2010/main" val="2223521084"/>
               </p:ext>
             </p:extLst>
           </p:nvPr>
@@ -17405,22 +17201,15 @@
                         <a:rPr lang="en-US" sz="2800" dirty="0">
                           <a:latin typeface="Candara" panose="020E0502030303020204" pitchFamily="34" charset="0"/>
                         </a:rPr>
-                        <a:t>Congest</a:t>
+                        <a:t>Club</a:t>
                       </a:r>
-                      <a:r>
-                        <a:rPr lang="en-US" sz="2800" dirty="0">
-                          <a:solidFill>
-                            <a:schemeClr val="bg1"/>
-                          </a:solidFill>
-                          <a:latin typeface="Candara" panose="020E0502030303020204" pitchFamily="34" charset="0"/>
-                        </a:rPr>
-                        <a:t>ible</a:t>
-                      </a:r>
+                    </a:p>
+                    <a:p>
                       <a:r>
                         <a:rPr lang="en-US" sz="2800" dirty="0">
                           <a:latin typeface="Candara" panose="020E0502030303020204" pitchFamily="34" charset="0"/>
                         </a:rPr>
-                        <a:t> resource</a:t>
+                        <a:t>good</a:t>
                       </a:r>
                       <a:endParaRPr lang="en-US" sz="2800" dirty="0">
                         <a:solidFill>
@@ -17557,19 +17346,7 @@
               <a:rPr lang="en-US" sz="2800" dirty="0">
                 <a:latin typeface="Candara" panose="020E0502030303020204" pitchFamily="34" charset="0"/>
               </a:rPr>
-              <a:t>The problem with public goods is that they are underprovided – because the provider is not sufficiently rewarded – and </a:t>
-            </a:r>
-            <a:r>
-              <a:rPr lang="en-US" sz="2800" dirty="0" err="1">
-                <a:latin typeface="Candara" panose="020E0502030303020204" pitchFamily="34" charset="0"/>
-              </a:rPr>
-              <a:t>overconsumed</a:t>
-            </a:r>
-            <a:r>
-              <a:rPr lang="en-US" sz="2800" dirty="0">
-                <a:latin typeface="Candara" panose="020E0502030303020204" pitchFamily="34" charset="0"/>
-              </a:rPr>
-              <a:t> – because the consumer is not sufficient deterred</a:t>
+              <a:t>The problem with public goods is that they are underprovided – because the provider is not sufficiently rewarded – and overconsumed – because the consumer is not sufficiently deterred</a:t>
             </a:r>
           </a:p>
         </p:txBody>
@@ -17605,167 +17382,6 @@
         </p:spPr>
       </p:pic>
     </p:spTree>
-  </p:cSld>
-  <p:clrMapOvr>
-    <a:masterClrMapping/>
-  </p:clrMapOvr>
-</p:sld>
-</file>
-
-<file path=ppt/slides/slide29.xml><?xml version="1.0" encoding="utf-8"?>
-<p:sld xmlns:a="http://schemas.openxmlformats.org/drawingml/2006/main" xmlns:r="http://schemas.openxmlformats.org/officeDocument/2006/relationships" xmlns:p="http://schemas.openxmlformats.org/presentationml/2006/main">
-  <p:cSld>
-    <p:spTree>
-      <p:nvGrpSpPr>
-        <p:cNvPr id="1" name=""/>
-        <p:cNvGrpSpPr/>
-        <p:nvPr/>
-      </p:nvGrpSpPr>
-      <p:grpSpPr>
-        <a:xfrm>
-          <a:off x="0" y="0"/>
-          <a:ext cx="0" cy="0"/>
-          <a:chOff x="0" y="0"/>
-          <a:chExt cx="0" cy="0"/>
-        </a:xfrm>
-      </p:grpSpPr>
-      <p:sp>
-        <p:nvSpPr>
-          <p:cNvPr id="20482" name="Rectangle 2"/>
-          <p:cNvSpPr>
-            <a:spLocks noGrp="1" noChangeArrowheads="1"/>
-          </p:cNvSpPr>
-          <p:nvPr>
-            <p:ph type="title"/>
-          </p:nvPr>
-        </p:nvSpPr>
-        <p:spPr>
-          <a:xfrm>
-            <a:off x="685800" y="0"/>
-            <a:ext cx="7772400" cy="1143000"/>
-          </a:xfrm>
-        </p:spPr>
-        <p:txBody>
-          <a:bodyPr/>
-          <a:lstStyle/>
-          <a:p>
-            <a:r>
-              <a:rPr lang="de-DE" sz="3600" dirty="0">
-                <a:latin typeface="Candara" panose="020E0502030303020204" pitchFamily="34" charset="0"/>
-              </a:rPr>
-              <a:t>Public Goods</a:t>
-            </a:r>
-            <a:endParaRPr lang="en-GB" sz="3600" dirty="0">
-              <a:latin typeface="Candara" panose="020E0502030303020204" pitchFamily="34" charset="0"/>
-            </a:endParaRPr>
-          </a:p>
-        </p:txBody>
-      </p:sp>
-      <p:sp>
-        <p:nvSpPr>
-          <p:cNvPr id="20483" name="Rectangle 3"/>
-          <p:cNvSpPr>
-            <a:spLocks noGrp="1" noChangeArrowheads="1"/>
-          </p:cNvSpPr>
-          <p:nvPr>
-            <p:ph type="body" idx="1"/>
-          </p:nvPr>
-        </p:nvSpPr>
-        <p:spPr>
-          <a:xfrm>
-            <a:off x="685800" y="1066800"/>
-            <a:ext cx="7772400" cy="4114800"/>
-          </a:xfrm>
-        </p:spPr>
-        <p:txBody>
-          <a:bodyPr/>
-          <a:lstStyle/>
-          <a:p>
-            <a:pPr>
-              <a:lnSpc>
-                <a:spcPct val="90000"/>
-              </a:lnSpc>
-            </a:pPr>
-            <a:r>
-              <a:rPr lang="de-DE" sz="2800" dirty="0">
-                <a:latin typeface="Candara" panose="020E0502030303020204" pitchFamily="34" charset="0"/>
-              </a:rPr>
-              <a:t>Underprovision</a:t>
-            </a:r>
-          </a:p>
-          <a:p>
-            <a:pPr lvl="1">
-              <a:lnSpc>
-                <a:spcPct val="90000"/>
-              </a:lnSpc>
-            </a:pPr>
-            <a:r>
-              <a:rPr lang="de-DE" sz="2400" dirty="0">
-                <a:latin typeface="Candara" panose="020E0502030303020204" pitchFamily="34" charset="0"/>
-              </a:rPr>
-              <a:t>The provider gets only a fraction of the benefits of her investment, the rest going to others, and therefore invests less</a:t>
-            </a:r>
-          </a:p>
-          <a:p>
-            <a:pPr lvl="1">
-              <a:lnSpc>
-                <a:spcPct val="90000"/>
-              </a:lnSpc>
-            </a:pPr>
-            <a:r>
-              <a:rPr lang="de-DE" sz="2400" dirty="0">
-                <a:latin typeface="Candara" panose="020E0502030303020204" pitchFamily="34" charset="0"/>
-              </a:rPr>
-              <a:t>A social planner counts the total benefit and thus invests more</a:t>
-            </a:r>
-          </a:p>
-          <a:p>
-            <a:pPr>
-              <a:lnSpc>
-                <a:spcPct val="90000"/>
-              </a:lnSpc>
-            </a:pPr>
-            <a:r>
-              <a:rPr lang="de-DE" sz="2800" dirty="0">
-                <a:latin typeface="Candara" panose="020E0502030303020204" pitchFamily="34" charset="0"/>
-              </a:rPr>
-              <a:t>Overconsumption</a:t>
-            </a:r>
-          </a:p>
-          <a:p>
-            <a:pPr lvl="1">
-              <a:lnSpc>
-                <a:spcPct val="90000"/>
-              </a:lnSpc>
-            </a:pPr>
-            <a:r>
-              <a:rPr lang="de-DE" sz="2400" dirty="0">
-                <a:latin typeface="Candara" panose="020E0502030303020204" pitchFamily="34" charset="0"/>
-              </a:rPr>
-              <a:t>The consumer feels only a fraction of the losses imposed by her decisions, the rest being felt by others, and therefore consumes more</a:t>
-            </a:r>
-          </a:p>
-          <a:p>
-            <a:pPr lvl="1">
-              <a:lnSpc>
-                <a:spcPct val="90000"/>
-              </a:lnSpc>
-            </a:pPr>
-            <a:r>
-              <a:rPr lang="de-DE" sz="2400" dirty="0">
-                <a:latin typeface="Candara" panose="020E0502030303020204" pitchFamily="34" charset="0"/>
-              </a:rPr>
-              <a:t>A social planner counts the total cost and thus consume less</a:t>
-            </a:r>
-          </a:p>
-        </p:txBody>
-      </p:sp>
-    </p:spTree>
-    <p:extLst>
-      <p:ext uri="{BB962C8B-B14F-4D97-AF65-F5344CB8AC3E}">
-        <p14:creationId xmlns:p14="http://schemas.microsoft.com/office/powerpoint/2010/main" val="2780503917"/>
-      </p:ext>
-    </p:extLst>
   </p:cSld>
   <p:clrMapOvr>
     <a:masterClrMapping/>
@@ -18003,6 +17619,167 @@
 </file>
 
 <file path=ppt/slides/slide30.xml><?xml version="1.0" encoding="utf-8"?>
+<p:sld xmlns:a="http://schemas.openxmlformats.org/drawingml/2006/main" xmlns:r="http://schemas.openxmlformats.org/officeDocument/2006/relationships" xmlns:p="http://schemas.openxmlformats.org/presentationml/2006/main">
+  <p:cSld>
+    <p:spTree>
+      <p:nvGrpSpPr>
+        <p:cNvPr id="1" name=""/>
+        <p:cNvGrpSpPr/>
+        <p:nvPr/>
+      </p:nvGrpSpPr>
+      <p:grpSpPr>
+        <a:xfrm>
+          <a:off x="0" y="0"/>
+          <a:ext cx="0" cy="0"/>
+          <a:chOff x="0" y="0"/>
+          <a:chExt cx="0" cy="0"/>
+        </a:xfrm>
+      </p:grpSpPr>
+      <p:sp>
+        <p:nvSpPr>
+          <p:cNvPr id="20482" name="Rectangle 2"/>
+          <p:cNvSpPr>
+            <a:spLocks noGrp="1" noChangeArrowheads="1"/>
+          </p:cNvSpPr>
+          <p:nvPr>
+            <p:ph type="title"/>
+          </p:nvPr>
+        </p:nvSpPr>
+        <p:spPr>
+          <a:xfrm>
+            <a:off x="685800" y="0"/>
+            <a:ext cx="7772400" cy="1143000"/>
+          </a:xfrm>
+        </p:spPr>
+        <p:txBody>
+          <a:bodyPr/>
+          <a:lstStyle/>
+          <a:p>
+            <a:r>
+              <a:rPr lang="de-DE" sz="3600" dirty="0">
+                <a:latin typeface="Candara" panose="020E0502030303020204" pitchFamily="34" charset="0"/>
+              </a:rPr>
+              <a:t>Public Goods</a:t>
+            </a:r>
+            <a:endParaRPr lang="en-GB" sz="3600" dirty="0">
+              <a:latin typeface="Candara" panose="020E0502030303020204" pitchFamily="34" charset="0"/>
+            </a:endParaRPr>
+          </a:p>
+        </p:txBody>
+      </p:sp>
+      <p:sp>
+        <p:nvSpPr>
+          <p:cNvPr id="20483" name="Rectangle 3"/>
+          <p:cNvSpPr>
+            <a:spLocks noGrp="1" noChangeArrowheads="1"/>
+          </p:cNvSpPr>
+          <p:nvPr>
+            <p:ph type="body" idx="1"/>
+          </p:nvPr>
+        </p:nvSpPr>
+        <p:spPr>
+          <a:xfrm>
+            <a:off x="685800" y="1066800"/>
+            <a:ext cx="7772400" cy="4114800"/>
+          </a:xfrm>
+        </p:spPr>
+        <p:txBody>
+          <a:bodyPr/>
+          <a:lstStyle/>
+          <a:p>
+            <a:pPr>
+              <a:lnSpc>
+                <a:spcPct val="90000"/>
+              </a:lnSpc>
+            </a:pPr>
+            <a:r>
+              <a:rPr lang="de-DE" sz="2800" dirty="0">
+                <a:latin typeface="Candara" panose="020E0502030303020204" pitchFamily="34" charset="0"/>
+              </a:rPr>
+              <a:t>Underprovision</a:t>
+            </a:r>
+          </a:p>
+          <a:p>
+            <a:pPr lvl="1">
+              <a:lnSpc>
+                <a:spcPct val="90000"/>
+              </a:lnSpc>
+            </a:pPr>
+            <a:r>
+              <a:rPr lang="de-DE" sz="2400" dirty="0">
+                <a:latin typeface="Candara" panose="020E0502030303020204" pitchFamily="34" charset="0"/>
+              </a:rPr>
+              <a:t>The provider gets only a fraction of the benefits of her investment, the rest going to others, and therefore invests less</a:t>
+            </a:r>
+          </a:p>
+          <a:p>
+            <a:pPr lvl="1">
+              <a:lnSpc>
+                <a:spcPct val="90000"/>
+              </a:lnSpc>
+            </a:pPr>
+            <a:r>
+              <a:rPr lang="de-DE" sz="2400" dirty="0">
+                <a:latin typeface="Candara" panose="020E0502030303020204" pitchFamily="34" charset="0"/>
+              </a:rPr>
+              <a:t>A social planner counts the total benefit and thus invests more</a:t>
+            </a:r>
+          </a:p>
+          <a:p>
+            <a:pPr>
+              <a:lnSpc>
+                <a:spcPct val="90000"/>
+              </a:lnSpc>
+            </a:pPr>
+            <a:r>
+              <a:rPr lang="de-DE" sz="2800" dirty="0">
+                <a:latin typeface="Candara" panose="020E0502030303020204" pitchFamily="34" charset="0"/>
+              </a:rPr>
+              <a:t>Overconsumption</a:t>
+            </a:r>
+          </a:p>
+          <a:p>
+            <a:pPr lvl="1">
+              <a:lnSpc>
+                <a:spcPct val="90000"/>
+              </a:lnSpc>
+            </a:pPr>
+            <a:r>
+              <a:rPr lang="de-DE" sz="2400" dirty="0">
+                <a:latin typeface="Candara" panose="020E0502030303020204" pitchFamily="34" charset="0"/>
+              </a:rPr>
+              <a:t>The consumer feels only a fraction of the losses imposed by her decisions, the rest being felt by others, and therefore consumes more</a:t>
+            </a:r>
+          </a:p>
+          <a:p>
+            <a:pPr lvl="1">
+              <a:lnSpc>
+                <a:spcPct val="90000"/>
+              </a:lnSpc>
+            </a:pPr>
+            <a:r>
+              <a:rPr lang="de-DE" sz="2400" dirty="0">
+                <a:latin typeface="Candara" panose="020E0502030303020204" pitchFamily="34" charset="0"/>
+              </a:rPr>
+              <a:t>A social planner counts the total cost and thus consume less</a:t>
+            </a:r>
+          </a:p>
+        </p:txBody>
+      </p:sp>
+    </p:spTree>
+    <p:extLst>
+      <p:ext uri="{BB962C8B-B14F-4D97-AF65-F5344CB8AC3E}">
+        <p14:creationId xmlns:p14="http://schemas.microsoft.com/office/powerpoint/2010/main" val="2780503917"/>
+      </p:ext>
+    </p:extLst>
+  </p:cSld>
+  <p:clrMapOvr>
+    <a:masterClrMapping/>
+  </p:clrMapOvr>
+</p:sld>
+</file>
+
+<file path=ppt/slides/slide31.xml><?xml version="1.0" encoding="utf-8"?>
 <p:sld xmlns:a="http://schemas.openxmlformats.org/drawingml/2006/main" xmlns:r="http://schemas.openxmlformats.org/officeDocument/2006/relationships" xmlns:p="http://schemas.openxmlformats.org/presentationml/2006/main">
   <p:cSld>
     <p:spTree>
@@ -18331,7 +18108,7 @@
 </p:sld>
 </file>
 
-<file path=ppt/slides/slide31.xml><?xml version="1.0" encoding="utf-8"?>
+<file path=ppt/slides/slide32.xml><?xml version="1.0" encoding="utf-8"?>
 <p:sld xmlns:a="http://schemas.openxmlformats.org/drawingml/2006/main" xmlns:r="http://schemas.openxmlformats.org/officeDocument/2006/relationships" xmlns:p="http://schemas.openxmlformats.org/presentationml/2006/main">
   <p:cSld>
     <p:spTree>
@@ -18408,7 +18185,7 @@
 </p:sld>
 </file>
 
-<file path=ppt/slides/slide32.xml><?xml version="1.0" encoding="utf-8"?>
+<file path=ppt/slides/slide33.xml><?xml version="1.0" encoding="utf-8"?>
 <p:sld xmlns:a="http://schemas.openxmlformats.org/drawingml/2006/main" xmlns:r="http://schemas.openxmlformats.org/officeDocument/2006/relationships" xmlns:p="http://schemas.openxmlformats.org/presentationml/2006/main">
   <p:cSld>
     <p:spTree>
@@ -18811,7 +18588,7 @@
 </p:sld>
 </file>
 
-<file path=ppt/slides/slide33.xml><?xml version="1.0" encoding="utf-8"?>
+<file path=ppt/slides/slide34.xml><?xml version="1.0" encoding="utf-8"?>
 <p:sld xmlns:a="http://schemas.openxmlformats.org/drawingml/2006/main" xmlns:r="http://schemas.openxmlformats.org/officeDocument/2006/relationships" xmlns:p="http://schemas.openxmlformats.org/presentationml/2006/main">
   <p:cSld>
     <p:spTree>
@@ -19040,7 +18817,7 @@
 </p:sld>
 </file>
 
-<file path=ppt/slides/slide34.xml><?xml version="1.0" encoding="utf-8"?>
+<file path=ppt/slides/slide35.xml><?xml version="1.0" encoding="utf-8"?>
 <p:sld xmlns:a="http://schemas.openxmlformats.org/drawingml/2006/main" xmlns:r="http://schemas.openxmlformats.org/officeDocument/2006/relationships" xmlns:p="http://schemas.openxmlformats.org/presentationml/2006/main">
   <p:cSld>
     <p:spTree>
@@ -19452,7 +19229,7 @@
 </p:sld>
 </file>
 
-<file path=ppt/slides/slide35.xml><?xml version="1.0" encoding="utf-8"?>
+<file path=ppt/slides/slide36.xml><?xml version="1.0" encoding="utf-8"?>
 <p:sld xmlns:a="http://schemas.openxmlformats.org/drawingml/2006/main" xmlns:r="http://schemas.openxmlformats.org/officeDocument/2006/relationships" xmlns:p="http://schemas.openxmlformats.org/presentationml/2006/main">
   <p:cSld>
     <p:spTree>
@@ -19864,7 +19641,7 @@
 </p:sld>
 </file>
 
-<file path=ppt/slides/slide36.xml><?xml version="1.0" encoding="utf-8"?>
+<file path=ppt/slides/slide37.xml><?xml version="1.0" encoding="utf-8"?>
 <p:sld xmlns:a="http://schemas.openxmlformats.org/drawingml/2006/main" xmlns:r="http://schemas.openxmlformats.org/officeDocument/2006/relationships" xmlns:p="http://schemas.openxmlformats.org/presentationml/2006/main">
   <p:cSld>
     <p:spTree>
@@ -20276,7 +20053,7 @@
 </p:sld>
 </file>
 
-<file path=ppt/slides/slide37.xml><?xml version="1.0" encoding="utf-8"?>
+<file path=ppt/slides/slide38.xml><?xml version="1.0" encoding="utf-8"?>
 <p:sld xmlns:a="http://schemas.openxmlformats.org/drawingml/2006/main" xmlns:r="http://schemas.openxmlformats.org/officeDocument/2006/relationships" xmlns:p="http://schemas.openxmlformats.org/presentationml/2006/main">
   <p:cSld>
     <p:spTree>
@@ -20688,7 +20465,7 @@
 </p:sld>
 </file>
 
-<file path=ppt/slides/slide38.xml><?xml version="1.0" encoding="utf-8"?>
+<file path=ppt/slides/slide39.xml><?xml version="1.0" encoding="utf-8"?>
 <p:sld xmlns:a="http://schemas.openxmlformats.org/drawingml/2006/main" xmlns:r="http://schemas.openxmlformats.org/officeDocument/2006/relationships" xmlns:p="http://schemas.openxmlformats.org/presentationml/2006/main">
   <p:cSld>
     <p:spTree>
@@ -21600,167 +21377,6 @@
 </p:sld>
 </file>
 
-<file path=ppt/slides/slide39.xml><?xml version="1.0" encoding="utf-8"?>
-<p:sld xmlns:a="http://schemas.openxmlformats.org/drawingml/2006/main" xmlns:r="http://schemas.openxmlformats.org/officeDocument/2006/relationships" xmlns:p="http://schemas.openxmlformats.org/presentationml/2006/main">
-  <p:cSld>
-    <p:spTree>
-      <p:nvGrpSpPr>
-        <p:cNvPr id="1" name=""/>
-        <p:cNvGrpSpPr/>
-        <p:nvPr/>
-      </p:nvGrpSpPr>
-      <p:grpSpPr>
-        <a:xfrm>
-          <a:off x="0" y="0"/>
-          <a:ext cx="0" cy="0"/>
-          <a:chOff x="0" y="0"/>
-          <a:chExt cx="0" cy="0"/>
-        </a:xfrm>
-      </p:grpSpPr>
-      <p:sp>
-        <p:nvSpPr>
-          <p:cNvPr id="20482" name="Rectangle 2"/>
-          <p:cNvSpPr>
-            <a:spLocks noGrp="1" noChangeArrowheads="1"/>
-          </p:cNvSpPr>
-          <p:nvPr>
-            <p:ph type="title"/>
-          </p:nvPr>
-        </p:nvSpPr>
-        <p:spPr>
-          <a:xfrm>
-            <a:off x="685800" y="0"/>
-            <a:ext cx="7772400" cy="1143000"/>
-          </a:xfrm>
-        </p:spPr>
-        <p:txBody>
-          <a:bodyPr/>
-          <a:lstStyle/>
-          <a:p>
-            <a:r>
-              <a:rPr lang="de-DE" sz="3600" dirty="0">
-                <a:latin typeface="Candara" panose="020E0502030303020204" pitchFamily="34" charset="0"/>
-              </a:rPr>
-              <a:t>Public Goods</a:t>
-            </a:r>
-            <a:endParaRPr lang="en-GB" sz="3600" dirty="0">
-              <a:latin typeface="Candara" panose="020E0502030303020204" pitchFamily="34" charset="0"/>
-            </a:endParaRPr>
-          </a:p>
-        </p:txBody>
-      </p:sp>
-      <p:sp>
-        <p:nvSpPr>
-          <p:cNvPr id="20483" name="Rectangle 3"/>
-          <p:cNvSpPr>
-            <a:spLocks noGrp="1" noChangeArrowheads="1"/>
-          </p:cNvSpPr>
-          <p:nvPr>
-            <p:ph type="body" idx="1"/>
-          </p:nvPr>
-        </p:nvSpPr>
-        <p:spPr>
-          <a:xfrm>
-            <a:off x="685800" y="1066800"/>
-            <a:ext cx="7772400" cy="4114800"/>
-          </a:xfrm>
-        </p:spPr>
-        <p:txBody>
-          <a:bodyPr/>
-          <a:lstStyle/>
-          <a:p>
-            <a:pPr>
-              <a:lnSpc>
-                <a:spcPct val="90000"/>
-              </a:lnSpc>
-            </a:pPr>
-            <a:r>
-              <a:rPr lang="de-DE" sz="2800" dirty="0">
-                <a:latin typeface="Candara" panose="020E0502030303020204" pitchFamily="34" charset="0"/>
-              </a:rPr>
-              <a:t>Underprovision</a:t>
-            </a:r>
-          </a:p>
-          <a:p>
-            <a:pPr lvl="1">
-              <a:lnSpc>
-                <a:spcPct val="90000"/>
-              </a:lnSpc>
-            </a:pPr>
-            <a:r>
-              <a:rPr lang="de-DE" sz="2400" dirty="0">
-                <a:latin typeface="Candara" panose="020E0502030303020204" pitchFamily="34" charset="0"/>
-              </a:rPr>
-              <a:t>The provider gets only a fraction of the benefits of her investment, the rest going to others, and therefore invests less</a:t>
-            </a:r>
-          </a:p>
-          <a:p>
-            <a:pPr lvl="1">
-              <a:lnSpc>
-                <a:spcPct val="90000"/>
-              </a:lnSpc>
-            </a:pPr>
-            <a:r>
-              <a:rPr lang="de-DE" sz="2400" dirty="0">
-                <a:latin typeface="Candara" panose="020E0502030303020204" pitchFamily="34" charset="0"/>
-              </a:rPr>
-              <a:t>A social planner counts the total benefit and thus invests more</a:t>
-            </a:r>
-          </a:p>
-          <a:p>
-            <a:pPr>
-              <a:lnSpc>
-                <a:spcPct val="90000"/>
-              </a:lnSpc>
-            </a:pPr>
-            <a:r>
-              <a:rPr lang="de-DE" sz="2800" dirty="0">
-                <a:latin typeface="Candara" panose="020E0502030303020204" pitchFamily="34" charset="0"/>
-              </a:rPr>
-              <a:t>Overconsumption</a:t>
-            </a:r>
-          </a:p>
-          <a:p>
-            <a:pPr lvl="1">
-              <a:lnSpc>
-                <a:spcPct val="90000"/>
-              </a:lnSpc>
-            </a:pPr>
-            <a:r>
-              <a:rPr lang="de-DE" sz="2400" dirty="0">
-                <a:latin typeface="Candara" panose="020E0502030303020204" pitchFamily="34" charset="0"/>
-              </a:rPr>
-              <a:t>The consumer feels only a fraction of the losses imposed by her decisions, the rest being felt by others, and therefore consumes more</a:t>
-            </a:r>
-          </a:p>
-          <a:p>
-            <a:pPr lvl="1">
-              <a:lnSpc>
-                <a:spcPct val="90000"/>
-              </a:lnSpc>
-            </a:pPr>
-            <a:r>
-              <a:rPr lang="de-DE" sz="2400" dirty="0">
-                <a:latin typeface="Candara" panose="020E0502030303020204" pitchFamily="34" charset="0"/>
-              </a:rPr>
-              <a:t>A social planner counts the total cost and thus consume less</a:t>
-            </a:r>
-          </a:p>
-        </p:txBody>
-      </p:sp>
-    </p:spTree>
-    <p:extLst>
-      <p:ext uri="{BB962C8B-B14F-4D97-AF65-F5344CB8AC3E}">
-        <p14:creationId xmlns:p14="http://schemas.microsoft.com/office/powerpoint/2010/main" val="3542461388"/>
-      </p:ext>
-    </p:extLst>
-  </p:cSld>
-  <p:clrMapOvr>
-    <a:masterClrMapping/>
-  </p:clrMapOvr>
-</p:sld>
-</file>
-
 <file path=ppt/slides/slide4.xml><?xml version="1.0" encoding="utf-8"?>
 <p:sld xmlns:a="http://schemas.openxmlformats.org/drawingml/2006/main" xmlns:r="http://schemas.openxmlformats.org/officeDocument/2006/relationships" xmlns:p="http://schemas.openxmlformats.org/presentationml/2006/main">
   <p:cSld>
@@ -21905,6 +21521,167 @@
 </file>
 
 <file path=ppt/slides/slide40.xml><?xml version="1.0" encoding="utf-8"?>
+<p:sld xmlns:a="http://schemas.openxmlformats.org/drawingml/2006/main" xmlns:r="http://schemas.openxmlformats.org/officeDocument/2006/relationships" xmlns:p="http://schemas.openxmlformats.org/presentationml/2006/main">
+  <p:cSld>
+    <p:spTree>
+      <p:nvGrpSpPr>
+        <p:cNvPr id="1" name=""/>
+        <p:cNvGrpSpPr/>
+        <p:nvPr/>
+      </p:nvGrpSpPr>
+      <p:grpSpPr>
+        <a:xfrm>
+          <a:off x="0" y="0"/>
+          <a:ext cx="0" cy="0"/>
+          <a:chOff x="0" y="0"/>
+          <a:chExt cx="0" cy="0"/>
+        </a:xfrm>
+      </p:grpSpPr>
+      <p:sp>
+        <p:nvSpPr>
+          <p:cNvPr id="20482" name="Rectangle 2"/>
+          <p:cNvSpPr>
+            <a:spLocks noGrp="1" noChangeArrowheads="1"/>
+          </p:cNvSpPr>
+          <p:nvPr>
+            <p:ph type="title"/>
+          </p:nvPr>
+        </p:nvSpPr>
+        <p:spPr>
+          <a:xfrm>
+            <a:off x="685800" y="0"/>
+            <a:ext cx="7772400" cy="1143000"/>
+          </a:xfrm>
+        </p:spPr>
+        <p:txBody>
+          <a:bodyPr/>
+          <a:lstStyle/>
+          <a:p>
+            <a:r>
+              <a:rPr lang="de-DE" sz="3600" dirty="0">
+                <a:latin typeface="Candara" panose="020E0502030303020204" pitchFamily="34" charset="0"/>
+              </a:rPr>
+              <a:t>Public Goods</a:t>
+            </a:r>
+            <a:endParaRPr lang="en-GB" sz="3600" dirty="0">
+              <a:latin typeface="Candara" panose="020E0502030303020204" pitchFamily="34" charset="0"/>
+            </a:endParaRPr>
+          </a:p>
+        </p:txBody>
+      </p:sp>
+      <p:sp>
+        <p:nvSpPr>
+          <p:cNvPr id="20483" name="Rectangle 3"/>
+          <p:cNvSpPr>
+            <a:spLocks noGrp="1" noChangeArrowheads="1"/>
+          </p:cNvSpPr>
+          <p:nvPr>
+            <p:ph type="body" idx="1"/>
+          </p:nvPr>
+        </p:nvSpPr>
+        <p:spPr>
+          <a:xfrm>
+            <a:off x="685800" y="1066800"/>
+            <a:ext cx="7772400" cy="4114800"/>
+          </a:xfrm>
+        </p:spPr>
+        <p:txBody>
+          <a:bodyPr/>
+          <a:lstStyle/>
+          <a:p>
+            <a:pPr>
+              <a:lnSpc>
+                <a:spcPct val="90000"/>
+              </a:lnSpc>
+            </a:pPr>
+            <a:r>
+              <a:rPr lang="de-DE" sz="2800" dirty="0">
+                <a:latin typeface="Candara" panose="020E0502030303020204" pitchFamily="34" charset="0"/>
+              </a:rPr>
+              <a:t>Underprovision</a:t>
+            </a:r>
+          </a:p>
+          <a:p>
+            <a:pPr lvl="1">
+              <a:lnSpc>
+                <a:spcPct val="90000"/>
+              </a:lnSpc>
+            </a:pPr>
+            <a:r>
+              <a:rPr lang="de-DE" sz="2400" dirty="0">
+                <a:latin typeface="Candara" panose="020E0502030303020204" pitchFamily="34" charset="0"/>
+              </a:rPr>
+              <a:t>The provider gets only a fraction of the benefits of her investment, the rest going to others, and therefore invests less</a:t>
+            </a:r>
+          </a:p>
+          <a:p>
+            <a:pPr lvl="1">
+              <a:lnSpc>
+                <a:spcPct val="90000"/>
+              </a:lnSpc>
+            </a:pPr>
+            <a:r>
+              <a:rPr lang="de-DE" sz="2400" dirty="0">
+                <a:latin typeface="Candara" panose="020E0502030303020204" pitchFamily="34" charset="0"/>
+              </a:rPr>
+              <a:t>A social planner counts the total benefit and thus invests more</a:t>
+            </a:r>
+          </a:p>
+          <a:p>
+            <a:pPr>
+              <a:lnSpc>
+                <a:spcPct val="90000"/>
+              </a:lnSpc>
+            </a:pPr>
+            <a:r>
+              <a:rPr lang="de-DE" sz="2800" dirty="0">
+                <a:latin typeface="Candara" panose="020E0502030303020204" pitchFamily="34" charset="0"/>
+              </a:rPr>
+              <a:t>Overconsumption</a:t>
+            </a:r>
+          </a:p>
+          <a:p>
+            <a:pPr lvl="1">
+              <a:lnSpc>
+                <a:spcPct val="90000"/>
+              </a:lnSpc>
+            </a:pPr>
+            <a:r>
+              <a:rPr lang="de-DE" sz="2400" dirty="0">
+                <a:latin typeface="Candara" panose="020E0502030303020204" pitchFamily="34" charset="0"/>
+              </a:rPr>
+              <a:t>The consumer feels only a fraction of the losses imposed by her decisions, the rest being felt by others, and therefore consumes more</a:t>
+            </a:r>
+          </a:p>
+          <a:p>
+            <a:pPr lvl="1">
+              <a:lnSpc>
+                <a:spcPct val="90000"/>
+              </a:lnSpc>
+            </a:pPr>
+            <a:r>
+              <a:rPr lang="de-DE" sz="2400" dirty="0">
+                <a:latin typeface="Candara" panose="020E0502030303020204" pitchFamily="34" charset="0"/>
+              </a:rPr>
+              <a:t>A social planner counts the total cost and thus consume less</a:t>
+            </a:r>
+          </a:p>
+        </p:txBody>
+      </p:sp>
+    </p:spTree>
+    <p:extLst>
+      <p:ext uri="{BB962C8B-B14F-4D97-AF65-F5344CB8AC3E}">
+        <p14:creationId xmlns:p14="http://schemas.microsoft.com/office/powerpoint/2010/main" val="3542461388"/>
+      </p:ext>
+    </p:extLst>
+  </p:cSld>
+  <p:clrMapOvr>
+    <a:masterClrMapping/>
+  </p:clrMapOvr>
+</p:sld>
+</file>
+
+<file path=ppt/slides/slide41.xml><?xml version="1.0" encoding="utf-8"?>
 <p:sld xmlns:a="http://schemas.openxmlformats.org/drawingml/2006/main" xmlns:r="http://schemas.openxmlformats.org/officeDocument/2006/relationships" xmlns:p="http://schemas.openxmlformats.org/presentationml/2006/main">
   <p:cSld>
     <p:spTree>
@@ -22006,7 +21783,7 @@
 </p:sld>
 </file>
 
-<file path=ppt/slides/slide41.xml><?xml version="1.0" encoding="utf-8"?>
+<file path=ppt/slides/slide42.xml><?xml version="1.0" encoding="utf-8"?>
 <p:sld xmlns:a="http://schemas.openxmlformats.org/drawingml/2006/main" xmlns:r="http://schemas.openxmlformats.org/officeDocument/2006/relationships" xmlns:p="http://schemas.openxmlformats.org/presentationml/2006/main">
   <p:cSld>
     <p:spTree>
@@ -22081,7 +21858,7 @@
               </a:lnSpc>
             </a:pPr>
             <a:r>
-              <a:rPr lang="de-DE" sz="2800" dirty="0">
+              <a:rPr lang="en-GB" sz="2800" dirty="0">
                 <a:latin typeface="Candara" panose="020E0502030303020204" pitchFamily="34" charset="0"/>
               </a:rPr>
               <a:t>Public goods</a:t>
@@ -22094,7 +21871,7 @@
               </a:lnSpc>
             </a:pPr>
             <a:r>
-              <a:rPr lang="de-DE" sz="2400" dirty="0">
+              <a:rPr lang="en-GB" sz="2400" dirty="0">
                 <a:latin typeface="Candara" panose="020E0502030303020204" pitchFamily="34" charset="0"/>
               </a:rPr>
               <a:t>Public provision from tax revenue</a:t>
@@ -22107,7 +21884,7 @@
               </a:lnSpc>
             </a:pPr>
             <a:r>
-              <a:rPr lang="de-DE" sz="2800" dirty="0">
+              <a:rPr lang="en-GB" sz="2800" dirty="0">
                 <a:latin typeface="Candara" panose="020E0502030303020204" pitchFamily="34" charset="0"/>
               </a:rPr>
               <a:t>Common goods</a:t>
@@ -22120,10 +21897,10 @@
               </a:lnSpc>
             </a:pPr>
             <a:r>
-              <a:rPr lang="de-DE" sz="2400" dirty="0">
-                <a:latin typeface="Candara" panose="020E0502030303020204" pitchFamily="34" charset="0"/>
-              </a:rPr>
-              <a:t>Regulate access with tradable access quota</a:t>
+              <a:rPr lang="en-GB" sz="2400" dirty="0">
+                <a:latin typeface="Candara" panose="020E0502030303020204" pitchFamily="34" charset="0"/>
+              </a:rPr>
+              <a:t>Regulate access with tradable access quota; a tax on use</a:t>
             </a:r>
           </a:p>
           <a:p>
@@ -22133,10 +21910,10 @@
               </a:lnSpc>
             </a:pPr>
             <a:r>
-              <a:rPr lang="de-DE" sz="2800" dirty="0">
-                <a:latin typeface="Candara" panose="020E0502030303020204" pitchFamily="34" charset="0"/>
-              </a:rPr>
-              <a:t>Congestion goods</a:t>
+              <a:rPr lang="en-GB" sz="2800" dirty="0">
+                <a:latin typeface="Candara" panose="020E0502030303020204" pitchFamily="34" charset="0"/>
+              </a:rPr>
+              <a:t>Club goods</a:t>
             </a:r>
           </a:p>
           <a:p>
@@ -22146,10 +21923,10 @@
               </a:lnSpc>
             </a:pPr>
             <a:r>
-              <a:rPr lang="de-DE" sz="2400" dirty="0">
-                <a:latin typeface="Candara" panose="020E0502030303020204" pitchFamily="34" charset="0"/>
-              </a:rPr>
-              <a:t>Tax on use</a:t>
+              <a:rPr lang="en-GB" sz="2400" dirty="0">
+                <a:latin typeface="Candara" panose="020E0502030303020204" pitchFamily="34" charset="0"/>
+              </a:rPr>
+              <a:t>Health and safety regulation</a:t>
             </a:r>
           </a:p>
         </p:txBody>
@@ -22167,7 +21944,7 @@
 </p:sld>
 </file>
 
-<file path=ppt/slides/slide42.xml><?xml version="1.0" encoding="utf-8"?>
+<file path=ppt/slides/slide43.xml><?xml version="1.0" encoding="utf-8"?>
 <p:sld xmlns:a="http://schemas.openxmlformats.org/drawingml/2006/main" xmlns:r="http://schemas.openxmlformats.org/officeDocument/2006/relationships" xmlns:p="http://schemas.openxmlformats.org/presentationml/2006/main">
   <p:cSld>
     <p:spTree>
@@ -22393,7 +22170,7 @@
         </p:blipFill>
         <p:spPr>
           <a:xfrm>
-            <a:off x="6858000" y="3941254"/>
+            <a:off x="6862709" y="3958106"/>
             <a:ext cx="2267893" cy="2888171"/>
           </a:xfrm>
           <a:prstGeom prst="rect">
@@ -22446,7 +22223,7 @@
         <p:spPr>
           <a:xfrm>
             <a:off x="685800" y="1219200"/>
-            <a:ext cx="7772400" cy="4114800"/>
+            <a:ext cx="7772400" cy="5181600"/>
           </a:xfrm>
         </p:spPr>
         <p:txBody>
@@ -22466,6 +22243,22 @@
                 <a:latin typeface="Candara" panose="020E0502030303020204" pitchFamily="34" charset="0"/>
               </a:rPr>
               <a:t>The Pareto optimum exhausts all Pareto improvements</a:t>
+            </a:r>
+          </a:p>
+          <a:p>
+            <a:r>
+              <a:rPr lang="de-DE" sz="2800" dirty="0">
+                <a:latin typeface="Candara" panose="020E0502030303020204" pitchFamily="34" charset="0"/>
+              </a:rPr>
+              <a:t>A perfect market is efficient</a:t>
+            </a:r>
+          </a:p>
+          <a:p>
+            <a:r>
+              <a:rPr lang="de-DE" sz="2800" dirty="0">
+                <a:latin typeface="Candara" panose="020E0502030303020204" pitchFamily="34" charset="0"/>
+              </a:rPr>
+              <a:t>This is the First Welfare Theorem</a:t>
             </a:r>
             <a:endParaRPr lang="en-GB" sz="2800" dirty="0">
               <a:latin typeface="Candara" panose="020E0502030303020204" pitchFamily="34" charset="0"/>
@@ -25113,14 +24906,17 @@
               <a:rPr lang="de-DE" sz="2800" dirty="0">
                 <a:latin typeface="Candara" panose="020E0502030303020204" pitchFamily="34" charset="0"/>
               </a:rPr>
-              <a:t>Marginal utility ratio equals marginal production cost ratio, </a:t>
-            </a:r>
-            <a:r>
-              <a:rPr lang="de-DE" sz="2800" i="1" dirty="0">
-                <a:latin typeface="Candara" panose="020E0502030303020204" pitchFamily="34" charset="0"/>
-              </a:rPr>
-              <a:t>MRS = MRT</a:t>
-            </a:r>
+              <a:t>Marginal utility ratio equals marginal production </a:t>
+            </a:r>
+            <a:r>
+              <a:rPr lang="de-DE" sz="2800">
+                <a:latin typeface="Candara" panose="020E0502030303020204" pitchFamily="34" charset="0"/>
+              </a:rPr>
+              <a:t>cost ratio</a:t>
+            </a:r>
+            <a:endParaRPr lang="de-DE" sz="2800" i="1" dirty="0">
+              <a:latin typeface="Candara" panose="020E0502030303020204" pitchFamily="34" charset="0"/>
+            </a:endParaRPr>
           </a:p>
           <a:p>
             <a:r>
